--- a/InterimPresentation.pptx
+++ b/InterimPresentation.pptx
@@ -5,16 +5,17 @@
     <p:sldMasterId id="2147483648" r:id="rId1"/>
   </p:sldMasterIdLst>
   <p:notesMasterIdLst>
-    <p:notesMasterId r:id="rId6"/>
+    <p:notesMasterId r:id="rId7"/>
   </p:notesMasterIdLst>
   <p:handoutMasterIdLst>
-    <p:handoutMasterId r:id="rId7"/>
+    <p:handoutMasterId r:id="rId8"/>
   </p:handoutMasterIdLst>
   <p:sldIdLst>
     <p:sldId id="1947" r:id="rId2"/>
     <p:sldId id="1949" r:id="rId3"/>
-    <p:sldId id="1950" r:id="rId4"/>
-    <p:sldId id="1951" r:id="rId5"/>
+    <p:sldId id="1952" r:id="rId4"/>
+    <p:sldId id="1950" r:id="rId5"/>
+    <p:sldId id="1951" r:id="rId6"/>
   </p:sldIdLst>
   <p:sldSz cx="9144000" cy="6858000" type="screen4x3"/>
   <p:notesSz cx="6858000" cy="9661525"/>
@@ -24,7 +25,7 @@
     </p:custShow>
   </p:custShowLst>
   <p:custDataLst>
-    <p:tags r:id="rId8"/>
+    <p:tags r:id="rId9"/>
   </p:custDataLst>
   <p:defaultTextStyle>
     <a:defPPr>
@@ -153,7 +154,7 @@
   </p:defaultTextStyle>
   <p:extLst>
     <p:ext uri="{EFAFB233-063F-42B5-8137-9DF3F51BA10A}">
-      <p15:sldGuideLst xmlns="" xmlns:p15="http://schemas.microsoft.com/office/powerpoint/2012/main">
+      <p15:sldGuideLst xmlns:p15="http://schemas.microsoft.com/office/powerpoint/2012/main">
         <p15:guide id="1" orient="horz" pos="119">
           <p15:clr>
             <a:srgbClr val="A4A3A4"/>
@@ -222,7 +223,7 @@
       </p15:sldGuideLst>
     </p:ext>
     <p:ext uri="{2D200454-40CA-4A62-9FC3-DE9A4176ACB9}">
-      <p15:notesGuideLst xmlns="" xmlns:p15="http://schemas.microsoft.com/office/powerpoint/2012/main">
+      <p15:notesGuideLst xmlns:p15="http://schemas.microsoft.com/office/powerpoint/2012/main">
         <p15:guide id="1" orient="horz" pos="3043">
           <p15:clr>
             <a:srgbClr val="A4A3A4"/>
@@ -289,14 +290,14 @@
           <a:effectLst/>
           <a:extLst>
             <a:ext uri="{909E8E84-426E-40dd-AFC4-6F175D3DCCD1}">
-              <a14:hiddenFill xmlns:a14="http://schemas.microsoft.com/office/drawing/2010/main" xmlns="">
+              <a14:hiddenFill xmlns="" xmlns:a14="http://schemas.microsoft.com/office/drawing/2010/main">
                 <a:solidFill>
                   <a:schemeClr val="accent1"/>
                 </a:solidFill>
               </a14:hiddenFill>
             </a:ext>
             <a:ext uri="{91240B29-F687-4f45-9708-019B960494DF}">
-              <a14:hiddenLine xmlns:a14="http://schemas.microsoft.com/office/drawing/2010/main" xmlns="" w="9525">
+              <a14:hiddenLine xmlns="" xmlns:a14="http://schemas.microsoft.com/office/drawing/2010/main" w="9525">
                 <a:solidFill>
                   <a:schemeClr val="tx1"/>
                 </a:solidFill>
@@ -306,7 +307,7 @@
               </a14:hiddenLine>
             </a:ext>
             <a:ext uri="{AF507438-7753-43e0-B8FC-AC1667EBCBE1}">
-              <a14:hiddenEffects xmlns:a14="http://schemas.microsoft.com/office/drawing/2010/main" xmlns="">
+              <a14:hiddenEffects xmlns="" xmlns:a14="http://schemas.microsoft.com/office/drawing/2010/main">
                 <a:effectLst>
                   <a:outerShdw blurRad="63500" dist="38099" dir="2700000" algn="ctr" rotWithShape="0">
                     <a:schemeClr val="bg2">
@@ -317,7 +318,7 @@
               </a14:hiddenEffects>
             </a:ext>
             <a:ext uri="{FAA26D3D-D897-4be2-8F04-BA451C77F1D7}">
-              <ma14:placeholderFlag xmlns:ma14="http://schemas.microsoft.com/office/mac/drawingml/2011/main" xmlns="" val="1"/>
+              <ma14:placeholderFlag xmlns="" xmlns:ma14="http://schemas.microsoft.com/office/mac/drawingml/2011/main" val="1"/>
             </a:ext>
           </a:extLst>
         </p:spPr>
@@ -367,14 +368,14 @@
           <a:effectLst/>
           <a:extLst>
             <a:ext uri="{909E8E84-426E-40dd-AFC4-6F175D3DCCD1}">
-              <a14:hiddenFill xmlns:a14="http://schemas.microsoft.com/office/drawing/2010/main" xmlns="">
+              <a14:hiddenFill xmlns="" xmlns:a14="http://schemas.microsoft.com/office/drawing/2010/main">
                 <a:solidFill>
                   <a:schemeClr val="accent1"/>
                 </a:solidFill>
               </a14:hiddenFill>
             </a:ext>
             <a:ext uri="{91240B29-F687-4f45-9708-019B960494DF}">
-              <a14:hiddenLine xmlns:a14="http://schemas.microsoft.com/office/drawing/2010/main" xmlns="" w="9525">
+              <a14:hiddenLine xmlns="" xmlns:a14="http://schemas.microsoft.com/office/drawing/2010/main" w="9525">
                 <a:solidFill>
                   <a:schemeClr val="tx1"/>
                 </a:solidFill>
@@ -384,7 +385,7 @@
               </a14:hiddenLine>
             </a:ext>
             <a:ext uri="{AF507438-7753-43e0-B8FC-AC1667EBCBE1}">
-              <a14:hiddenEffects xmlns:a14="http://schemas.microsoft.com/office/drawing/2010/main" xmlns="">
+              <a14:hiddenEffects xmlns="" xmlns:a14="http://schemas.microsoft.com/office/drawing/2010/main">
                 <a:effectLst>
                   <a:outerShdw blurRad="63500" dist="38099" dir="2700000" algn="ctr" rotWithShape="0">
                     <a:schemeClr val="bg2">
@@ -395,7 +396,7 @@
               </a14:hiddenEffects>
             </a:ext>
             <a:ext uri="{FAA26D3D-D897-4be2-8F04-BA451C77F1D7}">
-              <ma14:placeholderFlag xmlns:ma14="http://schemas.microsoft.com/office/mac/drawingml/2011/main" xmlns="" val="1"/>
+              <ma14:placeholderFlag xmlns="" xmlns:ma14="http://schemas.microsoft.com/office/mac/drawingml/2011/main" val="1"/>
             </a:ext>
           </a:extLst>
         </p:spPr>
@@ -445,14 +446,14 @@
           <a:effectLst/>
           <a:extLst>
             <a:ext uri="{909E8E84-426E-40dd-AFC4-6F175D3DCCD1}">
-              <a14:hiddenFill xmlns:a14="http://schemas.microsoft.com/office/drawing/2010/main" xmlns="">
+              <a14:hiddenFill xmlns="" xmlns:a14="http://schemas.microsoft.com/office/drawing/2010/main">
                 <a:solidFill>
                   <a:schemeClr val="accent1"/>
                 </a:solidFill>
               </a14:hiddenFill>
             </a:ext>
             <a:ext uri="{91240B29-F687-4f45-9708-019B960494DF}">
-              <a14:hiddenLine xmlns:a14="http://schemas.microsoft.com/office/drawing/2010/main" xmlns="" w="9525">
+              <a14:hiddenLine xmlns="" xmlns:a14="http://schemas.microsoft.com/office/drawing/2010/main" w="9525">
                 <a:solidFill>
                   <a:schemeClr val="tx1"/>
                 </a:solidFill>
@@ -462,7 +463,7 @@
               </a14:hiddenLine>
             </a:ext>
             <a:ext uri="{AF507438-7753-43e0-B8FC-AC1667EBCBE1}">
-              <a14:hiddenEffects xmlns:a14="http://schemas.microsoft.com/office/drawing/2010/main" xmlns="">
+              <a14:hiddenEffects xmlns="" xmlns:a14="http://schemas.microsoft.com/office/drawing/2010/main">
                 <a:effectLst>
                   <a:outerShdw blurRad="63500" dist="38099" dir="2700000" algn="ctr" rotWithShape="0">
                     <a:schemeClr val="bg2">
@@ -473,7 +474,7 @@
               </a14:hiddenEffects>
             </a:ext>
             <a:ext uri="{FAA26D3D-D897-4be2-8F04-BA451C77F1D7}">
-              <ma14:placeholderFlag xmlns:ma14="http://schemas.microsoft.com/office/mac/drawingml/2011/main" xmlns="" val="1"/>
+              <ma14:placeholderFlag xmlns="" xmlns:ma14="http://schemas.microsoft.com/office/mac/drawingml/2011/main" val="1"/>
             </a:ext>
           </a:extLst>
         </p:spPr>
@@ -523,14 +524,14 @@
           <a:effectLst/>
           <a:extLst>
             <a:ext uri="{909E8E84-426E-40dd-AFC4-6F175D3DCCD1}">
-              <a14:hiddenFill xmlns:a14="http://schemas.microsoft.com/office/drawing/2010/main" xmlns="">
+              <a14:hiddenFill xmlns="" xmlns:a14="http://schemas.microsoft.com/office/drawing/2010/main">
                 <a:solidFill>
                   <a:schemeClr val="accent1"/>
                 </a:solidFill>
               </a14:hiddenFill>
             </a:ext>
             <a:ext uri="{91240B29-F687-4f45-9708-019B960494DF}">
-              <a14:hiddenLine xmlns:a14="http://schemas.microsoft.com/office/drawing/2010/main" xmlns="" w="9525">
+              <a14:hiddenLine xmlns="" xmlns:a14="http://schemas.microsoft.com/office/drawing/2010/main" w="9525">
                 <a:solidFill>
                   <a:schemeClr val="tx1"/>
                 </a:solidFill>
@@ -540,7 +541,7 @@
               </a14:hiddenLine>
             </a:ext>
             <a:ext uri="{AF507438-7753-43e0-B8FC-AC1667EBCBE1}">
-              <a14:hiddenEffects xmlns:a14="http://schemas.microsoft.com/office/drawing/2010/main" xmlns="">
+              <a14:hiddenEffects xmlns="" xmlns:a14="http://schemas.microsoft.com/office/drawing/2010/main">
                 <a:effectLst>
                   <a:outerShdw blurRad="63500" dist="38099" dir="2700000" algn="ctr" rotWithShape="0">
                     <a:schemeClr val="bg2">
@@ -551,7 +552,7 @@
               </a14:hiddenEffects>
             </a:ext>
             <a:ext uri="{FAA26D3D-D897-4be2-8F04-BA451C77F1D7}">
-              <ma14:placeholderFlag xmlns:ma14="http://schemas.microsoft.com/office/mac/drawingml/2011/main" xmlns="" val="1"/>
+              <ma14:placeholderFlag xmlns="" xmlns:ma14="http://schemas.microsoft.com/office/mac/drawingml/2011/main" val="1"/>
             </a:ext>
           </a:extLst>
         </p:spPr>
@@ -584,7 +585,7 @@
     </p:spTree>
     <p:extLst>
       <p:ext uri="{BB962C8B-B14F-4D97-AF65-F5344CB8AC3E}">
-        <p14:creationId xmlns="" xmlns:p14="http://schemas.microsoft.com/office/powerpoint/2010/main" val="2623944537"/>
+        <p14:creationId xmlns:p14="http://schemas.microsoft.com/office/powerpoint/2010/main" val="2623944537"/>
       </p:ext>
     </p:extLst>
   </p:cSld>
@@ -647,7 +648,7 @@
           <a:effectLst/>
           <a:extLst>
             <a:ext uri="{AF507438-7753-43e0-B8FC-AC1667EBCBE1}">
-              <a14:hiddenEffects xmlns:a14="http://schemas.microsoft.com/office/drawing/2010/main" xmlns="">
+              <a14:hiddenEffects xmlns="" xmlns:a14="http://schemas.microsoft.com/office/drawing/2010/main">
                 <a:effectLst>
                   <a:outerShdw blurRad="63500" dist="38099" dir="2700000" algn="ctr" rotWithShape="0">
                     <a:srgbClr val="000000">
@@ -658,7 +659,7 @@
               </a14:hiddenEffects>
             </a:ext>
             <a:ext uri="{53640926-AAD7-44d8-BBD7-CCE9431645EC}">
-              <a14:shadowObscured xmlns:a14="http://schemas.microsoft.com/office/drawing/2010/main" xmlns="" val="1"/>
+              <a14:shadowObscured xmlns="" xmlns:a14="http://schemas.microsoft.com/office/drawing/2010/main" val="1"/>
             </a:ext>
           </a:extLst>
         </p:spPr>
@@ -688,14 +689,14 @@
           <a:effectLst/>
           <a:extLst>
             <a:ext uri="{909E8E84-426E-40dd-AFC4-6F175D3DCCD1}">
-              <a14:hiddenFill xmlns:a14="http://schemas.microsoft.com/office/drawing/2010/main" xmlns="">
+              <a14:hiddenFill xmlns="" xmlns:a14="http://schemas.microsoft.com/office/drawing/2010/main">
                 <a:solidFill>
                   <a:schemeClr val="accent1"/>
                 </a:solidFill>
               </a14:hiddenFill>
             </a:ext>
             <a:ext uri="{91240B29-F687-4f45-9708-019B960494DF}">
-              <a14:hiddenLine xmlns:a14="http://schemas.microsoft.com/office/drawing/2010/main" xmlns="" w="9525">
+              <a14:hiddenLine xmlns="" xmlns:a14="http://schemas.microsoft.com/office/drawing/2010/main" w="9525">
                 <a:solidFill>
                   <a:schemeClr val="tx1"/>
                 </a:solidFill>
@@ -705,7 +706,7 @@
               </a14:hiddenLine>
             </a:ext>
             <a:ext uri="{AF507438-7753-43e0-B8FC-AC1667EBCBE1}">
-              <a14:hiddenEffects xmlns:a14="http://schemas.microsoft.com/office/drawing/2010/main" xmlns="">
+              <a14:hiddenEffects xmlns="" xmlns:a14="http://schemas.microsoft.com/office/drawing/2010/main">
                 <a:effectLst>
                   <a:outerShdw blurRad="63500" dist="38099" dir="2700000" algn="ctr" rotWithShape="0">
                     <a:schemeClr val="bg2">
@@ -716,7 +717,7 @@
               </a14:hiddenEffects>
             </a:ext>
             <a:ext uri="{FAA26D3D-D897-4be2-8F04-BA451C77F1D7}">
-              <ma14:placeholderFlag xmlns:ma14="http://schemas.microsoft.com/office/mac/drawingml/2011/main" xmlns="" val="1"/>
+              <ma14:placeholderFlag xmlns="" xmlns:ma14="http://schemas.microsoft.com/office/mac/drawingml/2011/main" val="1"/>
             </a:ext>
           </a:extLst>
         </p:spPr>
@@ -739,7 +740,7 @@
     </p:spTree>
     <p:extLst>
       <p:ext uri="{BB962C8B-B14F-4D97-AF65-F5344CB8AC3E}">
-        <p14:creationId xmlns="" xmlns:p14="http://schemas.microsoft.com/office/powerpoint/2010/main" val="1612218178"/>
+        <p14:creationId xmlns:p14="http://schemas.microsoft.com/office/powerpoint/2010/main" val="1612218178"/>
       </p:ext>
     </p:extLst>
   </p:cSld>
@@ -959,7 +960,7 @@
           <p:cNvPr id="8" name="Inhaltsplatzhalter 7">
             <a:extLst>
               <a:ext uri="{FF2B5EF4-FFF2-40B4-BE49-F238E27FC236}">
-                <a16:creationId xmlns="" xmlns:a16="http://schemas.microsoft.com/office/drawing/2014/main" id="{3BDC0EC7-4908-BF4F-9C97-5A659E4EFB33}"/>
+                <a16:creationId xmlns:a16="http://schemas.microsoft.com/office/drawing/2014/main" id="{3BDC0EC7-4908-BF4F-9C97-5A659E4EFB33}"/>
               </a:ext>
             </a:extLst>
           </p:cNvPr>
@@ -1046,7 +1047,7 @@
           <p:cNvPr id="9" name="Textfeld 8">
             <a:extLst>
               <a:ext uri="{FF2B5EF4-FFF2-40B4-BE49-F238E27FC236}">
-                <a16:creationId xmlns="" xmlns:a16="http://schemas.microsoft.com/office/drawing/2014/main" id="{CDFCBA60-F2B9-0540-B242-1262C366CC74}"/>
+                <a16:creationId xmlns:a16="http://schemas.microsoft.com/office/drawing/2014/main" id="{CDFCBA60-F2B9-0540-B242-1262C366CC74}"/>
               </a:ext>
             </a:extLst>
           </p:cNvPr>
@@ -1088,7 +1089,7 @@
           <p:cNvPr id="15" name="Textplatzhalter 14">
             <a:extLst>
               <a:ext uri="{FF2B5EF4-FFF2-40B4-BE49-F238E27FC236}">
-                <a16:creationId xmlns="" xmlns:a16="http://schemas.microsoft.com/office/drawing/2014/main" id="{48661F07-037C-1744-B00D-EB26BB45FDE8}"/>
+                <a16:creationId xmlns:a16="http://schemas.microsoft.com/office/drawing/2014/main" id="{48661F07-037C-1744-B00D-EB26BB45FDE8}"/>
               </a:ext>
             </a:extLst>
           </p:cNvPr>
@@ -1134,7 +1135,7 @@
     </p:spTree>
     <p:extLst>
       <p:ext uri="{BB962C8B-B14F-4D97-AF65-F5344CB8AC3E}">
-        <p14:creationId xmlns="" xmlns:p14="http://schemas.microsoft.com/office/powerpoint/2010/main" val="451353095"/>
+        <p14:creationId xmlns:p14="http://schemas.microsoft.com/office/powerpoint/2010/main" val="451353095"/>
       </p:ext>
     </p:extLst>
   </p:cSld>
@@ -1237,7 +1238,7 @@
           <p:cNvPr id="15" name="Textplatzhalter 14">
             <a:extLst>
               <a:ext uri="{FF2B5EF4-FFF2-40B4-BE49-F238E27FC236}">
-                <a16:creationId xmlns="" xmlns:a16="http://schemas.microsoft.com/office/drawing/2014/main" id="{48661F07-037C-1744-B00D-EB26BB45FDE8}"/>
+                <a16:creationId xmlns:a16="http://schemas.microsoft.com/office/drawing/2014/main" id="{48661F07-037C-1744-B00D-EB26BB45FDE8}"/>
               </a:ext>
             </a:extLst>
           </p:cNvPr>
@@ -1283,7 +1284,7 @@
     </p:spTree>
     <p:extLst>
       <p:ext uri="{BB962C8B-B14F-4D97-AF65-F5344CB8AC3E}">
-        <p14:creationId xmlns="" xmlns:p14="http://schemas.microsoft.com/office/powerpoint/2010/main" val="1875893249"/>
+        <p14:creationId xmlns:p14="http://schemas.microsoft.com/office/powerpoint/2010/main" val="1875893249"/>
       </p:ext>
     </p:extLst>
   </p:cSld>
@@ -1386,7 +1387,7 @@
           <p:cNvPr id="8" name="Inhaltsplatzhalter 7">
             <a:extLst>
               <a:ext uri="{FF2B5EF4-FFF2-40B4-BE49-F238E27FC236}">
-                <a16:creationId xmlns="" xmlns:a16="http://schemas.microsoft.com/office/drawing/2014/main" id="{3BDC0EC7-4908-BF4F-9C97-5A659E4EFB33}"/>
+                <a16:creationId xmlns:a16="http://schemas.microsoft.com/office/drawing/2014/main" id="{3BDC0EC7-4908-BF4F-9C97-5A659E4EFB33}"/>
               </a:ext>
             </a:extLst>
           </p:cNvPr>
@@ -1473,7 +1474,7 @@
           <p:cNvPr id="9" name="Textfeld 8">
             <a:extLst>
               <a:ext uri="{FF2B5EF4-FFF2-40B4-BE49-F238E27FC236}">
-                <a16:creationId xmlns="" xmlns:a16="http://schemas.microsoft.com/office/drawing/2014/main" id="{CDFCBA60-F2B9-0540-B242-1262C366CC74}"/>
+                <a16:creationId xmlns:a16="http://schemas.microsoft.com/office/drawing/2014/main" id="{CDFCBA60-F2B9-0540-B242-1262C366CC74}"/>
               </a:ext>
             </a:extLst>
           </p:cNvPr>
@@ -1515,7 +1516,7 @@
           <p:cNvPr id="15" name="Textplatzhalter 14">
             <a:extLst>
               <a:ext uri="{FF2B5EF4-FFF2-40B4-BE49-F238E27FC236}">
-                <a16:creationId xmlns="" xmlns:a16="http://schemas.microsoft.com/office/drawing/2014/main" id="{48661F07-037C-1744-B00D-EB26BB45FDE8}"/>
+                <a16:creationId xmlns:a16="http://schemas.microsoft.com/office/drawing/2014/main" id="{48661F07-037C-1744-B00D-EB26BB45FDE8}"/>
               </a:ext>
             </a:extLst>
           </p:cNvPr>
@@ -1563,7 +1564,7 @@
           <p:cNvPr id="7" name="Inhaltsplatzhalter 2">
             <a:extLst>
               <a:ext uri="{FF2B5EF4-FFF2-40B4-BE49-F238E27FC236}">
-                <a16:creationId xmlns="" xmlns:a16="http://schemas.microsoft.com/office/drawing/2014/main" id="{C62EF3F6-F6E9-5042-B877-596582C374A6}"/>
+                <a16:creationId xmlns:a16="http://schemas.microsoft.com/office/drawing/2014/main" id="{C62EF3F6-F6E9-5042-B877-596582C374A6}"/>
               </a:ext>
             </a:extLst>
           </p:cNvPr>
@@ -1605,7 +1606,7 @@
     </p:spTree>
     <p:extLst>
       <p:ext uri="{BB962C8B-B14F-4D97-AF65-F5344CB8AC3E}">
-        <p14:creationId xmlns="" xmlns:p14="http://schemas.microsoft.com/office/powerpoint/2010/main" val="1980715932"/>
+        <p14:creationId xmlns:p14="http://schemas.microsoft.com/office/powerpoint/2010/main" val="1980715932"/>
       </p:ext>
     </p:extLst>
   </p:cSld>
@@ -1670,7 +1671,7 @@
           <p:cNvPr id="15" name="Textplatzhalter 14">
             <a:extLst>
               <a:ext uri="{FF2B5EF4-FFF2-40B4-BE49-F238E27FC236}">
-                <a16:creationId xmlns="" xmlns:a16="http://schemas.microsoft.com/office/drawing/2014/main" id="{48661F07-037C-1744-B00D-EB26BB45FDE8}"/>
+                <a16:creationId xmlns:a16="http://schemas.microsoft.com/office/drawing/2014/main" id="{48661F07-037C-1744-B00D-EB26BB45FDE8}"/>
               </a:ext>
             </a:extLst>
           </p:cNvPr>
@@ -1718,7 +1719,7 @@
           <p:cNvPr id="5" name="Inhaltsplatzhalter 2">
             <a:extLst>
               <a:ext uri="{FF2B5EF4-FFF2-40B4-BE49-F238E27FC236}">
-                <a16:creationId xmlns="" xmlns:a16="http://schemas.microsoft.com/office/drawing/2014/main" id="{9CB60196-2670-1E4E-9B83-83B9D30D80D0}"/>
+                <a16:creationId xmlns:a16="http://schemas.microsoft.com/office/drawing/2014/main" id="{9CB60196-2670-1E4E-9B83-83B9D30D80D0}"/>
               </a:ext>
             </a:extLst>
           </p:cNvPr>
@@ -1762,7 +1763,7 @@
           <p:cNvPr id="6" name="Inhaltsplatzhalter 2">
             <a:extLst>
               <a:ext uri="{FF2B5EF4-FFF2-40B4-BE49-F238E27FC236}">
-                <a16:creationId xmlns="" xmlns:a16="http://schemas.microsoft.com/office/drawing/2014/main" id="{C217A189-E2FB-3F4B-ABCD-C8FBBA962B55}"/>
+                <a16:creationId xmlns:a16="http://schemas.microsoft.com/office/drawing/2014/main" id="{C217A189-E2FB-3F4B-ABCD-C8FBBA962B55}"/>
               </a:ext>
             </a:extLst>
           </p:cNvPr>
@@ -1804,7 +1805,7 @@
     </p:spTree>
     <p:extLst>
       <p:ext uri="{BB962C8B-B14F-4D97-AF65-F5344CB8AC3E}">
-        <p14:creationId xmlns="" xmlns:p14="http://schemas.microsoft.com/office/powerpoint/2010/main" val="644154500"/>
+        <p14:creationId xmlns:p14="http://schemas.microsoft.com/office/powerpoint/2010/main" val="644154500"/>
       </p:ext>
     </p:extLst>
   </p:cSld>
@@ -1907,7 +1908,7 @@
           <p:cNvPr id="8" name="Inhaltsplatzhalter 7">
             <a:extLst>
               <a:ext uri="{FF2B5EF4-FFF2-40B4-BE49-F238E27FC236}">
-                <a16:creationId xmlns="" xmlns:a16="http://schemas.microsoft.com/office/drawing/2014/main" id="{3BDC0EC7-4908-BF4F-9C97-5A659E4EFB33}"/>
+                <a16:creationId xmlns:a16="http://schemas.microsoft.com/office/drawing/2014/main" id="{3BDC0EC7-4908-BF4F-9C97-5A659E4EFB33}"/>
               </a:ext>
             </a:extLst>
           </p:cNvPr>
@@ -1994,7 +1995,7 @@
           <p:cNvPr id="9" name="Textfeld 8">
             <a:extLst>
               <a:ext uri="{FF2B5EF4-FFF2-40B4-BE49-F238E27FC236}">
-                <a16:creationId xmlns="" xmlns:a16="http://schemas.microsoft.com/office/drawing/2014/main" id="{CDFCBA60-F2B9-0540-B242-1262C366CC74}"/>
+                <a16:creationId xmlns:a16="http://schemas.microsoft.com/office/drawing/2014/main" id="{CDFCBA60-F2B9-0540-B242-1262C366CC74}"/>
               </a:ext>
             </a:extLst>
           </p:cNvPr>
@@ -2036,7 +2037,7 @@
           <p:cNvPr id="15" name="Textplatzhalter 14">
             <a:extLst>
               <a:ext uri="{FF2B5EF4-FFF2-40B4-BE49-F238E27FC236}">
-                <a16:creationId xmlns="" xmlns:a16="http://schemas.microsoft.com/office/drawing/2014/main" id="{48661F07-037C-1744-B00D-EB26BB45FDE8}"/>
+                <a16:creationId xmlns:a16="http://schemas.microsoft.com/office/drawing/2014/main" id="{48661F07-037C-1744-B00D-EB26BB45FDE8}"/>
               </a:ext>
             </a:extLst>
           </p:cNvPr>
@@ -2084,7 +2085,7 @@
           <p:cNvPr id="7" name="Inhaltsplatzhalter 2">
             <a:extLst>
               <a:ext uri="{FF2B5EF4-FFF2-40B4-BE49-F238E27FC236}">
-                <a16:creationId xmlns="" xmlns:a16="http://schemas.microsoft.com/office/drawing/2014/main" id="{C62EF3F6-F6E9-5042-B877-596582C374A6}"/>
+                <a16:creationId xmlns:a16="http://schemas.microsoft.com/office/drawing/2014/main" id="{C62EF3F6-F6E9-5042-B877-596582C374A6}"/>
               </a:ext>
             </a:extLst>
           </p:cNvPr>
@@ -2128,7 +2129,7 @@
           <p:cNvPr id="11" name="Inhaltsplatzhalter 2">
             <a:extLst>
               <a:ext uri="{FF2B5EF4-FFF2-40B4-BE49-F238E27FC236}">
-                <a16:creationId xmlns="" xmlns:a16="http://schemas.microsoft.com/office/drawing/2014/main" id="{A9BF1D72-C7DA-844D-9D02-3A0622DC17DB}"/>
+                <a16:creationId xmlns:a16="http://schemas.microsoft.com/office/drawing/2014/main" id="{A9BF1D72-C7DA-844D-9D02-3A0622DC17DB}"/>
               </a:ext>
             </a:extLst>
           </p:cNvPr>
@@ -2170,7 +2171,7 @@
     </p:spTree>
     <p:extLst>
       <p:ext uri="{BB962C8B-B14F-4D97-AF65-F5344CB8AC3E}">
-        <p14:creationId xmlns="" xmlns:p14="http://schemas.microsoft.com/office/powerpoint/2010/main" val="2951576585"/>
+        <p14:creationId xmlns:p14="http://schemas.microsoft.com/office/powerpoint/2010/main" val="2951576585"/>
       </p:ext>
     </p:extLst>
   </p:cSld>
@@ -2235,7 +2236,7 @@
           <p:cNvPr id="15" name="Textplatzhalter 14">
             <a:extLst>
               <a:ext uri="{FF2B5EF4-FFF2-40B4-BE49-F238E27FC236}">
-                <a16:creationId xmlns="" xmlns:a16="http://schemas.microsoft.com/office/drawing/2014/main" id="{48661F07-037C-1744-B00D-EB26BB45FDE8}"/>
+                <a16:creationId xmlns:a16="http://schemas.microsoft.com/office/drawing/2014/main" id="{48661F07-037C-1744-B00D-EB26BB45FDE8}"/>
               </a:ext>
             </a:extLst>
           </p:cNvPr>
@@ -2283,7 +2284,7 @@
           <p:cNvPr id="7" name="Inhaltsplatzhalter 2">
             <a:extLst>
               <a:ext uri="{FF2B5EF4-FFF2-40B4-BE49-F238E27FC236}">
-                <a16:creationId xmlns="" xmlns:a16="http://schemas.microsoft.com/office/drawing/2014/main" id="{24035B5A-D131-9E43-8819-54D8C7C5F658}"/>
+                <a16:creationId xmlns:a16="http://schemas.microsoft.com/office/drawing/2014/main" id="{24035B5A-D131-9E43-8819-54D8C7C5F658}"/>
               </a:ext>
             </a:extLst>
           </p:cNvPr>
@@ -2327,7 +2328,7 @@
           <p:cNvPr id="8" name="Inhaltsplatzhalter 2">
             <a:extLst>
               <a:ext uri="{FF2B5EF4-FFF2-40B4-BE49-F238E27FC236}">
-                <a16:creationId xmlns="" xmlns:a16="http://schemas.microsoft.com/office/drawing/2014/main" id="{DA824A7B-3A0B-A54A-AD70-3A727E9C6539}"/>
+                <a16:creationId xmlns:a16="http://schemas.microsoft.com/office/drawing/2014/main" id="{DA824A7B-3A0B-A54A-AD70-3A727E9C6539}"/>
               </a:ext>
             </a:extLst>
           </p:cNvPr>
@@ -2371,7 +2372,7 @@
           <p:cNvPr id="9" name="Inhaltsplatzhalter 2">
             <a:extLst>
               <a:ext uri="{FF2B5EF4-FFF2-40B4-BE49-F238E27FC236}">
-                <a16:creationId xmlns="" xmlns:a16="http://schemas.microsoft.com/office/drawing/2014/main" id="{B1B37D4C-618B-A04F-93D5-96AD3167BFE4}"/>
+                <a16:creationId xmlns:a16="http://schemas.microsoft.com/office/drawing/2014/main" id="{B1B37D4C-618B-A04F-93D5-96AD3167BFE4}"/>
               </a:ext>
             </a:extLst>
           </p:cNvPr>
@@ -2413,7 +2414,7 @@
     </p:spTree>
     <p:extLst>
       <p:ext uri="{BB962C8B-B14F-4D97-AF65-F5344CB8AC3E}">
-        <p14:creationId xmlns="" xmlns:p14="http://schemas.microsoft.com/office/powerpoint/2010/main" val="3408082518"/>
+        <p14:creationId xmlns:p14="http://schemas.microsoft.com/office/powerpoint/2010/main" val="3408082518"/>
       </p:ext>
     </p:extLst>
   </p:cSld>
@@ -2448,7 +2449,7 @@
           <p:cNvPr id="4" name="Objekt 3" hidden="1">
             <a:extLst>
               <a:ext uri="{FF2B5EF4-FFF2-40B4-BE49-F238E27FC236}">
-                <a16:creationId xmlns="" xmlns:a16="http://schemas.microsoft.com/office/drawing/2014/main" id="{2BFC69AB-ADCF-E041-BB63-A5BB6D80C4E3}"/>
+                <a16:creationId xmlns:a16="http://schemas.microsoft.com/office/drawing/2014/main" id="{2BFC69AB-ADCF-E041-BB63-A5BB6D80C4E3}"/>
               </a:ext>
             </a:extLst>
           </p:cNvPr>
@@ -2456,9 +2457,12 @@
             <a:graphicFrameLocks noChangeAspect="1"/>
           </p:cNvGraphicFramePr>
           <p:nvPr userDrawn="1">
+            <p:custDataLst>
+              <p:tags r:id="rId1"/>
+            </p:custDataLst>
             <p:extLst>
               <p:ext uri="{D42A27DB-BD31-4B8C-83A1-F6EECF244321}">
-                <p14:modId xmlns="" xmlns:p14="http://schemas.microsoft.com/office/powerpoint/2010/main" val="417512930"/>
+                <p14:modId xmlns:p14="http://schemas.microsoft.com/office/powerpoint/2010/main" val="417512930"/>
               </p:ext>
             </p:extLst>
           </p:nvPr>
@@ -2469,9 +2473,59 @@
         </p:xfrm>
         <a:graphic>
           <a:graphicData uri="http://schemas.openxmlformats.org/presentationml/2006/ole">
-            <p:oleObj spid="_x0000_s45166" name="think-cell Folie" r:id="rId3" imgW="7761960" imgH="10047960" progId="">
-              <p:embed/>
-            </p:oleObj>
+            <mc:AlternateContent xmlns:mc="http://schemas.openxmlformats.org/markup-compatibility/2006">
+              <mc:Choice xmlns:v="urn:schemas-microsoft-com:vml" Requires="v">
+                <p:oleObj spid="_x0000_s45166" name="think-cell Folie" r:id="rId3" imgW="7761960" imgH="10047960" progId="">
+                  <p:embed/>
+                </p:oleObj>
+              </mc:Choice>
+              <mc:Fallback>
+                <p:oleObj name="think-cell Folie" r:id="rId3" imgW="7761960" imgH="10047960" progId="">
+                  <p:embed/>
+                  <p:pic>
+                    <p:nvPicPr>
+                      <p:cNvPr id="0" name="Picture 110"/>
+                      <p:cNvPicPr>
+                        <a:picLocks noChangeAspect="1" noChangeArrowheads="1"/>
+                      </p:cNvPicPr>
+                      <p:nvPr/>
+                    </p:nvPicPr>
+                    <p:blipFill>
+                      <a:blip r:embed="rId4">
+                        <a:extLst>
+                          <a:ext uri="{28A0092B-C50C-407E-A947-70E740481C1C}">
+                            <a14:useLocalDpi xmlns:a14="http://schemas.microsoft.com/office/drawing/2010/main" val="0"/>
+                          </a:ext>
+                        </a:extLst>
+                      </a:blip>
+                      <a:srcRect/>
+                      <a:stretch>
+                        <a:fillRect/>
+                      </a:stretch>
+                    </p:blipFill>
+                    <p:spPr bwMode="auto">
+                      <a:xfrm>
+                        <a:off x="1588" y="1588"/>
+                        <a:ext cx="1587" cy="1587"/>
+                      </a:xfrm>
+                      <a:prstGeom prst="rect">
+                        <a:avLst/>
+                      </a:prstGeom>
+                      <a:noFill/>
+                      <a:extLst>
+                        <a:ext uri="{909E8E84-426E-40DD-AFC4-6F175D3DCCD1}">
+                          <a14:hiddenFill xmlns:a14="http://schemas.microsoft.com/office/drawing/2010/main">
+                            <a:solidFill>
+                              <a:srgbClr val="FFFFFF"/>
+                            </a:solidFill>
+                          </a14:hiddenFill>
+                        </a:ext>
+                      </a:extLst>
+                    </p:spPr>
+                  </p:pic>
+                </p:oleObj>
+              </mc:Fallback>
+            </mc:AlternateContent>
           </a:graphicData>
         </a:graphic>
       </p:graphicFrame>
@@ -2480,7 +2534,7 @@
           <p:cNvPr id="18" name="Inhaltsplatzhalter 2">
             <a:extLst>
               <a:ext uri="{FF2B5EF4-FFF2-40B4-BE49-F238E27FC236}">
-                <a16:creationId xmlns="" xmlns:a16="http://schemas.microsoft.com/office/drawing/2014/main" id="{DD5A821F-471D-1642-8AAE-398D4B6F271B}"/>
+                <a16:creationId xmlns:a16="http://schemas.microsoft.com/office/drawing/2014/main" id="{DD5A821F-471D-1642-8AAE-398D4B6F271B}"/>
               </a:ext>
             </a:extLst>
           </p:cNvPr>
@@ -2560,7 +2614,7 @@
           <p:cNvPr id="15" name="Textplatzhalter 14">
             <a:extLst>
               <a:ext uri="{FF2B5EF4-FFF2-40B4-BE49-F238E27FC236}">
-                <a16:creationId xmlns="" xmlns:a16="http://schemas.microsoft.com/office/drawing/2014/main" id="{48661F07-037C-1744-B00D-EB26BB45FDE8}"/>
+                <a16:creationId xmlns:a16="http://schemas.microsoft.com/office/drawing/2014/main" id="{48661F07-037C-1744-B00D-EB26BB45FDE8}"/>
               </a:ext>
             </a:extLst>
           </p:cNvPr>
@@ -2608,7 +2662,7 @@
           <p:cNvPr id="6" name="Richtungspfeil 5">
             <a:extLst>
               <a:ext uri="{FF2B5EF4-FFF2-40B4-BE49-F238E27FC236}">
-                <a16:creationId xmlns="" xmlns:a16="http://schemas.microsoft.com/office/drawing/2014/main" id="{F5863112-C4A3-094E-881C-56CF812BDF6F}"/>
+                <a16:creationId xmlns:a16="http://schemas.microsoft.com/office/drawing/2014/main" id="{F5863112-C4A3-094E-881C-56CF812BDF6F}"/>
               </a:ext>
             </a:extLst>
           </p:cNvPr>
@@ -2664,7 +2718,7 @@
           <p:cNvPr id="7" name="Richtungspfeil 6">
             <a:extLst>
               <a:ext uri="{FF2B5EF4-FFF2-40B4-BE49-F238E27FC236}">
-                <a16:creationId xmlns="" xmlns:a16="http://schemas.microsoft.com/office/drawing/2014/main" id="{E97FCA0C-BD0E-3D4B-883C-D081A0BBAB0C}"/>
+                <a16:creationId xmlns:a16="http://schemas.microsoft.com/office/drawing/2014/main" id="{E97FCA0C-BD0E-3D4B-883C-D081A0BBAB0C}"/>
               </a:ext>
             </a:extLst>
           </p:cNvPr>
@@ -2718,7 +2772,7 @@
           <p:cNvPr id="8" name="Richtungspfeil 7">
             <a:extLst>
               <a:ext uri="{FF2B5EF4-FFF2-40B4-BE49-F238E27FC236}">
-                <a16:creationId xmlns="" xmlns:a16="http://schemas.microsoft.com/office/drawing/2014/main" id="{D0E4C74F-F834-ED46-9242-187CBB5BBB12}"/>
+                <a16:creationId xmlns:a16="http://schemas.microsoft.com/office/drawing/2014/main" id="{D0E4C74F-F834-ED46-9242-187CBB5BBB12}"/>
               </a:ext>
             </a:extLst>
           </p:cNvPr>
@@ -2774,7 +2828,7 @@
           <p:cNvPr id="10" name="Grafik 9">
             <a:extLst>
               <a:ext uri="{FF2B5EF4-FFF2-40B4-BE49-F238E27FC236}">
-                <a16:creationId xmlns="" xmlns:a16="http://schemas.microsoft.com/office/drawing/2014/main" id="{79792184-303E-1043-881E-83B8E5221194}"/>
+                <a16:creationId xmlns:a16="http://schemas.microsoft.com/office/drawing/2014/main" id="{79792184-303E-1043-881E-83B8E5221194}"/>
               </a:ext>
             </a:extLst>
           </p:cNvPr>
@@ -2784,7 +2838,7 @@
           <p:nvPr userDrawn="1"/>
         </p:nvPicPr>
         <p:blipFill>
-          <a:blip r:embed="rId4"/>
+          <a:blip r:embed="rId5"/>
           <a:stretch>
             <a:fillRect/>
           </a:stretch>
@@ -2804,7 +2858,7 @@
           <p:cNvPr id="19" name="Rechteck 18">
             <a:extLst>
               <a:ext uri="{FF2B5EF4-FFF2-40B4-BE49-F238E27FC236}">
-                <a16:creationId xmlns="" xmlns:a16="http://schemas.microsoft.com/office/drawing/2014/main" id="{CDB0E940-A14D-C04F-A21F-2693423BA694}"/>
+                <a16:creationId xmlns:a16="http://schemas.microsoft.com/office/drawing/2014/main" id="{CDB0E940-A14D-C04F-A21F-2693423BA694}"/>
               </a:ext>
             </a:extLst>
           </p:cNvPr>
@@ -2832,14 +2886,14 @@
           <a:effectLst/>
           <a:extLst>
             <a:ext uri="{909E8E84-426E-40dd-AFC4-6F175D3DCCD1}">
-              <a14:hiddenFill xmlns:a14="http://schemas.microsoft.com/office/drawing/2010/main" xmlns="">
+              <a14:hiddenFill xmlns="" xmlns:a14="http://schemas.microsoft.com/office/drawing/2010/main">
                 <a:solidFill>
                   <a:schemeClr val="accent2"/>
                 </a:solidFill>
               </a14:hiddenFill>
             </a:ext>
             <a:ext uri="{AF507438-7753-43e0-B8FC-AC1667EBCBE1}">
-              <a14:hiddenEffects xmlns:a14="http://schemas.microsoft.com/office/drawing/2010/main" xmlns="">
+              <a14:hiddenEffects xmlns="" xmlns:a14="http://schemas.microsoft.com/office/drawing/2010/main">
                 <a:effectLst>
                   <a:outerShdw blurRad="63500" dist="35921" dir="2700000" algn="ctr" rotWithShape="0">
                     <a:schemeClr val="bg2"/>
@@ -2893,7 +2947,7 @@
           <p:cNvPr id="21" name="Inhaltsplatzhalter 20">
             <a:extLst>
               <a:ext uri="{FF2B5EF4-FFF2-40B4-BE49-F238E27FC236}">
-                <a16:creationId xmlns="" xmlns:a16="http://schemas.microsoft.com/office/drawing/2014/main" id="{34BCB425-150D-BB43-8D50-06323DF27832}"/>
+                <a16:creationId xmlns:a16="http://schemas.microsoft.com/office/drawing/2014/main" id="{34BCB425-150D-BB43-8D50-06323DF27832}"/>
               </a:ext>
             </a:extLst>
           </p:cNvPr>
@@ -2929,7 +2983,7 @@
     </p:spTree>
     <p:extLst>
       <p:ext uri="{BB962C8B-B14F-4D97-AF65-F5344CB8AC3E}">
-        <p14:creationId xmlns="" xmlns:p14="http://schemas.microsoft.com/office/powerpoint/2010/main" val="2999760585"/>
+        <p14:creationId xmlns:p14="http://schemas.microsoft.com/office/powerpoint/2010/main" val="2999760585"/>
       </p:ext>
     </p:extLst>
   </p:cSld>
@@ -2964,14 +3018,18 @@
           <p:cNvPr id="4" name="Objekt 3" hidden="1">
             <a:extLst>
               <a:ext uri="{FF2B5EF4-FFF2-40B4-BE49-F238E27FC236}">
-                <a16:creationId xmlns="" xmlns:a16="http://schemas.microsoft.com/office/drawing/2014/main" id="{2BFC69AB-ADCF-E041-BB63-A5BB6D80C4E3}"/>
+                <a16:creationId xmlns:a16="http://schemas.microsoft.com/office/drawing/2014/main" id="{2BFC69AB-ADCF-E041-BB63-A5BB6D80C4E3}"/>
               </a:ext>
             </a:extLst>
           </p:cNvPr>
           <p:cNvGraphicFramePr>
             <a:graphicFrameLocks noChangeAspect="1"/>
           </p:cNvGraphicFramePr>
-          <p:nvPr userDrawn="1"/>
+          <p:nvPr userDrawn="1">
+            <p:custDataLst>
+              <p:tags r:id="rId1"/>
+            </p:custDataLst>
+          </p:nvPr>
         </p:nvGraphicFramePr>
         <p:xfrm>
           <a:off x="1588" y="1588"/>
@@ -2979,9 +3037,59 @@
         </p:xfrm>
         <a:graphic>
           <a:graphicData uri="http://schemas.openxmlformats.org/presentationml/2006/ole">
-            <p:oleObj spid="_x0000_s53349" name="think-cell Folie" r:id="rId3" imgW="7761960" imgH="10047960" progId="">
-              <p:embed/>
-            </p:oleObj>
+            <mc:AlternateContent xmlns:mc="http://schemas.openxmlformats.org/markup-compatibility/2006">
+              <mc:Choice xmlns:v="urn:schemas-microsoft-com:vml" Requires="v">
+                <p:oleObj spid="_x0000_s53349" name="think-cell Folie" r:id="rId3" imgW="7761960" imgH="10047960" progId="">
+                  <p:embed/>
+                </p:oleObj>
+              </mc:Choice>
+              <mc:Fallback>
+                <p:oleObj name="think-cell Folie" r:id="rId3" imgW="7761960" imgH="10047960" progId="">
+                  <p:embed/>
+                  <p:pic>
+                    <p:nvPicPr>
+                      <p:cNvPr id="0" name="Picture 101"/>
+                      <p:cNvPicPr>
+                        <a:picLocks noChangeAspect="1" noChangeArrowheads="1"/>
+                      </p:cNvPicPr>
+                      <p:nvPr/>
+                    </p:nvPicPr>
+                    <p:blipFill>
+                      <a:blip r:embed="rId4">
+                        <a:extLst>
+                          <a:ext uri="{28A0092B-C50C-407E-A947-70E740481C1C}">
+                            <a14:useLocalDpi xmlns:a14="http://schemas.microsoft.com/office/drawing/2010/main" val="0"/>
+                          </a:ext>
+                        </a:extLst>
+                      </a:blip>
+                      <a:srcRect/>
+                      <a:stretch>
+                        <a:fillRect/>
+                      </a:stretch>
+                    </p:blipFill>
+                    <p:spPr bwMode="auto">
+                      <a:xfrm>
+                        <a:off x="1588" y="1588"/>
+                        <a:ext cx="1587" cy="1587"/>
+                      </a:xfrm>
+                      <a:prstGeom prst="rect">
+                        <a:avLst/>
+                      </a:prstGeom>
+                      <a:noFill/>
+                      <a:extLst>
+                        <a:ext uri="{909E8E84-426E-40DD-AFC4-6F175D3DCCD1}">
+                          <a14:hiddenFill xmlns:a14="http://schemas.microsoft.com/office/drawing/2010/main">
+                            <a:solidFill>
+                              <a:srgbClr val="FFFFFF"/>
+                            </a:solidFill>
+                          </a14:hiddenFill>
+                        </a:ext>
+                      </a:extLst>
+                    </p:spPr>
+                  </p:pic>
+                </p:oleObj>
+              </mc:Fallback>
+            </mc:AlternateContent>
           </a:graphicData>
         </a:graphic>
       </p:graphicFrame>
@@ -2990,7 +3098,7 @@
           <p:cNvPr id="18" name="Inhaltsplatzhalter 2">
             <a:extLst>
               <a:ext uri="{FF2B5EF4-FFF2-40B4-BE49-F238E27FC236}">
-                <a16:creationId xmlns="" xmlns:a16="http://schemas.microsoft.com/office/drawing/2014/main" id="{DD5A821F-471D-1642-8AAE-398D4B6F271B}"/>
+                <a16:creationId xmlns:a16="http://schemas.microsoft.com/office/drawing/2014/main" id="{DD5A821F-471D-1642-8AAE-398D4B6F271B}"/>
               </a:ext>
             </a:extLst>
           </p:cNvPr>
@@ -3070,7 +3178,7 @@
           <p:cNvPr id="15" name="Textplatzhalter 14">
             <a:extLst>
               <a:ext uri="{FF2B5EF4-FFF2-40B4-BE49-F238E27FC236}">
-                <a16:creationId xmlns="" xmlns:a16="http://schemas.microsoft.com/office/drawing/2014/main" id="{48661F07-037C-1744-B00D-EB26BB45FDE8}"/>
+                <a16:creationId xmlns:a16="http://schemas.microsoft.com/office/drawing/2014/main" id="{48661F07-037C-1744-B00D-EB26BB45FDE8}"/>
               </a:ext>
             </a:extLst>
           </p:cNvPr>
@@ -3118,7 +3226,7 @@
           <p:cNvPr id="6" name="Richtungspfeil 5">
             <a:extLst>
               <a:ext uri="{FF2B5EF4-FFF2-40B4-BE49-F238E27FC236}">
-                <a16:creationId xmlns="" xmlns:a16="http://schemas.microsoft.com/office/drawing/2014/main" id="{F5863112-C4A3-094E-881C-56CF812BDF6F}"/>
+                <a16:creationId xmlns:a16="http://schemas.microsoft.com/office/drawing/2014/main" id="{F5863112-C4A3-094E-881C-56CF812BDF6F}"/>
               </a:ext>
             </a:extLst>
           </p:cNvPr>
@@ -3174,7 +3282,7 @@
           <p:cNvPr id="7" name="Richtungspfeil 6">
             <a:extLst>
               <a:ext uri="{FF2B5EF4-FFF2-40B4-BE49-F238E27FC236}">
-                <a16:creationId xmlns="" xmlns:a16="http://schemas.microsoft.com/office/drawing/2014/main" id="{E97FCA0C-BD0E-3D4B-883C-D081A0BBAB0C}"/>
+                <a16:creationId xmlns:a16="http://schemas.microsoft.com/office/drawing/2014/main" id="{E97FCA0C-BD0E-3D4B-883C-D081A0BBAB0C}"/>
               </a:ext>
             </a:extLst>
           </p:cNvPr>
@@ -3228,7 +3336,7 @@
           <p:cNvPr id="8" name="Richtungspfeil 7">
             <a:extLst>
               <a:ext uri="{FF2B5EF4-FFF2-40B4-BE49-F238E27FC236}">
-                <a16:creationId xmlns="" xmlns:a16="http://schemas.microsoft.com/office/drawing/2014/main" id="{D0E4C74F-F834-ED46-9242-187CBB5BBB12}"/>
+                <a16:creationId xmlns:a16="http://schemas.microsoft.com/office/drawing/2014/main" id="{D0E4C74F-F834-ED46-9242-187CBB5BBB12}"/>
               </a:ext>
             </a:extLst>
           </p:cNvPr>
@@ -3284,7 +3392,7 @@
           <p:cNvPr id="19" name="Rechteck 18">
             <a:extLst>
               <a:ext uri="{FF2B5EF4-FFF2-40B4-BE49-F238E27FC236}">
-                <a16:creationId xmlns="" xmlns:a16="http://schemas.microsoft.com/office/drawing/2014/main" id="{CDB0E940-A14D-C04F-A21F-2693423BA694}"/>
+                <a16:creationId xmlns:a16="http://schemas.microsoft.com/office/drawing/2014/main" id="{CDB0E940-A14D-C04F-A21F-2693423BA694}"/>
               </a:ext>
             </a:extLst>
           </p:cNvPr>
@@ -3312,14 +3420,14 @@
           <a:effectLst/>
           <a:extLst>
             <a:ext uri="{909E8E84-426E-40dd-AFC4-6F175D3DCCD1}">
-              <a14:hiddenFill xmlns:a14="http://schemas.microsoft.com/office/drawing/2010/main" xmlns="">
+              <a14:hiddenFill xmlns="" xmlns:a14="http://schemas.microsoft.com/office/drawing/2010/main">
                 <a:solidFill>
                   <a:schemeClr val="accent2"/>
                 </a:solidFill>
               </a14:hiddenFill>
             </a:ext>
             <a:ext uri="{AF507438-7753-43e0-B8FC-AC1667EBCBE1}">
-              <a14:hiddenEffects xmlns:a14="http://schemas.microsoft.com/office/drawing/2010/main" xmlns="">
+              <a14:hiddenEffects xmlns="" xmlns:a14="http://schemas.microsoft.com/office/drawing/2010/main">
                 <a:effectLst>
                   <a:outerShdw blurRad="63500" dist="35921" dir="2700000" algn="ctr" rotWithShape="0">
                     <a:schemeClr val="bg2"/>
@@ -3373,7 +3481,7 @@
           <p:cNvPr id="21" name="Inhaltsplatzhalter 20">
             <a:extLst>
               <a:ext uri="{FF2B5EF4-FFF2-40B4-BE49-F238E27FC236}">
-                <a16:creationId xmlns="" xmlns:a16="http://schemas.microsoft.com/office/drawing/2014/main" id="{34BCB425-150D-BB43-8D50-06323DF27832}"/>
+                <a16:creationId xmlns:a16="http://schemas.microsoft.com/office/drawing/2014/main" id="{34BCB425-150D-BB43-8D50-06323DF27832}"/>
               </a:ext>
             </a:extLst>
           </p:cNvPr>
@@ -3411,7 +3519,7 @@
           <p:cNvPr id="12" name="Grafik 11">
             <a:extLst>
               <a:ext uri="{FF2B5EF4-FFF2-40B4-BE49-F238E27FC236}">
-                <a16:creationId xmlns="" xmlns:a16="http://schemas.microsoft.com/office/drawing/2014/main" id="{CFADCD90-1538-794F-94D7-D1B6833F7FD8}"/>
+                <a16:creationId xmlns:a16="http://schemas.microsoft.com/office/drawing/2014/main" id="{CFADCD90-1538-794F-94D7-D1B6833F7FD8}"/>
               </a:ext>
             </a:extLst>
           </p:cNvPr>
@@ -3421,7 +3529,7 @@
           <p:nvPr userDrawn="1"/>
         </p:nvPicPr>
         <p:blipFill>
-          <a:blip r:embed="rId4"/>
+          <a:blip r:embed="rId5"/>
           <a:stretch>
             <a:fillRect/>
           </a:stretch>
@@ -3439,7 +3547,7 @@
     </p:spTree>
     <p:extLst>
       <p:ext uri="{BB962C8B-B14F-4D97-AF65-F5344CB8AC3E}">
-        <p14:creationId xmlns="" xmlns:p14="http://schemas.microsoft.com/office/powerpoint/2010/main" val="3962341426"/>
+        <p14:creationId xmlns:p14="http://schemas.microsoft.com/office/powerpoint/2010/main" val="3962341426"/>
       </p:ext>
     </p:extLst>
   </p:cSld>
@@ -3522,14 +3630,14 @@
           </a:prstGeom>
           <a:extLst>
             <a:ext uri="{909E8E84-426E-40dd-AFC4-6F175D3DCCD1}">
-              <a14:hiddenFill xmlns:a14="http://schemas.microsoft.com/office/drawing/2010/main" xmlns="">
+              <a14:hiddenFill xmlns="" xmlns:a14="http://schemas.microsoft.com/office/drawing/2010/main">
                 <a:solidFill>
                   <a:schemeClr val="accent2"/>
                 </a:solidFill>
               </a14:hiddenFill>
             </a:ext>
             <a:ext uri="{91240B29-F687-4f45-9708-019B960494DF}">
-              <a14:hiddenLine xmlns:a14="http://schemas.microsoft.com/office/drawing/2010/main" xmlns="" w="9525">
+              <a14:hiddenLine xmlns="" xmlns:a14="http://schemas.microsoft.com/office/drawing/2010/main" w="9525">
                 <a:solidFill>
                   <a:schemeClr val="accent2"/>
                 </a:solidFill>
@@ -3908,7 +4016,7 @@
           <a:blip r:embed="rId3">
             <a:extLst>
               <a:ext uri="{28A0092B-C50C-407E-A947-70E740481C1C}">
-                <a14:useLocalDpi xmlns="" xmlns:a14="http://schemas.microsoft.com/office/drawing/2010/main" val="0"/>
+                <a14:useLocalDpi xmlns:a14="http://schemas.microsoft.com/office/drawing/2010/main" val="0"/>
               </a:ext>
             </a:extLst>
           </a:blip>
@@ -3928,7 +4036,7 @@
           <a:noFill/>
           <a:extLst>
             <a:ext uri="{909E8E84-426E-40dd-AFC4-6F175D3DCCD1}">
-              <a14:hiddenFill xmlns:a14="http://schemas.microsoft.com/office/drawing/2010/main" xmlns="">
+              <a14:hiddenFill xmlns="" xmlns:a14="http://schemas.microsoft.com/office/drawing/2010/main">
                 <a:solidFill>
                   <a:srgbClr val="FFFFFF"/>
                 </a:solidFill>
@@ -3942,7 +4050,7 @@
           <p:cNvPr id="3" name="Textplatzhalter 2">
             <a:extLst>
               <a:ext uri="{FF2B5EF4-FFF2-40B4-BE49-F238E27FC236}">
-                <a16:creationId xmlns="" xmlns:a16="http://schemas.microsoft.com/office/drawing/2014/main" id="{C0B43EBC-5C81-9048-99D8-98BF6E9AAFB0}"/>
+                <a16:creationId xmlns:a16="http://schemas.microsoft.com/office/drawing/2014/main" id="{C0B43EBC-5C81-9048-99D8-98BF6E9AAFB0}"/>
               </a:ext>
             </a:extLst>
           </p:cNvPr>
@@ -3996,7 +4104,7 @@
           <a:blip r:embed="rId4">
             <a:extLst>
               <a:ext uri="{28A0092B-C50C-407E-A947-70E740481C1C}">
-                <a14:useLocalDpi xmlns="" xmlns:a14="http://schemas.microsoft.com/office/drawing/2010/main" val="0"/>
+                <a14:useLocalDpi xmlns:a14="http://schemas.microsoft.com/office/drawing/2010/main" val="0"/>
               </a:ext>
             </a:extLst>
           </a:blip>
@@ -4016,7 +4124,7 @@
           <a:noFill/>
           <a:extLst>
             <a:ext uri="{909E8E84-426E-40dd-AFC4-6F175D3DCCD1}">
-              <a14:hiddenFill xmlns:a14="http://schemas.microsoft.com/office/drawing/2010/main" xmlns="">
+              <a14:hiddenFill xmlns="" xmlns:a14="http://schemas.microsoft.com/office/drawing/2010/main">
                 <a:solidFill>
                   <a:srgbClr val="FFFFFF"/>
                 </a:solidFill>
@@ -4066,7 +4174,7 @@
           <p:cNvPr id="3" name="Objekt 2" hidden="1">
             <a:extLst>
               <a:ext uri="{FF2B5EF4-FFF2-40B4-BE49-F238E27FC236}">
-                <a16:creationId xmlns="" xmlns:a16="http://schemas.microsoft.com/office/drawing/2014/main" id="{EC2B0189-9A52-6C4C-A12C-68DF1D84975B}"/>
+                <a16:creationId xmlns:a16="http://schemas.microsoft.com/office/drawing/2014/main" id="{EC2B0189-9A52-6C4C-A12C-68DF1D84975B}"/>
               </a:ext>
             </a:extLst>
           </p:cNvPr>
@@ -4074,9 +4182,12 @@
             <a:graphicFrameLocks noChangeAspect="1"/>
           </p:cNvGraphicFramePr>
           <p:nvPr userDrawn="1">
+            <p:custDataLst>
+              <p:tags r:id="rId11"/>
+            </p:custDataLst>
             <p:extLst>
               <p:ext uri="{D42A27DB-BD31-4B8C-83A1-F6EECF244321}">
-                <p14:modId xmlns="" xmlns:p14="http://schemas.microsoft.com/office/powerpoint/2010/main" val="2325994318"/>
+                <p14:modId xmlns:p14="http://schemas.microsoft.com/office/powerpoint/2010/main" val="2325994318"/>
               </p:ext>
             </p:extLst>
           </p:nvPr>
@@ -4087,9 +4198,59 @@
         </p:xfrm>
         <a:graphic>
           <a:graphicData uri="http://schemas.openxmlformats.org/presentationml/2006/ole">
-            <p:oleObj spid="_x0000_s2263" name="think-cell Folie" r:id="rId13" imgW="7761960" imgH="10047960" progId="">
-              <p:embed/>
-            </p:oleObj>
+            <mc:AlternateContent xmlns:mc="http://schemas.openxmlformats.org/markup-compatibility/2006">
+              <mc:Choice xmlns:v="urn:schemas-microsoft-com:vml" Requires="v">
+                <p:oleObj spid="_x0000_s2263" name="think-cell Folie" r:id="rId13" imgW="7761960" imgH="10047960" progId="">
+                  <p:embed/>
+                </p:oleObj>
+              </mc:Choice>
+              <mc:Fallback>
+                <p:oleObj name="think-cell Folie" r:id="rId13" imgW="7761960" imgH="10047960" progId="">
+                  <p:embed/>
+                  <p:pic>
+                    <p:nvPicPr>
+                      <p:cNvPr id="0" name="Picture 215"/>
+                      <p:cNvPicPr>
+                        <a:picLocks noChangeAspect="1" noChangeArrowheads="1"/>
+                      </p:cNvPicPr>
+                      <p:nvPr/>
+                    </p:nvPicPr>
+                    <p:blipFill>
+                      <a:blip r:embed="rId14">
+                        <a:extLst>
+                          <a:ext uri="{28A0092B-C50C-407E-A947-70E740481C1C}">
+                            <a14:useLocalDpi xmlns:a14="http://schemas.microsoft.com/office/drawing/2010/main" val="0"/>
+                          </a:ext>
+                        </a:extLst>
+                      </a:blip>
+                      <a:srcRect/>
+                      <a:stretch>
+                        <a:fillRect/>
+                      </a:stretch>
+                    </p:blipFill>
+                    <p:spPr bwMode="auto">
+                      <a:xfrm>
+                        <a:off x="1588" y="1588"/>
+                        <a:ext cx="1587" cy="1587"/>
+                      </a:xfrm>
+                      <a:prstGeom prst="rect">
+                        <a:avLst/>
+                      </a:prstGeom>
+                      <a:noFill/>
+                      <a:extLst>
+                        <a:ext uri="{909E8E84-426E-40DD-AFC4-6F175D3DCCD1}">
+                          <a14:hiddenFill xmlns:a14="http://schemas.microsoft.com/office/drawing/2010/main">
+                            <a:solidFill>
+                              <a:srgbClr val="FFFFFF"/>
+                            </a:solidFill>
+                          </a14:hiddenFill>
+                        </a:ext>
+                      </a:extLst>
+                    </p:spPr>
+                  </p:pic>
+                </p:oleObj>
+              </mc:Fallback>
+            </mc:AlternateContent>
           </a:graphicData>
         </a:graphic>
       </p:graphicFrame>
@@ -4098,7 +4259,7 @@
           <p:cNvPr id="2" name="Rechteck 1" hidden="1">
             <a:extLst>
               <a:ext uri="{FF2B5EF4-FFF2-40B4-BE49-F238E27FC236}">
-                <a16:creationId xmlns="" xmlns:a16="http://schemas.microsoft.com/office/drawing/2014/main" id="{D6DFE7FB-BD09-AA46-851D-B1DBEFD8BECC}"/>
+                <a16:creationId xmlns:a16="http://schemas.microsoft.com/office/drawing/2014/main" id="{D6DFE7FB-BD09-AA46-851D-B1DBEFD8BECC}"/>
               </a:ext>
             </a:extLst>
           </p:cNvPr>
@@ -4130,14 +4291,14 @@
           <a:effectLst/>
           <a:extLst>
             <a:ext uri="{909E8E84-426E-40dd-AFC4-6F175D3DCCD1}">
-              <a14:hiddenFill xmlns:a14="http://schemas.microsoft.com/office/drawing/2010/main" xmlns="">
+              <a14:hiddenFill xmlns="" xmlns:a14="http://schemas.microsoft.com/office/drawing/2010/main">
                 <a:solidFill>
                   <a:schemeClr val="accent2"/>
                 </a:solidFill>
               </a14:hiddenFill>
             </a:ext>
             <a:ext uri="{AF507438-7753-43e0-B8FC-AC1667EBCBE1}">
-              <a14:hiddenEffects xmlns:a14="http://schemas.microsoft.com/office/drawing/2010/main" xmlns="">
+              <a14:hiddenEffects xmlns="" xmlns:a14="http://schemas.microsoft.com/office/drawing/2010/main">
                 <a:effectLst>
                   <a:outerShdw blurRad="63500" dist="35921" dir="2700000" algn="ctr" rotWithShape="0">
                     <a:schemeClr val="bg2"/>
@@ -4196,10 +4357,10 @@
           <p:nvPr/>
         </p:nvPicPr>
         <p:blipFill>
-          <a:blip r:embed="rId14">
+          <a:blip r:embed="rId15">
             <a:extLst>
               <a:ext uri="{28A0092B-C50C-407E-A947-70E740481C1C}">
-                <a14:useLocalDpi xmlns="" xmlns:a14="http://schemas.microsoft.com/office/drawing/2010/main" val="0"/>
+                <a14:useLocalDpi xmlns:a14="http://schemas.microsoft.com/office/drawing/2010/main" val="0"/>
               </a:ext>
             </a:extLst>
           </a:blip>
@@ -4219,7 +4380,7 @@
           <a:noFill/>
           <a:extLst>
             <a:ext uri="{909E8E84-426E-40dd-AFC4-6F175D3DCCD1}">
-              <a14:hiddenFill xmlns:a14="http://schemas.microsoft.com/office/drawing/2010/main" xmlns="">
+              <a14:hiddenFill xmlns="" xmlns:a14="http://schemas.microsoft.com/office/drawing/2010/main">
                 <a:solidFill>
                   <a:srgbClr val="FFFFFF"/>
                 </a:solidFill>
@@ -4251,14 +4412,14 @@
           <a:effectLst/>
           <a:extLst>
             <a:ext uri="{909E8E84-426E-40dd-AFC4-6F175D3DCCD1}">
-              <a14:hiddenFill xmlns:a14="http://schemas.microsoft.com/office/drawing/2010/main" xmlns="">
+              <a14:hiddenFill xmlns="" xmlns:a14="http://schemas.microsoft.com/office/drawing/2010/main">
                 <a:solidFill>
                   <a:schemeClr val="accent1"/>
                 </a:solidFill>
               </a14:hiddenFill>
             </a:ext>
             <a:ext uri="{91240B29-F687-4f45-9708-019B960494DF}">
-              <a14:hiddenLine xmlns:a14="http://schemas.microsoft.com/office/drawing/2010/main" xmlns="" w="9525">
+              <a14:hiddenLine xmlns="" xmlns:a14="http://schemas.microsoft.com/office/drawing/2010/main" w="9525">
                 <a:solidFill>
                   <a:schemeClr val="tx1"/>
                 </a:solidFill>
@@ -4268,7 +4429,7 @@
               </a14:hiddenLine>
             </a:ext>
             <a:ext uri="{AF507438-7753-43e0-B8FC-AC1667EBCBE1}">
-              <a14:hiddenEffects xmlns:a14="http://schemas.microsoft.com/office/drawing/2010/main" xmlns="">
+              <a14:hiddenEffects xmlns="" xmlns:a14="http://schemas.microsoft.com/office/drawing/2010/main">
                 <a:effectLst>
                   <a:outerShdw blurRad="63500" dist="38099" dir="2700000" algn="ctr" rotWithShape="0">
                     <a:schemeClr val="bg2">
@@ -4297,23 +4458,7 @@
                   <a:schemeClr val="tx1"/>
                 </a:solidFill>
               </a:rPr>
-              <a:t>Prof. Dr. </a:t>
-            </a:r>
-            <a:r>
-              <a:rPr lang="de-DE" sz="800" dirty="0" smtClean="0">
-                <a:solidFill>
-                  <a:schemeClr val="tx1"/>
-                </a:solidFill>
-              </a:rPr>
-              <a:t>Gawron</a:t>
-            </a:r>
-            <a:r>
-              <a:rPr lang="de-DE" sz="800" dirty="0">
-                <a:solidFill>
-                  <a:schemeClr val="tx1"/>
-                </a:solidFill>
-              </a:rPr>
-              <a:t/>
+              <a:t>Prof. Dr. Gawron</a:t>
             </a:r>
             <a:br>
               <a:rPr lang="de-DE" sz="800" dirty="0">
@@ -4349,21 +4494,8 @@
                   <a:schemeClr val="tx1"/>
                 </a:solidFill>
               </a:rPr>
-              <a:t> (SS </a:t>
-            </a:r>
-            <a:r>
-              <a:rPr lang="de-DE" sz="800" dirty="0" smtClean="0">
-                <a:solidFill>
-                  <a:schemeClr val="tx1"/>
-                </a:solidFill>
-              </a:rPr>
-              <a:t>2023)</a:t>
-            </a:r>
-            <a:endParaRPr lang="de-DE" sz="800" dirty="0">
-              <a:solidFill>
-                <a:schemeClr val="tx1"/>
-              </a:solidFill>
-            </a:endParaRPr>
+              <a:t> (SS 2023)</a:t>
+            </a:r>
           </a:p>
         </p:txBody>
       </p:sp>
@@ -4376,10 +4508,10 @@
           <p:nvPr userDrawn="1"/>
         </p:nvPicPr>
         <p:blipFill>
-          <a:blip r:embed="rId15">
+          <a:blip r:embed="rId16">
             <a:extLst>
               <a:ext uri="{28A0092B-C50C-407E-A947-70E740481C1C}">
-                <a14:useLocalDpi xmlns="" xmlns:a14="http://schemas.microsoft.com/office/drawing/2010/main" val="0"/>
+                <a14:useLocalDpi xmlns:a14="http://schemas.microsoft.com/office/drawing/2010/main" val="0"/>
               </a:ext>
             </a:extLst>
           </a:blip>
@@ -4399,7 +4531,7 @@
           <a:noFill/>
           <a:extLst>
             <a:ext uri="{909E8E84-426E-40dd-AFC4-6F175D3DCCD1}">
-              <a14:hiddenFill xmlns:a14="http://schemas.microsoft.com/office/drawing/2010/main" xmlns="">
+              <a14:hiddenFill xmlns="" xmlns:a14="http://schemas.microsoft.com/office/drawing/2010/main">
                 <a:solidFill>
                   <a:srgbClr val="FFFFFF"/>
                 </a:solidFill>
@@ -4417,10 +4549,10 @@
           <p:nvPr userDrawn="1"/>
         </p:nvPicPr>
         <p:blipFill>
-          <a:blip r:embed="rId16">
+          <a:blip r:embed="rId17">
             <a:extLst>
               <a:ext uri="{28A0092B-C50C-407E-A947-70E740481C1C}">
-                <a14:useLocalDpi xmlns="" xmlns:a14="http://schemas.microsoft.com/office/drawing/2010/main" val="0"/>
+                <a14:useLocalDpi xmlns:a14="http://schemas.microsoft.com/office/drawing/2010/main" val="0"/>
               </a:ext>
             </a:extLst>
           </a:blip>
@@ -4440,7 +4572,7 @@
           <a:noFill/>
           <a:extLst>
             <a:ext uri="{909E8E84-426E-40dd-AFC4-6F175D3DCCD1}">
-              <a14:hiddenFill xmlns:a14="http://schemas.microsoft.com/office/drawing/2010/main" xmlns="">
+              <a14:hiddenFill xmlns="" xmlns:a14="http://schemas.microsoft.com/office/drawing/2010/main">
                 <a:solidFill>
                   <a:srgbClr val="FFFFFF"/>
                 </a:solidFill>
@@ -4920,10 +5052,9 @@
           <a:lstStyle/>
           <a:p>
             <a:r>
-              <a:rPr lang="de-DE" dirty="0" smtClean="0"/>
+              <a:rPr lang="de-DE" dirty="0"/>
               <a:t>Web Mining</a:t>
             </a:r>
-            <a:endParaRPr lang="de-DE" dirty="0"/>
           </a:p>
         </p:txBody>
       </p:sp>
@@ -4943,10 +5074,9 @@
           <a:lstStyle/>
           <a:p>
             <a:r>
-              <a:rPr lang="de-DE" dirty="0" smtClean="0"/>
+              <a:rPr lang="de-DE" dirty="0"/>
               <a:t>Vorhersage von Spielergebnissen der ersten Bundesliga</a:t>
             </a:r>
-            <a:endParaRPr lang="de-DE" dirty="0"/>
           </a:p>
         </p:txBody>
       </p:sp>
@@ -4958,13 +5088,6 @@
   <p:transition>
     <p:dissolve/>
   </p:transition>
-  <p:timing>
-    <p:tnLst>
-      <p:par>
-        <p:cTn id="1" dur="indefinite" restart="never" nodeType="tmRoot"/>
-      </p:par>
-    </p:tnLst>
-  </p:timing>
 </p:sld>
 </file>
 
@@ -5001,10 +5124,9 @@
           <a:lstStyle/>
           <a:p>
             <a:r>
-              <a:rPr lang="de-DE" dirty="0" smtClean="0"/>
+              <a:rPr lang="de-DE" dirty="0"/>
               <a:t>Web Mining</a:t>
             </a:r>
-            <a:endParaRPr lang="de-DE" dirty="0"/>
           </a:p>
         </p:txBody>
       </p:sp>
@@ -5024,10 +5146,81 @@
           <a:lstStyle/>
           <a:p>
             <a:r>
-              <a:rPr lang="de-DE" dirty="0" smtClean="0"/>
+              <a:rPr lang="de-DE" dirty="0"/>
+              <a:t>Transfermarkt.de</a:t>
+            </a:r>
+          </a:p>
+        </p:txBody>
+      </p:sp>
+    </p:spTree>
+  </p:cSld>
+  <p:clrMapOvr>
+    <a:masterClrMapping/>
+  </p:clrMapOvr>
+  <p:transition>
+    <p:dissolve/>
+  </p:transition>
+</p:sld>
+</file>
+
+<file path=ppt/slides/slide3.xml><?xml version="1.0" encoding="utf-8"?>
+<p:sld xmlns:a="http://schemas.openxmlformats.org/drawingml/2006/main" xmlns:r="http://schemas.openxmlformats.org/officeDocument/2006/relationships" xmlns:p="http://schemas.openxmlformats.org/presentationml/2006/main">
+  <p:cSld>
+    <p:spTree>
+      <p:nvGrpSpPr>
+        <p:cNvPr id="1" name=""/>
+        <p:cNvGrpSpPr/>
+        <p:nvPr/>
+      </p:nvGrpSpPr>
+      <p:grpSpPr>
+        <a:xfrm>
+          <a:off x="0" y="0"/>
+          <a:ext cx="0" cy="0"/>
+          <a:chOff x="0" y="0"/>
+          <a:chExt cx="0" cy="0"/>
+        </a:xfrm>
+      </p:grpSpPr>
+      <p:sp>
+        <p:nvSpPr>
+          <p:cNvPr id="5" name="Titel 4"/>
+          <p:cNvSpPr>
+            <a:spLocks noGrp="1"/>
+          </p:cNvSpPr>
+          <p:nvPr>
+            <p:ph type="title"/>
+          </p:nvPr>
+        </p:nvSpPr>
+        <p:spPr/>
+        <p:txBody>
+          <a:bodyPr/>
+          <a:lstStyle/>
+          <a:p>
+            <a:r>
+              <a:rPr lang="de-DE" dirty="0"/>
+              <a:t>Web Mining</a:t>
+            </a:r>
+          </a:p>
+        </p:txBody>
+      </p:sp>
+      <p:sp>
+        <p:nvSpPr>
+          <p:cNvPr id="7" name="Textplatzhalter 6"/>
+          <p:cNvSpPr>
+            <a:spLocks noGrp="1"/>
+          </p:cNvSpPr>
+          <p:nvPr>
+            <p:ph type="body" sz="quarter" idx="12"/>
+          </p:nvPr>
+        </p:nvSpPr>
+        <p:spPr/>
+        <p:txBody>
+          <a:bodyPr/>
+          <a:lstStyle/>
+          <a:p>
+            <a:r>
+              <a:rPr lang="de-DE" dirty="0"/>
               <a:t>Überblick</a:t>
             </a:r>
-            <a:endParaRPr lang="de-DE" dirty="0"/>
           </a:p>
         </p:txBody>
       </p:sp>
@@ -5065,103 +5258,11 @@
         </p:spPr>
       </p:pic>
     </p:spTree>
-  </p:cSld>
-  <p:clrMapOvr>
-    <a:masterClrMapping/>
-  </p:clrMapOvr>
-  <p:transition>
-    <p:dissolve/>
-  </p:transition>
-</p:sld>
-</file>
-
-<file path=ppt/slides/slide3.xml><?xml version="1.0" encoding="utf-8"?>
-<p:sld xmlns:a="http://schemas.openxmlformats.org/drawingml/2006/main" xmlns:r="http://schemas.openxmlformats.org/officeDocument/2006/relationships" xmlns:p="http://schemas.openxmlformats.org/presentationml/2006/main">
-  <p:cSld>
-    <p:spTree>
-      <p:nvGrpSpPr>
-        <p:cNvPr id="1" name=""/>
-        <p:cNvGrpSpPr/>
-        <p:nvPr/>
-      </p:nvGrpSpPr>
-      <p:grpSpPr>
-        <a:xfrm>
-          <a:off x="0" y="0"/>
-          <a:ext cx="0" cy="0"/>
-          <a:chOff x="0" y="0"/>
-          <a:chExt cx="0" cy="0"/>
-        </a:xfrm>
-      </p:grpSpPr>
-      <p:sp>
-        <p:nvSpPr>
-          <p:cNvPr id="2" name="Titel 1"/>
-          <p:cNvSpPr>
-            <a:spLocks noGrp="1"/>
-          </p:cNvSpPr>
-          <p:nvPr>
-            <p:ph type="title"/>
-          </p:nvPr>
-        </p:nvSpPr>
-        <p:spPr/>
-        <p:txBody>
-          <a:bodyPr/>
-          <a:lstStyle/>
-          <a:p>
-            <a:r>
-              <a:rPr lang="de-DE" dirty="0" smtClean="0"/>
-              <a:t>Web Mining</a:t>
-            </a:r>
-            <a:endParaRPr lang="de-DE" dirty="0"/>
-          </a:p>
-        </p:txBody>
-      </p:sp>
-      <p:sp>
-        <p:nvSpPr>
-          <p:cNvPr id="3" name="Inhaltsplatzhalter 2"/>
-          <p:cNvSpPr>
-            <a:spLocks noGrp="1"/>
-          </p:cNvSpPr>
-          <p:nvPr>
-            <p:ph idx="1"/>
-          </p:nvPr>
-        </p:nvSpPr>
-        <p:spPr/>
-        <p:txBody>
-          <a:bodyPr/>
-          <a:lstStyle/>
-          <a:p>
-            <a:endParaRPr lang="de-DE" dirty="0"/>
-          </a:p>
-        </p:txBody>
-      </p:sp>
-      <p:sp>
-        <p:nvSpPr>
-          <p:cNvPr id="4" name="Textplatzhalter 3"/>
-          <p:cNvSpPr>
-            <a:spLocks noGrp="1"/>
-          </p:cNvSpPr>
-          <p:nvPr>
-            <p:ph type="body" sz="quarter" idx="12"/>
-          </p:nvPr>
-        </p:nvSpPr>
-        <p:spPr/>
-        <p:txBody>
-          <a:bodyPr/>
-          <a:lstStyle/>
-          <a:p>
-            <a:r>
-              <a:rPr lang="de-DE" dirty="0" smtClean="0"/>
-              <a:t>Web-</a:t>
-            </a:r>
-            <a:r>
-              <a:rPr lang="de-DE" dirty="0" err="1" smtClean="0"/>
-              <a:t>Scraping</a:t>
-            </a:r>
-            <a:endParaRPr lang="de-DE" dirty="0"/>
-          </a:p>
-        </p:txBody>
-      </p:sp>
-    </p:spTree>
+    <p:extLst>
+      <p:ext uri="{BB962C8B-B14F-4D97-AF65-F5344CB8AC3E}">
+        <p14:creationId xmlns:p14="http://schemas.microsoft.com/office/powerpoint/2010/main" val="3393414989"/>
+      </p:ext>
+    </p:extLst>
   </p:cSld>
   <p:clrMapOvr>
     <a:masterClrMapping/>
@@ -5205,10 +5306,9 @@
           <a:lstStyle/>
           <a:p>
             <a:r>
-              <a:rPr lang="de-DE" dirty="0" smtClean="0"/>
+              <a:rPr lang="de-DE" dirty="0"/>
               <a:t>Web Mining</a:t>
             </a:r>
-            <a:endParaRPr lang="de-DE" dirty="0"/>
           </a:p>
         </p:txBody>
       </p:sp>
@@ -5227,91 +5327,6 @@
           <a:bodyPr/>
           <a:lstStyle/>
           <a:p>
-            <a:r>
-              <a:rPr lang="de-DE" dirty="0" err="1" smtClean="0"/>
-              <a:t>Elo</a:t>
-            </a:r>
-            <a:r>
-              <a:rPr lang="de-DE" dirty="0" smtClean="0"/>
-              <a:t>-Zahl misst die Mannschaftsstärke basierend auf vergangenen Ergebnisse</a:t>
-            </a:r>
-          </a:p>
-          <a:p>
-            <a:r>
-              <a:rPr lang="de-DE" dirty="0" smtClean="0"/>
-              <a:t>Basierend der </a:t>
-            </a:r>
-            <a:r>
-              <a:rPr lang="de-DE" dirty="0" err="1" smtClean="0"/>
-              <a:t>Elo</a:t>
-            </a:r>
-            <a:r>
-              <a:rPr lang="de-DE" dirty="0" smtClean="0"/>
-              <a:t>-Zahl von 2 Mannschaften kann ein Erwartungswert für ein bevorstehendes Spiel berechnet werden</a:t>
-            </a:r>
-          </a:p>
-          <a:p>
-            <a:r>
-              <a:rPr lang="de-DE" dirty="0" smtClean="0"/>
-              <a:t>Alle historischen </a:t>
-            </a:r>
-            <a:r>
-              <a:rPr lang="de-DE" dirty="0" err="1" smtClean="0"/>
-              <a:t>Elo</a:t>
-            </a:r>
-            <a:r>
-              <a:rPr lang="de-DE" dirty="0" smtClean="0"/>
-              <a:t>-Werte der Mannschaften liegen vor</a:t>
-            </a:r>
-          </a:p>
-          <a:p>
-            <a:endParaRPr lang="de-DE" dirty="0" smtClean="0"/>
-          </a:p>
-          <a:p>
-            <a:r>
-              <a:rPr lang="de-DE" dirty="0" err="1" smtClean="0"/>
-              <a:t>We</a:t>
-            </a:r>
-            <a:r>
-              <a:rPr lang="de-DE" dirty="0" smtClean="0"/>
-              <a:t> = Erwartungswert  </a:t>
-            </a:r>
-          </a:p>
-          <a:p>
-            <a:endParaRPr lang="de-DE" dirty="0" smtClean="0"/>
-          </a:p>
-          <a:p>
-            <a:endParaRPr lang="de-DE" dirty="0" smtClean="0"/>
-          </a:p>
-          <a:p>
-            <a:endParaRPr lang="de-DE" dirty="0" smtClean="0"/>
-          </a:p>
-          <a:p>
-            <a:endParaRPr lang="de-DE" dirty="0" smtClean="0"/>
-          </a:p>
-          <a:p>
-            <a:r>
-              <a:rPr lang="de-DE" dirty="0" smtClean="0"/>
-              <a:t>0 =&gt; sicher erwartete Niederlage, 1 =&gt; sicher erwarteten Sieg</a:t>
-            </a:r>
-          </a:p>
-          <a:p>
-            <a:r>
-              <a:rPr lang="de-DE" dirty="0" err="1" smtClean="0"/>
-              <a:t>dr</a:t>
-            </a:r>
-            <a:r>
-              <a:rPr lang="de-DE" dirty="0" smtClean="0"/>
-              <a:t> </a:t>
-            </a:r>
-            <a:r>
-              <a:rPr lang="de-DE" dirty="0" smtClean="0"/>
-              <a:t>= Der Punkteabstand (positiv oder negativ) in der Wertung des gegnerischen Teams gegenüber dem zu bewertenden Team</a:t>
-            </a:r>
-            <a:r>
-              <a:rPr lang="de-DE" dirty="0" smtClean="0"/>
-              <a:t>. Die Mannschaft mit Heimvorteil wird mit 100 Punktet besser bewertet.</a:t>
-            </a:r>
             <a:endParaRPr lang="de-DE" dirty="0"/>
           </a:p>
         </p:txBody>
@@ -5332,18 +5347,257 @@
           <a:lstStyle/>
           <a:p>
             <a:r>
-              <a:rPr lang="de-DE" dirty="0" smtClean="0"/>
+              <a:rPr lang="de-DE" dirty="0"/>
+              <a:t>Web-</a:t>
+            </a:r>
+            <a:r>
+              <a:rPr lang="de-DE" dirty="0" err="1"/>
+              <a:t>Scraping</a:t>
+            </a:r>
+            <a:endParaRPr lang="de-DE" dirty="0"/>
+          </a:p>
+        </p:txBody>
+      </p:sp>
+    </p:spTree>
+  </p:cSld>
+  <p:clrMapOvr>
+    <a:masterClrMapping/>
+  </p:clrMapOvr>
+  <p:transition>
+    <p:dissolve/>
+  </p:transition>
+</p:sld>
+</file>
+
+<file path=ppt/slides/slide5.xml><?xml version="1.0" encoding="utf-8"?>
+<p:sld xmlns:a="http://schemas.openxmlformats.org/drawingml/2006/main" xmlns:r="http://schemas.openxmlformats.org/officeDocument/2006/relationships" xmlns:p="http://schemas.openxmlformats.org/presentationml/2006/main">
+  <p:cSld>
+    <p:spTree>
+      <p:nvGrpSpPr>
+        <p:cNvPr id="1" name=""/>
+        <p:cNvGrpSpPr/>
+        <p:nvPr/>
+      </p:nvGrpSpPr>
+      <p:grpSpPr>
+        <a:xfrm>
+          <a:off x="0" y="0"/>
+          <a:ext cx="0" cy="0"/>
+          <a:chOff x="0" y="0"/>
+          <a:chExt cx="0" cy="0"/>
+        </a:xfrm>
+      </p:grpSpPr>
+      <p:sp>
+        <p:nvSpPr>
+          <p:cNvPr id="2" name="Titel 1"/>
+          <p:cNvSpPr>
+            <a:spLocks noGrp="1"/>
+          </p:cNvSpPr>
+          <p:nvPr>
+            <p:ph type="title"/>
+          </p:nvPr>
+        </p:nvSpPr>
+        <p:spPr/>
+        <p:txBody>
+          <a:bodyPr/>
+          <a:lstStyle/>
+          <a:p>
+            <a:r>
+              <a:rPr lang="de-DE" dirty="0"/>
+              <a:t>Web Mining</a:t>
+            </a:r>
+          </a:p>
+        </p:txBody>
+      </p:sp>
+      <mc:AlternateContent xmlns:mc="http://schemas.openxmlformats.org/markup-compatibility/2006">
+        <mc:Choice xmlns:a14="http://schemas.microsoft.com/office/drawing/2010/main" Requires="a14">
+          <p:sp>
+            <p:nvSpPr>
+              <p:cNvPr id="3" name="Inhaltsplatzhalter 2"/>
+              <p:cNvSpPr>
+                <a:spLocks noGrp="1"/>
+              </p:cNvSpPr>
+              <p:nvPr>
+                <p:ph idx="1"/>
+              </p:nvPr>
+            </p:nvSpPr>
+            <p:spPr/>
+            <p:txBody>
+              <a:bodyPr/>
+              <a:lstStyle/>
+              <a:p>
+                <a:r>
+                  <a:rPr lang="de-DE" dirty="0"/>
+                  <a:t>Elo-Zahl misst die Mannschaftsstärke basierend auf vergangenen Ergebnissen</a:t>
+                </a:r>
+              </a:p>
+              <a:p>
+                <a:r>
+                  <a:rPr lang="de-DE" dirty="0"/>
+                  <a:t>Basierend der </a:t>
+                </a:r>
+                <a:r>
+                  <a:rPr lang="de-DE" dirty="0" err="1"/>
+                  <a:t>Elo</a:t>
+                </a:r>
+                <a:r>
+                  <a:rPr lang="de-DE" dirty="0"/>
+                  <a:t>-Zahl von 2 Mannschaften kann ein Erwartungswert für ein bevorstehendes Spiel berechnet werden</a:t>
+                </a:r>
+              </a:p>
+              <a:p>
+                <a:r>
+                  <a:rPr lang="de-DE" dirty="0"/>
+                  <a:t>Alle historischen </a:t>
+                </a:r>
+                <a:r>
+                  <a:rPr lang="de-DE" dirty="0" err="1"/>
+                  <a:t>Elo</a:t>
+                </a:r>
+                <a:r>
+                  <a:rPr lang="de-DE" dirty="0"/>
+                  <a:t>-Werte der Mannschaften liegen vor</a:t>
+                </a:r>
+              </a:p>
+              <a:p>
+                <a:endParaRPr lang="de-DE" dirty="0"/>
+              </a:p>
+              <a:p>
+                <a:r>
+                  <a:rPr lang="de-DE" dirty="0"/>
+                  <a:t> </a:t>
+                </a:r>
+                <a14:m>
+                  <m:oMath xmlns:m="http://schemas.openxmlformats.org/officeDocument/2006/math">
+                    <m:sSub>
+                      <m:sSubPr>
+                        <m:ctrlPr>
+                          <a:rPr lang="de-DE" b="0" i="1" smtClean="0">
+                            <a:latin typeface="Cambria Math" panose="02040503050406030204" pitchFamily="18" charset="0"/>
+                          </a:rPr>
+                        </m:ctrlPr>
+                      </m:sSubPr>
+                      <m:e>
+                        <m:r>
+                          <a:rPr lang="de-DE" b="0" i="1" smtClean="0">
+                            <a:latin typeface="Cambria Math" panose="02040503050406030204" pitchFamily="18" charset="0"/>
+                          </a:rPr>
+                          <m:t>𝑊</m:t>
+                        </m:r>
+                      </m:e>
+                      <m:sub>
+                        <m:r>
+                          <a:rPr lang="de-DE" b="0" i="1" smtClean="0">
+                            <a:latin typeface="Cambria Math" panose="02040503050406030204" pitchFamily="18" charset="0"/>
+                          </a:rPr>
+                          <m:t>𝑒</m:t>
+                        </m:r>
+                      </m:sub>
+                    </m:sSub>
+                    <m:r>
+                      <a:rPr lang="de-DE" b="0" i="1" smtClean="0">
+                        <a:latin typeface="Cambria Math" panose="02040503050406030204" pitchFamily="18" charset="0"/>
+                      </a:rPr>
+                      <m:t> </m:t>
+                    </m:r>
+                  </m:oMath>
+                </a14:m>
+                <a:r>
+                  <a:rPr lang="de-DE" dirty="0"/>
+                  <a:t>= Erwartungswert  </a:t>
+                </a:r>
+              </a:p>
+              <a:p>
+                <a:endParaRPr lang="de-DE" dirty="0"/>
+              </a:p>
+              <a:p>
+                <a:endParaRPr lang="de-DE" dirty="0"/>
+              </a:p>
+              <a:p>
+                <a:endParaRPr lang="de-DE" dirty="0"/>
+              </a:p>
+              <a:p>
+                <a:endParaRPr lang="de-DE" dirty="0"/>
+              </a:p>
+              <a:p>
+                <a:r>
+                  <a:rPr lang="de-DE" dirty="0"/>
+                  <a:t>0 → sicher erwartete Niederlage, 1  sicher erwarteten Sieg</a:t>
+                </a:r>
+              </a:p>
+              <a:p>
+                <a:r>
+                  <a:rPr lang="de-DE" dirty="0" err="1"/>
+                  <a:t>dr</a:t>
+                </a:r>
+                <a:r>
+                  <a:rPr lang="de-DE" dirty="0"/>
+                  <a:t> = Der Punkteabstand (positiv oder negativ) in der Wertung des gegnerischen Teams gegenüber dem zu bewertenden Team. Die Mannschaft mit Heimvorteil wird mit 100 Punkten besser bewertet.</a:t>
+                </a:r>
+              </a:p>
+            </p:txBody>
+          </p:sp>
+        </mc:Choice>
+        <mc:Fallback>
+          <p:sp>
+            <p:nvSpPr>
+              <p:cNvPr id="3" name="Inhaltsplatzhalter 2"/>
+              <p:cNvSpPr>
+                <a:spLocks noGrp="1" noRot="1" noChangeAspect="1" noMove="1" noResize="1" noEditPoints="1" noAdjustHandles="1" noChangeArrowheads="1" noChangeShapeType="1" noTextEdit="1"/>
+              </p:cNvSpPr>
+              <p:nvPr>
+                <p:ph idx="1"/>
+              </p:nvPr>
+            </p:nvSpPr>
+            <p:spPr>
+              <a:blipFill>
+                <a:blip r:embed="rId2"/>
+                <a:stretch>
+                  <a:fillRect l="-302" t="-404"/>
+                </a:stretch>
+              </a:blipFill>
+            </p:spPr>
+            <p:txBody>
+              <a:bodyPr/>
+              <a:lstStyle/>
+              <a:p>
+                <a:r>
+                  <a:rPr lang="de-DE">
+                    <a:noFill/>
+                  </a:rPr>
+                  <a:t> </a:t>
+                </a:r>
+              </a:p>
+            </p:txBody>
+          </p:sp>
+        </mc:Fallback>
+      </mc:AlternateContent>
+      <p:sp>
+        <p:nvSpPr>
+          <p:cNvPr id="4" name="Textplatzhalter 3"/>
+          <p:cNvSpPr>
+            <a:spLocks noGrp="1"/>
+          </p:cNvSpPr>
+          <p:nvPr>
+            <p:ph type="body" sz="quarter" idx="12"/>
+          </p:nvPr>
+        </p:nvSpPr>
+        <p:spPr/>
+        <p:txBody>
+          <a:bodyPr/>
+          <a:lstStyle/>
+          <a:p>
+            <a:r>
+              <a:rPr lang="de-DE" dirty="0"/>
               <a:t>Benchmark mit </a:t>
             </a:r>
             <a:r>
-              <a:rPr lang="de-DE" dirty="0" err="1" smtClean="0"/>
+              <a:rPr lang="de-DE" dirty="0" err="1"/>
               <a:t>Elo</a:t>
             </a:r>
             <a:r>
-              <a:rPr lang="de-DE" dirty="0" smtClean="0"/>
+              <a:rPr lang="de-DE" dirty="0"/>
               <a:t> Rating</a:t>
             </a:r>
-            <a:endParaRPr lang="de-DE" dirty="0"/>
           </a:p>
         </p:txBody>
       </p:sp>
@@ -5356,7 +5610,7 @@
           <p:nvPr/>
         </p:nvPicPr>
         <p:blipFill>
-          <a:blip r:embed="rId2"/>
+          <a:blip r:embed="rId3"/>
           <a:srcRect/>
           <a:stretch>
             <a:fillRect/>
@@ -5399,7 +5653,25 @@
 
 <file path=ppt/tags/tag2.xml><?xml version="1.0" encoding="utf-8"?>
 <p:tagLst xmlns:a="http://schemas.openxmlformats.org/drawingml/2006/main" xmlns:r="http://schemas.openxmlformats.org/officeDocument/2006/relationships" xmlns:p="http://schemas.openxmlformats.org/presentationml/2006/main">
+  <p:tag name="THINKCELLSHAPEDONOTDELETE" val="thinkcellActiveDocDoNotDelete"/>
+</p:tagLst>
+</file>
+
+<file path=ppt/tags/tag3.xml><?xml version="1.0" encoding="utf-8"?>
+<p:tagLst xmlns:a="http://schemas.openxmlformats.org/drawingml/2006/main" xmlns:r="http://schemas.openxmlformats.org/officeDocument/2006/relationships" xmlns:p="http://schemas.openxmlformats.org/presentationml/2006/main">
   <p:tag name="THINKCELLSHAPEDONOTDELETE" val="tAfNggB5j5u4R9y848IjgMA"/>
+</p:tagLst>
+</file>
+
+<file path=ppt/tags/tag4.xml><?xml version="1.0" encoding="utf-8"?>
+<p:tagLst xmlns:a="http://schemas.openxmlformats.org/drawingml/2006/main" xmlns:r="http://schemas.openxmlformats.org/officeDocument/2006/relationships" xmlns:p="http://schemas.openxmlformats.org/presentationml/2006/main">
+  <p:tag name="THINKCELLSHAPEDONOTDELETE" val="thinkcellActiveDocDoNotDelete"/>
+</p:tagLst>
+</file>
+
+<file path=ppt/tags/tag5.xml><?xml version="1.0" encoding="utf-8"?>
+<p:tagLst xmlns:a="http://schemas.openxmlformats.org/drawingml/2006/main" xmlns:r="http://schemas.openxmlformats.org/officeDocument/2006/relationships" xmlns:p="http://schemas.openxmlformats.org/presentationml/2006/main">
+  <p:tag name="THINKCELLSHAPEDONOTDELETE" val="thinkcellActiveDocDoNotDelete"/>
 </p:tagLst>
 </file>
 
@@ -5647,14 +5919,14 @@
         <a:effectLst/>
         <a:extLst>
           <a:ext uri="{909E8E84-426E-40dd-AFC4-6F175D3DCCD1}">
-            <a14:hiddenFill xmlns:a14="http://schemas.microsoft.com/office/drawing/2010/main" xmlns="">
+            <a14:hiddenFill xmlns="" xmlns:a14="http://schemas.microsoft.com/office/drawing/2010/main">
               <a:solidFill>
                 <a:schemeClr val="accent2"/>
               </a:solidFill>
             </a14:hiddenFill>
           </a:ext>
           <a:ext uri="{AF507438-7753-43e0-B8FC-AC1667EBCBE1}">
-            <a14:hiddenEffects xmlns:a14="http://schemas.microsoft.com/office/drawing/2010/main" xmlns="">
+            <a14:hiddenEffects xmlns="" xmlns:a14="http://schemas.microsoft.com/office/drawing/2010/main">
               <a:effectLst>
                 <a:outerShdw blurRad="63500" dist="35921" dir="2700000" algn="ctr" rotWithShape="0">
                   <a:schemeClr val="bg2"/>
@@ -5727,14 +5999,14 @@
         <a:effectLst/>
         <a:extLst>
           <a:ext uri="{909E8E84-426E-40dd-AFC4-6F175D3DCCD1}">
-            <a14:hiddenFill xmlns:a14="http://schemas.microsoft.com/office/drawing/2010/main" xmlns="">
+            <a14:hiddenFill xmlns="" xmlns:a14="http://schemas.microsoft.com/office/drawing/2010/main">
               <a:solidFill>
                 <a:schemeClr val="accent2"/>
               </a:solidFill>
             </a14:hiddenFill>
           </a:ext>
           <a:ext uri="{AF507438-7753-43e0-B8FC-AC1667EBCBE1}">
-            <a14:hiddenEffects xmlns:a14="http://schemas.microsoft.com/office/drawing/2010/main" xmlns="">
+            <a14:hiddenEffects xmlns="" xmlns:a14="http://schemas.microsoft.com/office/drawing/2010/main">
               <a:effectLst>
                 <a:outerShdw blurRad="63500" dist="35921" dir="2700000" algn="ctr" rotWithShape="0">
                   <a:schemeClr val="bg2"/>

--- a/InterimPresentation.pptx
+++ b/InterimPresentation.pptx
@@ -8009,7 +8009,7 @@
 <dgm:dataModel xmlns:dgm="http://schemas.openxmlformats.org/drawingml/2006/diagram" xmlns:a="http://schemas.openxmlformats.org/drawingml/2006/main">
   <dgm:ptLst>
     <dgm:pt modelId="{05902AA6-96DF-4A3D-9275-8D48946301A5}" type="doc">
-      <dgm:prSet loTypeId="urn:microsoft.com/office/officeart/2005/8/layout/hProcess9" loCatId="process" qsTypeId="urn:microsoft.com/office/officeart/2005/8/quickstyle/simple1" qsCatId="simple" csTypeId="urn:microsoft.com/office/officeart/2005/8/colors/accent0_3" csCatId="mainScheme"/>
+      <dgm:prSet loTypeId="urn:microsoft.com/office/officeart/2005/8/layout/hProcess9" loCatId="process" qsTypeId="urn:microsoft.com/office/officeart/2005/8/quickstyle/simple1" qsCatId="simple" csTypeId="urn:microsoft.com/office/officeart/2005/8/colors/accent0_3" csCatId="mainScheme" phldr="1"/>
       <dgm:spPr/>
       <dgm:t>
         <a:bodyPr/>
@@ -8027,8 +8027,16 @@
         <a:lstStyle/>
         <a:p>
           <a:r>
-            <a:rPr lang="de-DE"/>
-            <a:t>Auslagern von Web-Scraping-Code in separate Python-Dateien</a:t>
+            <a:rPr lang="de-DE" dirty="0"/>
+            <a:t>Auslagern von Web-</a:t>
+          </a:r>
+          <a:r>
+            <a:rPr lang="de-DE" dirty="0" err="1"/>
+            <a:t>Scraping</a:t>
+          </a:r>
+          <a:r>
+            <a:rPr lang="de-DE" dirty="0"/>
+            <a:t>-Code in separate Python-Dateien</a:t>
           </a:r>
         </a:p>
       </dgm:t>
@@ -8063,7 +8071,7 @@
         <a:lstStyle/>
         <a:p>
           <a:r>
-            <a:rPr lang="de-DE"/>
+            <a:rPr lang="de-DE" dirty="0"/>
             <a:t>Features berechnen, welche aktuelle Form der Teams beschreiben</a:t>
           </a:r>
         </a:p>
@@ -8235,6 +8243,50 @@
         </a:p>
       </dgm:t>
     </dgm:pt>
+    <dgm:pt modelId="{76DAE079-B32B-4283-B8E5-2EE75AD65A59}">
+      <dgm:prSet/>
+      <dgm:spPr/>
+      <dgm:t>
+        <a:bodyPr/>
+        <a:lstStyle/>
+        <a:p>
+          <a:r>
+            <a:rPr lang="de-DE" dirty="0"/>
+            <a:t>Weitere Daten </a:t>
+          </a:r>
+          <a:r>
+            <a:rPr lang="de-DE" dirty="0" err="1"/>
+            <a:t>scrapen</a:t>
+          </a:r>
+          <a:r>
+            <a:rPr lang="de-DE" dirty="0"/>
+            <a:t>: z. B. Wetterdaten</a:t>
+          </a:r>
+        </a:p>
+      </dgm:t>
+    </dgm:pt>
+    <dgm:pt modelId="{84D2D528-3AB7-45F7-9262-A3CAFFCAD497}" type="parTrans" cxnId="{DA925639-B7A1-4A2D-8A82-683E1A914727}">
+      <dgm:prSet/>
+      <dgm:spPr/>
+      <dgm:t>
+        <a:bodyPr/>
+        <a:lstStyle/>
+        <a:p>
+          <a:endParaRPr lang="de-DE"/>
+        </a:p>
+      </dgm:t>
+    </dgm:pt>
+    <dgm:pt modelId="{BEAFAE59-DD53-4D6F-B610-3E54EE99762E}" type="sibTrans" cxnId="{DA925639-B7A1-4A2D-8A82-683E1A914727}">
+      <dgm:prSet/>
+      <dgm:spPr/>
+      <dgm:t>
+        <a:bodyPr/>
+        <a:lstStyle/>
+        <a:p>
+          <a:endParaRPr lang="de-DE"/>
+        </a:p>
+      </dgm:t>
+    </dgm:pt>
     <dgm:pt modelId="{D7B1A716-B5B0-407B-A520-0FE1D5607913}" type="pres">
       <dgm:prSet presAssocID="{05902AA6-96DF-4A3D-9275-8D48946301A5}" presName="CompostProcess" presStyleCnt="0">
         <dgm:presLayoutVars>
@@ -8252,8 +8304,20 @@
       <dgm:prSet presAssocID="{05902AA6-96DF-4A3D-9275-8D48946301A5}" presName="linearProcess" presStyleCnt="0"/>
       <dgm:spPr/>
     </dgm:pt>
+    <dgm:pt modelId="{37DA1BDE-8D5F-4819-BD8B-AD266C3FDCFC}" type="pres">
+      <dgm:prSet presAssocID="{76DAE079-B32B-4283-B8E5-2EE75AD65A59}" presName="textNode" presStyleLbl="node1" presStyleIdx="0" presStyleCnt="6">
+        <dgm:presLayoutVars>
+          <dgm:bulletEnabled val="1"/>
+        </dgm:presLayoutVars>
+      </dgm:prSet>
+      <dgm:spPr/>
+    </dgm:pt>
+    <dgm:pt modelId="{2C3FA606-A13D-477D-9320-9CBC8CA6FB3C}" type="pres">
+      <dgm:prSet presAssocID="{BEAFAE59-DD53-4D6F-B610-3E54EE99762E}" presName="sibTrans" presStyleCnt="0"/>
+      <dgm:spPr/>
+    </dgm:pt>
     <dgm:pt modelId="{A807AEA5-AB65-4BF0-8E8B-E03980A323BA}" type="pres">
-      <dgm:prSet presAssocID="{09A374C0-62C4-4E0B-A904-58D59AF48F32}" presName="textNode" presStyleLbl="node1" presStyleIdx="0" presStyleCnt="5">
+      <dgm:prSet presAssocID="{09A374C0-62C4-4E0B-A904-58D59AF48F32}" presName="textNode" presStyleLbl="node1" presStyleIdx="1" presStyleCnt="6">
         <dgm:presLayoutVars>
           <dgm:bulletEnabled val="1"/>
         </dgm:presLayoutVars>
@@ -8265,7 +8329,7 @@
       <dgm:spPr/>
     </dgm:pt>
     <dgm:pt modelId="{83AA8CCA-D335-4A93-AC1C-330B5DA904F3}" type="pres">
-      <dgm:prSet presAssocID="{84636778-9234-41B5-A9D5-F21D349A5678}" presName="textNode" presStyleLbl="node1" presStyleIdx="1" presStyleCnt="5">
+      <dgm:prSet presAssocID="{84636778-9234-41B5-A9D5-F21D349A5678}" presName="textNode" presStyleLbl="node1" presStyleIdx="2" presStyleCnt="6">
         <dgm:presLayoutVars>
           <dgm:bulletEnabled val="1"/>
         </dgm:presLayoutVars>
@@ -8277,7 +8341,7 @@
       <dgm:spPr/>
     </dgm:pt>
     <dgm:pt modelId="{D18F99D5-99F8-4161-9EB2-CB4843E7331F}" type="pres">
-      <dgm:prSet presAssocID="{EF587930-82B3-41BE-A00D-F64F81FCCFF8}" presName="textNode" presStyleLbl="node1" presStyleIdx="2" presStyleCnt="5">
+      <dgm:prSet presAssocID="{EF587930-82B3-41BE-A00D-F64F81FCCFF8}" presName="textNode" presStyleLbl="node1" presStyleIdx="3" presStyleCnt="6">
         <dgm:presLayoutVars>
           <dgm:bulletEnabled val="1"/>
         </dgm:presLayoutVars>
@@ -8289,7 +8353,7 @@
       <dgm:spPr/>
     </dgm:pt>
     <dgm:pt modelId="{8709D373-8470-4F0A-B3DA-319DD3871C6E}" type="pres">
-      <dgm:prSet presAssocID="{A431A3E8-81A4-402D-8550-B73C5ABB7530}" presName="textNode" presStyleLbl="node1" presStyleIdx="3" presStyleCnt="5">
+      <dgm:prSet presAssocID="{A431A3E8-81A4-402D-8550-B73C5ABB7530}" presName="textNode" presStyleLbl="node1" presStyleIdx="4" presStyleCnt="6">
         <dgm:presLayoutVars>
           <dgm:bulletEnabled val="1"/>
         </dgm:presLayoutVars>
@@ -8301,7 +8365,7 @@
       <dgm:spPr/>
     </dgm:pt>
     <dgm:pt modelId="{1B95D6BE-54AC-486B-960D-5BBA9E945FAA}" type="pres">
-      <dgm:prSet presAssocID="{CAE99879-3F37-4933-8F2E-41550FF57BA5}" presName="textNode" presStyleLbl="node1" presStyleIdx="4" presStyleCnt="5">
+      <dgm:prSet presAssocID="{CAE99879-3F37-4933-8F2E-41550FF57BA5}" presName="textNode" presStyleLbl="node1" presStyleIdx="5" presStyleCnt="6">
         <dgm:presLayoutVars>
           <dgm:bulletEnabled val="1"/>
         </dgm:presLayoutVars>
@@ -8311,29 +8375,33 @@
   </dgm:ptLst>
   <dgm:cxnLst>
     <dgm:cxn modelId="{26AE701B-46BC-4DC0-A279-0037F59E523D}" type="presOf" srcId="{EF587930-82B3-41BE-A00D-F64F81FCCFF8}" destId="{D18F99D5-99F8-4161-9EB2-CB4843E7331F}" srcOrd="0" destOrd="0" presId="urn:microsoft.com/office/officeart/2005/8/layout/hProcess9"/>
-    <dgm:cxn modelId="{E7C9C71C-248C-4720-9D23-F11DAE3252FC}" srcId="{05902AA6-96DF-4A3D-9275-8D48946301A5}" destId="{A431A3E8-81A4-402D-8550-B73C5ABB7530}" srcOrd="3" destOrd="0" parTransId="{0F6F4F94-4E81-42E3-BBF5-74365704F1D2}" sibTransId="{871AE1BC-3E0F-4139-B438-5261D7C54CD2}"/>
+    <dgm:cxn modelId="{E7C9C71C-248C-4720-9D23-F11DAE3252FC}" srcId="{05902AA6-96DF-4A3D-9275-8D48946301A5}" destId="{A431A3E8-81A4-402D-8550-B73C5ABB7530}" srcOrd="4" destOrd="0" parTransId="{0F6F4F94-4E81-42E3-BBF5-74365704F1D2}" sibTransId="{871AE1BC-3E0F-4139-B438-5261D7C54CD2}"/>
     <dgm:cxn modelId="{423D7C1E-38C6-460F-A635-33BEACFEE653}" type="presOf" srcId="{209D9134-9B0A-46B8-A978-A46D3AB9A70B}" destId="{83AA8CCA-D335-4A93-AC1C-330B5DA904F3}" srcOrd="0" destOrd="1" presId="urn:microsoft.com/office/officeart/2005/8/layout/hProcess9"/>
     <dgm:cxn modelId="{44D33822-6320-4724-9338-448AC3797ABB}" type="presOf" srcId="{CAE99879-3F37-4933-8F2E-41550FF57BA5}" destId="{1B95D6BE-54AC-486B-960D-5BBA9E945FAA}" srcOrd="0" destOrd="0" presId="urn:microsoft.com/office/officeart/2005/8/layout/hProcess9"/>
-    <dgm:cxn modelId="{59DDB252-C2B1-4262-8132-132840F18953}" srcId="{05902AA6-96DF-4A3D-9275-8D48946301A5}" destId="{09A374C0-62C4-4E0B-A904-58D59AF48F32}" srcOrd="0" destOrd="0" parTransId="{A794A77B-C5A4-4759-BF16-D7547284FAD7}" sibTransId="{91AA41A5-345C-4889-8411-441251CBEFD2}"/>
+    <dgm:cxn modelId="{DA925639-B7A1-4A2D-8A82-683E1A914727}" srcId="{05902AA6-96DF-4A3D-9275-8D48946301A5}" destId="{76DAE079-B32B-4283-B8E5-2EE75AD65A59}" srcOrd="0" destOrd="0" parTransId="{84D2D528-3AB7-45F7-9262-A3CAFFCAD497}" sibTransId="{BEAFAE59-DD53-4D6F-B610-3E54EE99762E}"/>
+    <dgm:cxn modelId="{59DDB252-C2B1-4262-8132-132840F18953}" srcId="{05902AA6-96DF-4A3D-9275-8D48946301A5}" destId="{09A374C0-62C4-4E0B-A904-58D59AF48F32}" srcOrd="1" destOrd="0" parTransId="{A794A77B-C5A4-4759-BF16-D7547284FAD7}" sibTransId="{91AA41A5-345C-4889-8411-441251CBEFD2}"/>
     <dgm:cxn modelId="{EA8E8187-EC80-4BE9-A40D-81E1AE63C238}" type="presOf" srcId="{05902AA6-96DF-4A3D-9275-8D48946301A5}" destId="{D7B1A716-B5B0-407B-A520-0FE1D5607913}" srcOrd="0" destOrd="0" presId="urn:microsoft.com/office/officeart/2005/8/layout/hProcess9"/>
     <dgm:cxn modelId="{76EA4F88-F42E-4AAF-A6FD-230EE04DA525}" type="presOf" srcId="{09A374C0-62C4-4E0B-A904-58D59AF48F32}" destId="{A807AEA5-AB65-4BF0-8E8B-E03980A323BA}" srcOrd="0" destOrd="0" presId="urn:microsoft.com/office/officeart/2005/8/layout/hProcess9"/>
-    <dgm:cxn modelId="{04D58992-ACA9-4CF9-9510-B57F43976584}" srcId="{05902AA6-96DF-4A3D-9275-8D48946301A5}" destId="{CAE99879-3F37-4933-8F2E-41550FF57BA5}" srcOrd="4" destOrd="0" parTransId="{35ED31CB-9374-4252-91ED-F0A0656B2D5D}" sibTransId="{3D2A2045-2C77-4067-88E9-920743C72B89}"/>
+    <dgm:cxn modelId="{04D58992-ACA9-4CF9-9510-B57F43976584}" srcId="{05902AA6-96DF-4A3D-9275-8D48946301A5}" destId="{CAE99879-3F37-4933-8F2E-41550FF57BA5}" srcOrd="5" destOrd="0" parTransId="{35ED31CB-9374-4252-91ED-F0A0656B2D5D}" sibTransId="{3D2A2045-2C77-4067-88E9-920743C72B89}"/>
     <dgm:cxn modelId="{44ADECA1-22CD-4660-9307-36E5EE0867B4}" type="presOf" srcId="{84636778-9234-41B5-A9D5-F21D349A5678}" destId="{83AA8CCA-D335-4A93-AC1C-330B5DA904F3}" srcOrd="0" destOrd="0" presId="urn:microsoft.com/office/officeart/2005/8/layout/hProcess9"/>
     <dgm:cxn modelId="{8E70E2D5-3D78-4EB3-B765-10973609A3A4}" type="presOf" srcId="{A431A3E8-81A4-402D-8550-B73C5ABB7530}" destId="{8709D373-8470-4F0A-B3DA-319DD3871C6E}" srcOrd="0" destOrd="0" presId="urn:microsoft.com/office/officeart/2005/8/layout/hProcess9"/>
-    <dgm:cxn modelId="{D42FC8D6-0AF1-40F3-8AFF-BB8A4C76A435}" srcId="{05902AA6-96DF-4A3D-9275-8D48946301A5}" destId="{84636778-9234-41B5-A9D5-F21D349A5678}" srcOrd="1" destOrd="0" parTransId="{CD349D7B-0146-47C0-97F5-86C0E2222880}" sibTransId="{F327EB18-4ACB-4AE1-ACE6-3D6FD7D0F317}"/>
+    <dgm:cxn modelId="{D42FC8D6-0AF1-40F3-8AFF-BB8A4C76A435}" srcId="{05902AA6-96DF-4A3D-9275-8D48946301A5}" destId="{84636778-9234-41B5-A9D5-F21D349A5678}" srcOrd="2" destOrd="0" parTransId="{CD349D7B-0146-47C0-97F5-86C0E2222880}" sibTransId="{F327EB18-4ACB-4AE1-ACE6-3D6FD7D0F317}"/>
+    <dgm:cxn modelId="{A403F1D7-3E3A-4A7F-ADAD-FE5BFCC4F42F}" type="presOf" srcId="{76DAE079-B32B-4283-B8E5-2EE75AD65A59}" destId="{37DA1BDE-8D5F-4819-BD8B-AD266C3FDCFC}" srcOrd="0" destOrd="0" presId="urn:microsoft.com/office/officeart/2005/8/layout/hProcess9"/>
     <dgm:cxn modelId="{DDD4F9D8-2A18-40D0-9DF1-0FEE20A2349D}" srcId="{84636778-9234-41B5-A9D5-F21D349A5678}" destId="{209D9134-9B0A-46B8-A978-A46D3AB9A70B}" srcOrd="0" destOrd="0" parTransId="{CE1BE490-B66B-4A7E-B32E-0D7FD5E1C45F}" sibTransId="{067B6B4A-92FC-4FCC-BAF3-4FDAA345FFEB}"/>
-    <dgm:cxn modelId="{F27DA3F7-DF95-4C95-99D7-2293EB3204B8}" srcId="{05902AA6-96DF-4A3D-9275-8D48946301A5}" destId="{EF587930-82B3-41BE-A00D-F64F81FCCFF8}" srcOrd="2" destOrd="0" parTransId="{1526125A-2D27-45FE-93E5-1A31AA34B547}" sibTransId="{4B2ABB52-9FEA-49BA-887A-7F45422BFC24}"/>
+    <dgm:cxn modelId="{F27DA3F7-DF95-4C95-99D7-2293EB3204B8}" srcId="{05902AA6-96DF-4A3D-9275-8D48946301A5}" destId="{EF587930-82B3-41BE-A00D-F64F81FCCFF8}" srcOrd="3" destOrd="0" parTransId="{1526125A-2D27-45FE-93E5-1A31AA34B547}" sibTransId="{4B2ABB52-9FEA-49BA-887A-7F45422BFC24}"/>
     <dgm:cxn modelId="{0F28DDAC-261E-4CDB-9341-ADA8799E02A3}" type="presParOf" srcId="{D7B1A716-B5B0-407B-A520-0FE1D5607913}" destId="{081C4271-97C9-4585-AD8B-C94394E078D9}" srcOrd="0" destOrd="0" presId="urn:microsoft.com/office/officeart/2005/8/layout/hProcess9"/>
     <dgm:cxn modelId="{206A1635-9FCD-4D2D-A4E0-05EF1AAA5493}" type="presParOf" srcId="{D7B1A716-B5B0-407B-A520-0FE1D5607913}" destId="{401C4F64-BCC8-4722-B382-7F946A6EB47F}" srcOrd="1" destOrd="0" presId="urn:microsoft.com/office/officeart/2005/8/layout/hProcess9"/>
-    <dgm:cxn modelId="{F03A1F62-3807-488A-93D4-2EC91C1A1511}" type="presParOf" srcId="{401C4F64-BCC8-4722-B382-7F946A6EB47F}" destId="{A807AEA5-AB65-4BF0-8E8B-E03980A323BA}" srcOrd="0" destOrd="0" presId="urn:microsoft.com/office/officeart/2005/8/layout/hProcess9"/>
-    <dgm:cxn modelId="{693CF837-929E-4AA0-9FEE-CC0ABE51709B}" type="presParOf" srcId="{401C4F64-BCC8-4722-B382-7F946A6EB47F}" destId="{9D28D710-BADF-4EAD-8656-CCB573ED810B}" srcOrd="1" destOrd="0" presId="urn:microsoft.com/office/officeart/2005/8/layout/hProcess9"/>
-    <dgm:cxn modelId="{28F73F88-CF46-4A3E-A9F4-E0338C163921}" type="presParOf" srcId="{401C4F64-BCC8-4722-B382-7F946A6EB47F}" destId="{83AA8CCA-D335-4A93-AC1C-330B5DA904F3}" srcOrd="2" destOrd="0" presId="urn:microsoft.com/office/officeart/2005/8/layout/hProcess9"/>
-    <dgm:cxn modelId="{2BB23242-CE01-41E9-A208-2936D65CDC3F}" type="presParOf" srcId="{401C4F64-BCC8-4722-B382-7F946A6EB47F}" destId="{34F7EBCD-0FC3-4A25-903E-A0C5299C0037}" srcOrd="3" destOrd="0" presId="urn:microsoft.com/office/officeart/2005/8/layout/hProcess9"/>
-    <dgm:cxn modelId="{3FADE311-D254-4F8C-A6CA-6294501994D9}" type="presParOf" srcId="{401C4F64-BCC8-4722-B382-7F946A6EB47F}" destId="{D18F99D5-99F8-4161-9EB2-CB4843E7331F}" srcOrd="4" destOrd="0" presId="urn:microsoft.com/office/officeart/2005/8/layout/hProcess9"/>
-    <dgm:cxn modelId="{5E22166E-FD24-4F71-8C35-6D2DA75CB193}" type="presParOf" srcId="{401C4F64-BCC8-4722-B382-7F946A6EB47F}" destId="{7CD19C5C-27C4-4B0E-BDB5-6CE424201113}" srcOrd="5" destOrd="0" presId="urn:microsoft.com/office/officeart/2005/8/layout/hProcess9"/>
-    <dgm:cxn modelId="{F4B3FE32-0AB2-4198-B883-05941807817A}" type="presParOf" srcId="{401C4F64-BCC8-4722-B382-7F946A6EB47F}" destId="{8709D373-8470-4F0A-B3DA-319DD3871C6E}" srcOrd="6" destOrd="0" presId="urn:microsoft.com/office/officeart/2005/8/layout/hProcess9"/>
-    <dgm:cxn modelId="{2B653B04-B0DA-4514-93CB-817CFA9CD3A3}" type="presParOf" srcId="{401C4F64-BCC8-4722-B382-7F946A6EB47F}" destId="{C7217561-D396-4B81-879A-04ECBF494CE2}" srcOrd="7" destOrd="0" presId="urn:microsoft.com/office/officeart/2005/8/layout/hProcess9"/>
-    <dgm:cxn modelId="{CCD52344-3E27-4C0D-B94B-42115FA228DC}" type="presParOf" srcId="{401C4F64-BCC8-4722-B382-7F946A6EB47F}" destId="{1B95D6BE-54AC-486B-960D-5BBA9E945FAA}" srcOrd="8" destOrd="0" presId="urn:microsoft.com/office/officeart/2005/8/layout/hProcess9"/>
+    <dgm:cxn modelId="{46676C7C-4220-4403-8FF3-A11E3280BB0C}" type="presParOf" srcId="{401C4F64-BCC8-4722-B382-7F946A6EB47F}" destId="{37DA1BDE-8D5F-4819-BD8B-AD266C3FDCFC}" srcOrd="0" destOrd="0" presId="urn:microsoft.com/office/officeart/2005/8/layout/hProcess9"/>
+    <dgm:cxn modelId="{4AB22494-F674-4FD1-9D2B-910A6B22A3C9}" type="presParOf" srcId="{401C4F64-BCC8-4722-B382-7F946A6EB47F}" destId="{2C3FA606-A13D-477D-9320-9CBC8CA6FB3C}" srcOrd="1" destOrd="0" presId="urn:microsoft.com/office/officeart/2005/8/layout/hProcess9"/>
+    <dgm:cxn modelId="{F03A1F62-3807-488A-93D4-2EC91C1A1511}" type="presParOf" srcId="{401C4F64-BCC8-4722-B382-7F946A6EB47F}" destId="{A807AEA5-AB65-4BF0-8E8B-E03980A323BA}" srcOrd="2" destOrd="0" presId="urn:microsoft.com/office/officeart/2005/8/layout/hProcess9"/>
+    <dgm:cxn modelId="{693CF837-929E-4AA0-9FEE-CC0ABE51709B}" type="presParOf" srcId="{401C4F64-BCC8-4722-B382-7F946A6EB47F}" destId="{9D28D710-BADF-4EAD-8656-CCB573ED810B}" srcOrd="3" destOrd="0" presId="urn:microsoft.com/office/officeart/2005/8/layout/hProcess9"/>
+    <dgm:cxn modelId="{28F73F88-CF46-4A3E-A9F4-E0338C163921}" type="presParOf" srcId="{401C4F64-BCC8-4722-B382-7F946A6EB47F}" destId="{83AA8CCA-D335-4A93-AC1C-330B5DA904F3}" srcOrd="4" destOrd="0" presId="urn:microsoft.com/office/officeart/2005/8/layout/hProcess9"/>
+    <dgm:cxn modelId="{2BB23242-CE01-41E9-A208-2936D65CDC3F}" type="presParOf" srcId="{401C4F64-BCC8-4722-B382-7F946A6EB47F}" destId="{34F7EBCD-0FC3-4A25-903E-A0C5299C0037}" srcOrd="5" destOrd="0" presId="urn:microsoft.com/office/officeart/2005/8/layout/hProcess9"/>
+    <dgm:cxn modelId="{3FADE311-D254-4F8C-A6CA-6294501994D9}" type="presParOf" srcId="{401C4F64-BCC8-4722-B382-7F946A6EB47F}" destId="{D18F99D5-99F8-4161-9EB2-CB4843E7331F}" srcOrd="6" destOrd="0" presId="urn:microsoft.com/office/officeart/2005/8/layout/hProcess9"/>
+    <dgm:cxn modelId="{5E22166E-FD24-4F71-8C35-6D2DA75CB193}" type="presParOf" srcId="{401C4F64-BCC8-4722-B382-7F946A6EB47F}" destId="{7CD19C5C-27C4-4B0E-BDB5-6CE424201113}" srcOrd="7" destOrd="0" presId="urn:microsoft.com/office/officeart/2005/8/layout/hProcess9"/>
+    <dgm:cxn modelId="{F4B3FE32-0AB2-4198-B883-05941807817A}" type="presParOf" srcId="{401C4F64-BCC8-4722-B382-7F946A6EB47F}" destId="{8709D373-8470-4F0A-B3DA-319DD3871C6E}" srcOrd="8" destOrd="0" presId="urn:microsoft.com/office/officeart/2005/8/layout/hProcess9"/>
+    <dgm:cxn modelId="{2B653B04-B0DA-4514-93CB-817CFA9CD3A3}" type="presParOf" srcId="{401C4F64-BCC8-4722-B382-7F946A6EB47F}" destId="{C7217561-D396-4B81-879A-04ECBF494CE2}" srcOrd="9" destOrd="0" presId="urn:microsoft.com/office/officeart/2005/8/layout/hProcess9"/>
+    <dgm:cxn modelId="{CCD52344-3E27-4C0D-B94B-42115FA228DC}" type="presParOf" srcId="{401C4F64-BCC8-4722-B382-7F946A6EB47F}" destId="{1B95D6BE-54AC-486B-960D-5BBA9E945FAA}" srcOrd="10" destOrd="0" presId="urn:microsoft.com/office/officeart/2005/8/layout/hProcess9"/>
   </dgm:cxnLst>
   <dgm:bg/>
   <dgm:whole/>
@@ -12605,15 +12673,15 @@
         <a:fontRef idx="minor"/>
       </dsp:style>
     </dsp:sp>
-    <dsp:sp modelId="{A807AEA5-AB65-4BF0-8E8B-E03980A323BA}">
+    <dsp:sp modelId="{37DA1BDE-8D5F-4819-BD8B-AD266C3FDCFC}">
       <dsp:nvSpPr>
         <dsp:cNvPr id="0" name=""/>
         <dsp:cNvSpPr/>
       </dsp:nvSpPr>
       <dsp:spPr>
         <a:xfrm>
-          <a:off x="3543" y="1358514"/>
-          <a:ext cx="1549406" cy="1811352"/>
+          <a:off x="2214" y="1358514"/>
+          <a:ext cx="1289531" cy="1811352"/>
         </a:xfrm>
         <a:prstGeom prst="roundRect">
           <a:avLst/>
@@ -12654,12 +12722,12 @@
         </a:fontRef>
       </dsp:style>
       <dsp:txBody>
-        <a:bodyPr spcFirstLastPara="0" vert="horz" wrap="square" lIns="49530" tIns="49530" rIns="49530" bIns="49530" numCol="1" spcCol="1270" anchor="ctr" anchorCtr="0">
+        <a:bodyPr spcFirstLastPara="0" vert="horz" wrap="square" lIns="41910" tIns="41910" rIns="41910" bIns="41910" numCol="1" spcCol="1270" anchor="ctr" anchorCtr="0">
           <a:noAutofit/>
         </a:bodyPr>
         <a:lstStyle/>
         <a:p>
-          <a:pPr marL="0" lvl="0" indent="0" algn="ctr" defTabSz="577850">
+          <a:pPr marL="0" lvl="0" indent="0" algn="ctr" defTabSz="488950">
             <a:lnSpc>
               <a:spcPct val="90000"/>
             </a:lnSpc>
@@ -12672,25 +12740,33 @@
             <a:buNone/>
           </a:pPr>
           <a:r>
-            <a:rPr lang="de-DE" sz="1300" kern="1200"/>
-            <a:t>Auslagern von Web-Scraping-Code in separate Python-Dateien</a:t>
+            <a:rPr lang="de-DE" sz="1100" kern="1200" dirty="0"/>
+            <a:t>Weitere Daten </a:t>
+          </a:r>
+          <a:r>
+            <a:rPr lang="de-DE" sz="1100" kern="1200" dirty="0" err="1"/>
+            <a:t>scrapen</a:t>
+          </a:r>
+          <a:r>
+            <a:rPr lang="de-DE" sz="1100" kern="1200" dirty="0"/>
+            <a:t>: z. B. Wetterdaten</a:t>
           </a:r>
         </a:p>
       </dsp:txBody>
       <dsp:txXfrm>
-        <a:off x="79179" y="1434150"/>
-        <a:ext cx="1398134" cy="1660080"/>
+        <a:off x="65164" y="1421464"/>
+        <a:ext cx="1163631" cy="1685452"/>
       </dsp:txXfrm>
     </dsp:sp>
-    <dsp:sp modelId="{83AA8CCA-D335-4A93-AC1C-330B5DA904F3}">
+    <dsp:sp modelId="{A807AEA5-AB65-4BF0-8E8B-E03980A323BA}">
       <dsp:nvSpPr>
         <dsp:cNvPr id="0" name=""/>
         <dsp:cNvSpPr/>
       </dsp:nvSpPr>
       <dsp:spPr>
         <a:xfrm>
-          <a:off x="1630420" y="1358514"/>
-          <a:ext cx="1549406" cy="1811352"/>
+          <a:off x="1356222" y="1358514"/>
+          <a:ext cx="1289531" cy="1811352"/>
         </a:xfrm>
         <a:prstGeom prst="roundRect">
           <a:avLst/>
@@ -12731,12 +12807,12 @@
         </a:fontRef>
       </dsp:style>
       <dsp:txBody>
-        <a:bodyPr spcFirstLastPara="0" vert="horz" wrap="square" lIns="49530" tIns="49530" rIns="49530" bIns="49530" numCol="1" spcCol="1270" anchor="t" anchorCtr="0">
+        <a:bodyPr spcFirstLastPara="0" vert="horz" wrap="square" lIns="41910" tIns="41910" rIns="41910" bIns="41910" numCol="1" spcCol="1270" anchor="ctr" anchorCtr="0">
           <a:noAutofit/>
         </a:bodyPr>
         <a:lstStyle/>
         <a:p>
-          <a:pPr marL="0" lvl="0" indent="0" algn="l" defTabSz="577850">
+          <a:pPr marL="0" lvl="0" indent="0" algn="ctr" defTabSz="488950">
             <a:lnSpc>
               <a:spcPct val="90000"/>
             </a:lnSpc>
@@ -12749,43 +12825,33 @@
             <a:buNone/>
           </a:pPr>
           <a:r>
-            <a:rPr lang="de-DE" sz="1300" kern="1200"/>
-            <a:t>Features berechnen, welche aktuelle Form der Teams beschreiben</a:t>
+            <a:rPr lang="de-DE" sz="1100" kern="1200" dirty="0"/>
+            <a:t>Auslagern von Web-</a:t>
           </a:r>
-        </a:p>
-        <a:p>
-          <a:pPr marL="57150" lvl="1" indent="-57150" algn="l" defTabSz="444500">
-            <a:lnSpc>
-              <a:spcPct val="90000"/>
-            </a:lnSpc>
-            <a:spcBef>
-              <a:spcPct val="0"/>
-            </a:spcBef>
-            <a:spcAft>
-              <a:spcPct val="15000"/>
-            </a:spcAft>
-            <a:buChar char="•"/>
-          </a:pPr>
           <a:r>
-            <a:rPr lang="de-DE" sz="1000" kern="1200"/>
-            <a:t>z. B. Siege, Unentschieden und Niederlagen in den letzten x Spielen</a:t>
+            <a:rPr lang="de-DE" sz="1100" kern="1200" dirty="0" err="1"/>
+            <a:t>Scraping</a:t>
+          </a:r>
+          <a:r>
+            <a:rPr lang="de-DE" sz="1100" kern="1200" dirty="0"/>
+            <a:t>-Code in separate Python-Dateien</a:t>
           </a:r>
         </a:p>
       </dsp:txBody>
       <dsp:txXfrm>
-        <a:off x="1706056" y="1434150"/>
-        <a:ext cx="1398134" cy="1660080"/>
+        <a:off x="1419172" y="1421464"/>
+        <a:ext cx="1163631" cy="1685452"/>
       </dsp:txXfrm>
     </dsp:sp>
-    <dsp:sp modelId="{D18F99D5-99F8-4161-9EB2-CB4843E7331F}">
+    <dsp:sp modelId="{83AA8CCA-D335-4A93-AC1C-330B5DA904F3}">
       <dsp:nvSpPr>
         <dsp:cNvPr id="0" name=""/>
         <dsp:cNvSpPr/>
       </dsp:nvSpPr>
       <dsp:spPr>
         <a:xfrm>
-          <a:off x="3257296" y="1358514"/>
-          <a:ext cx="1549406" cy="1811352"/>
+          <a:off x="2710230" y="1358514"/>
+          <a:ext cx="1289531" cy="1811352"/>
         </a:xfrm>
         <a:prstGeom prst="roundRect">
           <a:avLst/>
@@ -12826,12 +12892,12 @@
         </a:fontRef>
       </dsp:style>
       <dsp:txBody>
-        <a:bodyPr spcFirstLastPara="0" vert="horz" wrap="square" lIns="49530" tIns="49530" rIns="49530" bIns="49530" numCol="1" spcCol="1270" anchor="ctr" anchorCtr="0">
+        <a:bodyPr spcFirstLastPara="0" vert="horz" wrap="square" lIns="41910" tIns="41910" rIns="41910" bIns="41910" numCol="1" spcCol="1270" anchor="t" anchorCtr="0">
           <a:noAutofit/>
         </a:bodyPr>
         <a:lstStyle/>
         <a:p>
-          <a:pPr marL="0" lvl="0" indent="0" algn="ctr" defTabSz="577850">
+          <a:pPr marL="0" lvl="0" indent="0" algn="l" defTabSz="488950">
             <a:lnSpc>
               <a:spcPct val="90000"/>
             </a:lnSpc>
@@ -12844,25 +12910,43 @@
             <a:buNone/>
           </a:pPr>
           <a:r>
-            <a:rPr lang="de-DE" sz="1300" kern="1200"/>
-            <a:t>Statistische Datenanalyse</a:t>
+            <a:rPr lang="de-DE" sz="1100" kern="1200" dirty="0"/>
+            <a:t>Features berechnen, welche aktuelle Form der Teams beschreiben</a:t>
+          </a:r>
+        </a:p>
+        <a:p>
+          <a:pPr marL="57150" lvl="1" indent="-57150" algn="l" defTabSz="400050">
+            <a:lnSpc>
+              <a:spcPct val="90000"/>
+            </a:lnSpc>
+            <a:spcBef>
+              <a:spcPct val="0"/>
+            </a:spcBef>
+            <a:spcAft>
+              <a:spcPct val="15000"/>
+            </a:spcAft>
+            <a:buChar char="•"/>
+          </a:pPr>
+          <a:r>
+            <a:rPr lang="de-DE" sz="900" kern="1200"/>
+            <a:t>z. B. Siege, Unentschieden und Niederlagen in den letzten x Spielen</a:t>
           </a:r>
         </a:p>
       </dsp:txBody>
       <dsp:txXfrm>
-        <a:off x="3332932" y="1434150"/>
-        <a:ext cx="1398134" cy="1660080"/>
+        <a:off x="2773180" y="1421464"/>
+        <a:ext cx="1163631" cy="1685452"/>
       </dsp:txXfrm>
     </dsp:sp>
-    <dsp:sp modelId="{8709D373-8470-4F0A-B3DA-319DD3871C6E}">
+    <dsp:sp modelId="{D18F99D5-99F8-4161-9EB2-CB4843E7331F}">
       <dsp:nvSpPr>
         <dsp:cNvPr id="0" name=""/>
         <dsp:cNvSpPr/>
       </dsp:nvSpPr>
       <dsp:spPr>
         <a:xfrm>
-          <a:off x="4884172" y="1358514"/>
-          <a:ext cx="1549406" cy="1811352"/>
+          <a:off x="4064237" y="1358514"/>
+          <a:ext cx="1289531" cy="1811352"/>
         </a:xfrm>
         <a:prstGeom prst="roundRect">
           <a:avLst/>
@@ -12903,12 +12987,12 @@
         </a:fontRef>
       </dsp:style>
       <dsp:txBody>
-        <a:bodyPr spcFirstLastPara="0" vert="horz" wrap="square" lIns="49530" tIns="49530" rIns="49530" bIns="49530" numCol="1" spcCol="1270" anchor="ctr" anchorCtr="0">
+        <a:bodyPr spcFirstLastPara="0" vert="horz" wrap="square" lIns="41910" tIns="41910" rIns="41910" bIns="41910" numCol="1" spcCol="1270" anchor="ctr" anchorCtr="0">
           <a:noAutofit/>
         </a:bodyPr>
         <a:lstStyle/>
         <a:p>
-          <a:pPr marL="0" lvl="0" indent="0" algn="ctr" defTabSz="577850">
+          <a:pPr marL="0" lvl="0" indent="0" algn="ctr" defTabSz="488950">
             <a:lnSpc>
               <a:spcPct val="90000"/>
             </a:lnSpc>
@@ -12921,25 +13005,25 @@
             <a:buNone/>
           </a:pPr>
           <a:r>
-            <a:rPr lang="de-DE" sz="1300" kern="1200"/>
-            <a:t>Feature Engineering und Modelling</a:t>
+            <a:rPr lang="de-DE" sz="1100" kern="1200"/>
+            <a:t>Statistische Datenanalyse</a:t>
           </a:r>
         </a:p>
       </dsp:txBody>
       <dsp:txXfrm>
-        <a:off x="4959808" y="1434150"/>
-        <a:ext cx="1398134" cy="1660080"/>
+        <a:off x="4127187" y="1421464"/>
+        <a:ext cx="1163631" cy="1685452"/>
       </dsp:txXfrm>
     </dsp:sp>
-    <dsp:sp modelId="{1B95D6BE-54AC-486B-960D-5BBA9E945FAA}">
+    <dsp:sp modelId="{8709D373-8470-4F0A-B3DA-319DD3871C6E}">
       <dsp:nvSpPr>
         <dsp:cNvPr id="0" name=""/>
         <dsp:cNvSpPr/>
       </dsp:nvSpPr>
       <dsp:spPr>
         <a:xfrm>
-          <a:off x="6511049" y="1358514"/>
-          <a:ext cx="1549406" cy="1811352"/>
+          <a:off x="5418245" y="1358514"/>
+          <a:ext cx="1289531" cy="1811352"/>
         </a:xfrm>
         <a:prstGeom prst="roundRect">
           <a:avLst/>
@@ -12980,12 +13064,12 @@
         </a:fontRef>
       </dsp:style>
       <dsp:txBody>
-        <a:bodyPr spcFirstLastPara="0" vert="horz" wrap="square" lIns="49530" tIns="49530" rIns="49530" bIns="49530" numCol="1" spcCol="1270" anchor="ctr" anchorCtr="0">
+        <a:bodyPr spcFirstLastPara="0" vert="horz" wrap="square" lIns="41910" tIns="41910" rIns="41910" bIns="41910" numCol="1" spcCol="1270" anchor="ctr" anchorCtr="0">
           <a:noAutofit/>
         </a:bodyPr>
         <a:lstStyle/>
         <a:p>
-          <a:pPr marL="0" lvl="0" indent="0" algn="ctr" defTabSz="577850">
+          <a:pPr marL="0" lvl="0" indent="0" algn="ctr" defTabSz="488950">
             <a:lnSpc>
               <a:spcPct val="90000"/>
             </a:lnSpc>
@@ -12998,14 +13082,91 @@
             <a:buNone/>
           </a:pPr>
           <a:r>
-            <a:rPr lang="de-DE" sz="1300" kern="1200"/>
+            <a:rPr lang="de-DE" sz="1100" kern="1200"/>
+            <a:t>Feature Engineering und Modelling</a:t>
+          </a:r>
+        </a:p>
+      </dsp:txBody>
+      <dsp:txXfrm>
+        <a:off x="5481195" y="1421464"/>
+        <a:ext cx="1163631" cy="1685452"/>
+      </dsp:txXfrm>
+    </dsp:sp>
+    <dsp:sp modelId="{1B95D6BE-54AC-486B-960D-5BBA9E945FAA}">
+      <dsp:nvSpPr>
+        <dsp:cNvPr id="0" name=""/>
+        <dsp:cNvSpPr/>
+      </dsp:nvSpPr>
+      <dsp:spPr>
+        <a:xfrm>
+          <a:off x="6772253" y="1358514"/>
+          <a:ext cx="1289531" cy="1811352"/>
+        </a:xfrm>
+        <a:prstGeom prst="roundRect">
+          <a:avLst/>
+        </a:prstGeom>
+        <a:solidFill>
+          <a:schemeClr val="dk2">
+            <a:hueOff val="0"/>
+            <a:satOff val="0"/>
+            <a:lumOff val="0"/>
+            <a:alphaOff val="0"/>
+          </a:schemeClr>
+        </a:solidFill>
+        <a:ln w="25400" cap="flat" cmpd="sng" algn="ctr">
+          <a:solidFill>
+            <a:schemeClr val="lt2">
+              <a:hueOff val="0"/>
+              <a:satOff val="0"/>
+              <a:lumOff val="0"/>
+              <a:alphaOff val="0"/>
+            </a:schemeClr>
+          </a:solidFill>
+          <a:prstDash val="solid"/>
+        </a:ln>
+        <a:effectLst/>
+      </dsp:spPr>
+      <dsp:style>
+        <a:lnRef idx="2">
+          <a:scrgbClr r="0" g="0" b="0"/>
+        </a:lnRef>
+        <a:fillRef idx="1">
+          <a:scrgbClr r="0" g="0" b="0"/>
+        </a:fillRef>
+        <a:effectRef idx="0">
+          <a:scrgbClr r="0" g="0" b="0"/>
+        </a:effectRef>
+        <a:fontRef idx="minor">
+          <a:schemeClr val="lt1"/>
+        </a:fontRef>
+      </dsp:style>
+      <dsp:txBody>
+        <a:bodyPr spcFirstLastPara="0" vert="horz" wrap="square" lIns="41910" tIns="41910" rIns="41910" bIns="41910" numCol="1" spcCol="1270" anchor="ctr" anchorCtr="0">
+          <a:noAutofit/>
+        </a:bodyPr>
+        <a:lstStyle/>
+        <a:p>
+          <a:pPr marL="0" lvl="0" indent="0" algn="ctr" defTabSz="488950">
+            <a:lnSpc>
+              <a:spcPct val="90000"/>
+            </a:lnSpc>
+            <a:spcBef>
+              <a:spcPct val="0"/>
+            </a:spcBef>
+            <a:spcAft>
+              <a:spcPct val="35000"/>
+            </a:spcAft>
+            <a:buNone/>
+          </a:pPr>
+          <a:r>
+            <a:rPr lang="de-DE" sz="1100" kern="1200"/>
             <a:t>Modellevaluation und Benchmarking</a:t>
           </a:r>
         </a:p>
       </dsp:txBody>
       <dsp:txXfrm>
-        <a:off x="6586685" y="1434150"/>
-        <a:ext cx="1398134" cy="1660080"/>
+        <a:off x="6835203" y="1421464"/>
+        <a:ext cx="1163631" cy="1685452"/>
       </dsp:txXfrm>
     </dsp:sp>
   </dsp:spTree>
@@ -23966,14 +24127,14 @@
           <a:effectLst/>
           <a:extLst>
             <a:ext uri="{909E8E84-426E-40dd-AFC4-6F175D3DCCD1}">
-              <a14:hiddenFill xmlns="" xmlns:a14="http://schemas.microsoft.com/office/drawing/2010/main">
+              <a14:hiddenFill xmlns:a14="http://schemas.microsoft.com/office/drawing/2010/main" xmlns="">
                 <a:solidFill>
                   <a:schemeClr val="accent1"/>
                 </a:solidFill>
               </a14:hiddenFill>
             </a:ext>
             <a:ext uri="{91240B29-F687-4f45-9708-019B960494DF}">
-              <a14:hiddenLine xmlns="" xmlns:a14="http://schemas.microsoft.com/office/drawing/2010/main" w="9525">
+              <a14:hiddenLine xmlns:a14="http://schemas.microsoft.com/office/drawing/2010/main" xmlns="" w="9525">
                 <a:solidFill>
                   <a:schemeClr val="tx1"/>
                 </a:solidFill>
@@ -23983,7 +24144,7 @@
               </a14:hiddenLine>
             </a:ext>
             <a:ext uri="{AF507438-7753-43e0-B8FC-AC1667EBCBE1}">
-              <a14:hiddenEffects xmlns="" xmlns:a14="http://schemas.microsoft.com/office/drawing/2010/main">
+              <a14:hiddenEffects xmlns:a14="http://schemas.microsoft.com/office/drawing/2010/main" xmlns="">
                 <a:effectLst>
                   <a:outerShdw blurRad="63500" dist="38099" dir="2700000" algn="ctr" rotWithShape="0">
                     <a:schemeClr val="bg2">
@@ -23994,7 +24155,7 @@
               </a14:hiddenEffects>
             </a:ext>
             <a:ext uri="{FAA26D3D-D897-4be2-8F04-BA451C77F1D7}">
-              <ma14:placeholderFlag xmlns="" xmlns:ma14="http://schemas.microsoft.com/office/mac/drawingml/2011/main" val="1"/>
+              <ma14:placeholderFlag xmlns:ma14="http://schemas.microsoft.com/office/mac/drawingml/2011/main" xmlns="" val="1"/>
             </a:ext>
           </a:extLst>
         </p:spPr>
@@ -24044,14 +24205,14 @@
           <a:effectLst/>
           <a:extLst>
             <a:ext uri="{909E8E84-426E-40dd-AFC4-6F175D3DCCD1}">
-              <a14:hiddenFill xmlns="" xmlns:a14="http://schemas.microsoft.com/office/drawing/2010/main">
+              <a14:hiddenFill xmlns:a14="http://schemas.microsoft.com/office/drawing/2010/main" xmlns="">
                 <a:solidFill>
                   <a:schemeClr val="accent1"/>
                 </a:solidFill>
               </a14:hiddenFill>
             </a:ext>
             <a:ext uri="{91240B29-F687-4f45-9708-019B960494DF}">
-              <a14:hiddenLine xmlns="" xmlns:a14="http://schemas.microsoft.com/office/drawing/2010/main" w="9525">
+              <a14:hiddenLine xmlns:a14="http://schemas.microsoft.com/office/drawing/2010/main" xmlns="" w="9525">
                 <a:solidFill>
                   <a:schemeClr val="tx1"/>
                 </a:solidFill>
@@ -24061,7 +24222,7 @@
               </a14:hiddenLine>
             </a:ext>
             <a:ext uri="{AF507438-7753-43e0-B8FC-AC1667EBCBE1}">
-              <a14:hiddenEffects xmlns="" xmlns:a14="http://schemas.microsoft.com/office/drawing/2010/main">
+              <a14:hiddenEffects xmlns:a14="http://schemas.microsoft.com/office/drawing/2010/main" xmlns="">
                 <a:effectLst>
                   <a:outerShdw blurRad="63500" dist="38099" dir="2700000" algn="ctr" rotWithShape="0">
                     <a:schemeClr val="bg2">
@@ -24072,7 +24233,7 @@
               </a14:hiddenEffects>
             </a:ext>
             <a:ext uri="{FAA26D3D-D897-4be2-8F04-BA451C77F1D7}">
-              <ma14:placeholderFlag xmlns="" xmlns:ma14="http://schemas.microsoft.com/office/mac/drawingml/2011/main" val="1"/>
+              <ma14:placeholderFlag xmlns:ma14="http://schemas.microsoft.com/office/mac/drawingml/2011/main" xmlns="" val="1"/>
             </a:ext>
           </a:extLst>
         </p:spPr>
@@ -24122,14 +24283,14 @@
           <a:effectLst/>
           <a:extLst>
             <a:ext uri="{909E8E84-426E-40dd-AFC4-6F175D3DCCD1}">
-              <a14:hiddenFill xmlns="" xmlns:a14="http://schemas.microsoft.com/office/drawing/2010/main">
+              <a14:hiddenFill xmlns:a14="http://schemas.microsoft.com/office/drawing/2010/main" xmlns="">
                 <a:solidFill>
                   <a:schemeClr val="accent1"/>
                 </a:solidFill>
               </a14:hiddenFill>
             </a:ext>
             <a:ext uri="{91240B29-F687-4f45-9708-019B960494DF}">
-              <a14:hiddenLine xmlns="" xmlns:a14="http://schemas.microsoft.com/office/drawing/2010/main" w="9525">
+              <a14:hiddenLine xmlns:a14="http://schemas.microsoft.com/office/drawing/2010/main" xmlns="" w="9525">
                 <a:solidFill>
                   <a:schemeClr val="tx1"/>
                 </a:solidFill>
@@ -24139,7 +24300,7 @@
               </a14:hiddenLine>
             </a:ext>
             <a:ext uri="{AF507438-7753-43e0-B8FC-AC1667EBCBE1}">
-              <a14:hiddenEffects xmlns="" xmlns:a14="http://schemas.microsoft.com/office/drawing/2010/main">
+              <a14:hiddenEffects xmlns:a14="http://schemas.microsoft.com/office/drawing/2010/main" xmlns="">
                 <a:effectLst>
                   <a:outerShdw blurRad="63500" dist="38099" dir="2700000" algn="ctr" rotWithShape="0">
                     <a:schemeClr val="bg2">
@@ -24150,7 +24311,7 @@
               </a14:hiddenEffects>
             </a:ext>
             <a:ext uri="{FAA26D3D-D897-4be2-8F04-BA451C77F1D7}">
-              <ma14:placeholderFlag xmlns="" xmlns:ma14="http://schemas.microsoft.com/office/mac/drawingml/2011/main" val="1"/>
+              <ma14:placeholderFlag xmlns:ma14="http://schemas.microsoft.com/office/mac/drawingml/2011/main" xmlns="" val="1"/>
             </a:ext>
           </a:extLst>
         </p:spPr>
@@ -24200,14 +24361,14 @@
           <a:effectLst/>
           <a:extLst>
             <a:ext uri="{909E8E84-426E-40dd-AFC4-6F175D3DCCD1}">
-              <a14:hiddenFill xmlns="" xmlns:a14="http://schemas.microsoft.com/office/drawing/2010/main">
+              <a14:hiddenFill xmlns:a14="http://schemas.microsoft.com/office/drawing/2010/main" xmlns="">
                 <a:solidFill>
                   <a:schemeClr val="accent1"/>
                 </a:solidFill>
               </a14:hiddenFill>
             </a:ext>
             <a:ext uri="{91240B29-F687-4f45-9708-019B960494DF}">
-              <a14:hiddenLine xmlns="" xmlns:a14="http://schemas.microsoft.com/office/drawing/2010/main" w="9525">
+              <a14:hiddenLine xmlns:a14="http://schemas.microsoft.com/office/drawing/2010/main" xmlns="" w="9525">
                 <a:solidFill>
                   <a:schemeClr val="tx1"/>
                 </a:solidFill>
@@ -24217,7 +24378,7 @@
               </a14:hiddenLine>
             </a:ext>
             <a:ext uri="{AF507438-7753-43e0-B8FC-AC1667EBCBE1}">
-              <a14:hiddenEffects xmlns="" xmlns:a14="http://schemas.microsoft.com/office/drawing/2010/main">
+              <a14:hiddenEffects xmlns:a14="http://schemas.microsoft.com/office/drawing/2010/main" xmlns="">
                 <a:effectLst>
                   <a:outerShdw blurRad="63500" dist="38099" dir="2700000" algn="ctr" rotWithShape="0">
                     <a:schemeClr val="bg2">
@@ -24228,7 +24389,7 @@
               </a14:hiddenEffects>
             </a:ext>
             <a:ext uri="{FAA26D3D-D897-4be2-8F04-BA451C77F1D7}">
-              <ma14:placeholderFlag xmlns="" xmlns:ma14="http://schemas.microsoft.com/office/mac/drawingml/2011/main" val="1"/>
+              <ma14:placeholderFlag xmlns:ma14="http://schemas.microsoft.com/office/mac/drawingml/2011/main" xmlns="" val="1"/>
             </a:ext>
           </a:extLst>
         </p:spPr>
@@ -24324,7 +24485,7 @@
           <a:effectLst/>
           <a:extLst>
             <a:ext uri="{AF507438-7753-43e0-B8FC-AC1667EBCBE1}">
-              <a14:hiddenEffects xmlns="" xmlns:a14="http://schemas.microsoft.com/office/drawing/2010/main">
+              <a14:hiddenEffects xmlns:a14="http://schemas.microsoft.com/office/drawing/2010/main" xmlns="">
                 <a:effectLst>
                   <a:outerShdw blurRad="63500" dist="38099" dir="2700000" algn="ctr" rotWithShape="0">
                     <a:srgbClr val="000000">
@@ -24335,7 +24496,7 @@
               </a14:hiddenEffects>
             </a:ext>
             <a:ext uri="{53640926-AAD7-44d8-BBD7-CCE9431645EC}">
-              <a14:shadowObscured xmlns="" xmlns:a14="http://schemas.microsoft.com/office/drawing/2010/main" val="1"/>
+              <a14:shadowObscured xmlns:a14="http://schemas.microsoft.com/office/drawing/2010/main" xmlns="" val="1"/>
             </a:ext>
           </a:extLst>
         </p:spPr>
@@ -24365,14 +24526,14 @@
           <a:effectLst/>
           <a:extLst>
             <a:ext uri="{909E8E84-426E-40dd-AFC4-6F175D3DCCD1}">
-              <a14:hiddenFill xmlns="" xmlns:a14="http://schemas.microsoft.com/office/drawing/2010/main">
+              <a14:hiddenFill xmlns:a14="http://schemas.microsoft.com/office/drawing/2010/main" xmlns="">
                 <a:solidFill>
                   <a:schemeClr val="accent1"/>
                 </a:solidFill>
               </a14:hiddenFill>
             </a:ext>
             <a:ext uri="{91240B29-F687-4f45-9708-019B960494DF}">
-              <a14:hiddenLine xmlns="" xmlns:a14="http://schemas.microsoft.com/office/drawing/2010/main" w="9525">
+              <a14:hiddenLine xmlns:a14="http://schemas.microsoft.com/office/drawing/2010/main" xmlns="" w="9525">
                 <a:solidFill>
                   <a:schemeClr val="tx1"/>
                 </a:solidFill>
@@ -24382,7 +24543,7 @@
               </a14:hiddenLine>
             </a:ext>
             <a:ext uri="{AF507438-7753-43e0-B8FC-AC1667EBCBE1}">
-              <a14:hiddenEffects xmlns="" xmlns:a14="http://schemas.microsoft.com/office/drawing/2010/main">
+              <a14:hiddenEffects xmlns:a14="http://schemas.microsoft.com/office/drawing/2010/main" xmlns="">
                 <a:effectLst>
                   <a:outerShdw blurRad="63500" dist="38099" dir="2700000" algn="ctr" rotWithShape="0">
                     <a:schemeClr val="bg2">
@@ -24393,7 +24554,7 @@
               </a14:hiddenEffects>
             </a:ext>
             <a:ext uri="{FAA26D3D-D897-4be2-8F04-BA451C77F1D7}">
-              <ma14:placeholderFlag xmlns="" xmlns:ma14="http://schemas.microsoft.com/office/mac/drawingml/2011/main" val="1"/>
+              <ma14:placeholderFlag xmlns:ma14="http://schemas.microsoft.com/office/mac/drawingml/2011/main" xmlns="" val="1"/>
             </a:ext>
           </a:extLst>
         </p:spPr>
@@ -26562,14 +26723,14 @@
           <a:effectLst/>
           <a:extLst>
             <a:ext uri="{909E8E84-426E-40dd-AFC4-6F175D3DCCD1}">
-              <a14:hiddenFill xmlns="" xmlns:a14="http://schemas.microsoft.com/office/drawing/2010/main">
+              <a14:hiddenFill xmlns:a14="http://schemas.microsoft.com/office/drawing/2010/main" xmlns="">
                 <a:solidFill>
                   <a:schemeClr val="accent2"/>
                 </a:solidFill>
               </a14:hiddenFill>
             </a:ext>
             <a:ext uri="{AF507438-7753-43e0-B8FC-AC1667EBCBE1}">
-              <a14:hiddenEffects xmlns="" xmlns:a14="http://schemas.microsoft.com/office/drawing/2010/main">
+              <a14:hiddenEffects xmlns:a14="http://schemas.microsoft.com/office/drawing/2010/main" xmlns="">
                 <a:effectLst>
                   <a:outerShdw blurRad="63500" dist="35921" dir="2700000" algn="ctr" rotWithShape="0">
                     <a:schemeClr val="bg2"/>
@@ -27096,14 +27257,14 @@
           <a:effectLst/>
           <a:extLst>
             <a:ext uri="{909E8E84-426E-40dd-AFC4-6F175D3DCCD1}">
-              <a14:hiddenFill xmlns="" xmlns:a14="http://schemas.microsoft.com/office/drawing/2010/main">
+              <a14:hiddenFill xmlns:a14="http://schemas.microsoft.com/office/drawing/2010/main" xmlns="">
                 <a:solidFill>
                   <a:schemeClr val="accent2"/>
                 </a:solidFill>
               </a14:hiddenFill>
             </a:ext>
             <a:ext uri="{AF507438-7753-43e0-B8FC-AC1667EBCBE1}">
-              <a14:hiddenEffects xmlns="" xmlns:a14="http://schemas.microsoft.com/office/drawing/2010/main">
+              <a14:hiddenEffects xmlns:a14="http://schemas.microsoft.com/office/drawing/2010/main" xmlns="">
                 <a:effectLst>
                   <a:outerShdw blurRad="63500" dist="35921" dir="2700000" algn="ctr" rotWithShape="0">
                     <a:schemeClr val="bg2"/>
@@ -27306,14 +27467,14 @@
           </a:prstGeom>
           <a:extLst>
             <a:ext uri="{909E8E84-426E-40dd-AFC4-6F175D3DCCD1}">
-              <a14:hiddenFill xmlns="" xmlns:a14="http://schemas.microsoft.com/office/drawing/2010/main">
+              <a14:hiddenFill xmlns:a14="http://schemas.microsoft.com/office/drawing/2010/main" xmlns="">
                 <a:solidFill>
                   <a:schemeClr val="accent2"/>
                 </a:solidFill>
               </a14:hiddenFill>
             </a:ext>
             <a:ext uri="{91240B29-F687-4f45-9708-019B960494DF}">
-              <a14:hiddenLine xmlns="" xmlns:a14="http://schemas.microsoft.com/office/drawing/2010/main" w="9525">
+              <a14:hiddenLine xmlns:a14="http://schemas.microsoft.com/office/drawing/2010/main" xmlns="" w="9525">
                 <a:solidFill>
                   <a:schemeClr val="accent2"/>
                 </a:solidFill>
@@ -27712,7 +27873,7 @@
           <a:noFill/>
           <a:extLst>
             <a:ext uri="{909E8E84-426E-40dd-AFC4-6F175D3DCCD1}">
-              <a14:hiddenFill xmlns="" xmlns:a14="http://schemas.microsoft.com/office/drawing/2010/main">
+              <a14:hiddenFill xmlns:a14="http://schemas.microsoft.com/office/drawing/2010/main" xmlns="">
                 <a:solidFill>
                   <a:srgbClr val="FFFFFF"/>
                 </a:solidFill>
@@ -27800,7 +27961,7 @@
           <a:noFill/>
           <a:extLst>
             <a:ext uri="{909E8E84-426E-40dd-AFC4-6F175D3DCCD1}">
-              <a14:hiddenFill xmlns="" xmlns:a14="http://schemas.microsoft.com/office/drawing/2010/main">
+              <a14:hiddenFill xmlns:a14="http://schemas.microsoft.com/office/drawing/2010/main" xmlns="">
                 <a:solidFill>
                   <a:srgbClr val="FFFFFF"/>
                 </a:solidFill>
@@ -27967,14 +28128,14 @@
           <a:effectLst/>
           <a:extLst>
             <a:ext uri="{909E8E84-426E-40dd-AFC4-6F175D3DCCD1}">
-              <a14:hiddenFill xmlns="" xmlns:a14="http://schemas.microsoft.com/office/drawing/2010/main">
+              <a14:hiddenFill xmlns:a14="http://schemas.microsoft.com/office/drawing/2010/main" xmlns="">
                 <a:solidFill>
                   <a:schemeClr val="accent2"/>
                 </a:solidFill>
               </a14:hiddenFill>
             </a:ext>
             <a:ext uri="{AF507438-7753-43e0-B8FC-AC1667EBCBE1}">
-              <a14:hiddenEffects xmlns="" xmlns:a14="http://schemas.microsoft.com/office/drawing/2010/main">
+              <a14:hiddenEffects xmlns:a14="http://schemas.microsoft.com/office/drawing/2010/main" xmlns="">
                 <a:effectLst>
                   <a:outerShdw blurRad="63500" dist="35921" dir="2700000" algn="ctr" rotWithShape="0">
                     <a:schemeClr val="bg2"/>
@@ -28056,7 +28217,7 @@
           <a:noFill/>
           <a:extLst>
             <a:ext uri="{909E8E84-426E-40dd-AFC4-6F175D3DCCD1}">
-              <a14:hiddenFill xmlns="" xmlns:a14="http://schemas.microsoft.com/office/drawing/2010/main">
+              <a14:hiddenFill xmlns:a14="http://schemas.microsoft.com/office/drawing/2010/main" xmlns="">
                 <a:solidFill>
                   <a:srgbClr val="FFFFFF"/>
                 </a:solidFill>
@@ -28088,14 +28249,14 @@
           <a:effectLst/>
           <a:extLst>
             <a:ext uri="{909E8E84-426E-40dd-AFC4-6F175D3DCCD1}">
-              <a14:hiddenFill xmlns="" xmlns:a14="http://schemas.microsoft.com/office/drawing/2010/main">
+              <a14:hiddenFill xmlns:a14="http://schemas.microsoft.com/office/drawing/2010/main" xmlns="">
                 <a:solidFill>
                   <a:schemeClr val="accent1"/>
                 </a:solidFill>
               </a14:hiddenFill>
             </a:ext>
             <a:ext uri="{91240B29-F687-4f45-9708-019B960494DF}">
-              <a14:hiddenLine xmlns="" xmlns:a14="http://schemas.microsoft.com/office/drawing/2010/main" w="9525">
+              <a14:hiddenLine xmlns:a14="http://schemas.microsoft.com/office/drawing/2010/main" xmlns="" w="9525">
                 <a:solidFill>
                   <a:schemeClr val="tx1"/>
                 </a:solidFill>
@@ -28105,7 +28266,7 @@
               </a14:hiddenLine>
             </a:ext>
             <a:ext uri="{AF507438-7753-43e0-B8FC-AC1667EBCBE1}">
-              <a14:hiddenEffects xmlns="" xmlns:a14="http://schemas.microsoft.com/office/drawing/2010/main">
+              <a14:hiddenEffects xmlns:a14="http://schemas.microsoft.com/office/drawing/2010/main" xmlns="">
                 <a:effectLst>
                   <a:outerShdw blurRad="63500" dist="38099" dir="2700000" algn="ctr" rotWithShape="0">
                     <a:schemeClr val="bg2">
@@ -28207,7 +28368,7 @@
           <a:noFill/>
           <a:extLst>
             <a:ext uri="{909E8E84-426E-40dd-AFC4-6F175D3DCCD1}">
-              <a14:hiddenFill xmlns="" xmlns:a14="http://schemas.microsoft.com/office/drawing/2010/main">
+              <a14:hiddenFill xmlns:a14="http://schemas.microsoft.com/office/drawing/2010/main" xmlns="">
                 <a:solidFill>
                   <a:srgbClr val="FFFFFF"/>
                 </a:solidFill>
@@ -28248,7 +28409,7 @@
           <a:noFill/>
           <a:extLst>
             <a:ext uri="{909E8E84-426E-40dd-AFC4-6F175D3DCCD1}">
-              <a14:hiddenFill xmlns="" xmlns:a14="http://schemas.microsoft.com/office/drawing/2010/main">
+              <a14:hiddenFill xmlns:a14="http://schemas.microsoft.com/office/drawing/2010/main" xmlns="">
                 <a:solidFill>
                   <a:srgbClr val="FFFFFF"/>
                 </a:solidFill>
@@ -29494,7 +29655,7 @@
                     <a:p>
                       <a:pPr algn="ctr" fontAlgn="ctr"/>
                       <a:r>
-                        <a:rPr lang="de-DE" sz="1100" b="0" i="0" u="none" strike="noStrike">
+                        <a:rPr lang="de-DE" sz="1100" b="0" i="0" u="none" strike="noStrike" dirty="0">
                           <a:solidFill>
                             <a:srgbClr val="000000"/>
                           </a:solidFill>
@@ -29554,7 +29715,7 @@
                     <a:p>
                       <a:pPr algn="ctr" fontAlgn="ctr"/>
                       <a:r>
-                        <a:rPr lang="de-DE" sz="1100" b="0" i="0" u="none" strike="noStrike">
+                        <a:rPr lang="de-DE" sz="1100" b="0" i="0" u="none" strike="noStrike" dirty="0">
                           <a:solidFill>
                             <a:srgbClr val="000000"/>
                           </a:solidFill>
@@ -29688,7 +29849,7 @@
                     <a:p>
                       <a:pPr algn="ctr" fontAlgn="ctr"/>
                       <a:r>
-                        <a:rPr lang="de-DE" sz="1100" b="0" i="0" u="none" strike="noStrike">
+                        <a:rPr lang="de-DE" sz="1100" b="0" i="0" u="none" strike="noStrike" dirty="0">
                           <a:solidFill>
                             <a:srgbClr val="000000"/>
                           </a:solidFill>
@@ -30330,7 +30491,7 @@
                     <a:p>
                       <a:pPr algn="ctr" fontAlgn="ctr"/>
                       <a:r>
-                        <a:rPr lang="de-DE" sz="1100" b="0" i="0" u="none" strike="noStrike">
+                        <a:rPr lang="de-DE" sz="1100" b="0" i="0" u="none" strike="noStrike" dirty="0">
                           <a:solidFill>
                             <a:srgbClr val="000000"/>
                           </a:solidFill>
@@ -30647,8 +30808,8 @@
           </a:graphicData>
         </a:graphic>
       </p:graphicFrame>
-      <mc:AlternateContent xmlns:mc="http://schemas.openxmlformats.org/markup-compatibility/2006">
-        <mc:Choice xmlns:a14="http://schemas.microsoft.com/office/drawing/2010/main" Requires="a14">
+      <mc:AlternateContent xmlns:mc="http://schemas.openxmlformats.org/markup-compatibility/2006" xmlns:a14="http://schemas.microsoft.com/office/drawing/2010/main">
+        <mc:Choice Requires="a14">
           <p:sp>
             <p:nvSpPr>
               <p:cNvPr id="12" name="Inhaltsplatzhalter 2">
@@ -31151,7 +31312,7 @@
             </p:txBody>
           </p:sp>
         </mc:Choice>
-        <mc:Fallback>
+        <mc:Fallback xmlns="">
           <p:sp>
             <p:nvSpPr>
               <p:cNvPr id="12" name="Inhaltsplatzhalter 2">
@@ -31845,7 +32006,7 @@
                     <a:p>
                       <a:pPr algn="l" fontAlgn="b"/>
                       <a:r>
-                        <a:rPr lang="de-DE" sz="1100" b="0" i="0" u="none" strike="noStrike">
+                        <a:rPr lang="de-DE" sz="1100" b="0" i="0" u="none" strike="noStrike" dirty="0">
                           <a:solidFill>
                             <a:srgbClr val="000000"/>
                           </a:solidFill>
@@ -31902,7 +32063,7 @@
                     <a:p>
                       <a:pPr algn="l" fontAlgn="b"/>
                       <a:r>
-                        <a:rPr lang="de-DE" sz="1100" b="0" i="0" u="none" strike="noStrike">
+                        <a:rPr lang="de-DE" sz="1100" b="0" i="0" u="none" strike="noStrike" dirty="0">
                           <a:solidFill>
                             <a:srgbClr val="000000"/>
                           </a:solidFill>
@@ -31962,7 +32123,7 @@
                     <a:p>
                       <a:pPr algn="l" fontAlgn="b"/>
                       <a:r>
-                        <a:rPr lang="de-DE" sz="1100" b="0" i="0" u="none" strike="noStrike">
+                        <a:rPr lang="de-DE" sz="1100" b="0" i="0" u="none" strike="noStrike" dirty="0">
                           <a:solidFill>
                             <a:srgbClr val="000000"/>
                           </a:solidFill>
@@ -36718,7 +36879,7 @@
             <p:ph idx="1"/>
             <p:extLst>
               <p:ext uri="{D42A27DB-BD31-4B8C-83A1-F6EECF244321}">
-                <p14:modId xmlns:p14="http://schemas.microsoft.com/office/powerpoint/2010/main" val="2071349521"/>
+                <p14:modId xmlns:p14="http://schemas.microsoft.com/office/powerpoint/2010/main" val="2181706255"/>
               </p:ext>
             </p:extLst>
           </p:nvPr>
@@ -38604,11 +38765,11 @@
               </a:p>
               <a:p>
                 <a:r>
-                  <a:rPr lang="de-DE" dirty="0" err="1"/>
+                  <a:rPr lang="de-DE" b="1" dirty="0" err="1"/>
                   <a:t>McNemar</a:t>
                 </a:r>
                 <a:r>
-                  <a:rPr lang="de-DE" dirty="0"/>
+                  <a:rPr lang="de-DE" b="1" dirty="0"/>
                   <a:t> Test:</a:t>
                 </a:r>
               </a:p>
@@ -39116,14 +39277,14 @@
         <a:effectLst/>
         <a:extLst>
           <a:ext uri="{909E8E84-426E-40dd-AFC4-6F175D3DCCD1}">
-            <a14:hiddenFill xmlns="" xmlns:a14="http://schemas.microsoft.com/office/drawing/2010/main">
+            <a14:hiddenFill xmlns:a14="http://schemas.microsoft.com/office/drawing/2010/main" xmlns="">
               <a:solidFill>
                 <a:schemeClr val="accent2"/>
               </a:solidFill>
             </a14:hiddenFill>
           </a:ext>
           <a:ext uri="{AF507438-7753-43e0-B8FC-AC1667EBCBE1}">
-            <a14:hiddenEffects xmlns="" xmlns:a14="http://schemas.microsoft.com/office/drawing/2010/main">
+            <a14:hiddenEffects xmlns:a14="http://schemas.microsoft.com/office/drawing/2010/main" xmlns="">
               <a:effectLst>
                 <a:outerShdw blurRad="63500" dist="35921" dir="2700000" algn="ctr" rotWithShape="0">
                   <a:schemeClr val="bg2"/>
@@ -39196,14 +39357,14 @@
         <a:effectLst/>
         <a:extLst>
           <a:ext uri="{909E8E84-426E-40dd-AFC4-6F175D3DCCD1}">
-            <a14:hiddenFill xmlns="" xmlns:a14="http://schemas.microsoft.com/office/drawing/2010/main">
+            <a14:hiddenFill xmlns:a14="http://schemas.microsoft.com/office/drawing/2010/main" xmlns="">
               <a:solidFill>
                 <a:schemeClr val="accent2"/>
               </a:solidFill>
             </a14:hiddenFill>
           </a:ext>
           <a:ext uri="{AF507438-7753-43e0-B8FC-AC1667EBCBE1}">
-            <a14:hiddenEffects xmlns="" xmlns:a14="http://schemas.microsoft.com/office/drawing/2010/main">
+            <a14:hiddenEffects xmlns:a14="http://schemas.microsoft.com/office/drawing/2010/main" xmlns="">
               <a:effectLst>
                 <a:outerShdw blurRad="63500" dist="35921" dir="2700000" algn="ctr" rotWithShape="0">
                   <a:schemeClr val="bg2"/>

--- a/InterimPresentation.pptx
+++ b/InterimPresentation.pptx
@@ -24127,14 +24127,14 @@
           <a:effectLst/>
           <a:extLst>
             <a:ext uri="{909E8E84-426E-40dd-AFC4-6F175D3DCCD1}">
-              <a14:hiddenFill xmlns:a14="http://schemas.microsoft.com/office/drawing/2010/main" xmlns="">
+              <a14:hiddenFill xmlns="" xmlns:a14="http://schemas.microsoft.com/office/drawing/2010/main">
                 <a:solidFill>
                   <a:schemeClr val="accent1"/>
                 </a:solidFill>
               </a14:hiddenFill>
             </a:ext>
             <a:ext uri="{91240B29-F687-4f45-9708-019B960494DF}">
-              <a14:hiddenLine xmlns:a14="http://schemas.microsoft.com/office/drawing/2010/main" xmlns="" w="9525">
+              <a14:hiddenLine xmlns="" xmlns:a14="http://schemas.microsoft.com/office/drawing/2010/main" w="9525">
                 <a:solidFill>
                   <a:schemeClr val="tx1"/>
                 </a:solidFill>
@@ -24144,7 +24144,7 @@
               </a14:hiddenLine>
             </a:ext>
             <a:ext uri="{AF507438-7753-43e0-B8FC-AC1667EBCBE1}">
-              <a14:hiddenEffects xmlns:a14="http://schemas.microsoft.com/office/drawing/2010/main" xmlns="">
+              <a14:hiddenEffects xmlns="" xmlns:a14="http://schemas.microsoft.com/office/drawing/2010/main">
                 <a:effectLst>
                   <a:outerShdw blurRad="63500" dist="38099" dir="2700000" algn="ctr" rotWithShape="0">
                     <a:schemeClr val="bg2">
@@ -24155,7 +24155,7 @@
               </a14:hiddenEffects>
             </a:ext>
             <a:ext uri="{FAA26D3D-D897-4be2-8F04-BA451C77F1D7}">
-              <ma14:placeholderFlag xmlns:ma14="http://schemas.microsoft.com/office/mac/drawingml/2011/main" xmlns="" val="1"/>
+              <ma14:placeholderFlag xmlns="" xmlns:ma14="http://schemas.microsoft.com/office/mac/drawingml/2011/main" val="1"/>
             </a:ext>
           </a:extLst>
         </p:spPr>
@@ -24205,14 +24205,14 @@
           <a:effectLst/>
           <a:extLst>
             <a:ext uri="{909E8E84-426E-40dd-AFC4-6F175D3DCCD1}">
-              <a14:hiddenFill xmlns:a14="http://schemas.microsoft.com/office/drawing/2010/main" xmlns="">
+              <a14:hiddenFill xmlns="" xmlns:a14="http://schemas.microsoft.com/office/drawing/2010/main">
                 <a:solidFill>
                   <a:schemeClr val="accent1"/>
                 </a:solidFill>
               </a14:hiddenFill>
             </a:ext>
             <a:ext uri="{91240B29-F687-4f45-9708-019B960494DF}">
-              <a14:hiddenLine xmlns:a14="http://schemas.microsoft.com/office/drawing/2010/main" xmlns="" w="9525">
+              <a14:hiddenLine xmlns="" xmlns:a14="http://schemas.microsoft.com/office/drawing/2010/main" w="9525">
                 <a:solidFill>
                   <a:schemeClr val="tx1"/>
                 </a:solidFill>
@@ -24222,7 +24222,7 @@
               </a14:hiddenLine>
             </a:ext>
             <a:ext uri="{AF507438-7753-43e0-B8FC-AC1667EBCBE1}">
-              <a14:hiddenEffects xmlns:a14="http://schemas.microsoft.com/office/drawing/2010/main" xmlns="">
+              <a14:hiddenEffects xmlns="" xmlns:a14="http://schemas.microsoft.com/office/drawing/2010/main">
                 <a:effectLst>
                   <a:outerShdw blurRad="63500" dist="38099" dir="2700000" algn="ctr" rotWithShape="0">
                     <a:schemeClr val="bg2">
@@ -24233,7 +24233,7 @@
               </a14:hiddenEffects>
             </a:ext>
             <a:ext uri="{FAA26D3D-D897-4be2-8F04-BA451C77F1D7}">
-              <ma14:placeholderFlag xmlns:ma14="http://schemas.microsoft.com/office/mac/drawingml/2011/main" xmlns="" val="1"/>
+              <ma14:placeholderFlag xmlns="" xmlns:ma14="http://schemas.microsoft.com/office/mac/drawingml/2011/main" val="1"/>
             </a:ext>
           </a:extLst>
         </p:spPr>
@@ -24283,14 +24283,14 @@
           <a:effectLst/>
           <a:extLst>
             <a:ext uri="{909E8E84-426E-40dd-AFC4-6F175D3DCCD1}">
-              <a14:hiddenFill xmlns:a14="http://schemas.microsoft.com/office/drawing/2010/main" xmlns="">
+              <a14:hiddenFill xmlns="" xmlns:a14="http://schemas.microsoft.com/office/drawing/2010/main">
                 <a:solidFill>
                   <a:schemeClr val="accent1"/>
                 </a:solidFill>
               </a14:hiddenFill>
             </a:ext>
             <a:ext uri="{91240B29-F687-4f45-9708-019B960494DF}">
-              <a14:hiddenLine xmlns:a14="http://schemas.microsoft.com/office/drawing/2010/main" xmlns="" w="9525">
+              <a14:hiddenLine xmlns="" xmlns:a14="http://schemas.microsoft.com/office/drawing/2010/main" w="9525">
                 <a:solidFill>
                   <a:schemeClr val="tx1"/>
                 </a:solidFill>
@@ -24300,7 +24300,7 @@
               </a14:hiddenLine>
             </a:ext>
             <a:ext uri="{AF507438-7753-43e0-B8FC-AC1667EBCBE1}">
-              <a14:hiddenEffects xmlns:a14="http://schemas.microsoft.com/office/drawing/2010/main" xmlns="">
+              <a14:hiddenEffects xmlns="" xmlns:a14="http://schemas.microsoft.com/office/drawing/2010/main">
                 <a:effectLst>
                   <a:outerShdw blurRad="63500" dist="38099" dir="2700000" algn="ctr" rotWithShape="0">
                     <a:schemeClr val="bg2">
@@ -24311,7 +24311,7 @@
               </a14:hiddenEffects>
             </a:ext>
             <a:ext uri="{FAA26D3D-D897-4be2-8F04-BA451C77F1D7}">
-              <ma14:placeholderFlag xmlns:ma14="http://schemas.microsoft.com/office/mac/drawingml/2011/main" xmlns="" val="1"/>
+              <ma14:placeholderFlag xmlns="" xmlns:ma14="http://schemas.microsoft.com/office/mac/drawingml/2011/main" val="1"/>
             </a:ext>
           </a:extLst>
         </p:spPr>
@@ -24361,14 +24361,14 @@
           <a:effectLst/>
           <a:extLst>
             <a:ext uri="{909E8E84-426E-40dd-AFC4-6F175D3DCCD1}">
-              <a14:hiddenFill xmlns:a14="http://schemas.microsoft.com/office/drawing/2010/main" xmlns="">
+              <a14:hiddenFill xmlns="" xmlns:a14="http://schemas.microsoft.com/office/drawing/2010/main">
                 <a:solidFill>
                   <a:schemeClr val="accent1"/>
                 </a:solidFill>
               </a14:hiddenFill>
             </a:ext>
             <a:ext uri="{91240B29-F687-4f45-9708-019B960494DF}">
-              <a14:hiddenLine xmlns:a14="http://schemas.microsoft.com/office/drawing/2010/main" xmlns="" w="9525">
+              <a14:hiddenLine xmlns="" xmlns:a14="http://schemas.microsoft.com/office/drawing/2010/main" w="9525">
                 <a:solidFill>
                   <a:schemeClr val="tx1"/>
                 </a:solidFill>
@@ -24378,7 +24378,7 @@
               </a14:hiddenLine>
             </a:ext>
             <a:ext uri="{AF507438-7753-43e0-B8FC-AC1667EBCBE1}">
-              <a14:hiddenEffects xmlns:a14="http://schemas.microsoft.com/office/drawing/2010/main" xmlns="">
+              <a14:hiddenEffects xmlns="" xmlns:a14="http://schemas.microsoft.com/office/drawing/2010/main">
                 <a:effectLst>
                   <a:outerShdw blurRad="63500" dist="38099" dir="2700000" algn="ctr" rotWithShape="0">
                     <a:schemeClr val="bg2">
@@ -24389,7 +24389,7 @@
               </a14:hiddenEffects>
             </a:ext>
             <a:ext uri="{FAA26D3D-D897-4be2-8F04-BA451C77F1D7}">
-              <ma14:placeholderFlag xmlns:ma14="http://schemas.microsoft.com/office/mac/drawingml/2011/main" xmlns="" val="1"/>
+              <ma14:placeholderFlag xmlns="" xmlns:ma14="http://schemas.microsoft.com/office/mac/drawingml/2011/main" val="1"/>
             </a:ext>
           </a:extLst>
         </p:spPr>
@@ -24485,7 +24485,7 @@
           <a:effectLst/>
           <a:extLst>
             <a:ext uri="{AF507438-7753-43e0-B8FC-AC1667EBCBE1}">
-              <a14:hiddenEffects xmlns:a14="http://schemas.microsoft.com/office/drawing/2010/main" xmlns="">
+              <a14:hiddenEffects xmlns="" xmlns:a14="http://schemas.microsoft.com/office/drawing/2010/main">
                 <a:effectLst>
                   <a:outerShdw blurRad="63500" dist="38099" dir="2700000" algn="ctr" rotWithShape="0">
                     <a:srgbClr val="000000">
@@ -24496,7 +24496,7 @@
               </a14:hiddenEffects>
             </a:ext>
             <a:ext uri="{53640926-AAD7-44d8-BBD7-CCE9431645EC}">
-              <a14:shadowObscured xmlns:a14="http://schemas.microsoft.com/office/drawing/2010/main" xmlns="" val="1"/>
+              <a14:shadowObscured xmlns="" xmlns:a14="http://schemas.microsoft.com/office/drawing/2010/main" val="1"/>
             </a:ext>
           </a:extLst>
         </p:spPr>
@@ -24526,14 +24526,14 @@
           <a:effectLst/>
           <a:extLst>
             <a:ext uri="{909E8E84-426E-40dd-AFC4-6F175D3DCCD1}">
-              <a14:hiddenFill xmlns:a14="http://schemas.microsoft.com/office/drawing/2010/main" xmlns="">
+              <a14:hiddenFill xmlns="" xmlns:a14="http://schemas.microsoft.com/office/drawing/2010/main">
                 <a:solidFill>
                   <a:schemeClr val="accent1"/>
                 </a:solidFill>
               </a14:hiddenFill>
             </a:ext>
             <a:ext uri="{91240B29-F687-4f45-9708-019B960494DF}">
-              <a14:hiddenLine xmlns:a14="http://schemas.microsoft.com/office/drawing/2010/main" xmlns="" w="9525">
+              <a14:hiddenLine xmlns="" xmlns:a14="http://schemas.microsoft.com/office/drawing/2010/main" w="9525">
                 <a:solidFill>
                   <a:schemeClr val="tx1"/>
                 </a:solidFill>
@@ -24543,7 +24543,7 @@
               </a14:hiddenLine>
             </a:ext>
             <a:ext uri="{AF507438-7753-43e0-B8FC-AC1667EBCBE1}">
-              <a14:hiddenEffects xmlns:a14="http://schemas.microsoft.com/office/drawing/2010/main" xmlns="">
+              <a14:hiddenEffects xmlns="" xmlns:a14="http://schemas.microsoft.com/office/drawing/2010/main">
                 <a:effectLst>
                   <a:outerShdw blurRad="63500" dist="38099" dir="2700000" algn="ctr" rotWithShape="0">
                     <a:schemeClr val="bg2">
@@ -24554,7 +24554,7 @@
               </a14:hiddenEffects>
             </a:ext>
             <a:ext uri="{FAA26D3D-D897-4be2-8F04-BA451C77F1D7}">
-              <ma14:placeholderFlag xmlns:ma14="http://schemas.microsoft.com/office/mac/drawingml/2011/main" xmlns="" val="1"/>
+              <ma14:placeholderFlag xmlns="" xmlns:ma14="http://schemas.microsoft.com/office/mac/drawingml/2011/main" val="1"/>
             </a:ext>
           </a:extLst>
         </p:spPr>
@@ -26723,14 +26723,14 @@
           <a:effectLst/>
           <a:extLst>
             <a:ext uri="{909E8E84-426E-40dd-AFC4-6F175D3DCCD1}">
-              <a14:hiddenFill xmlns:a14="http://schemas.microsoft.com/office/drawing/2010/main" xmlns="">
+              <a14:hiddenFill xmlns="" xmlns:a14="http://schemas.microsoft.com/office/drawing/2010/main">
                 <a:solidFill>
                   <a:schemeClr val="accent2"/>
                 </a:solidFill>
               </a14:hiddenFill>
             </a:ext>
             <a:ext uri="{AF507438-7753-43e0-B8FC-AC1667EBCBE1}">
-              <a14:hiddenEffects xmlns:a14="http://schemas.microsoft.com/office/drawing/2010/main" xmlns="">
+              <a14:hiddenEffects xmlns="" xmlns:a14="http://schemas.microsoft.com/office/drawing/2010/main">
                 <a:effectLst>
                   <a:outerShdw blurRad="63500" dist="35921" dir="2700000" algn="ctr" rotWithShape="0">
                     <a:schemeClr val="bg2"/>
@@ -27257,14 +27257,14 @@
           <a:effectLst/>
           <a:extLst>
             <a:ext uri="{909E8E84-426E-40dd-AFC4-6F175D3DCCD1}">
-              <a14:hiddenFill xmlns:a14="http://schemas.microsoft.com/office/drawing/2010/main" xmlns="">
+              <a14:hiddenFill xmlns="" xmlns:a14="http://schemas.microsoft.com/office/drawing/2010/main">
                 <a:solidFill>
                   <a:schemeClr val="accent2"/>
                 </a:solidFill>
               </a14:hiddenFill>
             </a:ext>
             <a:ext uri="{AF507438-7753-43e0-B8FC-AC1667EBCBE1}">
-              <a14:hiddenEffects xmlns:a14="http://schemas.microsoft.com/office/drawing/2010/main" xmlns="">
+              <a14:hiddenEffects xmlns="" xmlns:a14="http://schemas.microsoft.com/office/drawing/2010/main">
                 <a:effectLst>
                   <a:outerShdw blurRad="63500" dist="35921" dir="2700000" algn="ctr" rotWithShape="0">
                     <a:schemeClr val="bg2"/>
@@ -27467,14 +27467,14 @@
           </a:prstGeom>
           <a:extLst>
             <a:ext uri="{909E8E84-426E-40dd-AFC4-6F175D3DCCD1}">
-              <a14:hiddenFill xmlns:a14="http://schemas.microsoft.com/office/drawing/2010/main" xmlns="">
+              <a14:hiddenFill xmlns="" xmlns:a14="http://schemas.microsoft.com/office/drawing/2010/main">
                 <a:solidFill>
                   <a:schemeClr val="accent2"/>
                 </a:solidFill>
               </a14:hiddenFill>
             </a:ext>
             <a:ext uri="{91240B29-F687-4f45-9708-019B960494DF}">
-              <a14:hiddenLine xmlns:a14="http://schemas.microsoft.com/office/drawing/2010/main" xmlns="" w="9525">
+              <a14:hiddenLine xmlns="" xmlns:a14="http://schemas.microsoft.com/office/drawing/2010/main" w="9525">
                 <a:solidFill>
                   <a:schemeClr val="accent2"/>
                 </a:solidFill>
@@ -27873,7 +27873,7 @@
           <a:noFill/>
           <a:extLst>
             <a:ext uri="{909E8E84-426E-40dd-AFC4-6F175D3DCCD1}">
-              <a14:hiddenFill xmlns:a14="http://schemas.microsoft.com/office/drawing/2010/main" xmlns="">
+              <a14:hiddenFill xmlns="" xmlns:a14="http://schemas.microsoft.com/office/drawing/2010/main">
                 <a:solidFill>
                   <a:srgbClr val="FFFFFF"/>
                 </a:solidFill>
@@ -27961,7 +27961,7 @@
           <a:noFill/>
           <a:extLst>
             <a:ext uri="{909E8E84-426E-40dd-AFC4-6F175D3DCCD1}">
-              <a14:hiddenFill xmlns:a14="http://schemas.microsoft.com/office/drawing/2010/main" xmlns="">
+              <a14:hiddenFill xmlns="" xmlns:a14="http://schemas.microsoft.com/office/drawing/2010/main">
                 <a:solidFill>
                   <a:srgbClr val="FFFFFF"/>
                 </a:solidFill>
@@ -28128,14 +28128,14 @@
           <a:effectLst/>
           <a:extLst>
             <a:ext uri="{909E8E84-426E-40dd-AFC4-6F175D3DCCD1}">
-              <a14:hiddenFill xmlns:a14="http://schemas.microsoft.com/office/drawing/2010/main" xmlns="">
+              <a14:hiddenFill xmlns="" xmlns:a14="http://schemas.microsoft.com/office/drawing/2010/main">
                 <a:solidFill>
                   <a:schemeClr val="accent2"/>
                 </a:solidFill>
               </a14:hiddenFill>
             </a:ext>
             <a:ext uri="{AF507438-7753-43e0-B8FC-AC1667EBCBE1}">
-              <a14:hiddenEffects xmlns:a14="http://schemas.microsoft.com/office/drawing/2010/main" xmlns="">
+              <a14:hiddenEffects xmlns="" xmlns:a14="http://schemas.microsoft.com/office/drawing/2010/main">
                 <a:effectLst>
                   <a:outerShdw blurRad="63500" dist="35921" dir="2700000" algn="ctr" rotWithShape="0">
                     <a:schemeClr val="bg2"/>
@@ -28217,7 +28217,7 @@
           <a:noFill/>
           <a:extLst>
             <a:ext uri="{909E8E84-426E-40dd-AFC4-6F175D3DCCD1}">
-              <a14:hiddenFill xmlns:a14="http://schemas.microsoft.com/office/drawing/2010/main" xmlns="">
+              <a14:hiddenFill xmlns="" xmlns:a14="http://schemas.microsoft.com/office/drawing/2010/main">
                 <a:solidFill>
                   <a:srgbClr val="FFFFFF"/>
                 </a:solidFill>
@@ -28249,14 +28249,14 @@
           <a:effectLst/>
           <a:extLst>
             <a:ext uri="{909E8E84-426E-40dd-AFC4-6F175D3DCCD1}">
-              <a14:hiddenFill xmlns:a14="http://schemas.microsoft.com/office/drawing/2010/main" xmlns="">
+              <a14:hiddenFill xmlns="" xmlns:a14="http://schemas.microsoft.com/office/drawing/2010/main">
                 <a:solidFill>
                   <a:schemeClr val="accent1"/>
                 </a:solidFill>
               </a14:hiddenFill>
             </a:ext>
             <a:ext uri="{91240B29-F687-4f45-9708-019B960494DF}">
-              <a14:hiddenLine xmlns:a14="http://schemas.microsoft.com/office/drawing/2010/main" xmlns="" w="9525">
+              <a14:hiddenLine xmlns="" xmlns:a14="http://schemas.microsoft.com/office/drawing/2010/main" w="9525">
                 <a:solidFill>
                   <a:schemeClr val="tx1"/>
                 </a:solidFill>
@@ -28266,7 +28266,7 @@
               </a14:hiddenLine>
             </a:ext>
             <a:ext uri="{AF507438-7753-43e0-B8FC-AC1667EBCBE1}">
-              <a14:hiddenEffects xmlns:a14="http://schemas.microsoft.com/office/drawing/2010/main" xmlns="">
+              <a14:hiddenEffects xmlns="" xmlns:a14="http://schemas.microsoft.com/office/drawing/2010/main">
                 <a:effectLst>
                   <a:outerShdw blurRad="63500" dist="38099" dir="2700000" algn="ctr" rotWithShape="0">
                     <a:schemeClr val="bg2">
@@ -28368,7 +28368,7 @@
           <a:noFill/>
           <a:extLst>
             <a:ext uri="{909E8E84-426E-40dd-AFC4-6F175D3DCCD1}">
-              <a14:hiddenFill xmlns:a14="http://schemas.microsoft.com/office/drawing/2010/main" xmlns="">
+              <a14:hiddenFill xmlns="" xmlns:a14="http://schemas.microsoft.com/office/drawing/2010/main">
                 <a:solidFill>
                   <a:srgbClr val="FFFFFF"/>
                 </a:solidFill>
@@ -28409,7 +28409,7 @@
           <a:noFill/>
           <a:extLst>
             <a:ext uri="{909E8E84-426E-40dd-AFC4-6F175D3DCCD1}">
-              <a14:hiddenFill xmlns:a14="http://schemas.microsoft.com/office/drawing/2010/main" xmlns="">
+              <a14:hiddenFill xmlns="" xmlns:a14="http://schemas.microsoft.com/office/drawing/2010/main">
                 <a:solidFill>
                   <a:srgbClr val="FFFFFF"/>
                 </a:solidFill>
@@ -37657,10 +37657,10 @@
       </p:sp>
       <p:pic>
         <p:nvPicPr>
-          <p:cNvPr id="10" name="Grafik 9">
+          <p:cNvPr id="8" name="Grafik 7">
             <a:extLst>
               <a:ext uri="{FF2B5EF4-FFF2-40B4-BE49-F238E27FC236}">
-                <a16:creationId xmlns:a16="http://schemas.microsoft.com/office/drawing/2014/main" id="{EFFF981D-7BEC-5BA0-617E-78269048FBD9}"/>
+                <a16:creationId xmlns:a16="http://schemas.microsoft.com/office/drawing/2014/main" id="{45DDE223-9D09-5527-0D73-8D37B8385778}"/>
               </a:ext>
             </a:extLst>
           </p:cNvPr>
@@ -37677,8 +37677,8 @@
         </p:blipFill>
         <p:spPr>
           <a:xfrm>
-            <a:off x="1271919" y="4095848"/>
-            <a:ext cx="6664960" cy="1550236"/>
+            <a:off x="1195294" y="3763180"/>
+            <a:ext cx="6753412" cy="2100240"/>
           </a:xfrm>
           <a:prstGeom prst="rect">
             <a:avLst/>
@@ -38716,8 +38716,8 @@
           </a:p>
         </p:txBody>
       </p:sp>
-      <mc:AlternateContent xmlns:mc="http://schemas.openxmlformats.org/markup-compatibility/2006">
-        <mc:Choice xmlns:a14="http://schemas.microsoft.com/office/drawing/2010/main" Requires="a14">
+      <mc:AlternateContent xmlns:mc="http://schemas.openxmlformats.org/markup-compatibility/2006" xmlns:a14="http://schemas.microsoft.com/office/drawing/2010/main">
+        <mc:Choice Requires="a14">
           <p:sp>
             <p:nvSpPr>
               <p:cNvPr id="3" name="Inhaltsplatzhalter 2">
@@ -38897,7 +38897,7 @@
             </p:txBody>
           </p:sp>
         </mc:Choice>
-        <mc:Fallback>
+        <mc:Fallback xmlns="">
           <p:sp>
             <p:nvSpPr>
               <p:cNvPr id="3" name="Inhaltsplatzhalter 2">
@@ -39277,14 +39277,14 @@
         <a:effectLst/>
         <a:extLst>
           <a:ext uri="{909E8E84-426E-40dd-AFC4-6F175D3DCCD1}">
-            <a14:hiddenFill xmlns:a14="http://schemas.microsoft.com/office/drawing/2010/main" xmlns="">
+            <a14:hiddenFill xmlns="" xmlns:a14="http://schemas.microsoft.com/office/drawing/2010/main">
               <a:solidFill>
                 <a:schemeClr val="accent2"/>
               </a:solidFill>
             </a14:hiddenFill>
           </a:ext>
           <a:ext uri="{AF507438-7753-43e0-B8FC-AC1667EBCBE1}">
-            <a14:hiddenEffects xmlns:a14="http://schemas.microsoft.com/office/drawing/2010/main" xmlns="">
+            <a14:hiddenEffects xmlns="" xmlns:a14="http://schemas.microsoft.com/office/drawing/2010/main">
               <a:effectLst>
                 <a:outerShdw blurRad="63500" dist="35921" dir="2700000" algn="ctr" rotWithShape="0">
                   <a:schemeClr val="bg2"/>
@@ -39357,14 +39357,14 @@
         <a:effectLst/>
         <a:extLst>
           <a:ext uri="{909E8E84-426E-40dd-AFC4-6F175D3DCCD1}">
-            <a14:hiddenFill xmlns:a14="http://schemas.microsoft.com/office/drawing/2010/main" xmlns="">
+            <a14:hiddenFill xmlns="" xmlns:a14="http://schemas.microsoft.com/office/drawing/2010/main">
               <a:solidFill>
                 <a:schemeClr val="accent2"/>
               </a:solidFill>
             </a14:hiddenFill>
           </a:ext>
           <a:ext uri="{AF507438-7753-43e0-B8FC-AC1667EBCBE1}">
-            <a14:hiddenEffects xmlns:a14="http://schemas.microsoft.com/office/drawing/2010/main" xmlns="">
+            <a14:hiddenEffects xmlns="" xmlns:a14="http://schemas.microsoft.com/office/drawing/2010/main">
               <a:effectLst>
                 <a:outerShdw blurRad="63500" dist="35921" dir="2700000" algn="ctr" rotWithShape="0">
                   <a:schemeClr val="bg2"/>

--- a/InterimPresentation.pptx
+++ b/InterimPresentation.pptx
@@ -5,10 +5,10 @@
     <p:sldMasterId id="2147483648" r:id="rId1"/>
   </p:sldMasterIdLst>
   <p:notesMasterIdLst>
-    <p:notesMasterId r:id="rId14"/>
+    <p:notesMasterId r:id="rId15"/>
   </p:notesMasterIdLst>
   <p:handoutMasterIdLst>
-    <p:handoutMasterId r:id="rId15"/>
+    <p:handoutMasterId r:id="rId16"/>
   </p:handoutMasterIdLst>
   <p:sldIdLst>
     <p:sldId id="1947" r:id="rId2"/>
@@ -18,11 +18,12 @@
     <p:sldId id="1950" r:id="rId6"/>
     <p:sldId id="1957" r:id="rId7"/>
     <p:sldId id="1958" r:id="rId8"/>
-    <p:sldId id="1951" r:id="rId9"/>
-    <p:sldId id="1959" r:id="rId10"/>
-    <p:sldId id="1961" r:id="rId11"/>
-    <p:sldId id="1953" r:id="rId12"/>
-    <p:sldId id="1956" r:id="rId13"/>
+    <p:sldId id="1962" r:id="rId9"/>
+    <p:sldId id="1951" r:id="rId10"/>
+    <p:sldId id="1959" r:id="rId11"/>
+    <p:sldId id="1961" r:id="rId12"/>
+    <p:sldId id="1953" r:id="rId13"/>
+    <p:sldId id="1956" r:id="rId14"/>
   </p:sldIdLst>
   <p:sldSz cx="9144000" cy="6858000" type="screen4x3"/>
   <p:notesSz cx="6858000" cy="9661525"/>
@@ -32,7 +33,7 @@
     </p:custShow>
   </p:custShowLst>
   <p:custDataLst>
-    <p:tags r:id="rId16"/>
+    <p:tags r:id="rId17"/>
   </p:custDataLst>
   <p:defaultTextStyle>
     <a:defPPr>
@@ -4495,6 +4496,881 @@
 </file>
 
 <file path=ppt/diagrams/colors6.xml><?xml version="1.0" encoding="utf-8"?>
+<dgm:colorsDef xmlns:dgm="http://schemas.openxmlformats.org/drawingml/2006/diagram" xmlns:a="http://schemas.openxmlformats.org/drawingml/2006/main" uniqueId="urn:microsoft.com/office/officeart/2005/8/colors/accent2_3">
+  <dgm:title val=""/>
+  <dgm:desc val=""/>
+  <dgm:catLst>
+    <dgm:cat type="accent2" pri="11300"/>
+  </dgm:catLst>
+  <dgm:styleLbl name="node0">
+    <dgm:fillClrLst meth="repeat">
+      <a:schemeClr val="accent2">
+        <a:shade val="80000"/>
+      </a:schemeClr>
+    </dgm:fillClrLst>
+    <dgm:linClrLst meth="repeat">
+      <a:schemeClr val="lt1"/>
+    </dgm:linClrLst>
+    <dgm:effectClrLst/>
+    <dgm:txLinClrLst/>
+    <dgm:txFillClrLst/>
+    <dgm:txEffectClrLst/>
+  </dgm:styleLbl>
+  <dgm:styleLbl name="node1">
+    <dgm:fillClrLst>
+      <a:schemeClr val="accent2">
+        <a:shade val="80000"/>
+      </a:schemeClr>
+      <a:schemeClr val="accent2">
+        <a:tint val="70000"/>
+      </a:schemeClr>
+    </dgm:fillClrLst>
+    <dgm:linClrLst meth="repeat">
+      <a:schemeClr val="lt1"/>
+    </dgm:linClrLst>
+    <dgm:effectClrLst/>
+    <dgm:txLinClrLst/>
+    <dgm:txFillClrLst/>
+    <dgm:txEffectClrLst/>
+  </dgm:styleLbl>
+  <dgm:styleLbl name="alignNode1">
+    <dgm:fillClrLst>
+      <a:schemeClr val="accent2">
+        <a:shade val="80000"/>
+      </a:schemeClr>
+      <a:schemeClr val="accent2">
+        <a:tint val="70000"/>
+      </a:schemeClr>
+    </dgm:fillClrLst>
+    <dgm:linClrLst>
+      <a:schemeClr val="accent2">
+        <a:shade val="80000"/>
+      </a:schemeClr>
+      <a:schemeClr val="accent2">
+        <a:tint val="70000"/>
+      </a:schemeClr>
+    </dgm:linClrLst>
+    <dgm:effectClrLst/>
+    <dgm:txLinClrLst/>
+    <dgm:txFillClrLst/>
+    <dgm:txEffectClrLst/>
+  </dgm:styleLbl>
+  <dgm:styleLbl name="lnNode1">
+    <dgm:fillClrLst>
+      <a:schemeClr val="accent2">
+        <a:shade val="80000"/>
+      </a:schemeClr>
+      <a:schemeClr val="accent2">
+        <a:tint val="70000"/>
+      </a:schemeClr>
+    </dgm:fillClrLst>
+    <dgm:linClrLst meth="repeat">
+      <a:schemeClr val="lt1"/>
+    </dgm:linClrLst>
+    <dgm:effectClrLst/>
+    <dgm:txLinClrLst/>
+    <dgm:txFillClrLst/>
+    <dgm:txEffectClrLst/>
+  </dgm:styleLbl>
+  <dgm:styleLbl name="vennNode1">
+    <dgm:fillClrLst>
+      <a:schemeClr val="accent2">
+        <a:shade val="80000"/>
+        <a:alpha val="50000"/>
+      </a:schemeClr>
+      <a:schemeClr val="accent2">
+        <a:tint val="70000"/>
+        <a:alpha val="50000"/>
+      </a:schemeClr>
+    </dgm:fillClrLst>
+    <dgm:linClrLst meth="repeat">
+      <a:schemeClr val="lt1"/>
+    </dgm:linClrLst>
+    <dgm:effectClrLst/>
+    <dgm:txLinClrLst/>
+    <dgm:txFillClrLst/>
+    <dgm:txEffectClrLst/>
+  </dgm:styleLbl>
+  <dgm:styleLbl name="node2">
+    <dgm:fillClrLst>
+      <a:schemeClr val="accent2">
+        <a:tint val="99000"/>
+      </a:schemeClr>
+    </dgm:fillClrLst>
+    <dgm:linClrLst meth="repeat">
+      <a:schemeClr val="lt1"/>
+    </dgm:linClrLst>
+    <dgm:effectClrLst/>
+    <dgm:txLinClrLst/>
+    <dgm:txFillClrLst/>
+    <dgm:txEffectClrLst/>
+  </dgm:styleLbl>
+  <dgm:styleLbl name="node3">
+    <dgm:fillClrLst>
+      <a:schemeClr val="accent2">
+        <a:tint val="80000"/>
+      </a:schemeClr>
+    </dgm:fillClrLst>
+    <dgm:linClrLst meth="repeat">
+      <a:schemeClr val="lt1"/>
+    </dgm:linClrLst>
+    <dgm:effectClrLst/>
+    <dgm:txLinClrLst/>
+    <dgm:txFillClrLst/>
+    <dgm:txEffectClrLst/>
+  </dgm:styleLbl>
+  <dgm:styleLbl name="node4">
+    <dgm:fillClrLst>
+      <a:schemeClr val="accent2">
+        <a:tint val="70000"/>
+      </a:schemeClr>
+    </dgm:fillClrLst>
+    <dgm:linClrLst meth="repeat">
+      <a:schemeClr val="lt1"/>
+    </dgm:linClrLst>
+    <dgm:effectClrLst/>
+    <dgm:txLinClrLst/>
+    <dgm:txFillClrLst/>
+    <dgm:txEffectClrLst/>
+  </dgm:styleLbl>
+  <dgm:styleLbl name="fgImgPlace1">
+    <dgm:fillClrLst>
+      <a:schemeClr val="accent2">
+        <a:tint val="50000"/>
+      </a:schemeClr>
+      <a:schemeClr val="accent2">
+        <a:tint val="20000"/>
+      </a:schemeClr>
+    </dgm:fillClrLst>
+    <dgm:linClrLst meth="repeat">
+      <a:schemeClr val="lt1"/>
+    </dgm:linClrLst>
+    <dgm:effectClrLst/>
+    <dgm:txLinClrLst/>
+    <dgm:txFillClrLst meth="repeat">
+      <a:schemeClr val="lt1"/>
+    </dgm:txFillClrLst>
+    <dgm:txEffectClrLst/>
+  </dgm:styleLbl>
+  <dgm:styleLbl name="alignImgPlace1">
+    <dgm:fillClrLst>
+      <a:schemeClr val="accent2">
+        <a:tint val="50000"/>
+      </a:schemeClr>
+      <a:schemeClr val="accent2">
+        <a:tint val="20000"/>
+      </a:schemeClr>
+    </dgm:fillClrLst>
+    <dgm:linClrLst meth="repeat">
+      <a:schemeClr val="lt1"/>
+    </dgm:linClrLst>
+    <dgm:effectClrLst/>
+    <dgm:txLinClrLst/>
+    <dgm:txFillClrLst meth="repeat">
+      <a:schemeClr val="lt1"/>
+    </dgm:txFillClrLst>
+    <dgm:txEffectClrLst/>
+  </dgm:styleLbl>
+  <dgm:styleLbl name="bgImgPlace1">
+    <dgm:fillClrLst>
+      <a:schemeClr val="accent2">
+        <a:tint val="50000"/>
+      </a:schemeClr>
+      <a:schemeClr val="accent2">
+        <a:tint val="20000"/>
+      </a:schemeClr>
+    </dgm:fillClrLst>
+    <dgm:linClrLst meth="repeat">
+      <a:schemeClr val="lt1"/>
+    </dgm:linClrLst>
+    <dgm:effectClrLst/>
+    <dgm:txLinClrLst/>
+    <dgm:txFillClrLst meth="repeat">
+      <a:schemeClr val="lt1"/>
+    </dgm:txFillClrLst>
+    <dgm:txEffectClrLst/>
+  </dgm:styleLbl>
+  <dgm:styleLbl name="sibTrans2D1">
+    <dgm:fillClrLst>
+      <a:schemeClr val="accent2">
+        <a:shade val="90000"/>
+      </a:schemeClr>
+      <a:schemeClr val="accent2">
+        <a:tint val="70000"/>
+      </a:schemeClr>
+    </dgm:fillClrLst>
+    <dgm:linClrLst>
+      <a:schemeClr val="accent2">
+        <a:shade val="90000"/>
+      </a:schemeClr>
+      <a:schemeClr val="accent2">
+        <a:tint val="70000"/>
+      </a:schemeClr>
+    </dgm:linClrLst>
+    <dgm:effectClrLst/>
+    <dgm:txLinClrLst/>
+    <dgm:txFillClrLst/>
+    <dgm:txEffectClrLst/>
+  </dgm:styleLbl>
+  <dgm:styleLbl name="fgSibTrans2D1">
+    <dgm:fillClrLst>
+      <a:schemeClr val="accent2">
+        <a:shade val="90000"/>
+      </a:schemeClr>
+      <a:schemeClr val="accent2">
+        <a:tint val="70000"/>
+      </a:schemeClr>
+    </dgm:fillClrLst>
+    <dgm:linClrLst>
+      <a:schemeClr val="accent2">
+        <a:shade val="90000"/>
+      </a:schemeClr>
+      <a:schemeClr val="accent2">
+        <a:tint val="70000"/>
+      </a:schemeClr>
+    </dgm:linClrLst>
+    <dgm:effectClrLst/>
+    <dgm:txLinClrLst/>
+    <dgm:txFillClrLst meth="repeat">
+      <a:schemeClr val="lt1"/>
+    </dgm:txFillClrLst>
+    <dgm:txEffectClrLst/>
+  </dgm:styleLbl>
+  <dgm:styleLbl name="bgSibTrans2D1">
+    <dgm:fillClrLst>
+      <a:schemeClr val="accent2">
+        <a:shade val="90000"/>
+      </a:schemeClr>
+      <a:schemeClr val="accent2">
+        <a:tint val="70000"/>
+      </a:schemeClr>
+    </dgm:fillClrLst>
+    <dgm:linClrLst>
+      <a:schemeClr val="accent2">
+        <a:shade val="90000"/>
+      </a:schemeClr>
+      <a:schemeClr val="accent2">
+        <a:tint val="70000"/>
+      </a:schemeClr>
+    </dgm:linClrLst>
+    <dgm:effectClrLst/>
+    <dgm:txLinClrLst/>
+    <dgm:txFillClrLst meth="repeat">
+      <a:schemeClr val="lt1"/>
+    </dgm:txFillClrLst>
+    <dgm:txEffectClrLst/>
+  </dgm:styleLbl>
+  <dgm:styleLbl name="sibTrans1D1">
+    <dgm:fillClrLst>
+      <a:schemeClr val="accent2">
+        <a:shade val="90000"/>
+      </a:schemeClr>
+      <a:schemeClr val="accent2">
+        <a:tint val="70000"/>
+      </a:schemeClr>
+    </dgm:fillClrLst>
+    <dgm:linClrLst>
+      <a:schemeClr val="accent2">
+        <a:shade val="90000"/>
+      </a:schemeClr>
+      <a:schemeClr val="accent2">
+        <a:tint val="70000"/>
+      </a:schemeClr>
+    </dgm:linClrLst>
+    <dgm:effectClrLst/>
+    <dgm:txLinClrLst/>
+    <dgm:txFillClrLst meth="repeat">
+      <a:schemeClr val="tx1"/>
+    </dgm:txFillClrLst>
+    <dgm:txEffectClrLst/>
+  </dgm:styleLbl>
+  <dgm:styleLbl name="callout">
+    <dgm:fillClrLst meth="repeat">
+      <a:schemeClr val="accent2"/>
+    </dgm:fillClrLst>
+    <dgm:linClrLst meth="repeat">
+      <a:schemeClr val="accent2"/>
+    </dgm:linClrLst>
+    <dgm:effectClrLst/>
+    <dgm:txLinClrLst/>
+    <dgm:txFillClrLst meth="repeat">
+      <a:schemeClr val="tx1"/>
+    </dgm:txFillClrLst>
+    <dgm:txEffectClrLst/>
+  </dgm:styleLbl>
+  <dgm:styleLbl name="asst0">
+    <dgm:fillClrLst meth="repeat">
+      <a:schemeClr val="accent2">
+        <a:shade val="80000"/>
+      </a:schemeClr>
+    </dgm:fillClrLst>
+    <dgm:linClrLst meth="repeat">
+      <a:schemeClr val="lt1"/>
+    </dgm:linClrLst>
+    <dgm:effectClrLst/>
+    <dgm:txLinClrLst/>
+    <dgm:txFillClrLst/>
+    <dgm:txEffectClrLst/>
+  </dgm:styleLbl>
+  <dgm:styleLbl name="asst1">
+    <dgm:fillClrLst meth="repeat">
+      <a:schemeClr val="accent2">
+        <a:shade val="80000"/>
+      </a:schemeClr>
+    </dgm:fillClrLst>
+    <dgm:linClrLst meth="repeat">
+      <a:schemeClr val="lt1"/>
+    </dgm:linClrLst>
+    <dgm:effectClrLst/>
+    <dgm:txLinClrLst/>
+    <dgm:txFillClrLst/>
+    <dgm:txEffectClrLst/>
+  </dgm:styleLbl>
+  <dgm:styleLbl name="asst2">
+    <dgm:fillClrLst>
+      <a:schemeClr val="accent2">
+        <a:tint val="99000"/>
+      </a:schemeClr>
+    </dgm:fillClrLst>
+    <dgm:linClrLst meth="repeat">
+      <a:schemeClr val="lt1"/>
+    </dgm:linClrLst>
+    <dgm:effectClrLst/>
+    <dgm:txLinClrLst/>
+    <dgm:txFillClrLst/>
+    <dgm:txEffectClrLst/>
+  </dgm:styleLbl>
+  <dgm:styleLbl name="asst3">
+    <dgm:fillClrLst>
+      <a:schemeClr val="accent2">
+        <a:tint val="80000"/>
+      </a:schemeClr>
+    </dgm:fillClrLst>
+    <dgm:linClrLst meth="repeat">
+      <a:schemeClr val="lt1"/>
+    </dgm:linClrLst>
+    <dgm:effectClrLst/>
+    <dgm:txLinClrLst/>
+    <dgm:txFillClrLst/>
+    <dgm:txEffectClrLst/>
+  </dgm:styleLbl>
+  <dgm:styleLbl name="asst4">
+    <dgm:fillClrLst>
+      <a:schemeClr val="accent2">
+        <a:tint val="70000"/>
+      </a:schemeClr>
+    </dgm:fillClrLst>
+    <dgm:linClrLst meth="repeat">
+      <a:schemeClr val="lt1"/>
+    </dgm:linClrLst>
+    <dgm:effectClrLst/>
+    <dgm:txLinClrLst/>
+    <dgm:txFillClrLst/>
+    <dgm:txEffectClrLst/>
+  </dgm:styleLbl>
+  <dgm:styleLbl name="parChTrans2D1">
+    <dgm:fillClrLst meth="repeat">
+      <a:schemeClr val="accent2">
+        <a:tint val="60000"/>
+      </a:schemeClr>
+    </dgm:fillClrLst>
+    <dgm:linClrLst meth="repeat">
+      <a:schemeClr val="accent2">
+        <a:tint val="60000"/>
+      </a:schemeClr>
+    </dgm:linClrLst>
+    <dgm:effectClrLst/>
+    <dgm:txLinClrLst/>
+    <dgm:txFillClrLst meth="repeat">
+      <a:schemeClr val="lt1"/>
+    </dgm:txFillClrLst>
+    <dgm:txEffectClrLst/>
+  </dgm:styleLbl>
+  <dgm:styleLbl name="parChTrans2D2">
+    <dgm:fillClrLst meth="repeat">
+      <a:schemeClr val="accent2">
+        <a:tint val="90000"/>
+      </a:schemeClr>
+    </dgm:fillClrLst>
+    <dgm:linClrLst meth="repeat">
+      <a:schemeClr val="accent2">
+        <a:tint val="90000"/>
+      </a:schemeClr>
+    </dgm:linClrLst>
+    <dgm:effectClrLst/>
+    <dgm:txLinClrLst/>
+    <dgm:txFillClrLst/>
+    <dgm:txEffectClrLst/>
+  </dgm:styleLbl>
+  <dgm:styleLbl name="parChTrans2D3">
+    <dgm:fillClrLst meth="repeat">
+      <a:schemeClr val="accent2">
+        <a:tint val="70000"/>
+      </a:schemeClr>
+    </dgm:fillClrLst>
+    <dgm:linClrLst meth="repeat">
+      <a:schemeClr val="accent2">
+        <a:tint val="70000"/>
+      </a:schemeClr>
+    </dgm:linClrLst>
+    <dgm:effectClrLst/>
+    <dgm:txLinClrLst/>
+    <dgm:txFillClrLst/>
+    <dgm:txEffectClrLst/>
+  </dgm:styleLbl>
+  <dgm:styleLbl name="parChTrans2D4">
+    <dgm:fillClrLst meth="repeat">
+      <a:schemeClr val="accent2">
+        <a:tint val="50000"/>
+      </a:schemeClr>
+    </dgm:fillClrLst>
+    <dgm:linClrLst meth="repeat">
+      <a:schemeClr val="accent2">
+        <a:tint val="50000"/>
+      </a:schemeClr>
+    </dgm:linClrLst>
+    <dgm:effectClrLst/>
+    <dgm:txLinClrLst/>
+    <dgm:txFillClrLst meth="repeat">
+      <a:schemeClr val="lt1"/>
+    </dgm:txFillClrLst>
+    <dgm:txEffectClrLst/>
+  </dgm:styleLbl>
+  <dgm:styleLbl name="parChTrans1D1">
+    <dgm:fillClrLst meth="repeat">
+      <a:schemeClr val="accent2">
+        <a:shade val="80000"/>
+      </a:schemeClr>
+    </dgm:fillClrLst>
+    <dgm:linClrLst meth="repeat">
+      <a:schemeClr val="accent2">
+        <a:shade val="80000"/>
+      </a:schemeClr>
+    </dgm:linClrLst>
+    <dgm:effectClrLst/>
+    <dgm:txLinClrLst/>
+    <dgm:txFillClrLst meth="repeat">
+      <a:schemeClr val="tx1"/>
+    </dgm:txFillClrLst>
+    <dgm:txEffectClrLst/>
+  </dgm:styleLbl>
+  <dgm:styleLbl name="parChTrans1D2">
+    <dgm:fillClrLst meth="repeat">
+      <a:schemeClr val="accent2">
+        <a:tint val="99000"/>
+      </a:schemeClr>
+    </dgm:fillClrLst>
+    <dgm:linClrLst meth="repeat">
+      <a:schemeClr val="accent2">
+        <a:tint val="99000"/>
+      </a:schemeClr>
+    </dgm:linClrLst>
+    <dgm:effectClrLst/>
+    <dgm:txLinClrLst/>
+    <dgm:txFillClrLst meth="repeat">
+      <a:schemeClr val="tx1"/>
+    </dgm:txFillClrLst>
+    <dgm:txEffectClrLst/>
+  </dgm:styleLbl>
+  <dgm:styleLbl name="parChTrans1D3">
+    <dgm:fillClrLst meth="repeat">
+      <a:schemeClr val="accent2">
+        <a:tint val="80000"/>
+      </a:schemeClr>
+    </dgm:fillClrLst>
+    <dgm:linClrLst meth="repeat">
+      <a:schemeClr val="accent2">
+        <a:tint val="80000"/>
+      </a:schemeClr>
+    </dgm:linClrLst>
+    <dgm:effectClrLst/>
+    <dgm:txLinClrLst/>
+    <dgm:txFillClrLst meth="repeat">
+      <a:schemeClr val="tx1"/>
+    </dgm:txFillClrLst>
+    <dgm:txEffectClrLst/>
+  </dgm:styleLbl>
+  <dgm:styleLbl name="parChTrans1D4">
+    <dgm:fillClrLst meth="repeat">
+      <a:schemeClr val="accent2">
+        <a:tint val="70000"/>
+      </a:schemeClr>
+    </dgm:fillClrLst>
+    <dgm:linClrLst meth="repeat">
+      <a:schemeClr val="accent2">
+        <a:tint val="70000"/>
+      </a:schemeClr>
+    </dgm:linClrLst>
+    <dgm:effectClrLst/>
+    <dgm:txLinClrLst/>
+    <dgm:txFillClrLst meth="repeat">
+      <a:schemeClr val="tx1"/>
+    </dgm:txFillClrLst>
+    <dgm:txEffectClrLst/>
+  </dgm:styleLbl>
+  <dgm:styleLbl name="fgAcc1">
+    <dgm:fillClrLst meth="repeat">
+      <a:schemeClr val="lt1">
+        <a:alpha val="90000"/>
+      </a:schemeClr>
+    </dgm:fillClrLst>
+    <dgm:linClrLst>
+      <a:schemeClr val="accent2">
+        <a:shade val="80000"/>
+      </a:schemeClr>
+      <a:schemeClr val="accent2">
+        <a:tint val="70000"/>
+      </a:schemeClr>
+    </dgm:linClrLst>
+    <dgm:effectClrLst/>
+    <dgm:txLinClrLst/>
+    <dgm:txFillClrLst meth="repeat">
+      <a:schemeClr val="dk1"/>
+    </dgm:txFillClrLst>
+    <dgm:txEffectClrLst/>
+  </dgm:styleLbl>
+  <dgm:styleLbl name="conFgAcc1">
+    <dgm:fillClrLst meth="repeat">
+      <a:schemeClr val="lt1">
+        <a:alpha val="90000"/>
+      </a:schemeClr>
+    </dgm:fillClrLst>
+    <dgm:linClrLst>
+      <a:schemeClr val="accent2">
+        <a:shade val="80000"/>
+      </a:schemeClr>
+      <a:schemeClr val="accent2">
+        <a:tint val="70000"/>
+      </a:schemeClr>
+    </dgm:linClrLst>
+    <dgm:effectClrLst/>
+    <dgm:txLinClrLst/>
+    <dgm:txFillClrLst meth="repeat">
+      <a:schemeClr val="dk1"/>
+    </dgm:txFillClrLst>
+    <dgm:txEffectClrLst/>
+  </dgm:styleLbl>
+  <dgm:styleLbl name="alignAcc1">
+    <dgm:fillClrLst meth="repeat">
+      <a:schemeClr val="lt1">
+        <a:alpha val="90000"/>
+      </a:schemeClr>
+    </dgm:fillClrLst>
+    <dgm:linClrLst>
+      <a:schemeClr val="accent2">
+        <a:shade val="80000"/>
+      </a:schemeClr>
+      <a:schemeClr val="accent2">
+        <a:tint val="70000"/>
+      </a:schemeClr>
+    </dgm:linClrLst>
+    <dgm:effectClrLst/>
+    <dgm:txLinClrLst/>
+    <dgm:txFillClrLst meth="repeat">
+      <a:schemeClr val="dk1"/>
+    </dgm:txFillClrLst>
+    <dgm:txEffectClrLst/>
+  </dgm:styleLbl>
+  <dgm:styleLbl name="trAlignAcc1">
+    <dgm:fillClrLst meth="repeat">
+      <a:schemeClr val="lt1">
+        <a:alpha val="40000"/>
+      </a:schemeClr>
+    </dgm:fillClrLst>
+    <dgm:linClrLst meth="repeat">
+      <a:schemeClr val="accent2"/>
+    </dgm:linClrLst>
+    <dgm:effectClrLst/>
+    <dgm:txLinClrLst/>
+    <dgm:txFillClrLst meth="repeat">
+      <a:schemeClr val="dk1"/>
+    </dgm:txFillClrLst>
+    <dgm:txEffectClrLst/>
+  </dgm:styleLbl>
+  <dgm:styleLbl name="bgAcc1">
+    <dgm:fillClrLst meth="repeat">
+      <a:schemeClr val="lt1">
+        <a:alpha val="90000"/>
+      </a:schemeClr>
+    </dgm:fillClrLst>
+    <dgm:linClrLst>
+      <a:schemeClr val="accent2">
+        <a:shade val="80000"/>
+      </a:schemeClr>
+      <a:schemeClr val="accent2">
+        <a:tint val="70000"/>
+      </a:schemeClr>
+    </dgm:linClrLst>
+    <dgm:effectClrLst/>
+    <dgm:txLinClrLst/>
+    <dgm:txFillClrLst meth="repeat">
+      <a:schemeClr val="dk1"/>
+    </dgm:txFillClrLst>
+    <dgm:txEffectClrLst/>
+  </dgm:styleLbl>
+  <dgm:styleLbl name="solidFgAcc1">
+    <dgm:fillClrLst meth="repeat">
+      <a:schemeClr val="lt1"/>
+    </dgm:fillClrLst>
+    <dgm:linClrLst>
+      <a:schemeClr val="accent2">
+        <a:shade val="80000"/>
+      </a:schemeClr>
+      <a:schemeClr val="accent2">
+        <a:tint val="70000"/>
+      </a:schemeClr>
+    </dgm:linClrLst>
+    <dgm:effectClrLst/>
+    <dgm:txLinClrLst/>
+    <dgm:txFillClrLst meth="repeat">
+      <a:schemeClr val="dk1"/>
+    </dgm:txFillClrLst>
+    <dgm:txEffectClrLst/>
+  </dgm:styleLbl>
+  <dgm:styleLbl name="solidAlignAcc1">
+    <dgm:fillClrLst meth="repeat">
+      <a:schemeClr val="lt1"/>
+    </dgm:fillClrLst>
+    <dgm:linClrLst meth="repeat">
+      <a:schemeClr val="accent2"/>
+    </dgm:linClrLst>
+    <dgm:effectClrLst/>
+    <dgm:txLinClrLst/>
+    <dgm:txFillClrLst meth="repeat">
+      <a:schemeClr val="dk1"/>
+    </dgm:txFillClrLst>
+    <dgm:txEffectClrLst/>
+  </dgm:styleLbl>
+  <dgm:styleLbl name="solidBgAcc1">
+    <dgm:fillClrLst meth="repeat">
+      <a:schemeClr val="lt1"/>
+    </dgm:fillClrLst>
+    <dgm:linClrLst meth="repeat">
+      <a:schemeClr val="accent2"/>
+    </dgm:linClrLst>
+    <dgm:effectClrLst/>
+    <dgm:txLinClrLst/>
+    <dgm:txFillClrLst meth="repeat">
+      <a:schemeClr val="dk1"/>
+    </dgm:txFillClrLst>
+    <dgm:txEffectClrLst/>
+  </dgm:styleLbl>
+  <dgm:styleLbl name="fgAccFollowNode1">
+    <dgm:fillClrLst meth="repeat">
+      <a:schemeClr val="accent2">
+        <a:alpha val="90000"/>
+        <a:tint val="40000"/>
+      </a:schemeClr>
+    </dgm:fillClrLst>
+    <dgm:linClrLst meth="repeat">
+      <a:schemeClr val="accent2">
+        <a:alpha val="90000"/>
+        <a:tint val="40000"/>
+      </a:schemeClr>
+    </dgm:linClrLst>
+    <dgm:effectClrLst/>
+    <dgm:txLinClrLst/>
+    <dgm:txFillClrLst meth="repeat">
+      <a:schemeClr val="dk1"/>
+    </dgm:txFillClrLst>
+    <dgm:txEffectClrLst/>
+  </dgm:styleLbl>
+  <dgm:styleLbl name="alignAccFollowNode1">
+    <dgm:fillClrLst meth="repeat">
+      <a:schemeClr val="accent2">
+        <a:alpha val="90000"/>
+        <a:tint val="40000"/>
+      </a:schemeClr>
+    </dgm:fillClrLst>
+    <dgm:linClrLst meth="repeat">
+      <a:schemeClr val="accent2">
+        <a:alpha val="90000"/>
+        <a:tint val="40000"/>
+      </a:schemeClr>
+    </dgm:linClrLst>
+    <dgm:effectClrLst/>
+    <dgm:txLinClrLst/>
+    <dgm:txFillClrLst meth="repeat">
+      <a:schemeClr val="dk1"/>
+    </dgm:txFillClrLst>
+    <dgm:txEffectClrLst/>
+  </dgm:styleLbl>
+  <dgm:styleLbl name="bgAccFollowNode1">
+    <dgm:fillClrLst meth="repeat">
+      <a:schemeClr val="accent2">
+        <a:alpha val="90000"/>
+        <a:tint val="40000"/>
+      </a:schemeClr>
+    </dgm:fillClrLst>
+    <dgm:linClrLst meth="repeat">
+      <a:schemeClr val="lt1"/>
+    </dgm:linClrLst>
+    <dgm:effectClrLst/>
+    <dgm:txLinClrLst/>
+    <dgm:txFillClrLst meth="repeat">
+      <a:schemeClr val="dk1"/>
+    </dgm:txFillClrLst>
+    <dgm:txEffectClrLst/>
+  </dgm:styleLbl>
+  <dgm:styleLbl name="fgAcc0">
+    <dgm:fillClrLst meth="repeat">
+      <a:schemeClr val="lt1">
+        <a:alpha val="90000"/>
+      </a:schemeClr>
+    </dgm:fillClrLst>
+    <dgm:linClrLst meth="repeat">
+      <a:schemeClr val="accent2">
+        <a:shade val="80000"/>
+      </a:schemeClr>
+    </dgm:linClrLst>
+    <dgm:effectClrLst/>
+    <dgm:txLinClrLst/>
+    <dgm:txFillClrLst meth="repeat">
+      <a:schemeClr val="dk1"/>
+    </dgm:txFillClrLst>
+    <dgm:txEffectClrLst/>
+  </dgm:styleLbl>
+  <dgm:styleLbl name="fgAcc2">
+    <dgm:fillClrLst meth="repeat">
+      <a:schemeClr val="lt1">
+        <a:alpha val="90000"/>
+      </a:schemeClr>
+    </dgm:fillClrLst>
+    <dgm:linClrLst meth="repeat">
+      <a:schemeClr val="accent2">
+        <a:tint val="99000"/>
+      </a:schemeClr>
+    </dgm:linClrLst>
+    <dgm:effectClrLst/>
+    <dgm:txLinClrLst/>
+    <dgm:txFillClrLst meth="repeat">
+      <a:schemeClr val="dk1"/>
+    </dgm:txFillClrLst>
+    <dgm:txEffectClrLst/>
+  </dgm:styleLbl>
+  <dgm:styleLbl name="fgAcc3">
+    <dgm:fillClrLst meth="repeat">
+      <a:schemeClr val="lt1">
+        <a:alpha val="90000"/>
+      </a:schemeClr>
+    </dgm:fillClrLst>
+    <dgm:linClrLst meth="repeat">
+      <a:schemeClr val="accent2">
+        <a:tint val="80000"/>
+      </a:schemeClr>
+    </dgm:linClrLst>
+    <dgm:effectClrLst/>
+    <dgm:txLinClrLst/>
+    <dgm:txFillClrLst meth="repeat">
+      <a:schemeClr val="dk1"/>
+    </dgm:txFillClrLst>
+    <dgm:txEffectClrLst/>
+  </dgm:styleLbl>
+  <dgm:styleLbl name="fgAcc4">
+    <dgm:fillClrLst meth="repeat">
+      <a:schemeClr val="lt1">
+        <a:alpha val="90000"/>
+      </a:schemeClr>
+    </dgm:fillClrLst>
+    <dgm:linClrLst meth="repeat">
+      <a:schemeClr val="accent2">
+        <a:tint val="70000"/>
+      </a:schemeClr>
+    </dgm:linClrLst>
+    <dgm:effectClrLst/>
+    <dgm:txLinClrLst/>
+    <dgm:txFillClrLst meth="repeat">
+      <a:schemeClr val="dk1"/>
+    </dgm:txFillClrLst>
+    <dgm:txEffectClrLst/>
+  </dgm:styleLbl>
+  <dgm:styleLbl name="bgShp">
+    <dgm:fillClrLst meth="repeat">
+      <a:schemeClr val="accent2">
+        <a:tint val="40000"/>
+      </a:schemeClr>
+    </dgm:fillClrLst>
+    <dgm:linClrLst meth="repeat">
+      <a:schemeClr val="dk1"/>
+    </dgm:linClrLst>
+    <dgm:effectClrLst/>
+    <dgm:txLinClrLst/>
+    <dgm:txFillClrLst meth="repeat">
+      <a:schemeClr val="dk1"/>
+    </dgm:txFillClrLst>
+    <dgm:txEffectClrLst/>
+  </dgm:styleLbl>
+  <dgm:styleLbl name="dkBgShp">
+    <dgm:fillClrLst meth="repeat">
+      <a:schemeClr val="accent2">
+        <a:shade val="90000"/>
+      </a:schemeClr>
+    </dgm:fillClrLst>
+    <dgm:linClrLst meth="repeat">
+      <a:schemeClr val="dk1"/>
+    </dgm:linClrLst>
+    <dgm:effectClrLst/>
+    <dgm:txLinClrLst/>
+    <dgm:txFillClrLst meth="repeat">
+      <a:schemeClr val="lt1"/>
+    </dgm:txFillClrLst>
+    <dgm:txEffectClrLst/>
+  </dgm:styleLbl>
+  <dgm:styleLbl name="trBgShp">
+    <dgm:fillClrLst meth="repeat">
+      <a:schemeClr val="accent2">
+        <a:tint val="50000"/>
+        <a:alpha val="40000"/>
+      </a:schemeClr>
+    </dgm:fillClrLst>
+    <dgm:linClrLst meth="repeat">
+      <a:schemeClr val="accent2"/>
+    </dgm:linClrLst>
+    <dgm:effectClrLst/>
+    <dgm:txLinClrLst/>
+    <dgm:txFillClrLst meth="repeat">
+      <a:schemeClr val="lt1"/>
+    </dgm:txFillClrLst>
+    <dgm:txEffectClrLst/>
+  </dgm:styleLbl>
+  <dgm:styleLbl name="fgShp">
+    <dgm:fillClrLst meth="repeat">
+      <a:schemeClr val="accent2">
+        <a:tint val="40000"/>
+      </a:schemeClr>
+    </dgm:fillClrLst>
+    <dgm:linClrLst meth="repeat">
+      <a:schemeClr val="lt1"/>
+    </dgm:linClrLst>
+    <dgm:effectClrLst/>
+    <dgm:txLinClrLst/>
+    <dgm:txFillClrLst meth="repeat">
+      <a:schemeClr val="dk1"/>
+    </dgm:txFillClrLst>
+    <dgm:txEffectClrLst/>
+  </dgm:styleLbl>
+  <dgm:styleLbl name="revTx">
+    <dgm:fillClrLst meth="repeat">
+      <a:schemeClr val="lt1">
+        <a:alpha val="0"/>
+      </a:schemeClr>
+    </dgm:fillClrLst>
+    <dgm:linClrLst meth="repeat">
+      <a:schemeClr val="dk1">
+        <a:alpha val="0"/>
+      </a:schemeClr>
+    </dgm:linClrLst>
+    <dgm:effectClrLst/>
+    <dgm:txLinClrLst/>
+    <dgm:txFillClrLst meth="repeat">
+      <a:schemeClr val="tx1"/>
+    </dgm:txFillClrLst>
+    <dgm:txEffectClrLst/>
+  </dgm:styleLbl>
+</dgm:colorsDef>
+</file>
+
+<file path=ppt/diagrams/colors7.xml><?xml version="1.0" encoding="utf-8"?>
 <dgm:colorsDef xmlns:dgm="http://schemas.openxmlformats.org/drawingml/2006/diagram" xmlns:a="http://schemas.openxmlformats.org/drawingml/2006/main" uniqueId="urn:microsoft.com/office/officeart/2005/8/colors/accent0_3">
   <dgm:title val=""/>
   <dgm:desc val=""/>
@@ -8008,6 +8884,707 @@
 <file path=ppt/diagrams/data6.xml><?xml version="1.0" encoding="utf-8"?>
 <dgm:dataModel xmlns:dgm="http://schemas.openxmlformats.org/drawingml/2006/diagram" xmlns:a="http://schemas.openxmlformats.org/drawingml/2006/main">
   <dgm:ptLst>
+    <dgm:pt modelId="{D0A0F61B-4303-4677-84F2-61B7E1A91C18}" type="doc">
+      <dgm:prSet loTypeId="urn:microsoft.com/office/officeart/2005/8/layout/orgChart1" loCatId="hierarchy" qsTypeId="urn:microsoft.com/office/officeart/2005/8/quickstyle/simple1" qsCatId="simple" csTypeId="urn:microsoft.com/office/officeart/2005/8/colors/accent2_3" csCatId="accent2" phldr="1"/>
+      <dgm:spPr/>
+      <dgm:t>
+        <a:bodyPr/>
+        <a:lstStyle/>
+        <a:p>
+          <a:endParaRPr lang="de-DE"/>
+        </a:p>
+      </dgm:t>
+    </dgm:pt>
+    <dgm:pt modelId="{3A6AA12D-C2E9-4BD8-BD2C-3FE7294AFEB9}">
+      <dgm:prSet custT="1"/>
+      <dgm:spPr/>
+      <dgm:t>
+        <a:bodyPr/>
+        <a:lstStyle/>
+        <a:p>
+          <a:r>
+            <a:rPr lang="de-DE" sz="1000"/>
+            <a:t>Attribute</a:t>
+          </a:r>
+        </a:p>
+      </dgm:t>
+    </dgm:pt>
+    <dgm:pt modelId="{CB68BD35-2E0D-48E5-8A70-3DF166BD3AE0}" type="parTrans" cxnId="{64AF36A2-FAAE-4A6F-8408-0DAA70EF67D3}">
+      <dgm:prSet/>
+      <dgm:spPr/>
+      <dgm:t>
+        <a:bodyPr/>
+        <a:lstStyle/>
+        <a:p>
+          <a:endParaRPr lang="de-DE"/>
+        </a:p>
+      </dgm:t>
+    </dgm:pt>
+    <dgm:pt modelId="{279954E4-66B2-4DF1-BBD5-CB4E7B281C1D}" type="sibTrans" cxnId="{64AF36A2-FAAE-4A6F-8408-0DAA70EF67D3}">
+      <dgm:prSet/>
+      <dgm:spPr/>
+      <dgm:t>
+        <a:bodyPr/>
+        <a:lstStyle/>
+        <a:p>
+          <a:endParaRPr lang="de-DE"/>
+        </a:p>
+      </dgm:t>
+    </dgm:pt>
+    <dgm:pt modelId="{9FB97EE0-DCD5-4156-8D38-FCFF580D44FD}">
+      <dgm:prSet custT="1"/>
+      <dgm:spPr/>
+      <dgm:t>
+        <a:bodyPr/>
+        <a:lstStyle/>
+        <a:p>
+          <a:r>
+            <a:rPr lang="de-DE" sz="1000" dirty="0"/>
+            <a:t>Wetterstation</a:t>
+          </a:r>
+        </a:p>
+      </dgm:t>
+    </dgm:pt>
+    <dgm:pt modelId="{FF1888FE-33B9-4643-AE7A-09A40E256103}" type="parTrans" cxnId="{DF6C7C4B-810F-4B4F-8577-277D98D6FA11}">
+      <dgm:prSet/>
+      <dgm:spPr/>
+      <dgm:t>
+        <a:bodyPr/>
+        <a:lstStyle/>
+        <a:p>
+          <a:endParaRPr lang="de-DE" sz="1000"/>
+        </a:p>
+      </dgm:t>
+    </dgm:pt>
+    <dgm:pt modelId="{58FFF5EC-3E90-4DDD-A670-28424277750F}" type="sibTrans" cxnId="{DF6C7C4B-810F-4B4F-8577-277D98D6FA11}">
+      <dgm:prSet/>
+      <dgm:spPr/>
+      <dgm:t>
+        <a:bodyPr/>
+        <a:lstStyle/>
+        <a:p>
+          <a:endParaRPr lang="de-DE"/>
+        </a:p>
+      </dgm:t>
+    </dgm:pt>
+    <dgm:pt modelId="{B6DB7651-7D81-4F5E-A74E-1CE9D132FFA1}">
+      <dgm:prSet custT="1"/>
+      <dgm:spPr/>
+      <dgm:t>
+        <a:bodyPr/>
+        <a:lstStyle/>
+        <a:p>
+          <a:r>
+            <a:rPr lang="de-DE" sz="1000" dirty="0"/>
+            <a:t>Mindest-temperatur pro Tag in C°</a:t>
+          </a:r>
+        </a:p>
+      </dgm:t>
+    </dgm:pt>
+    <dgm:pt modelId="{62C9F470-4316-48F8-8263-FB85C0AF66D0}" type="parTrans" cxnId="{41CA94F0-5A8E-4ACB-8F43-2EE3CFC41C3F}">
+      <dgm:prSet/>
+      <dgm:spPr/>
+      <dgm:t>
+        <a:bodyPr/>
+        <a:lstStyle/>
+        <a:p>
+          <a:endParaRPr lang="de-DE" sz="1000"/>
+        </a:p>
+      </dgm:t>
+    </dgm:pt>
+    <dgm:pt modelId="{DB3F6F20-C891-487A-A115-B4C419FAC740}" type="sibTrans" cxnId="{41CA94F0-5A8E-4ACB-8F43-2EE3CFC41C3F}">
+      <dgm:prSet/>
+      <dgm:spPr/>
+      <dgm:t>
+        <a:bodyPr/>
+        <a:lstStyle/>
+        <a:p>
+          <a:endParaRPr lang="de-DE"/>
+        </a:p>
+      </dgm:t>
+    </dgm:pt>
+    <dgm:pt modelId="{DDAD9549-51AC-4852-8D1F-7853EE254EAB}">
+      <dgm:prSet custT="1"/>
+      <dgm:spPr/>
+      <dgm:t>
+        <a:bodyPr/>
+        <a:lstStyle/>
+        <a:p>
+          <a:r>
+            <a:rPr lang="de-DE" sz="1000" dirty="0"/>
+            <a:t>Maximal-temperatur pro Tag in C°</a:t>
+          </a:r>
+        </a:p>
+      </dgm:t>
+    </dgm:pt>
+    <dgm:pt modelId="{D3D0C99A-1A2F-48B9-92A7-B5D699B81BB4}" type="parTrans" cxnId="{66931EAC-E36B-4C7E-B667-75F915330C0D}">
+      <dgm:prSet/>
+      <dgm:spPr/>
+      <dgm:t>
+        <a:bodyPr/>
+        <a:lstStyle/>
+        <a:p>
+          <a:endParaRPr lang="de-DE" sz="1000"/>
+        </a:p>
+      </dgm:t>
+    </dgm:pt>
+    <dgm:pt modelId="{4D69A56D-7A7B-4814-81BC-D8408374810F}" type="sibTrans" cxnId="{66931EAC-E36B-4C7E-B667-75F915330C0D}">
+      <dgm:prSet/>
+      <dgm:spPr/>
+      <dgm:t>
+        <a:bodyPr/>
+        <a:lstStyle/>
+        <a:p>
+          <a:endParaRPr lang="de-DE"/>
+        </a:p>
+      </dgm:t>
+    </dgm:pt>
+    <dgm:pt modelId="{3BD6BDA0-26C3-403D-88CB-AA822E74B732}">
+      <dgm:prSet custT="1"/>
+      <dgm:spPr/>
+      <dgm:t>
+        <a:bodyPr/>
+        <a:lstStyle/>
+        <a:p>
+          <a:r>
+            <a:rPr lang="de-DE" sz="1000" dirty="0"/>
+            <a:t>Schneehöhe in cm</a:t>
+          </a:r>
+        </a:p>
+      </dgm:t>
+    </dgm:pt>
+    <dgm:pt modelId="{65A34516-2507-40EF-8E38-D5D5269E852E}" type="parTrans" cxnId="{9FC21D5B-06BC-49E5-8C4E-F480E835FE0A}">
+      <dgm:prSet/>
+      <dgm:spPr/>
+      <dgm:t>
+        <a:bodyPr/>
+        <a:lstStyle/>
+        <a:p>
+          <a:endParaRPr lang="de-DE" sz="1000"/>
+        </a:p>
+      </dgm:t>
+    </dgm:pt>
+    <dgm:pt modelId="{875E4EA7-E344-4050-AAC7-9D78DAA4E1B4}" type="sibTrans" cxnId="{9FC21D5B-06BC-49E5-8C4E-F480E835FE0A}">
+      <dgm:prSet/>
+      <dgm:spPr/>
+      <dgm:t>
+        <a:bodyPr/>
+        <a:lstStyle/>
+        <a:p>
+          <a:endParaRPr lang="de-DE"/>
+        </a:p>
+      </dgm:t>
+    </dgm:pt>
+    <dgm:pt modelId="{356BB6D9-A53C-40AA-9340-A57AFC579674}">
+      <dgm:prSet custT="1"/>
+      <dgm:spPr/>
+      <dgm:t>
+        <a:bodyPr/>
+        <a:lstStyle/>
+        <a:p>
+          <a:r>
+            <a:rPr lang="de-DE" sz="1000" dirty="0"/>
+            <a:t>Niederschlags-menge in l/m^2</a:t>
+          </a:r>
+        </a:p>
+      </dgm:t>
+    </dgm:pt>
+    <dgm:pt modelId="{2C8BBE09-D937-4AF8-B69B-DA9CA12F6B02}" type="parTrans" cxnId="{11A413AD-5B67-4931-87CE-EF433FEA3739}">
+      <dgm:prSet/>
+      <dgm:spPr/>
+      <dgm:t>
+        <a:bodyPr/>
+        <a:lstStyle/>
+        <a:p>
+          <a:endParaRPr lang="de-DE" sz="1000"/>
+        </a:p>
+      </dgm:t>
+    </dgm:pt>
+    <dgm:pt modelId="{2321DCB6-A69E-4DF4-BE16-88C5FCCE48DC}" type="sibTrans" cxnId="{11A413AD-5B67-4931-87CE-EF433FEA3739}">
+      <dgm:prSet/>
+      <dgm:spPr/>
+      <dgm:t>
+        <a:bodyPr/>
+        <a:lstStyle/>
+        <a:p>
+          <a:endParaRPr lang="de-DE"/>
+        </a:p>
+      </dgm:t>
+    </dgm:pt>
+    <dgm:pt modelId="{4CBA4916-03C1-4A6B-AF7E-954DE1AB4700}">
+      <dgm:prSet custT="1"/>
+      <dgm:spPr/>
+      <dgm:t>
+        <a:bodyPr/>
+        <a:lstStyle/>
+        <a:p>
+          <a:r>
+            <a:rPr lang="de-DE" sz="1000" dirty="0"/>
+            <a:t>Sonnenschein-dauer in Stunden</a:t>
+          </a:r>
+        </a:p>
+      </dgm:t>
+    </dgm:pt>
+    <dgm:pt modelId="{78879A09-8796-42CA-8554-7D4602B98BE0}" type="parTrans" cxnId="{E5C03097-8C23-405D-8CB3-ED598E296DC3}">
+      <dgm:prSet/>
+      <dgm:spPr/>
+      <dgm:t>
+        <a:bodyPr/>
+        <a:lstStyle/>
+        <a:p>
+          <a:endParaRPr lang="de-DE" sz="1000"/>
+        </a:p>
+      </dgm:t>
+    </dgm:pt>
+    <dgm:pt modelId="{D1522DCD-FAB1-4478-862F-3D1E39FDE66C}" type="sibTrans" cxnId="{E5C03097-8C23-405D-8CB3-ED598E296DC3}">
+      <dgm:prSet/>
+      <dgm:spPr/>
+      <dgm:t>
+        <a:bodyPr/>
+        <a:lstStyle/>
+        <a:p>
+          <a:endParaRPr lang="de-DE"/>
+        </a:p>
+      </dgm:t>
+    </dgm:pt>
+    <dgm:pt modelId="{264BE61B-92A3-4AD0-8A98-24C10B153985}">
+      <dgm:prSet custT="1"/>
+      <dgm:spPr/>
+      <dgm:t>
+        <a:bodyPr/>
+        <a:lstStyle/>
+        <a:p>
+          <a:r>
+            <a:rPr lang="de-DE" sz="1000" dirty="0"/>
+            <a:t>Datum</a:t>
+          </a:r>
+        </a:p>
+      </dgm:t>
+    </dgm:pt>
+    <dgm:pt modelId="{C117095E-5E26-4FE9-A2E8-EA1C4CC44EEB}" type="parTrans" cxnId="{A3F7D13C-4D29-4266-9044-E2412572E380}">
+      <dgm:prSet/>
+      <dgm:spPr/>
+      <dgm:t>
+        <a:bodyPr/>
+        <a:lstStyle/>
+        <a:p>
+          <a:endParaRPr lang="de-DE"/>
+        </a:p>
+      </dgm:t>
+    </dgm:pt>
+    <dgm:pt modelId="{6FF6C917-CB46-40CE-B03F-5DBDA20649EB}" type="sibTrans" cxnId="{A3F7D13C-4D29-4266-9044-E2412572E380}">
+      <dgm:prSet/>
+      <dgm:spPr/>
+      <dgm:t>
+        <a:bodyPr/>
+        <a:lstStyle/>
+        <a:p>
+          <a:endParaRPr lang="de-DE"/>
+        </a:p>
+      </dgm:t>
+    </dgm:pt>
+    <dgm:pt modelId="{CB5D569C-B44B-4308-B27F-633455E5871F}" type="pres">
+      <dgm:prSet presAssocID="{D0A0F61B-4303-4677-84F2-61B7E1A91C18}" presName="hierChild1" presStyleCnt="0">
+        <dgm:presLayoutVars>
+          <dgm:orgChart val="1"/>
+          <dgm:chPref val="1"/>
+          <dgm:dir/>
+          <dgm:animOne val="branch"/>
+          <dgm:animLvl val="lvl"/>
+          <dgm:resizeHandles/>
+        </dgm:presLayoutVars>
+      </dgm:prSet>
+      <dgm:spPr/>
+    </dgm:pt>
+    <dgm:pt modelId="{AB795A0E-3C7B-47E3-BC47-3534A54F9190}" type="pres">
+      <dgm:prSet presAssocID="{3A6AA12D-C2E9-4BD8-BD2C-3FE7294AFEB9}" presName="hierRoot1" presStyleCnt="0">
+        <dgm:presLayoutVars>
+          <dgm:hierBranch val="init"/>
+        </dgm:presLayoutVars>
+      </dgm:prSet>
+      <dgm:spPr/>
+    </dgm:pt>
+    <dgm:pt modelId="{6AEEC0CB-D732-40ED-98C7-E88C954633C1}" type="pres">
+      <dgm:prSet presAssocID="{3A6AA12D-C2E9-4BD8-BD2C-3FE7294AFEB9}" presName="rootComposite1" presStyleCnt="0"/>
+      <dgm:spPr/>
+    </dgm:pt>
+    <dgm:pt modelId="{3DD70376-3E3F-43E1-B2C6-956970C172ED}" type="pres">
+      <dgm:prSet presAssocID="{3A6AA12D-C2E9-4BD8-BD2C-3FE7294AFEB9}" presName="rootText1" presStyleLbl="node0" presStyleIdx="0" presStyleCnt="1" custScaleX="224472" custScaleY="263868" custLinFactNeighborY="-64180">
+        <dgm:presLayoutVars>
+          <dgm:chPref val="3"/>
+        </dgm:presLayoutVars>
+      </dgm:prSet>
+      <dgm:spPr/>
+    </dgm:pt>
+    <dgm:pt modelId="{9AB5A911-E489-48AE-B687-7440697238B3}" type="pres">
+      <dgm:prSet presAssocID="{3A6AA12D-C2E9-4BD8-BD2C-3FE7294AFEB9}" presName="rootConnector1" presStyleLbl="node1" presStyleIdx="0" presStyleCnt="0"/>
+      <dgm:spPr/>
+    </dgm:pt>
+    <dgm:pt modelId="{E404BA80-6E0F-4C3E-BC06-4E7117DCF3CE}" type="pres">
+      <dgm:prSet presAssocID="{3A6AA12D-C2E9-4BD8-BD2C-3FE7294AFEB9}" presName="hierChild2" presStyleCnt="0"/>
+      <dgm:spPr/>
+    </dgm:pt>
+    <dgm:pt modelId="{1F1BF832-7D6F-4314-8A20-B77ADD6E09FD}" type="pres">
+      <dgm:prSet presAssocID="{FF1888FE-33B9-4643-AE7A-09A40E256103}" presName="Name37" presStyleLbl="parChTrans1D2" presStyleIdx="0" presStyleCnt="7" custSzX="6005334" custSzY="306613"/>
+      <dgm:spPr/>
+    </dgm:pt>
+    <dgm:pt modelId="{338F5E53-0455-48EE-ABDF-BFB85DD1E3B8}" type="pres">
+      <dgm:prSet presAssocID="{9FB97EE0-DCD5-4156-8D38-FCFF580D44FD}" presName="hierRoot2" presStyleCnt="0">
+        <dgm:presLayoutVars>
+          <dgm:hierBranch val="init"/>
+        </dgm:presLayoutVars>
+      </dgm:prSet>
+      <dgm:spPr/>
+    </dgm:pt>
+    <dgm:pt modelId="{3AFE5463-745F-4692-AF4E-CB50EC31BE95}" type="pres">
+      <dgm:prSet presAssocID="{9FB97EE0-DCD5-4156-8D38-FCFF580D44FD}" presName="rootComposite" presStyleCnt="0"/>
+      <dgm:spPr/>
+    </dgm:pt>
+    <dgm:pt modelId="{BCA0F817-645B-4DF6-B98A-68FC4A66FB72}" type="pres">
+      <dgm:prSet presAssocID="{9FB97EE0-DCD5-4156-8D38-FCFF580D44FD}" presName="rootText" presStyleLbl="node2" presStyleIdx="0" presStyleCnt="7" custScaleX="224472" custScaleY="263868">
+        <dgm:presLayoutVars>
+          <dgm:chPref val="3"/>
+        </dgm:presLayoutVars>
+      </dgm:prSet>
+      <dgm:spPr/>
+    </dgm:pt>
+    <dgm:pt modelId="{2D7AE81F-8C7C-4CA7-9284-3B78B04D4886}" type="pres">
+      <dgm:prSet presAssocID="{9FB97EE0-DCD5-4156-8D38-FCFF580D44FD}" presName="rootConnector" presStyleLbl="node2" presStyleIdx="0" presStyleCnt="7"/>
+      <dgm:spPr/>
+    </dgm:pt>
+    <dgm:pt modelId="{57B634ED-9877-4988-A910-1E72805200C1}" type="pres">
+      <dgm:prSet presAssocID="{9FB97EE0-DCD5-4156-8D38-FCFF580D44FD}" presName="hierChild4" presStyleCnt="0"/>
+      <dgm:spPr/>
+    </dgm:pt>
+    <dgm:pt modelId="{33976D44-C62D-46BD-99B9-28ACEAC7D476}" type="pres">
+      <dgm:prSet presAssocID="{9FB97EE0-DCD5-4156-8D38-FCFF580D44FD}" presName="hierChild5" presStyleCnt="0"/>
+      <dgm:spPr/>
+    </dgm:pt>
+    <dgm:pt modelId="{C18E588E-D810-43F6-B8D0-371D7DDA551F}" type="pres">
+      <dgm:prSet presAssocID="{62C9F470-4316-48F8-8263-FB85C0AF66D0}" presName="Name37" presStyleLbl="parChTrans1D2" presStyleIdx="1" presStyleCnt="7" custSzX="4289524" custSzY="306613"/>
+      <dgm:spPr/>
+    </dgm:pt>
+    <dgm:pt modelId="{84EB36B9-62D1-4B5C-A597-7F19B7690CBB}" type="pres">
+      <dgm:prSet presAssocID="{B6DB7651-7D81-4F5E-A74E-1CE9D132FFA1}" presName="hierRoot2" presStyleCnt="0">
+        <dgm:presLayoutVars>
+          <dgm:hierBranch val="init"/>
+        </dgm:presLayoutVars>
+      </dgm:prSet>
+      <dgm:spPr/>
+    </dgm:pt>
+    <dgm:pt modelId="{FF286CB8-4EF0-4920-A52C-FE142401368E}" type="pres">
+      <dgm:prSet presAssocID="{B6DB7651-7D81-4F5E-A74E-1CE9D132FFA1}" presName="rootComposite" presStyleCnt="0"/>
+      <dgm:spPr/>
+    </dgm:pt>
+    <dgm:pt modelId="{919252C1-5E8F-4C1E-8B07-9019D6B598DF}" type="pres">
+      <dgm:prSet presAssocID="{B6DB7651-7D81-4F5E-A74E-1CE9D132FFA1}" presName="rootText" presStyleLbl="node2" presStyleIdx="1" presStyleCnt="7" custScaleX="224472" custScaleY="263868">
+        <dgm:presLayoutVars>
+          <dgm:chPref val="3"/>
+        </dgm:presLayoutVars>
+      </dgm:prSet>
+      <dgm:spPr/>
+    </dgm:pt>
+    <dgm:pt modelId="{B05F8344-AFEA-433E-AB6E-DA6446A9FBE1}" type="pres">
+      <dgm:prSet presAssocID="{B6DB7651-7D81-4F5E-A74E-1CE9D132FFA1}" presName="rootConnector" presStyleLbl="node2" presStyleIdx="1" presStyleCnt="7"/>
+      <dgm:spPr/>
+    </dgm:pt>
+    <dgm:pt modelId="{D6EB8568-0C1F-45AB-B966-8E98CC819E16}" type="pres">
+      <dgm:prSet presAssocID="{B6DB7651-7D81-4F5E-A74E-1CE9D132FFA1}" presName="hierChild4" presStyleCnt="0"/>
+      <dgm:spPr/>
+    </dgm:pt>
+    <dgm:pt modelId="{B7191E19-DD2A-4BAB-A4A6-36528F9B308C}" type="pres">
+      <dgm:prSet presAssocID="{B6DB7651-7D81-4F5E-A74E-1CE9D132FFA1}" presName="hierChild5" presStyleCnt="0"/>
+      <dgm:spPr/>
+    </dgm:pt>
+    <dgm:pt modelId="{766BDE4F-B05F-4DE9-9297-2C646DE2E6AF}" type="pres">
+      <dgm:prSet presAssocID="{D3D0C99A-1A2F-48B9-92A7-B5D699B81BB4}" presName="Name37" presStyleLbl="parChTrans1D2" presStyleIdx="2" presStyleCnt="7" custSzX="2573714" custSzY="306613"/>
+      <dgm:spPr/>
+    </dgm:pt>
+    <dgm:pt modelId="{1CBB0A5B-52FA-4FDC-A7F6-04043CF6D315}" type="pres">
+      <dgm:prSet presAssocID="{DDAD9549-51AC-4852-8D1F-7853EE254EAB}" presName="hierRoot2" presStyleCnt="0">
+        <dgm:presLayoutVars>
+          <dgm:hierBranch val="init"/>
+        </dgm:presLayoutVars>
+      </dgm:prSet>
+      <dgm:spPr/>
+    </dgm:pt>
+    <dgm:pt modelId="{59E27656-95E6-4F48-866C-8989D63D5D9B}" type="pres">
+      <dgm:prSet presAssocID="{DDAD9549-51AC-4852-8D1F-7853EE254EAB}" presName="rootComposite" presStyleCnt="0"/>
+      <dgm:spPr/>
+    </dgm:pt>
+    <dgm:pt modelId="{CB31C50E-0282-4D4F-B0CC-4E9722E2149F}" type="pres">
+      <dgm:prSet presAssocID="{DDAD9549-51AC-4852-8D1F-7853EE254EAB}" presName="rootText" presStyleLbl="node2" presStyleIdx="2" presStyleCnt="7" custScaleX="224472" custScaleY="263868">
+        <dgm:presLayoutVars>
+          <dgm:chPref val="3"/>
+        </dgm:presLayoutVars>
+      </dgm:prSet>
+      <dgm:spPr/>
+    </dgm:pt>
+    <dgm:pt modelId="{5BE1293F-E52E-4364-815E-BA964B2E313E}" type="pres">
+      <dgm:prSet presAssocID="{DDAD9549-51AC-4852-8D1F-7853EE254EAB}" presName="rootConnector" presStyleLbl="node2" presStyleIdx="2" presStyleCnt="7"/>
+      <dgm:spPr/>
+    </dgm:pt>
+    <dgm:pt modelId="{4DF886EB-5C4D-4256-BFCD-293C86C11368}" type="pres">
+      <dgm:prSet presAssocID="{DDAD9549-51AC-4852-8D1F-7853EE254EAB}" presName="hierChild4" presStyleCnt="0"/>
+      <dgm:spPr/>
+    </dgm:pt>
+    <dgm:pt modelId="{7322A613-0704-460A-A42A-D682B2D8407D}" type="pres">
+      <dgm:prSet presAssocID="{DDAD9549-51AC-4852-8D1F-7853EE254EAB}" presName="hierChild5" presStyleCnt="0"/>
+      <dgm:spPr/>
+    </dgm:pt>
+    <dgm:pt modelId="{EBDEDD73-1A0D-448D-87EC-AF798632099F}" type="pres">
+      <dgm:prSet presAssocID="{65A34516-2507-40EF-8E38-D5D5269E852E}" presName="Name37" presStyleLbl="parChTrans1D2" presStyleIdx="3" presStyleCnt="7" custSzX="857904" custSzY="306613"/>
+      <dgm:spPr/>
+    </dgm:pt>
+    <dgm:pt modelId="{C82B6449-FC96-4809-891D-3F77115F2A6E}" type="pres">
+      <dgm:prSet presAssocID="{3BD6BDA0-26C3-403D-88CB-AA822E74B732}" presName="hierRoot2" presStyleCnt="0">
+        <dgm:presLayoutVars>
+          <dgm:hierBranch val="init"/>
+        </dgm:presLayoutVars>
+      </dgm:prSet>
+      <dgm:spPr/>
+    </dgm:pt>
+    <dgm:pt modelId="{D4CF06AD-AC28-4337-8DC4-C77F82AF429A}" type="pres">
+      <dgm:prSet presAssocID="{3BD6BDA0-26C3-403D-88CB-AA822E74B732}" presName="rootComposite" presStyleCnt="0"/>
+      <dgm:spPr/>
+    </dgm:pt>
+    <dgm:pt modelId="{609EB9A4-2680-422B-ADA3-4CA28FF595B7}" type="pres">
+      <dgm:prSet presAssocID="{3BD6BDA0-26C3-403D-88CB-AA822E74B732}" presName="rootText" presStyleLbl="node2" presStyleIdx="3" presStyleCnt="7" custScaleX="224472" custScaleY="263868">
+        <dgm:presLayoutVars>
+          <dgm:chPref val="3"/>
+        </dgm:presLayoutVars>
+      </dgm:prSet>
+      <dgm:spPr/>
+    </dgm:pt>
+    <dgm:pt modelId="{6A578C9B-36DC-47B6-B550-4B2973A0AD3E}" type="pres">
+      <dgm:prSet presAssocID="{3BD6BDA0-26C3-403D-88CB-AA822E74B732}" presName="rootConnector" presStyleLbl="node2" presStyleIdx="3" presStyleCnt="7"/>
+      <dgm:spPr/>
+    </dgm:pt>
+    <dgm:pt modelId="{AD9A910C-E527-4DA9-9196-9F0784AF9A03}" type="pres">
+      <dgm:prSet presAssocID="{3BD6BDA0-26C3-403D-88CB-AA822E74B732}" presName="hierChild4" presStyleCnt="0"/>
+      <dgm:spPr/>
+    </dgm:pt>
+    <dgm:pt modelId="{CB6FB5E4-D783-4232-B545-77163E1752CE}" type="pres">
+      <dgm:prSet presAssocID="{3BD6BDA0-26C3-403D-88CB-AA822E74B732}" presName="hierChild5" presStyleCnt="0"/>
+      <dgm:spPr/>
+    </dgm:pt>
+    <dgm:pt modelId="{E5B64A66-98C3-4BB7-B533-49BBD6320137}" type="pres">
+      <dgm:prSet presAssocID="{2C8BBE09-D937-4AF8-B69B-DA9CA12F6B02}" presName="Name37" presStyleLbl="parChTrans1D2" presStyleIdx="4" presStyleCnt="7" custSzX="857904" custSzY="306613"/>
+      <dgm:spPr/>
+    </dgm:pt>
+    <dgm:pt modelId="{C9AC80DA-5C67-471C-A517-09C56065513F}" type="pres">
+      <dgm:prSet presAssocID="{356BB6D9-A53C-40AA-9340-A57AFC579674}" presName="hierRoot2" presStyleCnt="0">
+        <dgm:presLayoutVars>
+          <dgm:hierBranch val="init"/>
+        </dgm:presLayoutVars>
+      </dgm:prSet>
+      <dgm:spPr/>
+    </dgm:pt>
+    <dgm:pt modelId="{5750CD8B-3CA9-4453-A7EE-8F1E255127A6}" type="pres">
+      <dgm:prSet presAssocID="{356BB6D9-A53C-40AA-9340-A57AFC579674}" presName="rootComposite" presStyleCnt="0"/>
+      <dgm:spPr/>
+    </dgm:pt>
+    <dgm:pt modelId="{8A836A0C-FAC7-4158-B0FF-92C12F5D70AB}" type="pres">
+      <dgm:prSet presAssocID="{356BB6D9-A53C-40AA-9340-A57AFC579674}" presName="rootText" presStyleLbl="node2" presStyleIdx="4" presStyleCnt="7" custScaleX="224472" custScaleY="263868">
+        <dgm:presLayoutVars>
+          <dgm:chPref val="3"/>
+        </dgm:presLayoutVars>
+      </dgm:prSet>
+      <dgm:spPr/>
+    </dgm:pt>
+    <dgm:pt modelId="{A746DBFA-FF7B-450A-9600-1DCEA1D74B2C}" type="pres">
+      <dgm:prSet presAssocID="{356BB6D9-A53C-40AA-9340-A57AFC579674}" presName="rootConnector" presStyleLbl="node2" presStyleIdx="4" presStyleCnt="7"/>
+      <dgm:spPr/>
+    </dgm:pt>
+    <dgm:pt modelId="{D6908B42-389D-4B5A-BA13-88E673F4D8AC}" type="pres">
+      <dgm:prSet presAssocID="{356BB6D9-A53C-40AA-9340-A57AFC579674}" presName="hierChild4" presStyleCnt="0"/>
+      <dgm:spPr/>
+    </dgm:pt>
+    <dgm:pt modelId="{6FC657D7-A26A-4CF7-8A36-60820E479DED}" type="pres">
+      <dgm:prSet presAssocID="{356BB6D9-A53C-40AA-9340-A57AFC579674}" presName="hierChild5" presStyleCnt="0"/>
+      <dgm:spPr/>
+    </dgm:pt>
+    <dgm:pt modelId="{0D5A4952-58DB-4379-A0FF-9CF9AA8B30A9}" type="pres">
+      <dgm:prSet presAssocID="{78879A09-8796-42CA-8554-7D4602B98BE0}" presName="Name37" presStyleLbl="parChTrans1D2" presStyleIdx="5" presStyleCnt="7" custSzX="2573714" custSzY="306613"/>
+      <dgm:spPr/>
+    </dgm:pt>
+    <dgm:pt modelId="{D2909641-ED8A-4F63-8E22-D0C2F560868D}" type="pres">
+      <dgm:prSet presAssocID="{4CBA4916-03C1-4A6B-AF7E-954DE1AB4700}" presName="hierRoot2" presStyleCnt="0">
+        <dgm:presLayoutVars>
+          <dgm:hierBranch val="init"/>
+        </dgm:presLayoutVars>
+      </dgm:prSet>
+      <dgm:spPr/>
+    </dgm:pt>
+    <dgm:pt modelId="{8747B277-287C-4F96-AAF1-71B5A44990BB}" type="pres">
+      <dgm:prSet presAssocID="{4CBA4916-03C1-4A6B-AF7E-954DE1AB4700}" presName="rootComposite" presStyleCnt="0"/>
+      <dgm:spPr/>
+    </dgm:pt>
+    <dgm:pt modelId="{6E21471F-70DD-425A-96EB-D138019D0017}" type="pres">
+      <dgm:prSet presAssocID="{4CBA4916-03C1-4A6B-AF7E-954DE1AB4700}" presName="rootText" presStyleLbl="node2" presStyleIdx="5" presStyleCnt="7" custScaleX="224472" custScaleY="263868">
+        <dgm:presLayoutVars>
+          <dgm:chPref val="3"/>
+        </dgm:presLayoutVars>
+      </dgm:prSet>
+      <dgm:spPr/>
+    </dgm:pt>
+    <dgm:pt modelId="{4434DAB3-9F54-4E34-870E-DE4B9CBDF485}" type="pres">
+      <dgm:prSet presAssocID="{4CBA4916-03C1-4A6B-AF7E-954DE1AB4700}" presName="rootConnector" presStyleLbl="node2" presStyleIdx="5" presStyleCnt="7"/>
+      <dgm:spPr/>
+    </dgm:pt>
+    <dgm:pt modelId="{6D49527A-6F9D-48D3-82C3-4CC6BEAC2FC9}" type="pres">
+      <dgm:prSet presAssocID="{4CBA4916-03C1-4A6B-AF7E-954DE1AB4700}" presName="hierChild4" presStyleCnt="0"/>
+      <dgm:spPr/>
+    </dgm:pt>
+    <dgm:pt modelId="{25160CDE-B463-4E43-B76B-D9F74A3CA323}" type="pres">
+      <dgm:prSet presAssocID="{4CBA4916-03C1-4A6B-AF7E-954DE1AB4700}" presName="hierChild5" presStyleCnt="0"/>
+      <dgm:spPr/>
+    </dgm:pt>
+    <dgm:pt modelId="{AC7F4E16-96FE-497B-BF0B-5656787227AF}" type="pres">
+      <dgm:prSet presAssocID="{C117095E-5E26-4FE9-A2E8-EA1C4CC44EEB}" presName="Name37" presStyleLbl="parChTrans1D2" presStyleIdx="6" presStyleCnt="7" custSzX="2573714" custSzY="306613"/>
+      <dgm:spPr/>
+    </dgm:pt>
+    <dgm:pt modelId="{42C95E19-B713-4536-A9E9-4D1F73338EC0}" type="pres">
+      <dgm:prSet presAssocID="{264BE61B-92A3-4AD0-8A98-24C10B153985}" presName="hierRoot2" presStyleCnt="0">
+        <dgm:presLayoutVars>
+          <dgm:hierBranch val="init"/>
+        </dgm:presLayoutVars>
+      </dgm:prSet>
+      <dgm:spPr/>
+    </dgm:pt>
+    <dgm:pt modelId="{224C3B0F-328C-4178-8DFB-86B7659781F0}" type="pres">
+      <dgm:prSet presAssocID="{264BE61B-92A3-4AD0-8A98-24C10B153985}" presName="rootComposite" presStyleCnt="0"/>
+      <dgm:spPr/>
+    </dgm:pt>
+    <dgm:pt modelId="{ABA442A2-AB17-4DFA-A6A0-AF866B22BE45}" type="pres">
+      <dgm:prSet presAssocID="{264BE61B-92A3-4AD0-8A98-24C10B153985}" presName="rootText" presStyleLbl="node2" presStyleIdx="6" presStyleCnt="7" custScaleX="224472" custScaleY="263868">
+        <dgm:presLayoutVars>
+          <dgm:chPref val="3"/>
+        </dgm:presLayoutVars>
+      </dgm:prSet>
+      <dgm:spPr/>
+    </dgm:pt>
+    <dgm:pt modelId="{7374C554-11B3-48EB-9740-621AA1D8993C}" type="pres">
+      <dgm:prSet presAssocID="{264BE61B-92A3-4AD0-8A98-24C10B153985}" presName="rootConnector" presStyleLbl="node2" presStyleIdx="6" presStyleCnt="7"/>
+      <dgm:spPr/>
+    </dgm:pt>
+    <dgm:pt modelId="{71AA5CDD-7E62-4184-B1AA-3B2AE5CCE5F2}" type="pres">
+      <dgm:prSet presAssocID="{264BE61B-92A3-4AD0-8A98-24C10B153985}" presName="hierChild4" presStyleCnt="0"/>
+      <dgm:spPr/>
+    </dgm:pt>
+    <dgm:pt modelId="{54C945F0-A591-43CB-B9B5-990E23C4DEC4}" type="pres">
+      <dgm:prSet presAssocID="{264BE61B-92A3-4AD0-8A98-24C10B153985}" presName="hierChild5" presStyleCnt="0"/>
+      <dgm:spPr/>
+    </dgm:pt>
+    <dgm:pt modelId="{393210D2-D629-4CE1-A3A4-675C9384F18A}" type="pres">
+      <dgm:prSet presAssocID="{3A6AA12D-C2E9-4BD8-BD2C-3FE7294AFEB9}" presName="hierChild3" presStyleCnt="0"/>
+      <dgm:spPr/>
+    </dgm:pt>
+  </dgm:ptLst>
+  <dgm:cxnLst>
+    <dgm:cxn modelId="{A3C2930D-A995-4A13-B150-06E24AD2829B}" type="presOf" srcId="{DDAD9549-51AC-4852-8D1F-7853EE254EAB}" destId="{CB31C50E-0282-4D4F-B0CC-4E9722E2149F}" srcOrd="0" destOrd="0" presId="urn:microsoft.com/office/officeart/2005/8/layout/orgChart1"/>
+    <dgm:cxn modelId="{B4E7DB18-52DD-4DFE-8AFF-C229CF58B7D7}" type="presOf" srcId="{4CBA4916-03C1-4A6B-AF7E-954DE1AB4700}" destId="{4434DAB3-9F54-4E34-870E-DE4B9CBDF485}" srcOrd="1" destOrd="0" presId="urn:microsoft.com/office/officeart/2005/8/layout/orgChart1"/>
+    <dgm:cxn modelId="{62883920-89A2-4BE4-8F42-A58C851505DE}" type="presOf" srcId="{264BE61B-92A3-4AD0-8A98-24C10B153985}" destId="{ABA442A2-AB17-4DFA-A6A0-AF866B22BE45}" srcOrd="0" destOrd="0" presId="urn:microsoft.com/office/officeart/2005/8/layout/orgChart1"/>
+    <dgm:cxn modelId="{9D023827-73D4-4F3E-86D4-86A7255FA673}" type="presOf" srcId="{356BB6D9-A53C-40AA-9340-A57AFC579674}" destId="{8A836A0C-FAC7-4158-B0FF-92C12F5D70AB}" srcOrd="0" destOrd="0" presId="urn:microsoft.com/office/officeart/2005/8/layout/orgChart1"/>
+    <dgm:cxn modelId="{4A065327-F67C-478E-8018-E87F817897E3}" type="presOf" srcId="{65A34516-2507-40EF-8E38-D5D5269E852E}" destId="{EBDEDD73-1A0D-448D-87EC-AF798632099F}" srcOrd="0" destOrd="0" presId="urn:microsoft.com/office/officeart/2005/8/layout/orgChart1"/>
+    <dgm:cxn modelId="{E184953C-0694-4CD0-8632-E1BD3BAD7A6B}" type="presOf" srcId="{DDAD9549-51AC-4852-8D1F-7853EE254EAB}" destId="{5BE1293F-E52E-4364-815E-BA964B2E313E}" srcOrd="1" destOrd="0" presId="urn:microsoft.com/office/officeart/2005/8/layout/orgChart1"/>
+    <dgm:cxn modelId="{F032C83C-2CDE-4DF1-A8DC-B85E12986189}" type="presOf" srcId="{3A6AA12D-C2E9-4BD8-BD2C-3FE7294AFEB9}" destId="{3DD70376-3E3F-43E1-B2C6-956970C172ED}" srcOrd="0" destOrd="0" presId="urn:microsoft.com/office/officeart/2005/8/layout/orgChart1"/>
+    <dgm:cxn modelId="{A3F7D13C-4D29-4266-9044-E2412572E380}" srcId="{3A6AA12D-C2E9-4BD8-BD2C-3FE7294AFEB9}" destId="{264BE61B-92A3-4AD0-8A98-24C10B153985}" srcOrd="6" destOrd="0" parTransId="{C117095E-5E26-4FE9-A2E8-EA1C4CC44EEB}" sibTransId="{6FF6C917-CB46-40CE-B03F-5DBDA20649EB}"/>
+    <dgm:cxn modelId="{9FC21D5B-06BC-49E5-8C4E-F480E835FE0A}" srcId="{3A6AA12D-C2E9-4BD8-BD2C-3FE7294AFEB9}" destId="{3BD6BDA0-26C3-403D-88CB-AA822E74B732}" srcOrd="3" destOrd="0" parTransId="{65A34516-2507-40EF-8E38-D5D5269E852E}" sibTransId="{875E4EA7-E344-4050-AAC7-9D78DAA4E1B4}"/>
+    <dgm:cxn modelId="{2A57BB48-EEA3-4D82-82C5-A5CCD73690B9}" type="presOf" srcId="{4CBA4916-03C1-4A6B-AF7E-954DE1AB4700}" destId="{6E21471F-70DD-425A-96EB-D138019D0017}" srcOrd="0" destOrd="0" presId="urn:microsoft.com/office/officeart/2005/8/layout/orgChart1"/>
+    <dgm:cxn modelId="{06EAE96A-939C-4E13-8405-E08EE8AA498F}" type="presOf" srcId="{9FB97EE0-DCD5-4156-8D38-FCFF580D44FD}" destId="{2D7AE81F-8C7C-4CA7-9284-3B78B04D4886}" srcOrd="1" destOrd="0" presId="urn:microsoft.com/office/officeart/2005/8/layout/orgChart1"/>
+    <dgm:cxn modelId="{DF6C7C4B-810F-4B4F-8577-277D98D6FA11}" srcId="{3A6AA12D-C2E9-4BD8-BD2C-3FE7294AFEB9}" destId="{9FB97EE0-DCD5-4156-8D38-FCFF580D44FD}" srcOrd="0" destOrd="0" parTransId="{FF1888FE-33B9-4643-AE7A-09A40E256103}" sibTransId="{58FFF5EC-3E90-4DDD-A670-28424277750F}"/>
+    <dgm:cxn modelId="{D8D3036D-63BE-483E-B0AF-FD04F63D2A49}" type="presOf" srcId="{3A6AA12D-C2E9-4BD8-BD2C-3FE7294AFEB9}" destId="{9AB5A911-E489-48AE-B687-7440697238B3}" srcOrd="1" destOrd="0" presId="urn:microsoft.com/office/officeart/2005/8/layout/orgChart1"/>
+    <dgm:cxn modelId="{D9250A6D-5BAB-4CFE-A162-D8794785B445}" type="presOf" srcId="{C117095E-5E26-4FE9-A2E8-EA1C4CC44EEB}" destId="{AC7F4E16-96FE-497B-BF0B-5656787227AF}" srcOrd="0" destOrd="0" presId="urn:microsoft.com/office/officeart/2005/8/layout/orgChart1"/>
+    <dgm:cxn modelId="{7D163A4F-193A-4940-A8BA-4CE1BE9E84D8}" type="presOf" srcId="{FF1888FE-33B9-4643-AE7A-09A40E256103}" destId="{1F1BF832-7D6F-4314-8A20-B77ADD6E09FD}" srcOrd="0" destOrd="0" presId="urn:microsoft.com/office/officeart/2005/8/layout/orgChart1"/>
+    <dgm:cxn modelId="{35F84B56-B58F-42F6-8D42-4E794C0A3AEE}" type="presOf" srcId="{3BD6BDA0-26C3-403D-88CB-AA822E74B732}" destId="{609EB9A4-2680-422B-ADA3-4CA28FF595B7}" srcOrd="0" destOrd="0" presId="urn:microsoft.com/office/officeart/2005/8/layout/orgChart1"/>
+    <dgm:cxn modelId="{E5C03097-8C23-405D-8CB3-ED598E296DC3}" srcId="{3A6AA12D-C2E9-4BD8-BD2C-3FE7294AFEB9}" destId="{4CBA4916-03C1-4A6B-AF7E-954DE1AB4700}" srcOrd="5" destOrd="0" parTransId="{78879A09-8796-42CA-8554-7D4602B98BE0}" sibTransId="{D1522DCD-FAB1-4478-862F-3D1E39FDE66C}"/>
+    <dgm:cxn modelId="{DFEFC1A0-1FC4-4E95-B9C9-0F449C95655C}" type="presOf" srcId="{D3D0C99A-1A2F-48B9-92A7-B5D699B81BB4}" destId="{766BDE4F-B05F-4DE9-9297-2C646DE2E6AF}" srcOrd="0" destOrd="0" presId="urn:microsoft.com/office/officeart/2005/8/layout/orgChart1"/>
+    <dgm:cxn modelId="{64AF36A2-FAAE-4A6F-8408-0DAA70EF67D3}" srcId="{D0A0F61B-4303-4677-84F2-61B7E1A91C18}" destId="{3A6AA12D-C2E9-4BD8-BD2C-3FE7294AFEB9}" srcOrd="0" destOrd="0" parTransId="{CB68BD35-2E0D-48E5-8A70-3DF166BD3AE0}" sibTransId="{279954E4-66B2-4DF1-BBD5-CB4E7B281C1D}"/>
+    <dgm:cxn modelId="{B7DD91A3-CCE7-4CB4-B37C-53FDDC6BA836}" type="presOf" srcId="{2C8BBE09-D937-4AF8-B69B-DA9CA12F6B02}" destId="{E5B64A66-98C3-4BB7-B533-49BBD6320137}" srcOrd="0" destOrd="0" presId="urn:microsoft.com/office/officeart/2005/8/layout/orgChart1"/>
+    <dgm:cxn modelId="{66931EAC-E36B-4C7E-B667-75F915330C0D}" srcId="{3A6AA12D-C2E9-4BD8-BD2C-3FE7294AFEB9}" destId="{DDAD9549-51AC-4852-8D1F-7853EE254EAB}" srcOrd="2" destOrd="0" parTransId="{D3D0C99A-1A2F-48B9-92A7-B5D699B81BB4}" sibTransId="{4D69A56D-7A7B-4814-81BC-D8408374810F}"/>
+    <dgm:cxn modelId="{11A413AD-5B67-4931-87CE-EF433FEA3739}" srcId="{3A6AA12D-C2E9-4BD8-BD2C-3FE7294AFEB9}" destId="{356BB6D9-A53C-40AA-9340-A57AFC579674}" srcOrd="4" destOrd="0" parTransId="{2C8BBE09-D937-4AF8-B69B-DA9CA12F6B02}" sibTransId="{2321DCB6-A69E-4DF4-BE16-88C5FCCE48DC}"/>
+    <dgm:cxn modelId="{A464E7B9-0D77-4D52-BEF7-9D604FF3DC08}" type="presOf" srcId="{9FB97EE0-DCD5-4156-8D38-FCFF580D44FD}" destId="{BCA0F817-645B-4DF6-B98A-68FC4A66FB72}" srcOrd="0" destOrd="0" presId="urn:microsoft.com/office/officeart/2005/8/layout/orgChart1"/>
+    <dgm:cxn modelId="{D4EFCBBC-F070-4F79-A9F1-362C22BB94FE}" type="presOf" srcId="{B6DB7651-7D81-4F5E-A74E-1CE9D132FFA1}" destId="{919252C1-5E8F-4C1E-8B07-9019D6B598DF}" srcOrd="0" destOrd="0" presId="urn:microsoft.com/office/officeart/2005/8/layout/orgChart1"/>
+    <dgm:cxn modelId="{28AD6DC2-7F70-4CF1-BE69-A0B726F63C93}" type="presOf" srcId="{B6DB7651-7D81-4F5E-A74E-1CE9D132FFA1}" destId="{B05F8344-AFEA-433E-AB6E-DA6446A9FBE1}" srcOrd="1" destOrd="0" presId="urn:microsoft.com/office/officeart/2005/8/layout/orgChart1"/>
+    <dgm:cxn modelId="{9AD0BDD7-F197-4817-B06F-E9BE49EF1F01}" type="presOf" srcId="{264BE61B-92A3-4AD0-8A98-24C10B153985}" destId="{7374C554-11B3-48EB-9740-621AA1D8993C}" srcOrd="1" destOrd="0" presId="urn:microsoft.com/office/officeart/2005/8/layout/orgChart1"/>
+    <dgm:cxn modelId="{408FDCD7-6D9B-4919-8D87-FEE836EC6689}" type="presOf" srcId="{3BD6BDA0-26C3-403D-88CB-AA822E74B732}" destId="{6A578C9B-36DC-47B6-B550-4B2973A0AD3E}" srcOrd="1" destOrd="0" presId="urn:microsoft.com/office/officeart/2005/8/layout/orgChart1"/>
+    <dgm:cxn modelId="{4A4D75DE-8916-4725-9070-945E3EED449F}" type="presOf" srcId="{62C9F470-4316-48F8-8263-FB85C0AF66D0}" destId="{C18E588E-D810-43F6-B8D0-371D7DDA551F}" srcOrd="0" destOrd="0" presId="urn:microsoft.com/office/officeart/2005/8/layout/orgChart1"/>
+    <dgm:cxn modelId="{D6DD01DF-9AA7-4FCC-9B56-5694F179575B}" type="presOf" srcId="{356BB6D9-A53C-40AA-9340-A57AFC579674}" destId="{A746DBFA-FF7B-450A-9600-1DCEA1D74B2C}" srcOrd="1" destOrd="0" presId="urn:microsoft.com/office/officeart/2005/8/layout/orgChart1"/>
+    <dgm:cxn modelId="{B62A91E6-1B1E-4C73-880C-82235C311D16}" type="presOf" srcId="{D0A0F61B-4303-4677-84F2-61B7E1A91C18}" destId="{CB5D569C-B44B-4308-B27F-633455E5871F}" srcOrd="0" destOrd="0" presId="urn:microsoft.com/office/officeart/2005/8/layout/orgChart1"/>
+    <dgm:cxn modelId="{D8771FEA-5C29-4C98-9410-A0D7FBC06628}" type="presOf" srcId="{78879A09-8796-42CA-8554-7D4602B98BE0}" destId="{0D5A4952-58DB-4379-A0FF-9CF9AA8B30A9}" srcOrd="0" destOrd="0" presId="urn:microsoft.com/office/officeart/2005/8/layout/orgChart1"/>
+    <dgm:cxn modelId="{41CA94F0-5A8E-4ACB-8F43-2EE3CFC41C3F}" srcId="{3A6AA12D-C2E9-4BD8-BD2C-3FE7294AFEB9}" destId="{B6DB7651-7D81-4F5E-A74E-1CE9D132FFA1}" srcOrd="1" destOrd="0" parTransId="{62C9F470-4316-48F8-8263-FB85C0AF66D0}" sibTransId="{DB3F6F20-C891-487A-A115-B4C419FAC740}"/>
+    <dgm:cxn modelId="{29057BAA-5C17-4DE3-9C01-9B8EEED7853B}" type="presParOf" srcId="{CB5D569C-B44B-4308-B27F-633455E5871F}" destId="{AB795A0E-3C7B-47E3-BC47-3534A54F9190}" srcOrd="0" destOrd="0" presId="urn:microsoft.com/office/officeart/2005/8/layout/orgChart1"/>
+    <dgm:cxn modelId="{C071476A-4F93-452C-84C5-CEDF2FDC26FF}" type="presParOf" srcId="{AB795A0E-3C7B-47E3-BC47-3534A54F9190}" destId="{6AEEC0CB-D732-40ED-98C7-E88C954633C1}" srcOrd="0" destOrd="0" presId="urn:microsoft.com/office/officeart/2005/8/layout/orgChart1"/>
+    <dgm:cxn modelId="{11A92872-9377-4006-B8FD-92DA524FCEE7}" type="presParOf" srcId="{6AEEC0CB-D732-40ED-98C7-E88C954633C1}" destId="{3DD70376-3E3F-43E1-B2C6-956970C172ED}" srcOrd="0" destOrd="0" presId="urn:microsoft.com/office/officeart/2005/8/layout/orgChart1"/>
+    <dgm:cxn modelId="{91B5E2C8-7E72-4421-8A35-E14AC12CF3EC}" type="presParOf" srcId="{6AEEC0CB-D732-40ED-98C7-E88C954633C1}" destId="{9AB5A911-E489-48AE-B687-7440697238B3}" srcOrd="1" destOrd="0" presId="urn:microsoft.com/office/officeart/2005/8/layout/orgChart1"/>
+    <dgm:cxn modelId="{C5F08D8F-789B-4E80-A953-2ED5DEC31E22}" type="presParOf" srcId="{AB795A0E-3C7B-47E3-BC47-3534A54F9190}" destId="{E404BA80-6E0F-4C3E-BC06-4E7117DCF3CE}" srcOrd="1" destOrd="0" presId="urn:microsoft.com/office/officeart/2005/8/layout/orgChart1"/>
+    <dgm:cxn modelId="{6B52E496-B737-438F-A448-92E267587A43}" type="presParOf" srcId="{E404BA80-6E0F-4C3E-BC06-4E7117DCF3CE}" destId="{1F1BF832-7D6F-4314-8A20-B77ADD6E09FD}" srcOrd="0" destOrd="0" presId="urn:microsoft.com/office/officeart/2005/8/layout/orgChart1"/>
+    <dgm:cxn modelId="{DF652E7C-B1F4-4BA6-BFA7-831FDB1A5BDD}" type="presParOf" srcId="{E404BA80-6E0F-4C3E-BC06-4E7117DCF3CE}" destId="{338F5E53-0455-48EE-ABDF-BFB85DD1E3B8}" srcOrd="1" destOrd="0" presId="urn:microsoft.com/office/officeart/2005/8/layout/orgChart1"/>
+    <dgm:cxn modelId="{EB88FCCF-D344-4887-A84B-6FD3AAD27261}" type="presParOf" srcId="{338F5E53-0455-48EE-ABDF-BFB85DD1E3B8}" destId="{3AFE5463-745F-4692-AF4E-CB50EC31BE95}" srcOrd="0" destOrd="0" presId="urn:microsoft.com/office/officeart/2005/8/layout/orgChart1"/>
+    <dgm:cxn modelId="{AABC9751-8E32-4104-B8FA-496731470BCC}" type="presParOf" srcId="{3AFE5463-745F-4692-AF4E-CB50EC31BE95}" destId="{BCA0F817-645B-4DF6-B98A-68FC4A66FB72}" srcOrd="0" destOrd="0" presId="urn:microsoft.com/office/officeart/2005/8/layout/orgChart1"/>
+    <dgm:cxn modelId="{557A0A2D-732F-4AD9-8689-4042F6FF663D}" type="presParOf" srcId="{3AFE5463-745F-4692-AF4E-CB50EC31BE95}" destId="{2D7AE81F-8C7C-4CA7-9284-3B78B04D4886}" srcOrd="1" destOrd="0" presId="urn:microsoft.com/office/officeart/2005/8/layout/orgChart1"/>
+    <dgm:cxn modelId="{3E9C56F5-87AD-4451-8A60-DE19E58F1CC1}" type="presParOf" srcId="{338F5E53-0455-48EE-ABDF-BFB85DD1E3B8}" destId="{57B634ED-9877-4988-A910-1E72805200C1}" srcOrd="1" destOrd="0" presId="urn:microsoft.com/office/officeart/2005/8/layout/orgChart1"/>
+    <dgm:cxn modelId="{92845914-1825-46B9-8693-EDA94F8DAA46}" type="presParOf" srcId="{338F5E53-0455-48EE-ABDF-BFB85DD1E3B8}" destId="{33976D44-C62D-46BD-99B9-28ACEAC7D476}" srcOrd="2" destOrd="0" presId="urn:microsoft.com/office/officeart/2005/8/layout/orgChart1"/>
+    <dgm:cxn modelId="{6FC688F4-DA59-404B-82C2-93352CA80F1D}" type="presParOf" srcId="{E404BA80-6E0F-4C3E-BC06-4E7117DCF3CE}" destId="{C18E588E-D810-43F6-B8D0-371D7DDA551F}" srcOrd="2" destOrd="0" presId="urn:microsoft.com/office/officeart/2005/8/layout/orgChart1"/>
+    <dgm:cxn modelId="{F9DA5115-2867-4260-8456-2D42F0F43FE6}" type="presParOf" srcId="{E404BA80-6E0F-4C3E-BC06-4E7117DCF3CE}" destId="{84EB36B9-62D1-4B5C-A597-7F19B7690CBB}" srcOrd="3" destOrd="0" presId="urn:microsoft.com/office/officeart/2005/8/layout/orgChart1"/>
+    <dgm:cxn modelId="{3E6B6D14-C6B1-4C5C-BD39-573E8A8B9E05}" type="presParOf" srcId="{84EB36B9-62D1-4B5C-A597-7F19B7690CBB}" destId="{FF286CB8-4EF0-4920-A52C-FE142401368E}" srcOrd="0" destOrd="0" presId="urn:microsoft.com/office/officeart/2005/8/layout/orgChart1"/>
+    <dgm:cxn modelId="{31A182DD-6D2A-4A12-8C47-956FA0DCB4E1}" type="presParOf" srcId="{FF286CB8-4EF0-4920-A52C-FE142401368E}" destId="{919252C1-5E8F-4C1E-8B07-9019D6B598DF}" srcOrd="0" destOrd="0" presId="urn:microsoft.com/office/officeart/2005/8/layout/orgChart1"/>
+    <dgm:cxn modelId="{C2B74B97-2AE3-4A4E-90CB-CB83D81F4791}" type="presParOf" srcId="{FF286CB8-4EF0-4920-A52C-FE142401368E}" destId="{B05F8344-AFEA-433E-AB6E-DA6446A9FBE1}" srcOrd="1" destOrd="0" presId="urn:microsoft.com/office/officeart/2005/8/layout/orgChart1"/>
+    <dgm:cxn modelId="{F5D335B5-B479-4E14-921B-AAE19D972589}" type="presParOf" srcId="{84EB36B9-62D1-4B5C-A597-7F19B7690CBB}" destId="{D6EB8568-0C1F-45AB-B966-8E98CC819E16}" srcOrd="1" destOrd="0" presId="urn:microsoft.com/office/officeart/2005/8/layout/orgChart1"/>
+    <dgm:cxn modelId="{850463DC-01D9-4C3B-AA4E-789EA866B1ED}" type="presParOf" srcId="{84EB36B9-62D1-4B5C-A597-7F19B7690CBB}" destId="{B7191E19-DD2A-4BAB-A4A6-36528F9B308C}" srcOrd="2" destOrd="0" presId="urn:microsoft.com/office/officeart/2005/8/layout/orgChart1"/>
+    <dgm:cxn modelId="{6935BBB6-629E-4BC9-A59C-6F66DF7DBDF5}" type="presParOf" srcId="{E404BA80-6E0F-4C3E-BC06-4E7117DCF3CE}" destId="{766BDE4F-B05F-4DE9-9297-2C646DE2E6AF}" srcOrd="4" destOrd="0" presId="urn:microsoft.com/office/officeart/2005/8/layout/orgChart1"/>
+    <dgm:cxn modelId="{C907E441-1B42-406F-B9AA-A926EF6CF8E7}" type="presParOf" srcId="{E404BA80-6E0F-4C3E-BC06-4E7117DCF3CE}" destId="{1CBB0A5B-52FA-4FDC-A7F6-04043CF6D315}" srcOrd="5" destOrd="0" presId="urn:microsoft.com/office/officeart/2005/8/layout/orgChart1"/>
+    <dgm:cxn modelId="{9E33E51E-D96A-43C8-9668-93F102F6850F}" type="presParOf" srcId="{1CBB0A5B-52FA-4FDC-A7F6-04043CF6D315}" destId="{59E27656-95E6-4F48-866C-8989D63D5D9B}" srcOrd="0" destOrd="0" presId="urn:microsoft.com/office/officeart/2005/8/layout/orgChart1"/>
+    <dgm:cxn modelId="{EB9FA229-154A-4237-8874-8193BD77356C}" type="presParOf" srcId="{59E27656-95E6-4F48-866C-8989D63D5D9B}" destId="{CB31C50E-0282-4D4F-B0CC-4E9722E2149F}" srcOrd="0" destOrd="0" presId="urn:microsoft.com/office/officeart/2005/8/layout/orgChart1"/>
+    <dgm:cxn modelId="{EA36CBFE-0902-4C45-BFE5-A5AA52682529}" type="presParOf" srcId="{59E27656-95E6-4F48-866C-8989D63D5D9B}" destId="{5BE1293F-E52E-4364-815E-BA964B2E313E}" srcOrd="1" destOrd="0" presId="urn:microsoft.com/office/officeart/2005/8/layout/orgChart1"/>
+    <dgm:cxn modelId="{B78C26ED-8C00-4DBF-A657-4C51C8C8D354}" type="presParOf" srcId="{1CBB0A5B-52FA-4FDC-A7F6-04043CF6D315}" destId="{4DF886EB-5C4D-4256-BFCD-293C86C11368}" srcOrd="1" destOrd="0" presId="urn:microsoft.com/office/officeart/2005/8/layout/orgChart1"/>
+    <dgm:cxn modelId="{2F32B33E-83F7-4C42-A5E2-1BECA668C468}" type="presParOf" srcId="{1CBB0A5B-52FA-4FDC-A7F6-04043CF6D315}" destId="{7322A613-0704-460A-A42A-D682B2D8407D}" srcOrd="2" destOrd="0" presId="urn:microsoft.com/office/officeart/2005/8/layout/orgChart1"/>
+    <dgm:cxn modelId="{B5E89264-3B83-4C7C-8693-DE619F9601E8}" type="presParOf" srcId="{E404BA80-6E0F-4C3E-BC06-4E7117DCF3CE}" destId="{EBDEDD73-1A0D-448D-87EC-AF798632099F}" srcOrd="6" destOrd="0" presId="urn:microsoft.com/office/officeart/2005/8/layout/orgChart1"/>
+    <dgm:cxn modelId="{8A220EB8-8CAD-41CA-A070-7080B8223DA0}" type="presParOf" srcId="{E404BA80-6E0F-4C3E-BC06-4E7117DCF3CE}" destId="{C82B6449-FC96-4809-891D-3F77115F2A6E}" srcOrd="7" destOrd="0" presId="urn:microsoft.com/office/officeart/2005/8/layout/orgChart1"/>
+    <dgm:cxn modelId="{18C5BD65-3C20-4BAA-B544-FDBC08E6973E}" type="presParOf" srcId="{C82B6449-FC96-4809-891D-3F77115F2A6E}" destId="{D4CF06AD-AC28-4337-8DC4-C77F82AF429A}" srcOrd="0" destOrd="0" presId="urn:microsoft.com/office/officeart/2005/8/layout/orgChart1"/>
+    <dgm:cxn modelId="{7371F6D0-E394-47B9-AA15-BC400041C169}" type="presParOf" srcId="{D4CF06AD-AC28-4337-8DC4-C77F82AF429A}" destId="{609EB9A4-2680-422B-ADA3-4CA28FF595B7}" srcOrd="0" destOrd="0" presId="urn:microsoft.com/office/officeart/2005/8/layout/orgChart1"/>
+    <dgm:cxn modelId="{4F8F640D-899F-458F-B9B6-FDBB74BF4352}" type="presParOf" srcId="{D4CF06AD-AC28-4337-8DC4-C77F82AF429A}" destId="{6A578C9B-36DC-47B6-B550-4B2973A0AD3E}" srcOrd="1" destOrd="0" presId="urn:microsoft.com/office/officeart/2005/8/layout/orgChart1"/>
+    <dgm:cxn modelId="{698B292B-E260-40FA-9473-3E10F23CF7FD}" type="presParOf" srcId="{C82B6449-FC96-4809-891D-3F77115F2A6E}" destId="{AD9A910C-E527-4DA9-9196-9F0784AF9A03}" srcOrd="1" destOrd="0" presId="urn:microsoft.com/office/officeart/2005/8/layout/orgChart1"/>
+    <dgm:cxn modelId="{838710EE-17E7-4CCB-99EA-7BD674627B5E}" type="presParOf" srcId="{C82B6449-FC96-4809-891D-3F77115F2A6E}" destId="{CB6FB5E4-D783-4232-B545-77163E1752CE}" srcOrd="2" destOrd="0" presId="urn:microsoft.com/office/officeart/2005/8/layout/orgChart1"/>
+    <dgm:cxn modelId="{2F4CEABC-468E-45F7-B92F-C380C9893CE0}" type="presParOf" srcId="{E404BA80-6E0F-4C3E-BC06-4E7117DCF3CE}" destId="{E5B64A66-98C3-4BB7-B533-49BBD6320137}" srcOrd="8" destOrd="0" presId="urn:microsoft.com/office/officeart/2005/8/layout/orgChart1"/>
+    <dgm:cxn modelId="{EB2F7685-3280-49D4-AA09-58AAE1F084E4}" type="presParOf" srcId="{E404BA80-6E0F-4C3E-BC06-4E7117DCF3CE}" destId="{C9AC80DA-5C67-471C-A517-09C56065513F}" srcOrd="9" destOrd="0" presId="urn:microsoft.com/office/officeart/2005/8/layout/orgChart1"/>
+    <dgm:cxn modelId="{F4A2FE12-3F4D-4843-821D-F9DEB91D8BF0}" type="presParOf" srcId="{C9AC80DA-5C67-471C-A517-09C56065513F}" destId="{5750CD8B-3CA9-4453-A7EE-8F1E255127A6}" srcOrd="0" destOrd="0" presId="urn:microsoft.com/office/officeart/2005/8/layout/orgChart1"/>
+    <dgm:cxn modelId="{AD079B31-DA43-46EE-B418-336CE2230B04}" type="presParOf" srcId="{5750CD8B-3CA9-4453-A7EE-8F1E255127A6}" destId="{8A836A0C-FAC7-4158-B0FF-92C12F5D70AB}" srcOrd="0" destOrd="0" presId="urn:microsoft.com/office/officeart/2005/8/layout/orgChart1"/>
+    <dgm:cxn modelId="{0AF843CA-2DA0-416C-8AA9-6F8CC1D5D13E}" type="presParOf" srcId="{5750CD8B-3CA9-4453-A7EE-8F1E255127A6}" destId="{A746DBFA-FF7B-450A-9600-1DCEA1D74B2C}" srcOrd="1" destOrd="0" presId="urn:microsoft.com/office/officeart/2005/8/layout/orgChart1"/>
+    <dgm:cxn modelId="{1561FB6D-80EB-44CF-82B8-9072CB60A1FA}" type="presParOf" srcId="{C9AC80DA-5C67-471C-A517-09C56065513F}" destId="{D6908B42-389D-4B5A-BA13-88E673F4D8AC}" srcOrd="1" destOrd="0" presId="urn:microsoft.com/office/officeart/2005/8/layout/orgChart1"/>
+    <dgm:cxn modelId="{496E5F59-6298-43B6-8166-78249A6D221C}" type="presParOf" srcId="{C9AC80DA-5C67-471C-A517-09C56065513F}" destId="{6FC657D7-A26A-4CF7-8A36-60820E479DED}" srcOrd="2" destOrd="0" presId="urn:microsoft.com/office/officeart/2005/8/layout/orgChart1"/>
+    <dgm:cxn modelId="{AB4EC589-91DF-499A-99A6-E83137963056}" type="presParOf" srcId="{E404BA80-6E0F-4C3E-BC06-4E7117DCF3CE}" destId="{0D5A4952-58DB-4379-A0FF-9CF9AA8B30A9}" srcOrd="10" destOrd="0" presId="urn:microsoft.com/office/officeart/2005/8/layout/orgChart1"/>
+    <dgm:cxn modelId="{E349D361-169E-438F-A7B2-248483B91DB5}" type="presParOf" srcId="{E404BA80-6E0F-4C3E-BC06-4E7117DCF3CE}" destId="{D2909641-ED8A-4F63-8E22-D0C2F560868D}" srcOrd="11" destOrd="0" presId="urn:microsoft.com/office/officeart/2005/8/layout/orgChart1"/>
+    <dgm:cxn modelId="{78E7B13E-8B62-4C15-8545-E4C8D4F17074}" type="presParOf" srcId="{D2909641-ED8A-4F63-8E22-D0C2F560868D}" destId="{8747B277-287C-4F96-AAF1-71B5A44990BB}" srcOrd="0" destOrd="0" presId="urn:microsoft.com/office/officeart/2005/8/layout/orgChart1"/>
+    <dgm:cxn modelId="{3F9300D6-2600-47B1-B155-326327E6D84B}" type="presParOf" srcId="{8747B277-287C-4F96-AAF1-71B5A44990BB}" destId="{6E21471F-70DD-425A-96EB-D138019D0017}" srcOrd="0" destOrd="0" presId="urn:microsoft.com/office/officeart/2005/8/layout/orgChart1"/>
+    <dgm:cxn modelId="{891E012C-14F3-4EE8-8B88-FBBE39ABC9C8}" type="presParOf" srcId="{8747B277-287C-4F96-AAF1-71B5A44990BB}" destId="{4434DAB3-9F54-4E34-870E-DE4B9CBDF485}" srcOrd="1" destOrd="0" presId="urn:microsoft.com/office/officeart/2005/8/layout/orgChart1"/>
+    <dgm:cxn modelId="{3BDE28C2-114C-4EB1-9D33-A2CE2E72044A}" type="presParOf" srcId="{D2909641-ED8A-4F63-8E22-D0C2F560868D}" destId="{6D49527A-6F9D-48D3-82C3-4CC6BEAC2FC9}" srcOrd="1" destOrd="0" presId="urn:microsoft.com/office/officeart/2005/8/layout/orgChart1"/>
+    <dgm:cxn modelId="{C4532B28-B427-458A-B237-805304BA93E4}" type="presParOf" srcId="{D2909641-ED8A-4F63-8E22-D0C2F560868D}" destId="{25160CDE-B463-4E43-B76B-D9F74A3CA323}" srcOrd="2" destOrd="0" presId="urn:microsoft.com/office/officeart/2005/8/layout/orgChart1"/>
+    <dgm:cxn modelId="{D436A30F-5731-40D0-A725-F17AFA32A499}" type="presParOf" srcId="{E404BA80-6E0F-4C3E-BC06-4E7117DCF3CE}" destId="{AC7F4E16-96FE-497B-BF0B-5656787227AF}" srcOrd="12" destOrd="0" presId="urn:microsoft.com/office/officeart/2005/8/layout/orgChart1"/>
+    <dgm:cxn modelId="{95532BFF-CDF6-4D4D-9D65-AE94830CC4A2}" type="presParOf" srcId="{E404BA80-6E0F-4C3E-BC06-4E7117DCF3CE}" destId="{42C95E19-B713-4536-A9E9-4D1F73338EC0}" srcOrd="13" destOrd="0" presId="urn:microsoft.com/office/officeart/2005/8/layout/orgChart1"/>
+    <dgm:cxn modelId="{153ECFD4-EF19-4572-B83D-384B5ABA3B97}" type="presParOf" srcId="{42C95E19-B713-4536-A9E9-4D1F73338EC0}" destId="{224C3B0F-328C-4178-8DFB-86B7659781F0}" srcOrd="0" destOrd="0" presId="urn:microsoft.com/office/officeart/2005/8/layout/orgChart1"/>
+    <dgm:cxn modelId="{8F539F62-BE0F-4187-97C8-D8CCE410AAB0}" type="presParOf" srcId="{224C3B0F-328C-4178-8DFB-86B7659781F0}" destId="{ABA442A2-AB17-4DFA-A6A0-AF866B22BE45}" srcOrd="0" destOrd="0" presId="urn:microsoft.com/office/officeart/2005/8/layout/orgChart1"/>
+    <dgm:cxn modelId="{3881875A-FF4B-40D4-89C7-9D8E0C9BF216}" type="presParOf" srcId="{224C3B0F-328C-4178-8DFB-86B7659781F0}" destId="{7374C554-11B3-48EB-9740-621AA1D8993C}" srcOrd="1" destOrd="0" presId="urn:microsoft.com/office/officeart/2005/8/layout/orgChart1"/>
+    <dgm:cxn modelId="{C2774D7E-5F95-4F9F-956F-58194678F719}" type="presParOf" srcId="{42C95E19-B713-4536-A9E9-4D1F73338EC0}" destId="{71AA5CDD-7E62-4184-B1AA-3B2AE5CCE5F2}" srcOrd="1" destOrd="0" presId="urn:microsoft.com/office/officeart/2005/8/layout/orgChart1"/>
+    <dgm:cxn modelId="{32FF2D7C-EB2F-4373-BF14-6C9B1FBDEF51}" type="presParOf" srcId="{42C95E19-B713-4536-A9E9-4D1F73338EC0}" destId="{54C945F0-A591-43CB-B9B5-990E23C4DEC4}" srcOrd="2" destOrd="0" presId="urn:microsoft.com/office/officeart/2005/8/layout/orgChart1"/>
+    <dgm:cxn modelId="{0D55C80E-8C62-48F3-97AA-07336229F4B9}" type="presParOf" srcId="{AB795A0E-3C7B-47E3-BC47-3534A54F9190}" destId="{393210D2-D629-4CE1-A3A4-675C9384F18A}" srcOrd="2" destOrd="0" presId="urn:microsoft.com/office/officeart/2005/8/layout/orgChart1"/>
+  </dgm:cxnLst>
+  <dgm:bg>
+    <a:noFill/>
+  </dgm:bg>
+  <dgm:whole/>
+  <dgm:extLst>
+    <a:ext uri="http://schemas.microsoft.com/office/drawing/2008/diagram">
+      <dsp:dataModelExt xmlns:dsp="http://schemas.microsoft.com/office/drawing/2008/diagram" relId="rId6" minVer="http://schemas.openxmlformats.org/drawingml/2006/diagram"/>
+    </a:ext>
+  </dgm:extLst>
+</dgm:dataModel>
+</file>
+
+<file path=ppt/diagrams/data7.xml><?xml version="1.0" encoding="utf-8"?>
+<dgm:dataModel xmlns:dgm="http://schemas.openxmlformats.org/drawingml/2006/diagram" xmlns:a="http://schemas.openxmlformats.org/drawingml/2006/main">
+  <dgm:ptLst>
     <dgm:pt modelId="{05902AA6-96DF-4A3D-9275-8D48946301A5}" type="doc">
       <dgm:prSet loTypeId="urn:microsoft.com/office/officeart/2005/8/layout/hProcess9" loCatId="process" qsTypeId="urn:microsoft.com/office/officeart/2005/8/quickstyle/simple1" qsCatId="simple" csTypeId="urn:microsoft.com/office/officeart/2005/8/colors/accent0_3" csCatId="mainScheme" phldr="1"/>
       <dgm:spPr/>
@@ -8243,50 +9820,6 @@
         </a:p>
       </dgm:t>
     </dgm:pt>
-    <dgm:pt modelId="{76DAE079-B32B-4283-B8E5-2EE75AD65A59}">
-      <dgm:prSet/>
-      <dgm:spPr/>
-      <dgm:t>
-        <a:bodyPr/>
-        <a:lstStyle/>
-        <a:p>
-          <a:r>
-            <a:rPr lang="de-DE" dirty="0"/>
-            <a:t>Weitere Daten </a:t>
-          </a:r>
-          <a:r>
-            <a:rPr lang="de-DE" dirty="0" err="1"/>
-            <a:t>scrapen</a:t>
-          </a:r>
-          <a:r>
-            <a:rPr lang="de-DE" dirty="0"/>
-            <a:t>: z. B. Wetterdaten</a:t>
-          </a:r>
-        </a:p>
-      </dgm:t>
-    </dgm:pt>
-    <dgm:pt modelId="{84D2D528-3AB7-45F7-9262-A3CAFFCAD497}" type="parTrans" cxnId="{DA925639-B7A1-4A2D-8A82-683E1A914727}">
-      <dgm:prSet/>
-      <dgm:spPr/>
-      <dgm:t>
-        <a:bodyPr/>
-        <a:lstStyle/>
-        <a:p>
-          <a:endParaRPr lang="de-DE"/>
-        </a:p>
-      </dgm:t>
-    </dgm:pt>
-    <dgm:pt modelId="{BEAFAE59-DD53-4D6F-B610-3E54EE99762E}" type="sibTrans" cxnId="{DA925639-B7A1-4A2D-8A82-683E1A914727}">
-      <dgm:prSet/>
-      <dgm:spPr/>
-      <dgm:t>
-        <a:bodyPr/>
-        <a:lstStyle/>
-        <a:p>
-          <a:endParaRPr lang="de-DE"/>
-        </a:p>
-      </dgm:t>
-    </dgm:pt>
     <dgm:pt modelId="{D7B1A716-B5B0-407B-A520-0FE1D5607913}" type="pres">
       <dgm:prSet presAssocID="{05902AA6-96DF-4A3D-9275-8D48946301A5}" presName="CompostProcess" presStyleCnt="0">
         <dgm:presLayoutVars>
@@ -8304,20 +9837,8 @@
       <dgm:prSet presAssocID="{05902AA6-96DF-4A3D-9275-8D48946301A5}" presName="linearProcess" presStyleCnt="0"/>
       <dgm:spPr/>
     </dgm:pt>
-    <dgm:pt modelId="{37DA1BDE-8D5F-4819-BD8B-AD266C3FDCFC}" type="pres">
-      <dgm:prSet presAssocID="{76DAE079-B32B-4283-B8E5-2EE75AD65A59}" presName="textNode" presStyleLbl="node1" presStyleIdx="0" presStyleCnt="6">
-        <dgm:presLayoutVars>
-          <dgm:bulletEnabled val="1"/>
-        </dgm:presLayoutVars>
-      </dgm:prSet>
-      <dgm:spPr/>
-    </dgm:pt>
-    <dgm:pt modelId="{2C3FA606-A13D-477D-9320-9CBC8CA6FB3C}" type="pres">
-      <dgm:prSet presAssocID="{BEAFAE59-DD53-4D6F-B610-3E54EE99762E}" presName="sibTrans" presStyleCnt="0"/>
-      <dgm:spPr/>
-    </dgm:pt>
     <dgm:pt modelId="{A807AEA5-AB65-4BF0-8E8B-E03980A323BA}" type="pres">
-      <dgm:prSet presAssocID="{09A374C0-62C4-4E0B-A904-58D59AF48F32}" presName="textNode" presStyleLbl="node1" presStyleIdx="1" presStyleCnt="6">
+      <dgm:prSet presAssocID="{09A374C0-62C4-4E0B-A904-58D59AF48F32}" presName="textNode" presStyleLbl="node1" presStyleIdx="0" presStyleCnt="5">
         <dgm:presLayoutVars>
           <dgm:bulletEnabled val="1"/>
         </dgm:presLayoutVars>
@@ -8329,7 +9850,7 @@
       <dgm:spPr/>
     </dgm:pt>
     <dgm:pt modelId="{83AA8CCA-D335-4A93-AC1C-330B5DA904F3}" type="pres">
-      <dgm:prSet presAssocID="{84636778-9234-41B5-A9D5-F21D349A5678}" presName="textNode" presStyleLbl="node1" presStyleIdx="2" presStyleCnt="6">
+      <dgm:prSet presAssocID="{84636778-9234-41B5-A9D5-F21D349A5678}" presName="textNode" presStyleLbl="node1" presStyleIdx="1" presStyleCnt="5">
         <dgm:presLayoutVars>
           <dgm:bulletEnabled val="1"/>
         </dgm:presLayoutVars>
@@ -8341,7 +9862,7 @@
       <dgm:spPr/>
     </dgm:pt>
     <dgm:pt modelId="{D18F99D5-99F8-4161-9EB2-CB4843E7331F}" type="pres">
-      <dgm:prSet presAssocID="{EF587930-82B3-41BE-A00D-F64F81FCCFF8}" presName="textNode" presStyleLbl="node1" presStyleIdx="3" presStyleCnt="6">
+      <dgm:prSet presAssocID="{EF587930-82B3-41BE-A00D-F64F81FCCFF8}" presName="textNode" presStyleLbl="node1" presStyleIdx="2" presStyleCnt="5">
         <dgm:presLayoutVars>
           <dgm:bulletEnabled val="1"/>
         </dgm:presLayoutVars>
@@ -8353,7 +9874,7 @@
       <dgm:spPr/>
     </dgm:pt>
     <dgm:pt modelId="{8709D373-8470-4F0A-B3DA-319DD3871C6E}" type="pres">
-      <dgm:prSet presAssocID="{A431A3E8-81A4-402D-8550-B73C5ABB7530}" presName="textNode" presStyleLbl="node1" presStyleIdx="4" presStyleCnt="6">
+      <dgm:prSet presAssocID="{A431A3E8-81A4-402D-8550-B73C5ABB7530}" presName="textNode" presStyleLbl="node1" presStyleIdx="3" presStyleCnt="5">
         <dgm:presLayoutVars>
           <dgm:bulletEnabled val="1"/>
         </dgm:presLayoutVars>
@@ -8365,7 +9886,7 @@
       <dgm:spPr/>
     </dgm:pt>
     <dgm:pt modelId="{1B95D6BE-54AC-486B-960D-5BBA9E945FAA}" type="pres">
-      <dgm:prSet presAssocID="{CAE99879-3F37-4933-8F2E-41550FF57BA5}" presName="textNode" presStyleLbl="node1" presStyleIdx="5" presStyleCnt="6">
+      <dgm:prSet presAssocID="{CAE99879-3F37-4933-8F2E-41550FF57BA5}" presName="textNode" presStyleLbl="node1" presStyleIdx="4" presStyleCnt="5">
         <dgm:presLayoutVars>
           <dgm:bulletEnabled val="1"/>
         </dgm:presLayoutVars>
@@ -8375,33 +9896,29 @@
   </dgm:ptLst>
   <dgm:cxnLst>
     <dgm:cxn modelId="{26AE701B-46BC-4DC0-A279-0037F59E523D}" type="presOf" srcId="{EF587930-82B3-41BE-A00D-F64F81FCCFF8}" destId="{D18F99D5-99F8-4161-9EB2-CB4843E7331F}" srcOrd="0" destOrd="0" presId="urn:microsoft.com/office/officeart/2005/8/layout/hProcess9"/>
-    <dgm:cxn modelId="{E7C9C71C-248C-4720-9D23-F11DAE3252FC}" srcId="{05902AA6-96DF-4A3D-9275-8D48946301A5}" destId="{A431A3E8-81A4-402D-8550-B73C5ABB7530}" srcOrd="4" destOrd="0" parTransId="{0F6F4F94-4E81-42E3-BBF5-74365704F1D2}" sibTransId="{871AE1BC-3E0F-4139-B438-5261D7C54CD2}"/>
+    <dgm:cxn modelId="{E7C9C71C-248C-4720-9D23-F11DAE3252FC}" srcId="{05902AA6-96DF-4A3D-9275-8D48946301A5}" destId="{A431A3E8-81A4-402D-8550-B73C5ABB7530}" srcOrd="3" destOrd="0" parTransId="{0F6F4F94-4E81-42E3-BBF5-74365704F1D2}" sibTransId="{871AE1BC-3E0F-4139-B438-5261D7C54CD2}"/>
     <dgm:cxn modelId="{423D7C1E-38C6-460F-A635-33BEACFEE653}" type="presOf" srcId="{209D9134-9B0A-46B8-A978-A46D3AB9A70B}" destId="{83AA8CCA-D335-4A93-AC1C-330B5DA904F3}" srcOrd="0" destOrd="1" presId="urn:microsoft.com/office/officeart/2005/8/layout/hProcess9"/>
     <dgm:cxn modelId="{44D33822-6320-4724-9338-448AC3797ABB}" type="presOf" srcId="{CAE99879-3F37-4933-8F2E-41550FF57BA5}" destId="{1B95D6BE-54AC-486B-960D-5BBA9E945FAA}" srcOrd="0" destOrd="0" presId="urn:microsoft.com/office/officeart/2005/8/layout/hProcess9"/>
-    <dgm:cxn modelId="{DA925639-B7A1-4A2D-8A82-683E1A914727}" srcId="{05902AA6-96DF-4A3D-9275-8D48946301A5}" destId="{76DAE079-B32B-4283-B8E5-2EE75AD65A59}" srcOrd="0" destOrd="0" parTransId="{84D2D528-3AB7-45F7-9262-A3CAFFCAD497}" sibTransId="{BEAFAE59-DD53-4D6F-B610-3E54EE99762E}"/>
-    <dgm:cxn modelId="{59DDB252-C2B1-4262-8132-132840F18953}" srcId="{05902AA6-96DF-4A3D-9275-8D48946301A5}" destId="{09A374C0-62C4-4E0B-A904-58D59AF48F32}" srcOrd="1" destOrd="0" parTransId="{A794A77B-C5A4-4759-BF16-D7547284FAD7}" sibTransId="{91AA41A5-345C-4889-8411-441251CBEFD2}"/>
+    <dgm:cxn modelId="{59DDB252-C2B1-4262-8132-132840F18953}" srcId="{05902AA6-96DF-4A3D-9275-8D48946301A5}" destId="{09A374C0-62C4-4E0B-A904-58D59AF48F32}" srcOrd="0" destOrd="0" parTransId="{A794A77B-C5A4-4759-BF16-D7547284FAD7}" sibTransId="{91AA41A5-345C-4889-8411-441251CBEFD2}"/>
     <dgm:cxn modelId="{EA8E8187-EC80-4BE9-A40D-81E1AE63C238}" type="presOf" srcId="{05902AA6-96DF-4A3D-9275-8D48946301A5}" destId="{D7B1A716-B5B0-407B-A520-0FE1D5607913}" srcOrd="0" destOrd="0" presId="urn:microsoft.com/office/officeart/2005/8/layout/hProcess9"/>
     <dgm:cxn modelId="{76EA4F88-F42E-4AAF-A6FD-230EE04DA525}" type="presOf" srcId="{09A374C0-62C4-4E0B-A904-58D59AF48F32}" destId="{A807AEA5-AB65-4BF0-8E8B-E03980A323BA}" srcOrd="0" destOrd="0" presId="urn:microsoft.com/office/officeart/2005/8/layout/hProcess9"/>
-    <dgm:cxn modelId="{04D58992-ACA9-4CF9-9510-B57F43976584}" srcId="{05902AA6-96DF-4A3D-9275-8D48946301A5}" destId="{CAE99879-3F37-4933-8F2E-41550FF57BA5}" srcOrd="5" destOrd="0" parTransId="{35ED31CB-9374-4252-91ED-F0A0656B2D5D}" sibTransId="{3D2A2045-2C77-4067-88E9-920743C72B89}"/>
+    <dgm:cxn modelId="{04D58992-ACA9-4CF9-9510-B57F43976584}" srcId="{05902AA6-96DF-4A3D-9275-8D48946301A5}" destId="{CAE99879-3F37-4933-8F2E-41550FF57BA5}" srcOrd="4" destOrd="0" parTransId="{35ED31CB-9374-4252-91ED-F0A0656B2D5D}" sibTransId="{3D2A2045-2C77-4067-88E9-920743C72B89}"/>
     <dgm:cxn modelId="{44ADECA1-22CD-4660-9307-36E5EE0867B4}" type="presOf" srcId="{84636778-9234-41B5-A9D5-F21D349A5678}" destId="{83AA8CCA-D335-4A93-AC1C-330B5DA904F3}" srcOrd="0" destOrd="0" presId="urn:microsoft.com/office/officeart/2005/8/layout/hProcess9"/>
     <dgm:cxn modelId="{8E70E2D5-3D78-4EB3-B765-10973609A3A4}" type="presOf" srcId="{A431A3E8-81A4-402D-8550-B73C5ABB7530}" destId="{8709D373-8470-4F0A-B3DA-319DD3871C6E}" srcOrd="0" destOrd="0" presId="urn:microsoft.com/office/officeart/2005/8/layout/hProcess9"/>
-    <dgm:cxn modelId="{D42FC8D6-0AF1-40F3-8AFF-BB8A4C76A435}" srcId="{05902AA6-96DF-4A3D-9275-8D48946301A5}" destId="{84636778-9234-41B5-A9D5-F21D349A5678}" srcOrd="2" destOrd="0" parTransId="{CD349D7B-0146-47C0-97F5-86C0E2222880}" sibTransId="{F327EB18-4ACB-4AE1-ACE6-3D6FD7D0F317}"/>
-    <dgm:cxn modelId="{A403F1D7-3E3A-4A7F-ADAD-FE5BFCC4F42F}" type="presOf" srcId="{76DAE079-B32B-4283-B8E5-2EE75AD65A59}" destId="{37DA1BDE-8D5F-4819-BD8B-AD266C3FDCFC}" srcOrd="0" destOrd="0" presId="urn:microsoft.com/office/officeart/2005/8/layout/hProcess9"/>
+    <dgm:cxn modelId="{D42FC8D6-0AF1-40F3-8AFF-BB8A4C76A435}" srcId="{05902AA6-96DF-4A3D-9275-8D48946301A5}" destId="{84636778-9234-41B5-A9D5-F21D349A5678}" srcOrd="1" destOrd="0" parTransId="{CD349D7B-0146-47C0-97F5-86C0E2222880}" sibTransId="{F327EB18-4ACB-4AE1-ACE6-3D6FD7D0F317}"/>
     <dgm:cxn modelId="{DDD4F9D8-2A18-40D0-9DF1-0FEE20A2349D}" srcId="{84636778-9234-41B5-A9D5-F21D349A5678}" destId="{209D9134-9B0A-46B8-A978-A46D3AB9A70B}" srcOrd="0" destOrd="0" parTransId="{CE1BE490-B66B-4A7E-B32E-0D7FD5E1C45F}" sibTransId="{067B6B4A-92FC-4FCC-BAF3-4FDAA345FFEB}"/>
-    <dgm:cxn modelId="{F27DA3F7-DF95-4C95-99D7-2293EB3204B8}" srcId="{05902AA6-96DF-4A3D-9275-8D48946301A5}" destId="{EF587930-82B3-41BE-A00D-F64F81FCCFF8}" srcOrd="3" destOrd="0" parTransId="{1526125A-2D27-45FE-93E5-1A31AA34B547}" sibTransId="{4B2ABB52-9FEA-49BA-887A-7F45422BFC24}"/>
+    <dgm:cxn modelId="{F27DA3F7-DF95-4C95-99D7-2293EB3204B8}" srcId="{05902AA6-96DF-4A3D-9275-8D48946301A5}" destId="{EF587930-82B3-41BE-A00D-F64F81FCCFF8}" srcOrd="2" destOrd="0" parTransId="{1526125A-2D27-45FE-93E5-1A31AA34B547}" sibTransId="{4B2ABB52-9FEA-49BA-887A-7F45422BFC24}"/>
     <dgm:cxn modelId="{0F28DDAC-261E-4CDB-9341-ADA8799E02A3}" type="presParOf" srcId="{D7B1A716-B5B0-407B-A520-0FE1D5607913}" destId="{081C4271-97C9-4585-AD8B-C94394E078D9}" srcOrd="0" destOrd="0" presId="urn:microsoft.com/office/officeart/2005/8/layout/hProcess9"/>
     <dgm:cxn modelId="{206A1635-9FCD-4D2D-A4E0-05EF1AAA5493}" type="presParOf" srcId="{D7B1A716-B5B0-407B-A520-0FE1D5607913}" destId="{401C4F64-BCC8-4722-B382-7F946A6EB47F}" srcOrd="1" destOrd="0" presId="urn:microsoft.com/office/officeart/2005/8/layout/hProcess9"/>
-    <dgm:cxn modelId="{46676C7C-4220-4403-8FF3-A11E3280BB0C}" type="presParOf" srcId="{401C4F64-BCC8-4722-B382-7F946A6EB47F}" destId="{37DA1BDE-8D5F-4819-BD8B-AD266C3FDCFC}" srcOrd="0" destOrd="0" presId="urn:microsoft.com/office/officeart/2005/8/layout/hProcess9"/>
-    <dgm:cxn modelId="{4AB22494-F674-4FD1-9D2B-910A6B22A3C9}" type="presParOf" srcId="{401C4F64-BCC8-4722-B382-7F946A6EB47F}" destId="{2C3FA606-A13D-477D-9320-9CBC8CA6FB3C}" srcOrd="1" destOrd="0" presId="urn:microsoft.com/office/officeart/2005/8/layout/hProcess9"/>
-    <dgm:cxn modelId="{F03A1F62-3807-488A-93D4-2EC91C1A1511}" type="presParOf" srcId="{401C4F64-BCC8-4722-B382-7F946A6EB47F}" destId="{A807AEA5-AB65-4BF0-8E8B-E03980A323BA}" srcOrd="2" destOrd="0" presId="urn:microsoft.com/office/officeart/2005/8/layout/hProcess9"/>
-    <dgm:cxn modelId="{693CF837-929E-4AA0-9FEE-CC0ABE51709B}" type="presParOf" srcId="{401C4F64-BCC8-4722-B382-7F946A6EB47F}" destId="{9D28D710-BADF-4EAD-8656-CCB573ED810B}" srcOrd="3" destOrd="0" presId="urn:microsoft.com/office/officeart/2005/8/layout/hProcess9"/>
-    <dgm:cxn modelId="{28F73F88-CF46-4A3E-A9F4-E0338C163921}" type="presParOf" srcId="{401C4F64-BCC8-4722-B382-7F946A6EB47F}" destId="{83AA8CCA-D335-4A93-AC1C-330B5DA904F3}" srcOrd="4" destOrd="0" presId="urn:microsoft.com/office/officeart/2005/8/layout/hProcess9"/>
-    <dgm:cxn modelId="{2BB23242-CE01-41E9-A208-2936D65CDC3F}" type="presParOf" srcId="{401C4F64-BCC8-4722-B382-7F946A6EB47F}" destId="{34F7EBCD-0FC3-4A25-903E-A0C5299C0037}" srcOrd="5" destOrd="0" presId="urn:microsoft.com/office/officeart/2005/8/layout/hProcess9"/>
-    <dgm:cxn modelId="{3FADE311-D254-4F8C-A6CA-6294501994D9}" type="presParOf" srcId="{401C4F64-BCC8-4722-B382-7F946A6EB47F}" destId="{D18F99D5-99F8-4161-9EB2-CB4843E7331F}" srcOrd="6" destOrd="0" presId="urn:microsoft.com/office/officeart/2005/8/layout/hProcess9"/>
-    <dgm:cxn modelId="{5E22166E-FD24-4F71-8C35-6D2DA75CB193}" type="presParOf" srcId="{401C4F64-BCC8-4722-B382-7F946A6EB47F}" destId="{7CD19C5C-27C4-4B0E-BDB5-6CE424201113}" srcOrd="7" destOrd="0" presId="urn:microsoft.com/office/officeart/2005/8/layout/hProcess9"/>
-    <dgm:cxn modelId="{F4B3FE32-0AB2-4198-B883-05941807817A}" type="presParOf" srcId="{401C4F64-BCC8-4722-B382-7F946A6EB47F}" destId="{8709D373-8470-4F0A-B3DA-319DD3871C6E}" srcOrd="8" destOrd="0" presId="urn:microsoft.com/office/officeart/2005/8/layout/hProcess9"/>
-    <dgm:cxn modelId="{2B653B04-B0DA-4514-93CB-817CFA9CD3A3}" type="presParOf" srcId="{401C4F64-BCC8-4722-B382-7F946A6EB47F}" destId="{C7217561-D396-4B81-879A-04ECBF494CE2}" srcOrd="9" destOrd="0" presId="urn:microsoft.com/office/officeart/2005/8/layout/hProcess9"/>
-    <dgm:cxn modelId="{CCD52344-3E27-4C0D-B94B-42115FA228DC}" type="presParOf" srcId="{401C4F64-BCC8-4722-B382-7F946A6EB47F}" destId="{1B95D6BE-54AC-486B-960D-5BBA9E945FAA}" srcOrd="10" destOrd="0" presId="urn:microsoft.com/office/officeart/2005/8/layout/hProcess9"/>
+    <dgm:cxn modelId="{F03A1F62-3807-488A-93D4-2EC91C1A1511}" type="presParOf" srcId="{401C4F64-BCC8-4722-B382-7F946A6EB47F}" destId="{A807AEA5-AB65-4BF0-8E8B-E03980A323BA}" srcOrd="0" destOrd="0" presId="urn:microsoft.com/office/officeart/2005/8/layout/hProcess9"/>
+    <dgm:cxn modelId="{693CF837-929E-4AA0-9FEE-CC0ABE51709B}" type="presParOf" srcId="{401C4F64-BCC8-4722-B382-7F946A6EB47F}" destId="{9D28D710-BADF-4EAD-8656-CCB573ED810B}" srcOrd="1" destOrd="0" presId="urn:microsoft.com/office/officeart/2005/8/layout/hProcess9"/>
+    <dgm:cxn modelId="{28F73F88-CF46-4A3E-A9F4-E0338C163921}" type="presParOf" srcId="{401C4F64-BCC8-4722-B382-7F946A6EB47F}" destId="{83AA8CCA-D335-4A93-AC1C-330B5DA904F3}" srcOrd="2" destOrd="0" presId="urn:microsoft.com/office/officeart/2005/8/layout/hProcess9"/>
+    <dgm:cxn modelId="{2BB23242-CE01-41E9-A208-2936D65CDC3F}" type="presParOf" srcId="{401C4F64-BCC8-4722-B382-7F946A6EB47F}" destId="{34F7EBCD-0FC3-4A25-903E-A0C5299C0037}" srcOrd="3" destOrd="0" presId="urn:microsoft.com/office/officeart/2005/8/layout/hProcess9"/>
+    <dgm:cxn modelId="{3FADE311-D254-4F8C-A6CA-6294501994D9}" type="presParOf" srcId="{401C4F64-BCC8-4722-B382-7F946A6EB47F}" destId="{D18F99D5-99F8-4161-9EB2-CB4843E7331F}" srcOrd="4" destOrd="0" presId="urn:microsoft.com/office/officeart/2005/8/layout/hProcess9"/>
+    <dgm:cxn modelId="{5E22166E-FD24-4F71-8C35-6D2DA75CB193}" type="presParOf" srcId="{401C4F64-BCC8-4722-B382-7F946A6EB47F}" destId="{7CD19C5C-27C4-4B0E-BDB5-6CE424201113}" srcOrd="5" destOrd="0" presId="urn:microsoft.com/office/officeart/2005/8/layout/hProcess9"/>
+    <dgm:cxn modelId="{F4B3FE32-0AB2-4198-B883-05941807817A}" type="presParOf" srcId="{401C4F64-BCC8-4722-B382-7F946A6EB47F}" destId="{8709D373-8470-4F0A-B3DA-319DD3871C6E}" srcOrd="6" destOrd="0" presId="urn:microsoft.com/office/officeart/2005/8/layout/hProcess9"/>
+    <dgm:cxn modelId="{2B653B04-B0DA-4514-93CB-817CFA9CD3A3}" type="presParOf" srcId="{401C4F64-BCC8-4722-B382-7F946A6EB47F}" destId="{C7217561-D396-4B81-879A-04ECBF494CE2}" srcOrd="7" destOrd="0" presId="urn:microsoft.com/office/officeart/2005/8/layout/hProcess9"/>
+    <dgm:cxn modelId="{CCD52344-3E27-4C0D-B94B-42115FA228DC}" type="presParOf" srcId="{401C4F64-BCC8-4722-B382-7F946A6EB47F}" destId="{1B95D6BE-54AC-486B-960D-5BBA9E945FAA}" srcOrd="8" destOrd="0" presId="urn:microsoft.com/office/officeart/2005/8/layout/hProcess9"/>
   </dgm:cxnLst>
   <dgm:bg/>
   <dgm:whole/>
@@ -12633,6 +14150,1063 @@
       <dsp:cNvGrpSpPr/>
     </dsp:nvGrpSpPr>
     <dsp:grpSpPr/>
+    <dsp:sp modelId="{AC7F4E16-96FE-497B-BF0B-5656787227AF}">
+      <dsp:nvSpPr>
+        <dsp:cNvPr id="0" name=""/>
+        <dsp:cNvSpPr/>
+      </dsp:nvSpPr>
+      <dsp:spPr>
+        <a:xfrm>
+          <a:off x="4031999" y="1467764"/>
+          <a:ext cx="3497687" cy="252156"/>
+        </a:xfrm>
+        <a:custGeom>
+          <a:avLst/>
+          <a:gdLst/>
+          <a:ahLst/>
+          <a:cxnLst/>
+          <a:rect l="0" t="0" r="0" b="0"/>
+          <a:pathLst>
+            <a:path>
+              <a:moveTo>
+                <a:pt x="0" y="0"/>
+              </a:moveTo>
+              <a:lnTo>
+                <a:pt x="0" y="202285"/>
+              </a:lnTo>
+              <a:lnTo>
+                <a:pt x="3497687" y="202285"/>
+              </a:lnTo>
+              <a:lnTo>
+                <a:pt x="3497687" y="252156"/>
+              </a:lnTo>
+            </a:path>
+          </a:pathLst>
+        </a:custGeom>
+        <a:noFill/>
+        <a:ln w="25400" cap="flat" cmpd="sng" algn="ctr">
+          <a:solidFill>
+            <a:schemeClr val="accent2">
+              <a:tint val="99000"/>
+              <a:hueOff val="0"/>
+              <a:satOff val="0"/>
+              <a:lumOff val="0"/>
+              <a:alphaOff val="0"/>
+            </a:schemeClr>
+          </a:solidFill>
+          <a:prstDash val="solid"/>
+        </a:ln>
+        <a:effectLst/>
+      </dsp:spPr>
+      <dsp:style>
+        <a:lnRef idx="2">
+          <a:scrgbClr r="0" g="0" b="0"/>
+        </a:lnRef>
+        <a:fillRef idx="0">
+          <a:scrgbClr r="0" g="0" b="0"/>
+        </a:fillRef>
+        <a:effectRef idx="0">
+          <a:scrgbClr r="0" g="0" b="0"/>
+        </a:effectRef>
+        <a:fontRef idx="minor"/>
+      </dsp:style>
+    </dsp:sp>
+    <dsp:sp modelId="{0D5A4952-58DB-4379-A0FF-9CF9AA8B30A9}">
+      <dsp:nvSpPr>
+        <dsp:cNvPr id="0" name=""/>
+        <dsp:cNvSpPr/>
+      </dsp:nvSpPr>
+      <dsp:spPr>
+        <a:xfrm>
+          <a:off x="4031999" y="1467764"/>
+          <a:ext cx="2331791" cy="252156"/>
+        </a:xfrm>
+        <a:custGeom>
+          <a:avLst/>
+          <a:gdLst/>
+          <a:ahLst/>
+          <a:cxnLst/>
+          <a:rect l="0" t="0" r="0" b="0"/>
+          <a:pathLst>
+            <a:path>
+              <a:moveTo>
+                <a:pt x="0" y="0"/>
+              </a:moveTo>
+              <a:lnTo>
+                <a:pt x="0" y="202285"/>
+              </a:lnTo>
+              <a:lnTo>
+                <a:pt x="2331791" y="202285"/>
+              </a:lnTo>
+              <a:lnTo>
+                <a:pt x="2331791" y="252156"/>
+              </a:lnTo>
+            </a:path>
+          </a:pathLst>
+        </a:custGeom>
+        <a:noFill/>
+        <a:ln w="25400" cap="flat" cmpd="sng" algn="ctr">
+          <a:solidFill>
+            <a:schemeClr val="accent2">
+              <a:tint val="99000"/>
+              <a:hueOff val="0"/>
+              <a:satOff val="0"/>
+              <a:lumOff val="0"/>
+              <a:alphaOff val="0"/>
+            </a:schemeClr>
+          </a:solidFill>
+          <a:prstDash val="solid"/>
+        </a:ln>
+        <a:effectLst/>
+      </dsp:spPr>
+      <dsp:style>
+        <a:lnRef idx="2">
+          <a:scrgbClr r="0" g="0" b="0"/>
+        </a:lnRef>
+        <a:fillRef idx="0">
+          <a:scrgbClr r="0" g="0" b="0"/>
+        </a:fillRef>
+        <a:effectRef idx="0">
+          <a:scrgbClr r="0" g="0" b="0"/>
+        </a:effectRef>
+        <a:fontRef idx="minor"/>
+      </dsp:style>
+    </dsp:sp>
+    <dsp:sp modelId="{E5B64A66-98C3-4BB7-B533-49BBD6320137}">
+      <dsp:nvSpPr>
+        <dsp:cNvPr id="0" name=""/>
+        <dsp:cNvSpPr/>
+      </dsp:nvSpPr>
+      <dsp:spPr>
+        <a:xfrm>
+          <a:off x="4031999" y="1467764"/>
+          <a:ext cx="1165895" cy="252156"/>
+        </a:xfrm>
+        <a:custGeom>
+          <a:avLst/>
+          <a:gdLst/>
+          <a:ahLst/>
+          <a:cxnLst/>
+          <a:rect l="0" t="0" r="0" b="0"/>
+          <a:pathLst>
+            <a:path>
+              <a:moveTo>
+                <a:pt x="0" y="0"/>
+              </a:moveTo>
+              <a:lnTo>
+                <a:pt x="0" y="202285"/>
+              </a:lnTo>
+              <a:lnTo>
+                <a:pt x="1165895" y="202285"/>
+              </a:lnTo>
+              <a:lnTo>
+                <a:pt x="1165895" y="252156"/>
+              </a:lnTo>
+            </a:path>
+          </a:pathLst>
+        </a:custGeom>
+        <a:noFill/>
+        <a:ln w="25400" cap="flat" cmpd="sng" algn="ctr">
+          <a:solidFill>
+            <a:schemeClr val="accent2">
+              <a:tint val="99000"/>
+              <a:hueOff val="0"/>
+              <a:satOff val="0"/>
+              <a:lumOff val="0"/>
+              <a:alphaOff val="0"/>
+            </a:schemeClr>
+          </a:solidFill>
+          <a:prstDash val="solid"/>
+        </a:ln>
+        <a:effectLst/>
+      </dsp:spPr>
+      <dsp:style>
+        <a:lnRef idx="2">
+          <a:scrgbClr r="0" g="0" b="0"/>
+        </a:lnRef>
+        <a:fillRef idx="0">
+          <a:scrgbClr r="0" g="0" b="0"/>
+        </a:fillRef>
+        <a:effectRef idx="0">
+          <a:scrgbClr r="0" g="0" b="0"/>
+        </a:effectRef>
+        <a:fontRef idx="minor"/>
+      </dsp:style>
+    </dsp:sp>
+    <dsp:sp modelId="{EBDEDD73-1A0D-448D-87EC-AF798632099F}">
+      <dsp:nvSpPr>
+        <dsp:cNvPr id="0" name=""/>
+        <dsp:cNvSpPr/>
+      </dsp:nvSpPr>
+      <dsp:spPr>
+        <a:xfrm>
+          <a:off x="3986279" y="1467764"/>
+          <a:ext cx="91440" cy="252156"/>
+        </a:xfrm>
+        <a:custGeom>
+          <a:avLst/>
+          <a:gdLst/>
+          <a:ahLst/>
+          <a:cxnLst/>
+          <a:rect l="0" t="0" r="0" b="0"/>
+          <a:pathLst>
+            <a:path>
+              <a:moveTo>
+                <a:pt x="45720" y="0"/>
+              </a:moveTo>
+              <a:lnTo>
+                <a:pt x="45720" y="252156"/>
+              </a:lnTo>
+            </a:path>
+          </a:pathLst>
+        </a:custGeom>
+        <a:noFill/>
+        <a:ln w="25400" cap="flat" cmpd="sng" algn="ctr">
+          <a:solidFill>
+            <a:schemeClr val="accent2">
+              <a:tint val="99000"/>
+              <a:hueOff val="0"/>
+              <a:satOff val="0"/>
+              <a:lumOff val="0"/>
+              <a:alphaOff val="0"/>
+            </a:schemeClr>
+          </a:solidFill>
+          <a:prstDash val="solid"/>
+        </a:ln>
+        <a:effectLst/>
+      </dsp:spPr>
+      <dsp:style>
+        <a:lnRef idx="2">
+          <a:scrgbClr r="0" g="0" b="0"/>
+        </a:lnRef>
+        <a:fillRef idx="0">
+          <a:scrgbClr r="0" g="0" b="0"/>
+        </a:fillRef>
+        <a:effectRef idx="0">
+          <a:scrgbClr r="0" g="0" b="0"/>
+        </a:effectRef>
+        <a:fontRef idx="minor"/>
+      </dsp:style>
+    </dsp:sp>
+    <dsp:sp modelId="{766BDE4F-B05F-4DE9-9297-2C646DE2E6AF}">
+      <dsp:nvSpPr>
+        <dsp:cNvPr id="0" name=""/>
+        <dsp:cNvSpPr/>
+      </dsp:nvSpPr>
+      <dsp:spPr>
+        <a:xfrm>
+          <a:off x="2866103" y="1467764"/>
+          <a:ext cx="1165895" cy="252156"/>
+        </a:xfrm>
+        <a:custGeom>
+          <a:avLst/>
+          <a:gdLst/>
+          <a:ahLst/>
+          <a:cxnLst/>
+          <a:rect l="0" t="0" r="0" b="0"/>
+          <a:pathLst>
+            <a:path>
+              <a:moveTo>
+                <a:pt x="1165895" y="0"/>
+              </a:moveTo>
+              <a:lnTo>
+                <a:pt x="1165895" y="202285"/>
+              </a:lnTo>
+              <a:lnTo>
+                <a:pt x="0" y="202285"/>
+              </a:lnTo>
+              <a:lnTo>
+                <a:pt x="0" y="252156"/>
+              </a:lnTo>
+            </a:path>
+          </a:pathLst>
+        </a:custGeom>
+        <a:noFill/>
+        <a:ln w="25400" cap="flat" cmpd="sng" algn="ctr">
+          <a:solidFill>
+            <a:schemeClr val="accent2">
+              <a:tint val="99000"/>
+              <a:hueOff val="0"/>
+              <a:satOff val="0"/>
+              <a:lumOff val="0"/>
+              <a:alphaOff val="0"/>
+            </a:schemeClr>
+          </a:solidFill>
+          <a:prstDash val="solid"/>
+        </a:ln>
+        <a:effectLst/>
+      </dsp:spPr>
+      <dsp:style>
+        <a:lnRef idx="2">
+          <a:scrgbClr r="0" g="0" b="0"/>
+        </a:lnRef>
+        <a:fillRef idx="0">
+          <a:scrgbClr r="0" g="0" b="0"/>
+        </a:fillRef>
+        <a:effectRef idx="0">
+          <a:scrgbClr r="0" g="0" b="0"/>
+        </a:effectRef>
+        <a:fontRef idx="minor"/>
+      </dsp:style>
+    </dsp:sp>
+    <dsp:sp modelId="{C18E588E-D810-43F6-B8D0-371D7DDA551F}">
+      <dsp:nvSpPr>
+        <dsp:cNvPr id="0" name=""/>
+        <dsp:cNvSpPr/>
+      </dsp:nvSpPr>
+      <dsp:spPr>
+        <a:xfrm>
+          <a:off x="1700207" y="1467764"/>
+          <a:ext cx="2331791" cy="252156"/>
+        </a:xfrm>
+        <a:custGeom>
+          <a:avLst/>
+          <a:gdLst/>
+          <a:ahLst/>
+          <a:cxnLst/>
+          <a:rect l="0" t="0" r="0" b="0"/>
+          <a:pathLst>
+            <a:path>
+              <a:moveTo>
+                <a:pt x="2331791" y="0"/>
+              </a:moveTo>
+              <a:lnTo>
+                <a:pt x="2331791" y="202285"/>
+              </a:lnTo>
+              <a:lnTo>
+                <a:pt x="0" y="202285"/>
+              </a:lnTo>
+              <a:lnTo>
+                <a:pt x="0" y="252156"/>
+              </a:lnTo>
+            </a:path>
+          </a:pathLst>
+        </a:custGeom>
+        <a:noFill/>
+        <a:ln w="25400" cap="flat" cmpd="sng" algn="ctr">
+          <a:solidFill>
+            <a:schemeClr val="accent2">
+              <a:tint val="99000"/>
+              <a:hueOff val="0"/>
+              <a:satOff val="0"/>
+              <a:lumOff val="0"/>
+              <a:alphaOff val="0"/>
+            </a:schemeClr>
+          </a:solidFill>
+          <a:prstDash val="solid"/>
+        </a:ln>
+        <a:effectLst/>
+      </dsp:spPr>
+      <dsp:style>
+        <a:lnRef idx="2">
+          <a:scrgbClr r="0" g="0" b="0"/>
+        </a:lnRef>
+        <a:fillRef idx="0">
+          <a:scrgbClr r="0" g="0" b="0"/>
+        </a:fillRef>
+        <a:effectRef idx="0">
+          <a:scrgbClr r="0" g="0" b="0"/>
+        </a:effectRef>
+        <a:fontRef idx="minor"/>
+      </dsp:style>
+    </dsp:sp>
+    <dsp:sp modelId="{1F1BF832-7D6F-4314-8A20-B77ADD6E09FD}">
+      <dsp:nvSpPr>
+        <dsp:cNvPr id="0" name=""/>
+        <dsp:cNvSpPr/>
+      </dsp:nvSpPr>
+      <dsp:spPr>
+        <a:xfrm>
+          <a:off x="534311" y="1467764"/>
+          <a:ext cx="3497687" cy="252156"/>
+        </a:xfrm>
+        <a:custGeom>
+          <a:avLst/>
+          <a:gdLst/>
+          <a:ahLst/>
+          <a:cxnLst/>
+          <a:rect l="0" t="0" r="0" b="0"/>
+          <a:pathLst>
+            <a:path>
+              <a:moveTo>
+                <a:pt x="3497687" y="0"/>
+              </a:moveTo>
+              <a:lnTo>
+                <a:pt x="3497687" y="202285"/>
+              </a:lnTo>
+              <a:lnTo>
+                <a:pt x="0" y="202285"/>
+              </a:lnTo>
+              <a:lnTo>
+                <a:pt x="0" y="252156"/>
+              </a:lnTo>
+            </a:path>
+          </a:pathLst>
+        </a:custGeom>
+        <a:noFill/>
+        <a:ln w="25400" cap="flat" cmpd="sng" algn="ctr">
+          <a:solidFill>
+            <a:schemeClr val="accent2">
+              <a:tint val="99000"/>
+              <a:hueOff val="0"/>
+              <a:satOff val="0"/>
+              <a:lumOff val="0"/>
+              <a:alphaOff val="0"/>
+            </a:schemeClr>
+          </a:solidFill>
+          <a:prstDash val="solid"/>
+        </a:ln>
+        <a:effectLst/>
+      </dsp:spPr>
+      <dsp:style>
+        <a:lnRef idx="2">
+          <a:scrgbClr r="0" g="0" b="0"/>
+        </a:lnRef>
+        <a:fillRef idx="0">
+          <a:scrgbClr r="0" g="0" b="0"/>
+        </a:fillRef>
+        <a:effectRef idx="0">
+          <a:scrgbClr r="0" g="0" b="0"/>
+        </a:effectRef>
+        <a:fontRef idx="minor"/>
+      </dsp:style>
+    </dsp:sp>
+    <dsp:sp modelId="{3DD70376-3E3F-43E1-B2C6-956970C172ED}">
+      <dsp:nvSpPr>
+        <dsp:cNvPr id="0" name=""/>
+        <dsp:cNvSpPr/>
+      </dsp:nvSpPr>
+      <dsp:spPr>
+        <a:xfrm>
+          <a:off x="3498922" y="841129"/>
+          <a:ext cx="1066154" cy="626634"/>
+        </a:xfrm>
+        <a:prstGeom prst="rect">
+          <a:avLst/>
+        </a:prstGeom>
+        <a:solidFill>
+          <a:schemeClr val="accent2">
+            <a:shade val="80000"/>
+            <a:hueOff val="0"/>
+            <a:satOff val="0"/>
+            <a:lumOff val="0"/>
+            <a:alphaOff val="0"/>
+          </a:schemeClr>
+        </a:solidFill>
+        <a:ln w="25400" cap="flat" cmpd="sng" algn="ctr">
+          <a:solidFill>
+            <a:schemeClr val="lt1">
+              <a:hueOff val="0"/>
+              <a:satOff val="0"/>
+              <a:lumOff val="0"/>
+              <a:alphaOff val="0"/>
+            </a:schemeClr>
+          </a:solidFill>
+          <a:prstDash val="solid"/>
+        </a:ln>
+        <a:effectLst/>
+      </dsp:spPr>
+      <dsp:style>
+        <a:lnRef idx="2">
+          <a:scrgbClr r="0" g="0" b="0"/>
+        </a:lnRef>
+        <a:fillRef idx="1">
+          <a:scrgbClr r="0" g="0" b="0"/>
+        </a:fillRef>
+        <a:effectRef idx="0">
+          <a:scrgbClr r="0" g="0" b="0"/>
+        </a:effectRef>
+        <a:fontRef idx="minor">
+          <a:schemeClr val="lt1"/>
+        </a:fontRef>
+      </dsp:style>
+      <dsp:txBody>
+        <a:bodyPr spcFirstLastPara="0" vert="horz" wrap="square" lIns="6350" tIns="6350" rIns="6350" bIns="6350" numCol="1" spcCol="1270" anchor="ctr" anchorCtr="0">
+          <a:noAutofit/>
+        </a:bodyPr>
+        <a:lstStyle/>
+        <a:p>
+          <a:pPr marL="0" lvl="0" indent="0" algn="ctr" defTabSz="444500">
+            <a:lnSpc>
+              <a:spcPct val="90000"/>
+            </a:lnSpc>
+            <a:spcBef>
+              <a:spcPct val="0"/>
+            </a:spcBef>
+            <a:spcAft>
+              <a:spcPct val="35000"/>
+            </a:spcAft>
+            <a:buNone/>
+          </a:pPr>
+          <a:r>
+            <a:rPr lang="de-DE" sz="1000" kern="1200"/>
+            <a:t>Attribute</a:t>
+          </a:r>
+        </a:p>
+      </dsp:txBody>
+      <dsp:txXfrm>
+        <a:off x="3498922" y="841129"/>
+        <a:ext cx="1066154" cy="626634"/>
+      </dsp:txXfrm>
+    </dsp:sp>
+    <dsp:sp modelId="{BCA0F817-645B-4DF6-B98A-68FC4A66FB72}">
+      <dsp:nvSpPr>
+        <dsp:cNvPr id="0" name=""/>
+        <dsp:cNvSpPr/>
+      </dsp:nvSpPr>
+      <dsp:spPr>
+        <a:xfrm>
+          <a:off x="1234" y="1719920"/>
+          <a:ext cx="1066154" cy="626634"/>
+        </a:xfrm>
+        <a:prstGeom prst="rect">
+          <a:avLst/>
+        </a:prstGeom>
+        <a:solidFill>
+          <a:schemeClr val="accent2">
+            <a:tint val="99000"/>
+            <a:hueOff val="0"/>
+            <a:satOff val="0"/>
+            <a:lumOff val="0"/>
+            <a:alphaOff val="0"/>
+          </a:schemeClr>
+        </a:solidFill>
+        <a:ln w="25400" cap="flat" cmpd="sng" algn="ctr">
+          <a:solidFill>
+            <a:schemeClr val="lt1">
+              <a:hueOff val="0"/>
+              <a:satOff val="0"/>
+              <a:lumOff val="0"/>
+              <a:alphaOff val="0"/>
+            </a:schemeClr>
+          </a:solidFill>
+          <a:prstDash val="solid"/>
+        </a:ln>
+        <a:effectLst/>
+      </dsp:spPr>
+      <dsp:style>
+        <a:lnRef idx="2">
+          <a:scrgbClr r="0" g="0" b="0"/>
+        </a:lnRef>
+        <a:fillRef idx="1">
+          <a:scrgbClr r="0" g="0" b="0"/>
+        </a:fillRef>
+        <a:effectRef idx="0">
+          <a:scrgbClr r="0" g="0" b="0"/>
+        </a:effectRef>
+        <a:fontRef idx="minor">
+          <a:schemeClr val="lt1"/>
+        </a:fontRef>
+      </dsp:style>
+      <dsp:txBody>
+        <a:bodyPr spcFirstLastPara="0" vert="horz" wrap="square" lIns="6350" tIns="6350" rIns="6350" bIns="6350" numCol="1" spcCol="1270" anchor="ctr" anchorCtr="0">
+          <a:noAutofit/>
+        </a:bodyPr>
+        <a:lstStyle/>
+        <a:p>
+          <a:pPr marL="0" lvl="0" indent="0" algn="ctr" defTabSz="444500">
+            <a:lnSpc>
+              <a:spcPct val="90000"/>
+            </a:lnSpc>
+            <a:spcBef>
+              <a:spcPct val="0"/>
+            </a:spcBef>
+            <a:spcAft>
+              <a:spcPct val="35000"/>
+            </a:spcAft>
+            <a:buNone/>
+          </a:pPr>
+          <a:r>
+            <a:rPr lang="de-DE" sz="1000" kern="1200" dirty="0"/>
+            <a:t>Wetterstation</a:t>
+          </a:r>
+        </a:p>
+      </dsp:txBody>
+      <dsp:txXfrm>
+        <a:off x="1234" y="1719920"/>
+        <a:ext cx="1066154" cy="626634"/>
+      </dsp:txXfrm>
+    </dsp:sp>
+    <dsp:sp modelId="{919252C1-5E8F-4C1E-8B07-9019D6B598DF}">
+      <dsp:nvSpPr>
+        <dsp:cNvPr id="0" name=""/>
+        <dsp:cNvSpPr/>
+      </dsp:nvSpPr>
+      <dsp:spPr>
+        <a:xfrm>
+          <a:off x="1167130" y="1719920"/>
+          <a:ext cx="1066154" cy="626634"/>
+        </a:xfrm>
+        <a:prstGeom prst="rect">
+          <a:avLst/>
+        </a:prstGeom>
+        <a:solidFill>
+          <a:schemeClr val="accent2">
+            <a:tint val="99000"/>
+            <a:hueOff val="0"/>
+            <a:satOff val="0"/>
+            <a:lumOff val="0"/>
+            <a:alphaOff val="0"/>
+          </a:schemeClr>
+        </a:solidFill>
+        <a:ln w="25400" cap="flat" cmpd="sng" algn="ctr">
+          <a:solidFill>
+            <a:schemeClr val="lt1">
+              <a:hueOff val="0"/>
+              <a:satOff val="0"/>
+              <a:lumOff val="0"/>
+              <a:alphaOff val="0"/>
+            </a:schemeClr>
+          </a:solidFill>
+          <a:prstDash val="solid"/>
+        </a:ln>
+        <a:effectLst/>
+      </dsp:spPr>
+      <dsp:style>
+        <a:lnRef idx="2">
+          <a:scrgbClr r="0" g="0" b="0"/>
+        </a:lnRef>
+        <a:fillRef idx="1">
+          <a:scrgbClr r="0" g="0" b="0"/>
+        </a:fillRef>
+        <a:effectRef idx="0">
+          <a:scrgbClr r="0" g="0" b="0"/>
+        </a:effectRef>
+        <a:fontRef idx="minor">
+          <a:schemeClr val="lt1"/>
+        </a:fontRef>
+      </dsp:style>
+      <dsp:txBody>
+        <a:bodyPr spcFirstLastPara="0" vert="horz" wrap="square" lIns="6350" tIns="6350" rIns="6350" bIns="6350" numCol="1" spcCol="1270" anchor="ctr" anchorCtr="0">
+          <a:noAutofit/>
+        </a:bodyPr>
+        <a:lstStyle/>
+        <a:p>
+          <a:pPr marL="0" lvl="0" indent="0" algn="ctr" defTabSz="444500">
+            <a:lnSpc>
+              <a:spcPct val="90000"/>
+            </a:lnSpc>
+            <a:spcBef>
+              <a:spcPct val="0"/>
+            </a:spcBef>
+            <a:spcAft>
+              <a:spcPct val="35000"/>
+            </a:spcAft>
+            <a:buNone/>
+          </a:pPr>
+          <a:r>
+            <a:rPr lang="de-DE" sz="1000" kern="1200" dirty="0"/>
+            <a:t>Mindest-temperatur pro Tag in C°</a:t>
+          </a:r>
+        </a:p>
+      </dsp:txBody>
+      <dsp:txXfrm>
+        <a:off x="1167130" y="1719920"/>
+        <a:ext cx="1066154" cy="626634"/>
+      </dsp:txXfrm>
+    </dsp:sp>
+    <dsp:sp modelId="{CB31C50E-0282-4D4F-B0CC-4E9722E2149F}">
+      <dsp:nvSpPr>
+        <dsp:cNvPr id="0" name=""/>
+        <dsp:cNvSpPr/>
+      </dsp:nvSpPr>
+      <dsp:spPr>
+        <a:xfrm>
+          <a:off x="2333026" y="1719920"/>
+          <a:ext cx="1066154" cy="626634"/>
+        </a:xfrm>
+        <a:prstGeom prst="rect">
+          <a:avLst/>
+        </a:prstGeom>
+        <a:solidFill>
+          <a:schemeClr val="accent2">
+            <a:tint val="99000"/>
+            <a:hueOff val="0"/>
+            <a:satOff val="0"/>
+            <a:lumOff val="0"/>
+            <a:alphaOff val="0"/>
+          </a:schemeClr>
+        </a:solidFill>
+        <a:ln w="25400" cap="flat" cmpd="sng" algn="ctr">
+          <a:solidFill>
+            <a:schemeClr val="lt1">
+              <a:hueOff val="0"/>
+              <a:satOff val="0"/>
+              <a:lumOff val="0"/>
+              <a:alphaOff val="0"/>
+            </a:schemeClr>
+          </a:solidFill>
+          <a:prstDash val="solid"/>
+        </a:ln>
+        <a:effectLst/>
+      </dsp:spPr>
+      <dsp:style>
+        <a:lnRef idx="2">
+          <a:scrgbClr r="0" g="0" b="0"/>
+        </a:lnRef>
+        <a:fillRef idx="1">
+          <a:scrgbClr r="0" g="0" b="0"/>
+        </a:fillRef>
+        <a:effectRef idx="0">
+          <a:scrgbClr r="0" g="0" b="0"/>
+        </a:effectRef>
+        <a:fontRef idx="minor">
+          <a:schemeClr val="lt1"/>
+        </a:fontRef>
+      </dsp:style>
+      <dsp:txBody>
+        <a:bodyPr spcFirstLastPara="0" vert="horz" wrap="square" lIns="6350" tIns="6350" rIns="6350" bIns="6350" numCol="1" spcCol="1270" anchor="ctr" anchorCtr="0">
+          <a:noAutofit/>
+        </a:bodyPr>
+        <a:lstStyle/>
+        <a:p>
+          <a:pPr marL="0" lvl="0" indent="0" algn="ctr" defTabSz="444500">
+            <a:lnSpc>
+              <a:spcPct val="90000"/>
+            </a:lnSpc>
+            <a:spcBef>
+              <a:spcPct val="0"/>
+            </a:spcBef>
+            <a:spcAft>
+              <a:spcPct val="35000"/>
+            </a:spcAft>
+            <a:buNone/>
+          </a:pPr>
+          <a:r>
+            <a:rPr lang="de-DE" sz="1000" kern="1200" dirty="0"/>
+            <a:t>Maximal-temperatur pro Tag in C°</a:t>
+          </a:r>
+        </a:p>
+      </dsp:txBody>
+      <dsp:txXfrm>
+        <a:off x="2333026" y="1719920"/>
+        <a:ext cx="1066154" cy="626634"/>
+      </dsp:txXfrm>
+    </dsp:sp>
+    <dsp:sp modelId="{609EB9A4-2680-422B-ADA3-4CA28FF595B7}">
+      <dsp:nvSpPr>
+        <dsp:cNvPr id="0" name=""/>
+        <dsp:cNvSpPr/>
+      </dsp:nvSpPr>
+      <dsp:spPr>
+        <a:xfrm>
+          <a:off x="3498922" y="1719920"/>
+          <a:ext cx="1066154" cy="626634"/>
+        </a:xfrm>
+        <a:prstGeom prst="rect">
+          <a:avLst/>
+        </a:prstGeom>
+        <a:solidFill>
+          <a:schemeClr val="accent2">
+            <a:tint val="99000"/>
+            <a:hueOff val="0"/>
+            <a:satOff val="0"/>
+            <a:lumOff val="0"/>
+            <a:alphaOff val="0"/>
+          </a:schemeClr>
+        </a:solidFill>
+        <a:ln w="25400" cap="flat" cmpd="sng" algn="ctr">
+          <a:solidFill>
+            <a:schemeClr val="lt1">
+              <a:hueOff val="0"/>
+              <a:satOff val="0"/>
+              <a:lumOff val="0"/>
+              <a:alphaOff val="0"/>
+            </a:schemeClr>
+          </a:solidFill>
+          <a:prstDash val="solid"/>
+        </a:ln>
+        <a:effectLst/>
+      </dsp:spPr>
+      <dsp:style>
+        <a:lnRef idx="2">
+          <a:scrgbClr r="0" g="0" b="0"/>
+        </a:lnRef>
+        <a:fillRef idx="1">
+          <a:scrgbClr r="0" g="0" b="0"/>
+        </a:fillRef>
+        <a:effectRef idx="0">
+          <a:scrgbClr r="0" g="0" b="0"/>
+        </a:effectRef>
+        <a:fontRef idx="minor">
+          <a:schemeClr val="lt1"/>
+        </a:fontRef>
+      </dsp:style>
+      <dsp:txBody>
+        <a:bodyPr spcFirstLastPara="0" vert="horz" wrap="square" lIns="6350" tIns="6350" rIns="6350" bIns="6350" numCol="1" spcCol="1270" anchor="ctr" anchorCtr="0">
+          <a:noAutofit/>
+        </a:bodyPr>
+        <a:lstStyle/>
+        <a:p>
+          <a:pPr marL="0" lvl="0" indent="0" algn="ctr" defTabSz="444500">
+            <a:lnSpc>
+              <a:spcPct val="90000"/>
+            </a:lnSpc>
+            <a:spcBef>
+              <a:spcPct val="0"/>
+            </a:spcBef>
+            <a:spcAft>
+              <a:spcPct val="35000"/>
+            </a:spcAft>
+            <a:buNone/>
+          </a:pPr>
+          <a:r>
+            <a:rPr lang="de-DE" sz="1000" kern="1200" dirty="0"/>
+            <a:t>Schneehöhe in cm</a:t>
+          </a:r>
+        </a:p>
+      </dsp:txBody>
+      <dsp:txXfrm>
+        <a:off x="3498922" y="1719920"/>
+        <a:ext cx="1066154" cy="626634"/>
+      </dsp:txXfrm>
+    </dsp:sp>
+    <dsp:sp modelId="{8A836A0C-FAC7-4158-B0FF-92C12F5D70AB}">
+      <dsp:nvSpPr>
+        <dsp:cNvPr id="0" name=""/>
+        <dsp:cNvSpPr/>
+      </dsp:nvSpPr>
+      <dsp:spPr>
+        <a:xfrm>
+          <a:off x="4664818" y="1719920"/>
+          <a:ext cx="1066154" cy="626634"/>
+        </a:xfrm>
+        <a:prstGeom prst="rect">
+          <a:avLst/>
+        </a:prstGeom>
+        <a:solidFill>
+          <a:schemeClr val="accent2">
+            <a:tint val="99000"/>
+            <a:hueOff val="0"/>
+            <a:satOff val="0"/>
+            <a:lumOff val="0"/>
+            <a:alphaOff val="0"/>
+          </a:schemeClr>
+        </a:solidFill>
+        <a:ln w="25400" cap="flat" cmpd="sng" algn="ctr">
+          <a:solidFill>
+            <a:schemeClr val="lt1">
+              <a:hueOff val="0"/>
+              <a:satOff val="0"/>
+              <a:lumOff val="0"/>
+              <a:alphaOff val="0"/>
+            </a:schemeClr>
+          </a:solidFill>
+          <a:prstDash val="solid"/>
+        </a:ln>
+        <a:effectLst/>
+      </dsp:spPr>
+      <dsp:style>
+        <a:lnRef idx="2">
+          <a:scrgbClr r="0" g="0" b="0"/>
+        </a:lnRef>
+        <a:fillRef idx="1">
+          <a:scrgbClr r="0" g="0" b="0"/>
+        </a:fillRef>
+        <a:effectRef idx="0">
+          <a:scrgbClr r="0" g="0" b="0"/>
+        </a:effectRef>
+        <a:fontRef idx="minor">
+          <a:schemeClr val="lt1"/>
+        </a:fontRef>
+      </dsp:style>
+      <dsp:txBody>
+        <a:bodyPr spcFirstLastPara="0" vert="horz" wrap="square" lIns="6350" tIns="6350" rIns="6350" bIns="6350" numCol="1" spcCol="1270" anchor="ctr" anchorCtr="0">
+          <a:noAutofit/>
+        </a:bodyPr>
+        <a:lstStyle/>
+        <a:p>
+          <a:pPr marL="0" lvl="0" indent="0" algn="ctr" defTabSz="444500">
+            <a:lnSpc>
+              <a:spcPct val="90000"/>
+            </a:lnSpc>
+            <a:spcBef>
+              <a:spcPct val="0"/>
+            </a:spcBef>
+            <a:spcAft>
+              <a:spcPct val="35000"/>
+            </a:spcAft>
+            <a:buNone/>
+          </a:pPr>
+          <a:r>
+            <a:rPr lang="de-DE" sz="1000" kern="1200" dirty="0"/>
+            <a:t>Niederschlags-menge in l/m^2</a:t>
+          </a:r>
+        </a:p>
+      </dsp:txBody>
+      <dsp:txXfrm>
+        <a:off x="4664818" y="1719920"/>
+        <a:ext cx="1066154" cy="626634"/>
+      </dsp:txXfrm>
+    </dsp:sp>
+    <dsp:sp modelId="{6E21471F-70DD-425A-96EB-D138019D0017}">
+      <dsp:nvSpPr>
+        <dsp:cNvPr id="0" name=""/>
+        <dsp:cNvSpPr/>
+      </dsp:nvSpPr>
+      <dsp:spPr>
+        <a:xfrm>
+          <a:off x="5830714" y="1719920"/>
+          <a:ext cx="1066154" cy="626634"/>
+        </a:xfrm>
+        <a:prstGeom prst="rect">
+          <a:avLst/>
+        </a:prstGeom>
+        <a:solidFill>
+          <a:schemeClr val="accent2">
+            <a:tint val="99000"/>
+            <a:hueOff val="0"/>
+            <a:satOff val="0"/>
+            <a:lumOff val="0"/>
+            <a:alphaOff val="0"/>
+          </a:schemeClr>
+        </a:solidFill>
+        <a:ln w="25400" cap="flat" cmpd="sng" algn="ctr">
+          <a:solidFill>
+            <a:schemeClr val="lt1">
+              <a:hueOff val="0"/>
+              <a:satOff val="0"/>
+              <a:lumOff val="0"/>
+              <a:alphaOff val="0"/>
+            </a:schemeClr>
+          </a:solidFill>
+          <a:prstDash val="solid"/>
+        </a:ln>
+        <a:effectLst/>
+      </dsp:spPr>
+      <dsp:style>
+        <a:lnRef idx="2">
+          <a:scrgbClr r="0" g="0" b="0"/>
+        </a:lnRef>
+        <a:fillRef idx="1">
+          <a:scrgbClr r="0" g="0" b="0"/>
+        </a:fillRef>
+        <a:effectRef idx="0">
+          <a:scrgbClr r="0" g="0" b="0"/>
+        </a:effectRef>
+        <a:fontRef idx="minor">
+          <a:schemeClr val="lt1"/>
+        </a:fontRef>
+      </dsp:style>
+      <dsp:txBody>
+        <a:bodyPr spcFirstLastPara="0" vert="horz" wrap="square" lIns="6350" tIns="6350" rIns="6350" bIns="6350" numCol="1" spcCol="1270" anchor="ctr" anchorCtr="0">
+          <a:noAutofit/>
+        </a:bodyPr>
+        <a:lstStyle/>
+        <a:p>
+          <a:pPr marL="0" lvl="0" indent="0" algn="ctr" defTabSz="444500">
+            <a:lnSpc>
+              <a:spcPct val="90000"/>
+            </a:lnSpc>
+            <a:spcBef>
+              <a:spcPct val="0"/>
+            </a:spcBef>
+            <a:spcAft>
+              <a:spcPct val="35000"/>
+            </a:spcAft>
+            <a:buNone/>
+          </a:pPr>
+          <a:r>
+            <a:rPr lang="de-DE" sz="1000" kern="1200" dirty="0"/>
+            <a:t>Sonnenschein-dauer in Stunden</a:t>
+          </a:r>
+        </a:p>
+      </dsp:txBody>
+      <dsp:txXfrm>
+        <a:off x="5830714" y="1719920"/>
+        <a:ext cx="1066154" cy="626634"/>
+      </dsp:txXfrm>
+    </dsp:sp>
+    <dsp:sp modelId="{ABA442A2-AB17-4DFA-A6A0-AF866B22BE45}">
+      <dsp:nvSpPr>
+        <dsp:cNvPr id="0" name=""/>
+        <dsp:cNvSpPr/>
+      </dsp:nvSpPr>
+      <dsp:spPr>
+        <a:xfrm>
+          <a:off x="6996610" y="1719920"/>
+          <a:ext cx="1066154" cy="626634"/>
+        </a:xfrm>
+        <a:prstGeom prst="rect">
+          <a:avLst/>
+        </a:prstGeom>
+        <a:solidFill>
+          <a:schemeClr val="accent2">
+            <a:tint val="99000"/>
+            <a:hueOff val="0"/>
+            <a:satOff val="0"/>
+            <a:lumOff val="0"/>
+            <a:alphaOff val="0"/>
+          </a:schemeClr>
+        </a:solidFill>
+        <a:ln w="25400" cap="flat" cmpd="sng" algn="ctr">
+          <a:solidFill>
+            <a:schemeClr val="lt1">
+              <a:hueOff val="0"/>
+              <a:satOff val="0"/>
+              <a:lumOff val="0"/>
+              <a:alphaOff val="0"/>
+            </a:schemeClr>
+          </a:solidFill>
+          <a:prstDash val="solid"/>
+        </a:ln>
+        <a:effectLst/>
+      </dsp:spPr>
+      <dsp:style>
+        <a:lnRef idx="2">
+          <a:scrgbClr r="0" g="0" b="0"/>
+        </a:lnRef>
+        <a:fillRef idx="1">
+          <a:scrgbClr r="0" g="0" b="0"/>
+        </a:fillRef>
+        <a:effectRef idx="0">
+          <a:scrgbClr r="0" g="0" b="0"/>
+        </a:effectRef>
+        <a:fontRef idx="minor">
+          <a:schemeClr val="lt1"/>
+        </a:fontRef>
+      </dsp:style>
+      <dsp:txBody>
+        <a:bodyPr spcFirstLastPara="0" vert="horz" wrap="square" lIns="6350" tIns="6350" rIns="6350" bIns="6350" numCol="1" spcCol="1270" anchor="ctr" anchorCtr="0">
+          <a:noAutofit/>
+        </a:bodyPr>
+        <a:lstStyle/>
+        <a:p>
+          <a:pPr marL="0" lvl="0" indent="0" algn="ctr" defTabSz="444500">
+            <a:lnSpc>
+              <a:spcPct val="90000"/>
+            </a:lnSpc>
+            <a:spcBef>
+              <a:spcPct val="0"/>
+            </a:spcBef>
+            <a:spcAft>
+              <a:spcPct val="35000"/>
+            </a:spcAft>
+            <a:buNone/>
+          </a:pPr>
+          <a:r>
+            <a:rPr lang="de-DE" sz="1000" kern="1200" dirty="0"/>
+            <a:t>Datum</a:t>
+          </a:r>
+        </a:p>
+      </dsp:txBody>
+      <dsp:txXfrm>
+        <a:off x="6996610" y="1719920"/>
+        <a:ext cx="1066154" cy="626634"/>
+      </dsp:txXfrm>
+    </dsp:sp>
+  </dsp:spTree>
+</dsp:drawing>
+</file>
+
+<file path=ppt/diagrams/drawing7.xml><?xml version="1.0" encoding="utf-8"?>
+<dsp:drawing xmlns:dgm="http://schemas.openxmlformats.org/drawingml/2006/diagram" xmlns:dsp="http://schemas.microsoft.com/office/drawing/2008/diagram" xmlns:a="http://schemas.openxmlformats.org/drawingml/2006/main">
+  <dsp:spTree>
+    <dsp:nvGrpSpPr>
+      <dsp:cNvPr id="0" name=""/>
+      <dsp:cNvGrpSpPr/>
+    </dsp:nvGrpSpPr>
+    <dsp:grpSpPr/>
     <dsp:sp modelId="{081C4271-97C9-4585-AD8B-C94394E078D9}">
       <dsp:nvSpPr>
         <dsp:cNvPr id="0" name=""/>
@@ -12673,15 +15247,15 @@
         <a:fontRef idx="minor"/>
       </dsp:style>
     </dsp:sp>
-    <dsp:sp modelId="{37DA1BDE-8D5F-4819-BD8B-AD266C3FDCFC}">
+    <dsp:sp modelId="{A807AEA5-AB65-4BF0-8E8B-E03980A323BA}">
       <dsp:nvSpPr>
         <dsp:cNvPr id="0" name=""/>
         <dsp:cNvSpPr/>
       </dsp:nvSpPr>
       <dsp:spPr>
         <a:xfrm>
-          <a:off x="2214" y="1358514"/>
-          <a:ext cx="1289531" cy="1811352"/>
+          <a:off x="3543" y="1358514"/>
+          <a:ext cx="1549406" cy="1811352"/>
         </a:xfrm>
         <a:prstGeom prst="roundRect">
           <a:avLst/>
@@ -12722,12 +15296,12 @@
         </a:fontRef>
       </dsp:style>
       <dsp:txBody>
-        <a:bodyPr spcFirstLastPara="0" vert="horz" wrap="square" lIns="41910" tIns="41910" rIns="41910" bIns="41910" numCol="1" spcCol="1270" anchor="ctr" anchorCtr="0">
+        <a:bodyPr spcFirstLastPara="0" vert="horz" wrap="square" lIns="49530" tIns="49530" rIns="49530" bIns="49530" numCol="1" spcCol="1270" anchor="ctr" anchorCtr="0">
           <a:noAutofit/>
         </a:bodyPr>
         <a:lstStyle/>
         <a:p>
-          <a:pPr marL="0" lvl="0" indent="0" algn="ctr" defTabSz="488950">
+          <a:pPr marL="0" lvl="0" indent="0" algn="ctr" defTabSz="577850">
             <a:lnSpc>
               <a:spcPct val="90000"/>
             </a:lnSpc>
@@ -12740,33 +15314,33 @@
             <a:buNone/>
           </a:pPr>
           <a:r>
-            <a:rPr lang="de-DE" sz="1100" kern="1200" dirty="0"/>
-            <a:t>Weitere Daten </a:t>
+            <a:rPr lang="de-DE" sz="1300" kern="1200" dirty="0"/>
+            <a:t>Auslagern von Web-</a:t>
           </a:r>
           <a:r>
-            <a:rPr lang="de-DE" sz="1100" kern="1200" dirty="0" err="1"/>
-            <a:t>scrapen</a:t>
+            <a:rPr lang="de-DE" sz="1300" kern="1200" dirty="0" err="1"/>
+            <a:t>Scraping</a:t>
           </a:r>
           <a:r>
-            <a:rPr lang="de-DE" sz="1100" kern="1200" dirty="0"/>
-            <a:t>: z. B. Wetterdaten</a:t>
+            <a:rPr lang="de-DE" sz="1300" kern="1200" dirty="0"/>
+            <a:t>-Code in separate Python-Dateien</a:t>
           </a:r>
         </a:p>
       </dsp:txBody>
       <dsp:txXfrm>
-        <a:off x="65164" y="1421464"/>
-        <a:ext cx="1163631" cy="1685452"/>
+        <a:off x="79179" y="1434150"/>
+        <a:ext cx="1398134" cy="1660080"/>
       </dsp:txXfrm>
     </dsp:sp>
-    <dsp:sp modelId="{A807AEA5-AB65-4BF0-8E8B-E03980A323BA}">
+    <dsp:sp modelId="{83AA8CCA-D335-4A93-AC1C-330B5DA904F3}">
       <dsp:nvSpPr>
         <dsp:cNvPr id="0" name=""/>
         <dsp:cNvSpPr/>
       </dsp:nvSpPr>
       <dsp:spPr>
         <a:xfrm>
-          <a:off x="1356222" y="1358514"/>
-          <a:ext cx="1289531" cy="1811352"/>
+          <a:off x="1630420" y="1358514"/>
+          <a:ext cx="1549406" cy="1811352"/>
         </a:xfrm>
         <a:prstGeom prst="roundRect">
           <a:avLst/>
@@ -12807,12 +15381,12 @@
         </a:fontRef>
       </dsp:style>
       <dsp:txBody>
-        <a:bodyPr spcFirstLastPara="0" vert="horz" wrap="square" lIns="41910" tIns="41910" rIns="41910" bIns="41910" numCol="1" spcCol="1270" anchor="ctr" anchorCtr="0">
+        <a:bodyPr spcFirstLastPara="0" vert="horz" wrap="square" lIns="49530" tIns="49530" rIns="49530" bIns="49530" numCol="1" spcCol="1270" anchor="t" anchorCtr="0">
           <a:noAutofit/>
         </a:bodyPr>
         <a:lstStyle/>
         <a:p>
-          <a:pPr marL="0" lvl="0" indent="0" algn="ctr" defTabSz="488950">
+          <a:pPr marL="0" lvl="0" indent="0" algn="l" defTabSz="577850">
             <a:lnSpc>
               <a:spcPct val="90000"/>
             </a:lnSpc>
@@ -12825,33 +15399,43 @@
             <a:buNone/>
           </a:pPr>
           <a:r>
-            <a:rPr lang="de-DE" sz="1100" kern="1200" dirty="0"/>
-            <a:t>Auslagern von Web-</a:t>
+            <a:rPr lang="de-DE" sz="1300" kern="1200" dirty="0"/>
+            <a:t>Features berechnen, welche aktuelle Form der Teams beschreiben</a:t>
           </a:r>
+        </a:p>
+        <a:p>
+          <a:pPr marL="57150" lvl="1" indent="-57150" algn="l" defTabSz="444500">
+            <a:lnSpc>
+              <a:spcPct val="90000"/>
+            </a:lnSpc>
+            <a:spcBef>
+              <a:spcPct val="0"/>
+            </a:spcBef>
+            <a:spcAft>
+              <a:spcPct val="15000"/>
+            </a:spcAft>
+            <a:buChar char="•"/>
+          </a:pPr>
           <a:r>
-            <a:rPr lang="de-DE" sz="1100" kern="1200" dirty="0" err="1"/>
-            <a:t>Scraping</a:t>
-          </a:r>
-          <a:r>
-            <a:rPr lang="de-DE" sz="1100" kern="1200" dirty="0"/>
-            <a:t>-Code in separate Python-Dateien</a:t>
+            <a:rPr lang="de-DE" sz="1000" kern="1200"/>
+            <a:t>z. B. Siege, Unentschieden und Niederlagen in den letzten x Spielen</a:t>
           </a:r>
         </a:p>
       </dsp:txBody>
       <dsp:txXfrm>
-        <a:off x="1419172" y="1421464"/>
-        <a:ext cx="1163631" cy="1685452"/>
+        <a:off x="1706056" y="1434150"/>
+        <a:ext cx="1398134" cy="1660080"/>
       </dsp:txXfrm>
     </dsp:sp>
-    <dsp:sp modelId="{83AA8CCA-D335-4A93-AC1C-330B5DA904F3}">
+    <dsp:sp modelId="{D18F99D5-99F8-4161-9EB2-CB4843E7331F}">
       <dsp:nvSpPr>
         <dsp:cNvPr id="0" name=""/>
         <dsp:cNvSpPr/>
       </dsp:nvSpPr>
       <dsp:spPr>
         <a:xfrm>
-          <a:off x="2710230" y="1358514"/>
-          <a:ext cx="1289531" cy="1811352"/>
+          <a:off x="3257296" y="1358514"/>
+          <a:ext cx="1549406" cy="1811352"/>
         </a:xfrm>
         <a:prstGeom prst="roundRect">
           <a:avLst/>
@@ -12892,12 +15476,12 @@
         </a:fontRef>
       </dsp:style>
       <dsp:txBody>
-        <a:bodyPr spcFirstLastPara="0" vert="horz" wrap="square" lIns="41910" tIns="41910" rIns="41910" bIns="41910" numCol="1" spcCol="1270" anchor="t" anchorCtr="0">
+        <a:bodyPr spcFirstLastPara="0" vert="horz" wrap="square" lIns="49530" tIns="49530" rIns="49530" bIns="49530" numCol="1" spcCol="1270" anchor="ctr" anchorCtr="0">
           <a:noAutofit/>
         </a:bodyPr>
         <a:lstStyle/>
         <a:p>
-          <a:pPr marL="0" lvl="0" indent="0" algn="l" defTabSz="488950">
+          <a:pPr marL="0" lvl="0" indent="0" algn="ctr" defTabSz="577850">
             <a:lnSpc>
               <a:spcPct val="90000"/>
             </a:lnSpc>
@@ -12910,43 +15494,25 @@
             <a:buNone/>
           </a:pPr>
           <a:r>
-            <a:rPr lang="de-DE" sz="1100" kern="1200" dirty="0"/>
-            <a:t>Features berechnen, welche aktuelle Form der Teams beschreiben</a:t>
-          </a:r>
-        </a:p>
-        <a:p>
-          <a:pPr marL="57150" lvl="1" indent="-57150" algn="l" defTabSz="400050">
-            <a:lnSpc>
-              <a:spcPct val="90000"/>
-            </a:lnSpc>
-            <a:spcBef>
-              <a:spcPct val="0"/>
-            </a:spcBef>
-            <a:spcAft>
-              <a:spcPct val="15000"/>
-            </a:spcAft>
-            <a:buChar char="•"/>
-          </a:pPr>
-          <a:r>
-            <a:rPr lang="de-DE" sz="900" kern="1200"/>
-            <a:t>z. B. Siege, Unentschieden und Niederlagen in den letzten x Spielen</a:t>
+            <a:rPr lang="de-DE" sz="1300" kern="1200"/>
+            <a:t>Statistische Datenanalyse</a:t>
           </a:r>
         </a:p>
       </dsp:txBody>
       <dsp:txXfrm>
-        <a:off x="2773180" y="1421464"/>
-        <a:ext cx="1163631" cy="1685452"/>
+        <a:off x="3332932" y="1434150"/>
+        <a:ext cx="1398134" cy="1660080"/>
       </dsp:txXfrm>
     </dsp:sp>
-    <dsp:sp modelId="{D18F99D5-99F8-4161-9EB2-CB4843E7331F}">
+    <dsp:sp modelId="{8709D373-8470-4F0A-B3DA-319DD3871C6E}">
       <dsp:nvSpPr>
         <dsp:cNvPr id="0" name=""/>
         <dsp:cNvSpPr/>
       </dsp:nvSpPr>
       <dsp:spPr>
         <a:xfrm>
-          <a:off x="4064237" y="1358514"/>
-          <a:ext cx="1289531" cy="1811352"/>
+          <a:off x="4884172" y="1358514"/>
+          <a:ext cx="1549406" cy="1811352"/>
         </a:xfrm>
         <a:prstGeom prst="roundRect">
           <a:avLst/>
@@ -12987,12 +15553,12 @@
         </a:fontRef>
       </dsp:style>
       <dsp:txBody>
-        <a:bodyPr spcFirstLastPara="0" vert="horz" wrap="square" lIns="41910" tIns="41910" rIns="41910" bIns="41910" numCol="1" spcCol="1270" anchor="ctr" anchorCtr="0">
+        <a:bodyPr spcFirstLastPara="0" vert="horz" wrap="square" lIns="49530" tIns="49530" rIns="49530" bIns="49530" numCol="1" spcCol="1270" anchor="ctr" anchorCtr="0">
           <a:noAutofit/>
         </a:bodyPr>
         <a:lstStyle/>
         <a:p>
-          <a:pPr marL="0" lvl="0" indent="0" algn="ctr" defTabSz="488950">
+          <a:pPr marL="0" lvl="0" indent="0" algn="ctr" defTabSz="577850">
             <a:lnSpc>
               <a:spcPct val="90000"/>
             </a:lnSpc>
@@ -13005,25 +15571,25 @@
             <a:buNone/>
           </a:pPr>
           <a:r>
-            <a:rPr lang="de-DE" sz="1100" kern="1200"/>
-            <a:t>Statistische Datenanalyse</a:t>
+            <a:rPr lang="de-DE" sz="1300" kern="1200"/>
+            <a:t>Feature Engineering und Modelling</a:t>
           </a:r>
         </a:p>
       </dsp:txBody>
       <dsp:txXfrm>
-        <a:off x="4127187" y="1421464"/>
-        <a:ext cx="1163631" cy="1685452"/>
+        <a:off x="4959808" y="1434150"/>
+        <a:ext cx="1398134" cy="1660080"/>
       </dsp:txXfrm>
     </dsp:sp>
-    <dsp:sp modelId="{8709D373-8470-4F0A-B3DA-319DD3871C6E}">
+    <dsp:sp modelId="{1B95D6BE-54AC-486B-960D-5BBA9E945FAA}">
       <dsp:nvSpPr>
         <dsp:cNvPr id="0" name=""/>
         <dsp:cNvSpPr/>
       </dsp:nvSpPr>
       <dsp:spPr>
         <a:xfrm>
-          <a:off x="5418245" y="1358514"/>
-          <a:ext cx="1289531" cy="1811352"/>
+          <a:off x="6511049" y="1358514"/>
+          <a:ext cx="1549406" cy="1811352"/>
         </a:xfrm>
         <a:prstGeom prst="roundRect">
           <a:avLst/>
@@ -13064,12 +15630,12 @@
         </a:fontRef>
       </dsp:style>
       <dsp:txBody>
-        <a:bodyPr spcFirstLastPara="0" vert="horz" wrap="square" lIns="41910" tIns="41910" rIns="41910" bIns="41910" numCol="1" spcCol="1270" anchor="ctr" anchorCtr="0">
+        <a:bodyPr spcFirstLastPara="0" vert="horz" wrap="square" lIns="49530" tIns="49530" rIns="49530" bIns="49530" numCol="1" spcCol="1270" anchor="ctr" anchorCtr="0">
           <a:noAutofit/>
         </a:bodyPr>
         <a:lstStyle/>
         <a:p>
-          <a:pPr marL="0" lvl="0" indent="0" algn="ctr" defTabSz="488950">
+          <a:pPr marL="0" lvl="0" indent="0" algn="ctr" defTabSz="577850">
             <a:lnSpc>
               <a:spcPct val="90000"/>
             </a:lnSpc>
@@ -13082,91 +15648,14 @@
             <a:buNone/>
           </a:pPr>
           <a:r>
-            <a:rPr lang="de-DE" sz="1100" kern="1200"/>
-            <a:t>Feature Engineering und Modelling</a:t>
-          </a:r>
-        </a:p>
-      </dsp:txBody>
-      <dsp:txXfrm>
-        <a:off x="5481195" y="1421464"/>
-        <a:ext cx="1163631" cy="1685452"/>
-      </dsp:txXfrm>
-    </dsp:sp>
-    <dsp:sp modelId="{1B95D6BE-54AC-486B-960D-5BBA9E945FAA}">
-      <dsp:nvSpPr>
-        <dsp:cNvPr id="0" name=""/>
-        <dsp:cNvSpPr/>
-      </dsp:nvSpPr>
-      <dsp:spPr>
-        <a:xfrm>
-          <a:off x="6772253" y="1358514"/>
-          <a:ext cx="1289531" cy="1811352"/>
-        </a:xfrm>
-        <a:prstGeom prst="roundRect">
-          <a:avLst/>
-        </a:prstGeom>
-        <a:solidFill>
-          <a:schemeClr val="dk2">
-            <a:hueOff val="0"/>
-            <a:satOff val="0"/>
-            <a:lumOff val="0"/>
-            <a:alphaOff val="0"/>
-          </a:schemeClr>
-        </a:solidFill>
-        <a:ln w="25400" cap="flat" cmpd="sng" algn="ctr">
-          <a:solidFill>
-            <a:schemeClr val="lt2">
-              <a:hueOff val="0"/>
-              <a:satOff val="0"/>
-              <a:lumOff val="0"/>
-              <a:alphaOff val="0"/>
-            </a:schemeClr>
-          </a:solidFill>
-          <a:prstDash val="solid"/>
-        </a:ln>
-        <a:effectLst/>
-      </dsp:spPr>
-      <dsp:style>
-        <a:lnRef idx="2">
-          <a:scrgbClr r="0" g="0" b="0"/>
-        </a:lnRef>
-        <a:fillRef idx="1">
-          <a:scrgbClr r="0" g="0" b="0"/>
-        </a:fillRef>
-        <a:effectRef idx="0">
-          <a:scrgbClr r="0" g="0" b="0"/>
-        </a:effectRef>
-        <a:fontRef idx="minor">
-          <a:schemeClr val="lt1"/>
-        </a:fontRef>
-      </dsp:style>
-      <dsp:txBody>
-        <a:bodyPr spcFirstLastPara="0" vert="horz" wrap="square" lIns="41910" tIns="41910" rIns="41910" bIns="41910" numCol="1" spcCol="1270" anchor="ctr" anchorCtr="0">
-          <a:noAutofit/>
-        </a:bodyPr>
-        <a:lstStyle/>
-        <a:p>
-          <a:pPr marL="0" lvl="0" indent="0" algn="ctr" defTabSz="488950">
-            <a:lnSpc>
-              <a:spcPct val="90000"/>
-            </a:lnSpc>
-            <a:spcBef>
-              <a:spcPct val="0"/>
-            </a:spcBef>
-            <a:spcAft>
-              <a:spcPct val="35000"/>
-            </a:spcAft>
-            <a:buNone/>
-          </a:pPr>
-          <a:r>
-            <a:rPr lang="de-DE" sz="1100" kern="1200"/>
+            <a:rPr lang="de-DE" sz="1300" kern="1200"/>
             <a:t>Modellevaluation und Benchmarking</a:t>
           </a:r>
         </a:p>
       </dsp:txBody>
       <dsp:txXfrm>
-        <a:off x="6835203" y="1421464"/>
-        <a:ext cx="1163631" cy="1685452"/>
+        <a:off x="6586685" y="1434150"/>
+        <a:ext cx="1398134" cy="1660080"/>
       </dsp:txXfrm>
     </dsp:sp>
   </dsp:spTree>
@@ -17720,6 +20209,1152 @@
 </file>
 
 <file path=ppt/diagrams/layout6.xml><?xml version="1.0" encoding="utf-8"?>
+<dgm:layoutDef xmlns:dgm="http://schemas.openxmlformats.org/drawingml/2006/diagram" xmlns:a="http://schemas.openxmlformats.org/drawingml/2006/main" uniqueId="urn:microsoft.com/office/officeart/2005/8/layout/orgChart1">
+  <dgm:title val=""/>
+  <dgm:desc val=""/>
+  <dgm:catLst>
+    <dgm:cat type="hierarchy" pri="1000"/>
+    <dgm:cat type="convert" pri="6000"/>
+  </dgm:catLst>
+  <dgm:sampData>
+    <dgm:dataModel>
+      <dgm:ptLst>
+        <dgm:pt modelId="0" type="doc"/>
+        <dgm:pt modelId="1">
+          <dgm:prSet phldr="1"/>
+        </dgm:pt>
+        <dgm:pt modelId="2" type="asst">
+          <dgm:prSet phldr="1"/>
+        </dgm:pt>
+        <dgm:pt modelId="3">
+          <dgm:prSet phldr="1"/>
+        </dgm:pt>
+        <dgm:pt modelId="4">
+          <dgm:prSet phldr="1"/>
+        </dgm:pt>
+        <dgm:pt modelId="5">
+          <dgm:prSet phldr="1"/>
+        </dgm:pt>
+      </dgm:ptLst>
+      <dgm:cxnLst>
+        <dgm:cxn modelId="5" srcId="0" destId="1" srcOrd="0" destOrd="0"/>
+        <dgm:cxn modelId="6" srcId="1" destId="2" srcOrd="0" destOrd="0"/>
+        <dgm:cxn modelId="7" srcId="1" destId="3" srcOrd="1" destOrd="0"/>
+        <dgm:cxn modelId="8" srcId="1" destId="4" srcOrd="2" destOrd="0"/>
+        <dgm:cxn modelId="9" srcId="1" destId="5" srcOrd="3" destOrd="0"/>
+      </dgm:cxnLst>
+      <dgm:bg/>
+      <dgm:whole/>
+    </dgm:dataModel>
+  </dgm:sampData>
+  <dgm:styleData>
+    <dgm:dataModel>
+      <dgm:ptLst>
+        <dgm:pt modelId="0" type="doc"/>
+        <dgm:pt modelId="1"/>
+        <dgm:pt modelId="12"/>
+        <dgm:pt modelId="13"/>
+      </dgm:ptLst>
+      <dgm:cxnLst>
+        <dgm:cxn modelId="2" srcId="0" destId="1" srcOrd="0" destOrd="0"/>
+        <dgm:cxn modelId="16" srcId="1" destId="12" srcOrd="1" destOrd="0"/>
+        <dgm:cxn modelId="17" srcId="1" destId="13" srcOrd="2" destOrd="0"/>
+      </dgm:cxnLst>
+      <dgm:bg/>
+      <dgm:whole/>
+    </dgm:dataModel>
+  </dgm:styleData>
+  <dgm:clrData>
+    <dgm:dataModel>
+      <dgm:ptLst>
+        <dgm:pt modelId="0" type="doc"/>
+        <dgm:pt modelId="1"/>
+        <dgm:pt modelId="11" type="asst"/>
+        <dgm:pt modelId="12"/>
+        <dgm:pt modelId="13"/>
+        <dgm:pt modelId="14"/>
+      </dgm:ptLst>
+      <dgm:cxnLst>
+        <dgm:cxn modelId="2" srcId="0" destId="1" srcOrd="0" destOrd="0"/>
+        <dgm:cxn modelId="15" srcId="1" destId="11" srcOrd="0" destOrd="0"/>
+        <dgm:cxn modelId="16" srcId="1" destId="12" srcOrd="1" destOrd="0"/>
+        <dgm:cxn modelId="17" srcId="1" destId="13" srcOrd="2" destOrd="0"/>
+        <dgm:cxn modelId="18" srcId="1" destId="14" srcOrd="2" destOrd="0"/>
+      </dgm:cxnLst>
+      <dgm:bg/>
+      <dgm:whole/>
+    </dgm:dataModel>
+  </dgm:clrData>
+  <dgm:layoutNode name="hierChild1">
+    <dgm:varLst>
+      <dgm:orgChart val="1"/>
+      <dgm:chPref val="1"/>
+      <dgm:dir/>
+      <dgm:animOne val="branch"/>
+      <dgm:animLvl val="lvl"/>
+      <dgm:resizeHandles/>
+    </dgm:varLst>
+    <dgm:choose name="Name0">
+      <dgm:if name="Name1" func="var" arg="dir" op="equ" val="norm">
+        <dgm:alg type="hierChild">
+          <dgm:param type="linDir" val="fromL"/>
+        </dgm:alg>
+      </dgm:if>
+      <dgm:else name="Name2">
+        <dgm:alg type="hierChild">
+          <dgm:param type="linDir" val="fromR"/>
+        </dgm:alg>
+      </dgm:else>
+    </dgm:choose>
+    <dgm:shape xmlns:r="http://schemas.openxmlformats.org/officeDocument/2006/relationships" r:blip="">
+      <dgm:adjLst/>
+    </dgm:shape>
+    <dgm:presOf/>
+    <dgm:constrLst>
+      <dgm:constr type="w" for="des" forName="rootComposite1" refType="w" fact="10"/>
+      <dgm:constr type="h" for="des" forName="rootComposite1" refType="w" refFor="des" refForName="rootComposite1" fact="0.5"/>
+      <dgm:constr type="w" for="des" forName="rootComposite" refType="w" fact="10"/>
+      <dgm:constr type="h" for="des" forName="rootComposite" refType="w" refFor="des" refForName="rootComposite1" fact="0.5"/>
+      <dgm:constr type="w" for="des" forName="rootComposite3" refType="w" fact="10"/>
+      <dgm:constr type="h" for="des" forName="rootComposite3" refType="w" refFor="des" refForName="rootComposite1" fact="0.5"/>
+      <dgm:constr type="primFontSz" for="des" ptType="node" op="equ"/>
+      <dgm:constr type="sp" for="des" op="equ"/>
+      <dgm:constr type="sp" for="des" forName="hierRoot1" refType="w" refFor="des" refForName="rootComposite1" fact="0.21"/>
+      <dgm:constr type="sp" for="des" forName="hierRoot2" refType="sp" refFor="des" refForName="hierRoot1"/>
+      <dgm:constr type="sp" for="des" forName="hierRoot3" refType="sp" refFor="des" refForName="hierRoot1"/>
+      <dgm:constr type="sibSp" refType="w" refFor="des" refForName="rootComposite1" fact="0.21"/>
+      <dgm:constr type="sibSp" for="des" forName="hierChild2" refType="sibSp"/>
+      <dgm:constr type="sibSp" for="des" forName="hierChild3" refType="sibSp"/>
+      <dgm:constr type="sibSp" for="des" forName="hierChild4" refType="sibSp"/>
+      <dgm:constr type="sibSp" for="des" forName="hierChild5" refType="sibSp"/>
+      <dgm:constr type="sibSp" for="des" forName="hierChild6" refType="sibSp"/>
+      <dgm:constr type="sibSp" for="des" forName="hierChild7" refType="sibSp"/>
+      <dgm:constr type="secSibSp" refType="w" refFor="des" refForName="rootComposite1" fact="0.21"/>
+      <dgm:constr type="secSibSp" for="des" forName="hierChild2" refType="secSibSp"/>
+      <dgm:constr type="secSibSp" for="des" forName="hierChild3" refType="secSibSp"/>
+      <dgm:constr type="secSibSp" for="des" forName="hierChild4" refType="secSibSp"/>
+      <dgm:constr type="secSibSp" for="des" forName="hierChild5" refType="secSibSp"/>
+      <dgm:constr type="secSibSp" for="des" forName="hierChild6" refType="secSibSp"/>
+      <dgm:constr type="secSibSp" for="des" forName="hierChild7" refType="secSibSp"/>
+    </dgm:constrLst>
+    <dgm:ruleLst/>
+    <dgm:forEach name="Name3" axis="ch">
+      <dgm:forEach name="Name4" axis="self" ptType="node">
+        <dgm:layoutNode name="hierRoot1">
+          <dgm:varLst>
+            <dgm:hierBranch val="init"/>
+          </dgm:varLst>
+          <dgm:choose name="Name5">
+            <dgm:if name="Name6" func="var" arg="hierBranch" op="equ" val="l">
+              <dgm:choose name="Name7">
+                <dgm:if name="Name8" axis="ch" ptType="asst" func="cnt" op="gte" val="1">
+                  <dgm:alg type="hierRoot">
+                    <dgm:param type="hierAlign" val="tR"/>
+                  </dgm:alg>
+                  <dgm:constrLst>
+                    <dgm:constr type="alignOff" val="0.65"/>
+                  </dgm:constrLst>
+                </dgm:if>
+                <dgm:else name="Name9">
+                  <dgm:alg type="hierRoot">
+                    <dgm:param type="hierAlign" val="tR"/>
+                  </dgm:alg>
+                  <dgm:constrLst>
+                    <dgm:constr type="alignOff" val="0.25"/>
+                  </dgm:constrLst>
+                </dgm:else>
+              </dgm:choose>
+            </dgm:if>
+            <dgm:if name="Name10" func="var" arg="hierBranch" op="equ" val="r">
+              <dgm:choose name="Name11">
+                <dgm:if name="Name12" axis="ch" ptType="asst" func="cnt" op="gte" val="1">
+                  <dgm:alg type="hierRoot">
+                    <dgm:param type="hierAlign" val="tL"/>
+                  </dgm:alg>
+                  <dgm:constrLst>
+                    <dgm:constr type="alignOff" val="0.65"/>
+                  </dgm:constrLst>
+                </dgm:if>
+                <dgm:else name="Name13">
+                  <dgm:alg type="hierRoot">
+                    <dgm:param type="hierAlign" val="tL"/>
+                  </dgm:alg>
+                  <dgm:constrLst>
+                    <dgm:constr type="alignOff" val="0.25"/>
+                  </dgm:constrLst>
+                </dgm:else>
+              </dgm:choose>
+            </dgm:if>
+            <dgm:if name="Name14" func="var" arg="hierBranch" op="equ" val="hang">
+              <dgm:alg type="hierRoot"/>
+              <dgm:constrLst>
+                <dgm:constr type="alignOff" val="0.65"/>
+              </dgm:constrLst>
+            </dgm:if>
+            <dgm:else name="Name15">
+              <dgm:alg type="hierRoot"/>
+              <dgm:constrLst>
+                <dgm:constr type="alignOff"/>
+                <dgm:constr type="bendDist" for="des" ptType="parTrans" refType="sp" fact="0.5"/>
+              </dgm:constrLst>
+            </dgm:else>
+          </dgm:choose>
+          <dgm:shape xmlns:r="http://schemas.openxmlformats.org/officeDocument/2006/relationships" r:blip="">
+            <dgm:adjLst/>
+          </dgm:shape>
+          <dgm:presOf/>
+          <dgm:ruleLst/>
+          <dgm:layoutNode name="rootComposite1">
+            <dgm:alg type="composite"/>
+            <dgm:shape xmlns:r="http://schemas.openxmlformats.org/officeDocument/2006/relationships" r:blip="">
+              <dgm:adjLst/>
+            </dgm:shape>
+            <dgm:presOf axis="self" ptType="node" cnt="1"/>
+            <dgm:choose name="Name16">
+              <dgm:if name="Name17" func="var" arg="hierBranch" op="equ" val="init">
+                <dgm:constrLst>
+                  <dgm:constr type="l" for="ch" forName="rootText1"/>
+                  <dgm:constr type="t" for="ch" forName="rootText1"/>
+                  <dgm:constr type="w" for="ch" forName="rootText1" refType="w"/>
+                  <dgm:constr type="h" for="ch" forName="rootText1" refType="h"/>
+                  <dgm:constr type="l" for="ch" forName="rootConnector1"/>
+                  <dgm:constr type="t" for="ch" forName="rootConnector1"/>
+                  <dgm:constr type="w" for="ch" forName="rootConnector1" refType="w" refFor="ch" refForName="rootText1" fact="0.2"/>
+                  <dgm:constr type="h" for="ch" forName="rootConnector1" refType="h" refFor="ch" refForName="rootText1"/>
+                </dgm:constrLst>
+              </dgm:if>
+              <dgm:if name="Name18" func="var" arg="hierBranch" op="equ" val="l">
+                <dgm:constrLst>
+                  <dgm:constr type="l" for="ch" forName="rootText1"/>
+                  <dgm:constr type="t" for="ch" forName="rootText1"/>
+                  <dgm:constr type="w" for="ch" forName="rootText1" refType="w"/>
+                  <dgm:constr type="h" for="ch" forName="rootText1" refType="h"/>
+                  <dgm:constr type="r" for="ch" forName="rootConnector1" refType="w"/>
+                  <dgm:constr type="t" for="ch" forName="rootConnector1"/>
+                  <dgm:constr type="w" for="ch" forName="rootConnector1" refType="w" refFor="ch" refForName="rootText1" fact="0.2"/>
+                  <dgm:constr type="h" for="ch" forName="rootConnector1" refType="h" refFor="ch" refForName="rootText1"/>
+                </dgm:constrLst>
+              </dgm:if>
+              <dgm:if name="Name19" func="var" arg="hierBranch" op="equ" val="r">
+                <dgm:constrLst>
+                  <dgm:constr type="l" for="ch" forName="rootText1"/>
+                  <dgm:constr type="t" for="ch" forName="rootText1"/>
+                  <dgm:constr type="w" for="ch" forName="rootText1" refType="w"/>
+                  <dgm:constr type="h" for="ch" forName="rootText1" refType="h"/>
+                  <dgm:constr type="l" for="ch" forName="rootConnector1"/>
+                  <dgm:constr type="t" for="ch" forName="rootConnector1"/>
+                  <dgm:constr type="w" for="ch" forName="rootConnector1" refType="w" refFor="ch" refForName="rootText1" fact="0.2"/>
+                  <dgm:constr type="h" for="ch" forName="rootConnector1" refType="h" refFor="ch" refForName="rootText1"/>
+                </dgm:constrLst>
+              </dgm:if>
+              <dgm:else name="Name20">
+                <dgm:constrLst>
+                  <dgm:constr type="l" for="ch" forName="rootText1"/>
+                  <dgm:constr type="t" for="ch" forName="rootText1"/>
+                  <dgm:constr type="w" for="ch" forName="rootText1" refType="w"/>
+                  <dgm:constr type="h" for="ch" forName="rootText1" refType="h"/>
+                  <dgm:constr type="r" for="ch" forName="rootConnector1" refType="w"/>
+                  <dgm:constr type="t" for="ch" forName="rootConnector1"/>
+                  <dgm:constr type="w" for="ch" forName="rootConnector1" refType="w" refFor="ch" refForName="rootText1" fact="0.2"/>
+                  <dgm:constr type="h" for="ch" forName="rootConnector1" refType="h" refFor="ch" refForName="rootText1"/>
+                </dgm:constrLst>
+              </dgm:else>
+            </dgm:choose>
+            <dgm:ruleLst/>
+            <dgm:layoutNode name="rootText1" styleLbl="node0">
+              <dgm:varLst>
+                <dgm:chPref val="3"/>
+              </dgm:varLst>
+              <dgm:alg type="tx"/>
+              <dgm:shape xmlns:r="http://schemas.openxmlformats.org/officeDocument/2006/relationships" type="rect" r:blip="">
+                <dgm:adjLst/>
+              </dgm:shape>
+              <dgm:presOf axis="self" ptType="node" cnt="1"/>
+              <dgm:constrLst>
+                <dgm:constr type="primFontSz" val="65"/>
+                <dgm:constr type="lMarg" refType="primFontSz" fact="0.05"/>
+                <dgm:constr type="rMarg" refType="primFontSz" fact="0.05"/>
+                <dgm:constr type="tMarg" refType="primFontSz" fact="0.05"/>
+                <dgm:constr type="bMarg" refType="primFontSz" fact="0.05"/>
+              </dgm:constrLst>
+              <dgm:ruleLst>
+                <dgm:rule type="primFontSz" val="5" fact="NaN" max="NaN"/>
+              </dgm:ruleLst>
+            </dgm:layoutNode>
+            <dgm:layoutNode name="rootConnector1" moveWith="rootText1">
+              <dgm:alg type="sp"/>
+              <dgm:shape xmlns:r="http://schemas.openxmlformats.org/officeDocument/2006/relationships" type="rect" r:blip="" hideGeom="1">
+                <dgm:adjLst/>
+              </dgm:shape>
+              <dgm:presOf axis="self" ptType="node" cnt="1"/>
+              <dgm:constrLst/>
+              <dgm:ruleLst/>
+            </dgm:layoutNode>
+          </dgm:layoutNode>
+          <dgm:layoutNode name="hierChild2">
+            <dgm:choose name="Name21">
+              <dgm:if name="Name22" func="var" arg="hierBranch" op="equ" val="l">
+                <dgm:alg type="hierChild">
+                  <dgm:param type="chAlign" val="r"/>
+                  <dgm:param type="linDir" val="fromT"/>
+                </dgm:alg>
+              </dgm:if>
+              <dgm:if name="Name23" func="var" arg="hierBranch" op="equ" val="r">
+                <dgm:alg type="hierChild">
+                  <dgm:param type="chAlign" val="l"/>
+                  <dgm:param type="linDir" val="fromT"/>
+                </dgm:alg>
+              </dgm:if>
+              <dgm:if name="Name24" func="var" arg="hierBranch" op="equ" val="hang">
+                <dgm:choose name="Name25">
+                  <dgm:if name="Name26" func="var" arg="dir" op="equ" val="norm">
+                    <dgm:alg type="hierChild">
+                      <dgm:param type="chAlign" val="l"/>
+                      <dgm:param type="linDir" val="fromL"/>
+                      <dgm:param type="secChAlign" val="t"/>
+                      <dgm:param type="secLinDir" val="fromT"/>
+                    </dgm:alg>
+                  </dgm:if>
+                  <dgm:else name="Name27">
+                    <dgm:alg type="hierChild">
+                      <dgm:param type="chAlign" val="l"/>
+                      <dgm:param type="linDir" val="fromR"/>
+                      <dgm:param type="secChAlign" val="t"/>
+                      <dgm:param type="secLinDir" val="fromT"/>
+                    </dgm:alg>
+                  </dgm:else>
+                </dgm:choose>
+              </dgm:if>
+              <dgm:else name="Name28">
+                <dgm:choose name="Name29">
+                  <dgm:if name="Name30" func="var" arg="dir" op="equ" val="norm">
+                    <dgm:alg type="hierChild"/>
+                  </dgm:if>
+                  <dgm:else name="Name31">
+                    <dgm:alg type="hierChild">
+                      <dgm:param type="linDir" val="fromR"/>
+                    </dgm:alg>
+                  </dgm:else>
+                </dgm:choose>
+              </dgm:else>
+            </dgm:choose>
+            <dgm:shape xmlns:r="http://schemas.openxmlformats.org/officeDocument/2006/relationships" r:blip="">
+              <dgm:adjLst/>
+            </dgm:shape>
+            <dgm:presOf/>
+            <dgm:constrLst/>
+            <dgm:ruleLst/>
+            <dgm:forEach name="rep2a" axis="ch" ptType="nonAsst">
+              <dgm:forEach name="Name32" axis="precedSib" ptType="parTrans" st="-1" cnt="1">
+                <dgm:choose name="Name33">
+                  <dgm:if name="Name34" func="var" arg="hierBranch" op="equ" val="std">
+                    <dgm:layoutNode name="Name35">
+                      <dgm:alg type="conn">
+                        <dgm:param type="connRout" val="bend"/>
+                        <dgm:param type="dim" val="1D"/>
+                        <dgm:param type="endSty" val="noArr"/>
+                        <dgm:param type="begPts" val="bCtr"/>
+                        <dgm:param type="endPts" val="tCtr"/>
+                        <dgm:param type="bendPt" val="end"/>
+                      </dgm:alg>
+                      <dgm:shape xmlns:r="http://schemas.openxmlformats.org/officeDocument/2006/relationships" type="conn" r:blip="" zOrderOff="-99999">
+                        <dgm:adjLst/>
+                      </dgm:shape>
+                      <dgm:presOf axis="self"/>
+                      <dgm:constrLst>
+                        <dgm:constr type="begPad"/>
+                        <dgm:constr type="endPad"/>
+                      </dgm:constrLst>
+                      <dgm:ruleLst/>
+                    </dgm:layoutNode>
+                  </dgm:if>
+                  <dgm:if name="Name36" func="var" arg="hierBranch" op="equ" val="init">
+                    <dgm:layoutNode name="Name37">
+                      <dgm:choose name="Name38">
+                        <dgm:if name="Name39" axis="self" func="depth" op="lte" val="2">
+                          <dgm:alg type="conn">
+                            <dgm:param type="connRout" val="bend"/>
+                            <dgm:param type="dim" val="1D"/>
+                            <dgm:param type="endSty" val="noArr"/>
+                            <dgm:param type="begPts" val="bCtr"/>
+                            <dgm:param type="endPts" val="tCtr"/>
+                            <dgm:param type="bendPt" val="end"/>
+                          </dgm:alg>
+                        </dgm:if>
+                        <dgm:else name="Name40">
+                          <dgm:choose name="Name41">
+                            <dgm:if name="Name42" axis="par des" func="maxDepth" op="lte" val="1">
+                              <dgm:choose name="Name43">
+                                <dgm:if name="Name44" axis="par ch" ptType="node asst" func="cnt" op="gte" val="1">
+                                  <dgm:alg type="conn">
+                                    <dgm:param type="connRout" val="bend"/>
+                                    <dgm:param type="dim" val="1D"/>
+                                    <dgm:param type="endSty" val="noArr"/>
+                                    <dgm:param type="begPts" val="bCtr"/>
+                                    <dgm:param type="endPts" val="midL midR"/>
+                                  </dgm:alg>
+                                </dgm:if>
+                                <dgm:else name="Name45">
+                                  <dgm:alg type="conn">
+                                    <dgm:param type="connRout" val="bend"/>
+                                    <dgm:param type="dim" val="1D"/>
+                                    <dgm:param type="endSty" val="noArr"/>
+                                    <dgm:param type="begPts" val="bCtr"/>
+                                    <dgm:param type="endPts" val="midL midR"/>
+                                    <dgm:param type="srcNode" val="rootConnector"/>
+                                  </dgm:alg>
+                                </dgm:else>
+                              </dgm:choose>
+                            </dgm:if>
+                            <dgm:else name="Name46">
+                              <dgm:alg type="conn">
+                                <dgm:param type="connRout" val="bend"/>
+                                <dgm:param type="dim" val="1D"/>
+                                <dgm:param type="endSty" val="noArr"/>
+                                <dgm:param type="begPts" val="bCtr"/>
+                                <dgm:param type="endPts" val="tCtr"/>
+                                <dgm:param type="bendPt" val="end"/>
+                              </dgm:alg>
+                            </dgm:else>
+                          </dgm:choose>
+                        </dgm:else>
+                      </dgm:choose>
+                      <dgm:shape xmlns:r="http://schemas.openxmlformats.org/officeDocument/2006/relationships" type="conn" r:blip="" zOrderOff="-99999">
+                        <dgm:adjLst/>
+                      </dgm:shape>
+                      <dgm:presOf axis="self"/>
+                      <dgm:constrLst>
+                        <dgm:constr type="begPad"/>
+                        <dgm:constr type="endPad"/>
+                      </dgm:constrLst>
+                      <dgm:ruleLst/>
+                    </dgm:layoutNode>
+                  </dgm:if>
+                  <dgm:if name="Name47" func="var" arg="hierBranch" op="equ" val="hang">
+                    <dgm:layoutNode name="Name48">
+                      <dgm:alg type="conn">
+                        <dgm:param type="connRout" val="bend"/>
+                        <dgm:param type="dim" val="1D"/>
+                        <dgm:param type="endSty" val="noArr"/>
+                        <dgm:param type="begPts" val="bCtr"/>
+                        <dgm:param type="endPts" val="midL midR"/>
+                      </dgm:alg>
+                      <dgm:shape xmlns:r="http://schemas.openxmlformats.org/officeDocument/2006/relationships" type="conn" r:blip="" zOrderOff="-99999">
+                        <dgm:adjLst/>
+                      </dgm:shape>
+                      <dgm:presOf axis="self"/>
+                      <dgm:constrLst>
+                        <dgm:constr type="begPad"/>
+                        <dgm:constr type="endPad"/>
+                      </dgm:constrLst>
+                      <dgm:ruleLst/>
+                    </dgm:layoutNode>
+                  </dgm:if>
+                  <dgm:else name="Name49">
+                    <dgm:layoutNode name="Name50">
+                      <dgm:choose name="Name51">
+                        <dgm:if name="Name52" axis="self" func="depth" op="lte" val="2">
+                          <dgm:choose name="Name53">
+                            <dgm:if name="Name54" axis="par ch" ptType="node asst" func="cnt" op="gte" val="1">
+                              <dgm:alg type="conn">
+                                <dgm:param type="connRout" val="bend"/>
+                                <dgm:param type="dim" val="1D"/>
+                                <dgm:param type="endSty" val="noArr"/>
+                                <dgm:param type="begPts" val="bCtr"/>
+                                <dgm:param type="endPts" val="midL midR"/>
+                              </dgm:alg>
+                            </dgm:if>
+                            <dgm:else name="Name55">
+                              <dgm:alg type="conn">
+                                <dgm:param type="connRout" val="bend"/>
+                                <dgm:param type="dim" val="1D"/>
+                                <dgm:param type="endSty" val="noArr"/>
+                                <dgm:param type="begPts" val="bCtr"/>
+                                <dgm:param type="endPts" val="midL midR"/>
+                                <dgm:param type="srcNode" val="rootConnector1"/>
+                              </dgm:alg>
+                            </dgm:else>
+                          </dgm:choose>
+                        </dgm:if>
+                        <dgm:else name="Name56">
+                          <dgm:choose name="Name57">
+                            <dgm:if name="Name58" axis="par ch" ptType="node asst" func="cnt" op="gte" val="1">
+                              <dgm:alg type="conn">
+                                <dgm:param type="connRout" val="bend"/>
+                                <dgm:param type="dim" val="1D"/>
+                                <dgm:param type="endSty" val="noArr"/>
+                                <dgm:param type="begPts" val="bCtr"/>
+                                <dgm:param type="endPts" val="midL midR"/>
+                              </dgm:alg>
+                            </dgm:if>
+                            <dgm:else name="Name59">
+                              <dgm:alg type="conn">
+                                <dgm:param type="connRout" val="bend"/>
+                                <dgm:param type="dim" val="1D"/>
+                                <dgm:param type="endSty" val="noArr"/>
+                                <dgm:param type="begPts" val="bCtr"/>
+                                <dgm:param type="endPts" val="midL midR"/>
+                                <dgm:param type="srcNode" val="rootConnector"/>
+                              </dgm:alg>
+                            </dgm:else>
+                          </dgm:choose>
+                        </dgm:else>
+                      </dgm:choose>
+                      <dgm:shape xmlns:r="http://schemas.openxmlformats.org/officeDocument/2006/relationships" type="conn" r:blip="" zOrderOff="-99999">
+                        <dgm:adjLst/>
+                      </dgm:shape>
+                      <dgm:presOf axis="self"/>
+                      <dgm:constrLst>
+                        <dgm:constr type="begPad"/>
+                        <dgm:constr type="endPad"/>
+                      </dgm:constrLst>
+                      <dgm:ruleLst/>
+                    </dgm:layoutNode>
+                  </dgm:else>
+                </dgm:choose>
+              </dgm:forEach>
+              <dgm:layoutNode name="hierRoot2">
+                <dgm:varLst>
+                  <dgm:hierBranch val="init"/>
+                </dgm:varLst>
+                <dgm:choose name="Name60">
+                  <dgm:if name="Name61" func="var" arg="hierBranch" op="equ" val="l">
+                    <dgm:choose name="Name62">
+                      <dgm:if name="Name63" axis="ch" ptType="asst" func="cnt" op="gte" val="1">
+                        <dgm:alg type="hierRoot">
+                          <dgm:param type="hierAlign" val="tR"/>
+                        </dgm:alg>
+                        <dgm:shape xmlns:r="http://schemas.openxmlformats.org/officeDocument/2006/relationships" r:blip="">
+                          <dgm:adjLst/>
+                        </dgm:shape>
+                        <dgm:presOf/>
+                        <dgm:constrLst>
+                          <dgm:constr type="alignOff" val="0.65"/>
+                        </dgm:constrLst>
+                      </dgm:if>
+                      <dgm:else name="Name64">
+                        <dgm:alg type="hierRoot">
+                          <dgm:param type="hierAlign" val="tR"/>
+                        </dgm:alg>
+                        <dgm:shape xmlns:r="http://schemas.openxmlformats.org/officeDocument/2006/relationships" r:blip="">
+                          <dgm:adjLst/>
+                        </dgm:shape>
+                        <dgm:presOf/>
+                        <dgm:constrLst>
+                          <dgm:constr type="alignOff" val="0.25"/>
+                        </dgm:constrLst>
+                      </dgm:else>
+                    </dgm:choose>
+                  </dgm:if>
+                  <dgm:if name="Name65" func="var" arg="hierBranch" op="equ" val="r">
+                    <dgm:choose name="Name66">
+                      <dgm:if name="Name67" axis="ch" ptType="asst" func="cnt" op="gte" val="1">
+                        <dgm:alg type="hierRoot">
+                          <dgm:param type="hierAlign" val="tL"/>
+                        </dgm:alg>
+                        <dgm:shape xmlns:r="http://schemas.openxmlformats.org/officeDocument/2006/relationships" r:blip="">
+                          <dgm:adjLst/>
+                        </dgm:shape>
+                        <dgm:presOf/>
+                        <dgm:constrLst>
+                          <dgm:constr type="alignOff" val="0.65"/>
+                        </dgm:constrLst>
+                      </dgm:if>
+                      <dgm:else name="Name68">
+                        <dgm:alg type="hierRoot">
+                          <dgm:param type="hierAlign" val="tL"/>
+                        </dgm:alg>
+                        <dgm:shape xmlns:r="http://schemas.openxmlformats.org/officeDocument/2006/relationships" r:blip="">
+                          <dgm:adjLst/>
+                        </dgm:shape>
+                        <dgm:presOf/>
+                        <dgm:constrLst>
+                          <dgm:constr type="alignOff" val="0.25"/>
+                        </dgm:constrLst>
+                      </dgm:else>
+                    </dgm:choose>
+                  </dgm:if>
+                  <dgm:if name="Name69" func="var" arg="hierBranch" op="equ" val="std">
+                    <dgm:alg type="hierRoot"/>
+                    <dgm:shape xmlns:r="http://schemas.openxmlformats.org/officeDocument/2006/relationships" r:blip="">
+                      <dgm:adjLst/>
+                    </dgm:shape>
+                    <dgm:presOf/>
+                    <dgm:constrLst>
+                      <dgm:constr type="alignOff"/>
+                      <dgm:constr type="bendDist" for="des" ptType="parTrans" refType="sp" fact="0.5"/>
+                    </dgm:constrLst>
+                  </dgm:if>
+                  <dgm:if name="Name70" func="var" arg="hierBranch" op="equ" val="init">
+                    <dgm:choose name="Name71">
+                      <dgm:if name="Name72" axis="des" func="maxDepth" op="lte" val="1">
+                        <dgm:choose name="Name73">
+                          <dgm:if name="Name74" axis="ch" ptType="asst" func="cnt" op="gte" val="1">
+                            <dgm:alg type="hierRoot">
+                              <dgm:param type="hierAlign" val="tL"/>
+                            </dgm:alg>
+                            <dgm:shape xmlns:r="http://schemas.openxmlformats.org/officeDocument/2006/relationships" r:blip="">
+                              <dgm:adjLst/>
+                            </dgm:shape>
+                            <dgm:presOf/>
+                            <dgm:constrLst>
+                              <dgm:constr type="alignOff" val="0.65"/>
+                            </dgm:constrLst>
+                          </dgm:if>
+                          <dgm:else name="Name75">
+                            <dgm:alg type="hierRoot">
+                              <dgm:param type="hierAlign" val="tL"/>
+                            </dgm:alg>
+                            <dgm:shape xmlns:r="http://schemas.openxmlformats.org/officeDocument/2006/relationships" r:blip="">
+                              <dgm:adjLst/>
+                            </dgm:shape>
+                            <dgm:presOf/>
+                            <dgm:constrLst>
+                              <dgm:constr type="alignOff" val="0.25"/>
+                            </dgm:constrLst>
+                          </dgm:else>
+                        </dgm:choose>
+                      </dgm:if>
+                      <dgm:else name="Name76">
+                        <dgm:alg type="hierRoot"/>
+                        <dgm:shape xmlns:r="http://schemas.openxmlformats.org/officeDocument/2006/relationships" r:blip="">
+                          <dgm:adjLst/>
+                        </dgm:shape>
+                        <dgm:presOf/>
+                        <dgm:constrLst>
+                          <dgm:constr type="alignOff"/>
+                          <dgm:constr type="bendDist" for="des" ptType="parTrans" refType="sp" fact="0.5"/>
+                        </dgm:constrLst>
+                      </dgm:else>
+                    </dgm:choose>
+                  </dgm:if>
+                  <dgm:else name="Name77">
+                    <dgm:alg type="hierRoot"/>
+                    <dgm:shape xmlns:r="http://schemas.openxmlformats.org/officeDocument/2006/relationships" r:blip="">
+                      <dgm:adjLst/>
+                    </dgm:shape>
+                    <dgm:presOf/>
+                    <dgm:constrLst>
+                      <dgm:constr type="alignOff" val="0.65"/>
+                    </dgm:constrLst>
+                  </dgm:else>
+                </dgm:choose>
+                <dgm:ruleLst/>
+                <dgm:layoutNode name="rootComposite">
+                  <dgm:alg type="composite"/>
+                  <dgm:shape xmlns:r="http://schemas.openxmlformats.org/officeDocument/2006/relationships" r:blip="">
+                    <dgm:adjLst/>
+                  </dgm:shape>
+                  <dgm:presOf axis="self" ptType="node" cnt="1"/>
+                  <dgm:choose name="Name78">
+                    <dgm:if name="Name79" func="var" arg="hierBranch" op="equ" val="init">
+                      <dgm:constrLst>
+                        <dgm:constr type="l" for="ch" forName="rootText"/>
+                        <dgm:constr type="t" for="ch" forName="rootText"/>
+                        <dgm:constr type="w" for="ch" forName="rootText" refType="w"/>
+                        <dgm:constr type="h" for="ch" forName="rootText" refType="h"/>
+                        <dgm:constr type="l" for="ch" forName="rootConnector"/>
+                        <dgm:constr type="t" for="ch" forName="rootConnector"/>
+                        <dgm:constr type="w" for="ch" forName="rootConnector" refType="w" refFor="ch" refForName="rootText" fact="0.2"/>
+                        <dgm:constr type="h" for="ch" forName="rootConnector" refType="h" refFor="ch" refForName="rootText"/>
+                      </dgm:constrLst>
+                    </dgm:if>
+                    <dgm:if name="Name80" func="var" arg="hierBranch" op="equ" val="l">
+                      <dgm:constrLst>
+                        <dgm:constr type="l" for="ch" forName="rootText"/>
+                        <dgm:constr type="t" for="ch" forName="rootText"/>
+                        <dgm:constr type="w" for="ch" forName="rootText" refType="w"/>
+                        <dgm:constr type="h" for="ch" forName="rootText" refType="h"/>
+                        <dgm:constr type="r" for="ch" forName="rootConnector" refType="w"/>
+                        <dgm:constr type="t" for="ch" forName="rootConnector"/>
+                        <dgm:constr type="w" for="ch" forName="rootConnector" refType="w" refFor="ch" refForName="rootText" fact="0.2"/>
+                        <dgm:constr type="h" for="ch" forName="rootConnector" refType="h" refFor="ch" refForName="rootText"/>
+                      </dgm:constrLst>
+                    </dgm:if>
+                    <dgm:if name="Name81" func="var" arg="hierBranch" op="equ" val="r">
+                      <dgm:constrLst>
+                        <dgm:constr type="l" for="ch" forName="rootText"/>
+                        <dgm:constr type="t" for="ch" forName="rootText"/>
+                        <dgm:constr type="w" for="ch" forName="rootText" refType="w"/>
+                        <dgm:constr type="h" for="ch" forName="rootText" refType="h"/>
+                        <dgm:constr type="l" for="ch" forName="rootConnector"/>
+                        <dgm:constr type="t" for="ch" forName="rootConnector"/>
+                        <dgm:constr type="w" for="ch" forName="rootConnector" refType="w" refFor="ch" refForName="rootText" fact="0.2"/>
+                        <dgm:constr type="h" for="ch" forName="rootConnector" refType="h" refFor="ch" refForName="rootText"/>
+                      </dgm:constrLst>
+                    </dgm:if>
+                    <dgm:else name="Name82">
+                      <dgm:constrLst>
+                        <dgm:constr type="l" for="ch" forName="rootText"/>
+                        <dgm:constr type="t" for="ch" forName="rootText"/>
+                        <dgm:constr type="w" for="ch" forName="rootText" refType="w"/>
+                        <dgm:constr type="h" for="ch" forName="rootText" refType="h"/>
+                        <dgm:constr type="r" for="ch" forName="rootConnector" refType="w"/>
+                        <dgm:constr type="t" for="ch" forName="rootConnector"/>
+                        <dgm:constr type="w" for="ch" forName="rootConnector" refType="w" refFor="ch" refForName="rootText" fact="0.2"/>
+                        <dgm:constr type="h" for="ch" forName="rootConnector" refType="h" refFor="ch" refForName="rootText"/>
+                      </dgm:constrLst>
+                    </dgm:else>
+                  </dgm:choose>
+                  <dgm:ruleLst/>
+                  <dgm:layoutNode name="rootText">
+                    <dgm:varLst>
+                      <dgm:chPref val="3"/>
+                    </dgm:varLst>
+                    <dgm:alg type="tx"/>
+                    <dgm:shape xmlns:r="http://schemas.openxmlformats.org/officeDocument/2006/relationships" type="rect" r:blip="">
+                      <dgm:adjLst/>
+                    </dgm:shape>
+                    <dgm:presOf axis="self" ptType="node" cnt="1"/>
+                    <dgm:constrLst>
+                      <dgm:constr type="primFontSz" val="65"/>
+                      <dgm:constr type="lMarg" refType="primFontSz" fact="0.05"/>
+                      <dgm:constr type="rMarg" refType="primFontSz" fact="0.05"/>
+                      <dgm:constr type="tMarg" refType="primFontSz" fact="0.05"/>
+                      <dgm:constr type="bMarg" refType="primFontSz" fact="0.05"/>
+                    </dgm:constrLst>
+                    <dgm:ruleLst>
+                      <dgm:rule type="primFontSz" val="5" fact="NaN" max="NaN"/>
+                    </dgm:ruleLst>
+                  </dgm:layoutNode>
+                  <dgm:layoutNode name="rootConnector" moveWith="rootText">
+                    <dgm:alg type="sp"/>
+                    <dgm:shape xmlns:r="http://schemas.openxmlformats.org/officeDocument/2006/relationships" type="rect" r:blip="" hideGeom="1">
+                      <dgm:adjLst/>
+                    </dgm:shape>
+                    <dgm:presOf axis="self" ptType="node" cnt="1"/>
+                    <dgm:constrLst/>
+                    <dgm:ruleLst/>
+                  </dgm:layoutNode>
+                </dgm:layoutNode>
+                <dgm:layoutNode name="hierChild4">
+                  <dgm:choose name="Name83">
+                    <dgm:if name="Name84" func="var" arg="hierBranch" op="equ" val="l">
+                      <dgm:alg type="hierChild">
+                        <dgm:param type="chAlign" val="r"/>
+                        <dgm:param type="linDir" val="fromT"/>
+                      </dgm:alg>
+                    </dgm:if>
+                    <dgm:if name="Name85" func="var" arg="hierBranch" op="equ" val="r">
+                      <dgm:alg type="hierChild">
+                        <dgm:param type="chAlign" val="l"/>
+                        <dgm:param type="linDir" val="fromT"/>
+                      </dgm:alg>
+                    </dgm:if>
+                    <dgm:if name="Name86" func="var" arg="hierBranch" op="equ" val="hang">
+                      <dgm:choose name="Name87">
+                        <dgm:if name="Name88" func="var" arg="dir" op="equ" val="norm">
+                          <dgm:alg type="hierChild">
+                            <dgm:param type="chAlign" val="l"/>
+                            <dgm:param type="linDir" val="fromL"/>
+                            <dgm:param type="secChAlign" val="t"/>
+                            <dgm:param type="secLinDir" val="fromT"/>
+                          </dgm:alg>
+                        </dgm:if>
+                        <dgm:else name="Name89">
+                          <dgm:alg type="hierChild">
+                            <dgm:param type="chAlign" val="l"/>
+                            <dgm:param type="linDir" val="fromR"/>
+                            <dgm:param type="secChAlign" val="t"/>
+                            <dgm:param type="secLinDir" val="fromT"/>
+                          </dgm:alg>
+                        </dgm:else>
+                      </dgm:choose>
+                    </dgm:if>
+                    <dgm:if name="Name90" func="var" arg="hierBranch" op="equ" val="std">
+                      <dgm:choose name="Name91">
+                        <dgm:if name="Name92" func="var" arg="dir" op="equ" val="norm">
+                          <dgm:alg type="hierChild"/>
+                        </dgm:if>
+                        <dgm:else name="Name93">
+                          <dgm:alg type="hierChild">
+                            <dgm:param type="linDir" val="fromR"/>
+                          </dgm:alg>
+                        </dgm:else>
+                      </dgm:choose>
+                    </dgm:if>
+                    <dgm:if name="Name94" func="var" arg="hierBranch" op="equ" val="init">
+                      <dgm:choose name="Name95">
+                        <dgm:if name="Name96" axis="des" func="maxDepth" op="lte" val="1">
+                          <dgm:alg type="hierChild">
+                            <dgm:param type="chAlign" val="l"/>
+                            <dgm:param type="linDir" val="fromT"/>
+                          </dgm:alg>
+                        </dgm:if>
+                        <dgm:else name="Name97">
+                          <dgm:choose name="Name98">
+                            <dgm:if name="Name99" func="var" arg="dir" op="equ" val="norm">
+                              <dgm:alg type="hierChild"/>
+                            </dgm:if>
+                            <dgm:else name="Name100">
+                              <dgm:alg type="hierChild">
+                                <dgm:param type="linDir" val="fromR"/>
+                              </dgm:alg>
+                            </dgm:else>
+                          </dgm:choose>
+                        </dgm:else>
+                      </dgm:choose>
+                    </dgm:if>
+                    <dgm:else name="Name101"/>
+                  </dgm:choose>
+                  <dgm:shape xmlns:r="http://schemas.openxmlformats.org/officeDocument/2006/relationships" r:blip="">
+                    <dgm:adjLst/>
+                  </dgm:shape>
+                  <dgm:presOf/>
+                  <dgm:constrLst/>
+                  <dgm:ruleLst/>
+                  <dgm:forEach name="Name102" ref="rep2a"/>
+                </dgm:layoutNode>
+                <dgm:layoutNode name="hierChild5">
+                  <dgm:choose name="Name103">
+                    <dgm:if name="Name104" func="var" arg="dir" op="equ" val="norm">
+                      <dgm:alg type="hierChild">
+                        <dgm:param type="chAlign" val="l"/>
+                        <dgm:param type="linDir" val="fromL"/>
+                        <dgm:param type="secChAlign" val="t"/>
+                        <dgm:param type="secLinDir" val="fromT"/>
+                      </dgm:alg>
+                    </dgm:if>
+                    <dgm:else name="Name105">
+                      <dgm:alg type="hierChild">
+                        <dgm:param type="chAlign" val="l"/>
+                        <dgm:param type="linDir" val="fromR"/>
+                        <dgm:param type="secChAlign" val="t"/>
+                        <dgm:param type="secLinDir" val="fromT"/>
+                      </dgm:alg>
+                    </dgm:else>
+                  </dgm:choose>
+                  <dgm:shape xmlns:r="http://schemas.openxmlformats.org/officeDocument/2006/relationships" r:blip="">
+                    <dgm:adjLst/>
+                  </dgm:shape>
+                  <dgm:presOf/>
+                  <dgm:constrLst/>
+                  <dgm:ruleLst/>
+                  <dgm:forEach name="Name106" ref="rep2b"/>
+                </dgm:layoutNode>
+              </dgm:layoutNode>
+            </dgm:forEach>
+          </dgm:layoutNode>
+          <dgm:layoutNode name="hierChild3">
+            <dgm:choose name="Name107">
+              <dgm:if name="Name108" func="var" arg="dir" op="equ" val="norm">
+                <dgm:alg type="hierChild">
+                  <dgm:param type="chAlign" val="l"/>
+                  <dgm:param type="linDir" val="fromL"/>
+                  <dgm:param type="secChAlign" val="t"/>
+                  <dgm:param type="secLinDir" val="fromT"/>
+                </dgm:alg>
+              </dgm:if>
+              <dgm:else name="Name109">
+                <dgm:alg type="hierChild">
+                  <dgm:param type="chAlign" val="l"/>
+                  <dgm:param type="linDir" val="fromR"/>
+                  <dgm:param type="secChAlign" val="t"/>
+                  <dgm:param type="secLinDir" val="fromT"/>
+                </dgm:alg>
+              </dgm:else>
+            </dgm:choose>
+            <dgm:shape xmlns:r="http://schemas.openxmlformats.org/officeDocument/2006/relationships" r:blip="">
+              <dgm:adjLst/>
+            </dgm:shape>
+            <dgm:presOf/>
+            <dgm:constrLst/>
+            <dgm:ruleLst/>
+            <dgm:forEach name="rep2b" axis="ch" ptType="asst">
+              <dgm:forEach name="Name110" axis="precedSib" ptType="parTrans" st="-1" cnt="1">
+                <dgm:layoutNode name="Name111">
+                  <dgm:alg type="conn">
+                    <dgm:param type="connRout" val="bend"/>
+                    <dgm:param type="dim" val="1D"/>
+                    <dgm:param type="endSty" val="noArr"/>
+                    <dgm:param type="begPts" val="bCtr"/>
+                    <dgm:param type="endPts" val="midL midR"/>
+                  </dgm:alg>
+                  <dgm:shape xmlns:r="http://schemas.openxmlformats.org/officeDocument/2006/relationships" type="conn" r:blip="" zOrderOff="-99999">
+                    <dgm:adjLst/>
+                  </dgm:shape>
+                  <dgm:presOf axis="self"/>
+                  <dgm:constrLst>
+                    <dgm:constr type="begPad"/>
+                    <dgm:constr type="endPad"/>
+                  </dgm:constrLst>
+                  <dgm:ruleLst/>
+                </dgm:layoutNode>
+              </dgm:forEach>
+              <dgm:layoutNode name="hierRoot3">
+                <dgm:varLst>
+                  <dgm:hierBranch val="init"/>
+                </dgm:varLst>
+                <dgm:choose name="Name112">
+                  <dgm:if name="Name113" func="var" arg="hierBranch" op="equ" val="l">
+                    <dgm:alg type="hierRoot">
+                      <dgm:param type="hierAlign" val="tR"/>
+                    </dgm:alg>
+                    <dgm:shape xmlns:r="http://schemas.openxmlformats.org/officeDocument/2006/relationships" r:blip="">
+                      <dgm:adjLst/>
+                    </dgm:shape>
+                    <dgm:presOf/>
+                    <dgm:constrLst>
+                      <dgm:constr type="alignOff" val="0.65"/>
+                    </dgm:constrLst>
+                  </dgm:if>
+                  <dgm:if name="Name114" func="var" arg="hierBranch" op="equ" val="r">
+                    <dgm:alg type="hierRoot">
+                      <dgm:param type="hierAlign" val="tL"/>
+                    </dgm:alg>
+                    <dgm:shape xmlns:r="http://schemas.openxmlformats.org/officeDocument/2006/relationships" r:blip="">
+                      <dgm:adjLst/>
+                    </dgm:shape>
+                    <dgm:presOf/>
+                    <dgm:constrLst>
+                      <dgm:constr type="alignOff" val="0.65"/>
+                    </dgm:constrLst>
+                  </dgm:if>
+                  <dgm:if name="Name115" func="var" arg="hierBranch" op="equ" val="hang">
+                    <dgm:alg type="hierRoot"/>
+                    <dgm:shape xmlns:r="http://schemas.openxmlformats.org/officeDocument/2006/relationships" r:blip="">
+                      <dgm:adjLst/>
+                    </dgm:shape>
+                    <dgm:presOf/>
+                    <dgm:constrLst>
+                      <dgm:constr type="alignOff" val="0.65"/>
+                    </dgm:constrLst>
+                  </dgm:if>
+                  <dgm:if name="Name116" func="var" arg="hierBranch" op="equ" val="std">
+                    <dgm:alg type="hierRoot"/>
+                    <dgm:shape xmlns:r="http://schemas.openxmlformats.org/officeDocument/2006/relationships" r:blip="">
+                      <dgm:adjLst/>
+                    </dgm:shape>
+                    <dgm:presOf/>
+                    <dgm:constrLst>
+                      <dgm:constr type="alignOff"/>
+                      <dgm:constr type="bendDist" for="des" ptType="parTrans" refType="sp" fact="0.5"/>
+                    </dgm:constrLst>
+                  </dgm:if>
+                  <dgm:if name="Name117" func="var" arg="hierBranch" op="equ" val="init">
+                    <dgm:choose name="Name118">
+                      <dgm:if name="Name119" axis="des" func="maxDepth" op="lte" val="1">
+                        <dgm:alg type="hierRoot">
+                          <dgm:param type="hierAlign" val="tL"/>
+                        </dgm:alg>
+                        <dgm:shape xmlns:r="http://schemas.openxmlformats.org/officeDocument/2006/relationships" r:blip="">
+                          <dgm:adjLst/>
+                        </dgm:shape>
+                        <dgm:presOf/>
+                        <dgm:constrLst>
+                          <dgm:constr type="alignOff" val="0.65"/>
+                        </dgm:constrLst>
+                      </dgm:if>
+                      <dgm:else name="Name120">
+                        <dgm:alg type="hierRoot"/>
+                        <dgm:shape xmlns:r="http://schemas.openxmlformats.org/officeDocument/2006/relationships" r:blip="">
+                          <dgm:adjLst/>
+                        </dgm:shape>
+                        <dgm:presOf/>
+                        <dgm:constrLst>
+                          <dgm:constr type="alignOff"/>
+                          <dgm:constr type="bendDist" for="des" ptType="parTrans" refType="sp" fact="0.5"/>
+                        </dgm:constrLst>
+                      </dgm:else>
+                    </dgm:choose>
+                  </dgm:if>
+                  <dgm:else name="Name121"/>
+                </dgm:choose>
+                <dgm:ruleLst/>
+                <dgm:layoutNode name="rootComposite3">
+                  <dgm:alg type="composite"/>
+                  <dgm:shape xmlns:r="http://schemas.openxmlformats.org/officeDocument/2006/relationships" r:blip="">
+                    <dgm:adjLst/>
+                  </dgm:shape>
+                  <dgm:presOf axis="self" ptType="node" cnt="1"/>
+                  <dgm:choose name="Name122">
+                    <dgm:if name="Name123" func="var" arg="hierBranch" op="equ" val="init">
+                      <dgm:constrLst>
+                        <dgm:constr type="l" for="ch" forName="rootText3"/>
+                        <dgm:constr type="t" for="ch" forName="rootText3"/>
+                        <dgm:constr type="w" for="ch" forName="rootText3" refType="w"/>
+                        <dgm:constr type="h" for="ch" forName="rootText3" refType="h"/>
+                        <dgm:constr type="l" for="ch" forName="rootConnector3"/>
+                        <dgm:constr type="t" for="ch" forName="rootConnector3"/>
+                        <dgm:constr type="w" for="ch" forName="rootConnector3" refType="w" refFor="ch" refForName="rootText3" fact="0.2"/>
+                        <dgm:constr type="h" for="ch" forName="rootConnector3" refType="h" refFor="ch" refForName="rootText3"/>
+                      </dgm:constrLst>
+                    </dgm:if>
+                    <dgm:if name="Name124" func="var" arg="hierBranch" op="equ" val="l">
+                      <dgm:constrLst>
+                        <dgm:constr type="l" for="ch" forName="rootText3"/>
+                        <dgm:constr type="t" for="ch" forName="rootText3"/>
+                        <dgm:constr type="w" for="ch" forName="rootText3" refType="w"/>
+                        <dgm:constr type="h" for="ch" forName="rootText3" refType="h"/>
+                        <dgm:constr type="r" for="ch" forName="rootConnector3" refType="w"/>
+                        <dgm:constr type="t" for="ch" forName="rootConnector3"/>
+                        <dgm:constr type="w" for="ch" forName="rootConnector3" refType="w" refFor="ch" refForName="rootText3" fact="0.2"/>
+                        <dgm:constr type="h" for="ch" forName="rootConnector3" refType="h" refFor="ch" refForName="rootText3"/>
+                      </dgm:constrLst>
+                    </dgm:if>
+                    <dgm:if name="Name125" func="var" arg="hierBranch" op="equ" val="r">
+                      <dgm:constrLst>
+                        <dgm:constr type="l" for="ch" forName="rootText3"/>
+                        <dgm:constr type="t" for="ch" forName="rootText3"/>
+                        <dgm:constr type="w" for="ch" forName="rootText3" refType="w"/>
+                        <dgm:constr type="h" for="ch" forName="rootText3" refType="h"/>
+                        <dgm:constr type="l" for="ch" forName="rootConnector3"/>
+                        <dgm:constr type="t" for="ch" forName="rootConnector3"/>
+                        <dgm:constr type="w" for="ch" forName="rootConnector3" refType="w" refFor="ch" refForName="rootText3" fact="0.2"/>
+                        <dgm:constr type="h" for="ch" forName="rootConnector3" refType="h" refFor="ch" refForName="rootText3"/>
+                      </dgm:constrLst>
+                    </dgm:if>
+                    <dgm:else name="Name126">
+                      <dgm:constrLst>
+                        <dgm:constr type="l" for="ch" forName="rootText3"/>
+                        <dgm:constr type="t" for="ch" forName="rootText3"/>
+                        <dgm:constr type="w" for="ch" forName="rootText3" refType="w"/>
+                        <dgm:constr type="h" for="ch" forName="rootText3" refType="h"/>
+                        <dgm:constr type="r" for="ch" forName="rootConnector3" refType="w"/>
+                        <dgm:constr type="t" for="ch" forName="rootConnector3"/>
+                        <dgm:constr type="w" for="ch" forName="rootConnector3" refType="w" refFor="ch" refForName="rootText3" fact="0.2"/>
+                        <dgm:constr type="h" for="ch" forName="rootConnector3" refType="h" refFor="ch" refForName="rootText3"/>
+                      </dgm:constrLst>
+                    </dgm:else>
+                  </dgm:choose>
+                  <dgm:ruleLst/>
+                  <dgm:layoutNode name="rootText3">
+                    <dgm:varLst>
+                      <dgm:chPref val="3"/>
+                    </dgm:varLst>
+                    <dgm:alg type="tx"/>
+                    <dgm:shape xmlns:r="http://schemas.openxmlformats.org/officeDocument/2006/relationships" type="rect" r:blip="">
+                      <dgm:adjLst/>
+                    </dgm:shape>
+                    <dgm:presOf axis="self" ptType="node" cnt="1"/>
+                    <dgm:constrLst>
+                      <dgm:constr type="primFontSz" val="65"/>
+                      <dgm:constr type="lMarg" refType="primFontSz" fact="0.05"/>
+                      <dgm:constr type="rMarg" refType="primFontSz" fact="0.05"/>
+                      <dgm:constr type="tMarg" refType="primFontSz" fact="0.05"/>
+                      <dgm:constr type="bMarg" refType="primFontSz" fact="0.05"/>
+                    </dgm:constrLst>
+                    <dgm:ruleLst>
+                      <dgm:rule type="primFontSz" val="5" fact="NaN" max="NaN"/>
+                    </dgm:ruleLst>
+                  </dgm:layoutNode>
+                  <dgm:layoutNode name="rootConnector3" moveWith="rootText1">
+                    <dgm:alg type="sp"/>
+                    <dgm:shape xmlns:r="http://schemas.openxmlformats.org/officeDocument/2006/relationships" type="rect" r:blip="" hideGeom="1">
+                      <dgm:adjLst/>
+                    </dgm:shape>
+                    <dgm:presOf axis="self" ptType="node" cnt="1"/>
+                    <dgm:constrLst/>
+                    <dgm:ruleLst/>
+                  </dgm:layoutNode>
+                </dgm:layoutNode>
+                <dgm:layoutNode name="hierChild6">
+                  <dgm:choose name="Name127">
+                    <dgm:if name="Name128" func="var" arg="hierBranch" op="equ" val="l">
+                      <dgm:alg type="hierChild">
+                        <dgm:param type="chAlign" val="r"/>
+                        <dgm:param type="linDir" val="fromT"/>
+                      </dgm:alg>
+                    </dgm:if>
+                    <dgm:if name="Name129" func="var" arg="hierBranch" op="equ" val="r">
+                      <dgm:alg type="hierChild">
+                        <dgm:param type="chAlign" val="l"/>
+                        <dgm:param type="linDir" val="fromT"/>
+                      </dgm:alg>
+                    </dgm:if>
+                    <dgm:if name="Name130" func="var" arg="hierBranch" op="equ" val="hang">
+                      <dgm:choose name="Name131">
+                        <dgm:if name="Name132" func="var" arg="dir" op="equ" val="norm">
+                          <dgm:alg type="hierChild">
+                            <dgm:param type="chAlign" val="l"/>
+                            <dgm:param type="linDir" val="fromL"/>
+                            <dgm:param type="secChAlign" val="t"/>
+                            <dgm:param type="secLinDir" val="fromT"/>
+                          </dgm:alg>
+                        </dgm:if>
+                        <dgm:else name="Name133">
+                          <dgm:alg type="hierChild">
+                            <dgm:param type="chAlign" val="l"/>
+                            <dgm:param type="linDir" val="fromR"/>
+                            <dgm:param type="secChAlign" val="t"/>
+                            <dgm:param type="secLinDir" val="fromT"/>
+                          </dgm:alg>
+                        </dgm:else>
+                      </dgm:choose>
+                    </dgm:if>
+                    <dgm:if name="Name134" func="var" arg="hierBranch" op="equ" val="std">
+                      <dgm:choose name="Name135">
+                        <dgm:if name="Name136" func="var" arg="dir" op="equ" val="norm">
+                          <dgm:alg type="hierChild"/>
+                        </dgm:if>
+                        <dgm:else name="Name137">
+                          <dgm:alg type="hierChild">
+                            <dgm:param type="linDir" val="fromR"/>
+                          </dgm:alg>
+                        </dgm:else>
+                      </dgm:choose>
+                    </dgm:if>
+                    <dgm:if name="Name138" func="var" arg="hierBranch" op="equ" val="init">
+                      <dgm:choose name="Name139">
+                        <dgm:if name="Name140" axis="des" func="maxDepth" op="lte" val="1">
+                          <dgm:alg type="hierChild">
+                            <dgm:param type="chAlign" val="l"/>
+                            <dgm:param type="linDir" val="fromT"/>
+                          </dgm:alg>
+                        </dgm:if>
+                        <dgm:else name="Name141">
+                          <dgm:alg type="hierChild"/>
+                        </dgm:else>
+                      </dgm:choose>
+                    </dgm:if>
+                    <dgm:else name="Name142"/>
+                  </dgm:choose>
+                  <dgm:shape xmlns:r="http://schemas.openxmlformats.org/officeDocument/2006/relationships" r:blip="">
+                    <dgm:adjLst/>
+                  </dgm:shape>
+                  <dgm:presOf/>
+                  <dgm:constrLst/>
+                  <dgm:ruleLst/>
+                  <dgm:forEach name="Name143" ref="rep2a"/>
+                </dgm:layoutNode>
+                <dgm:layoutNode name="hierChild7">
+                  <dgm:choose name="Name144">
+                    <dgm:if name="Name145" func="var" arg="dir" op="equ" val="norm">
+                      <dgm:alg type="hierChild">
+                        <dgm:param type="chAlign" val="l"/>
+                        <dgm:param type="linDir" val="fromL"/>
+                        <dgm:param type="secChAlign" val="t"/>
+                        <dgm:param type="secLinDir" val="fromT"/>
+                      </dgm:alg>
+                    </dgm:if>
+                    <dgm:else name="Name146">
+                      <dgm:alg type="hierChild">
+                        <dgm:param type="chAlign" val="l"/>
+                        <dgm:param type="linDir" val="fromR"/>
+                        <dgm:param type="secChAlign" val="t"/>
+                        <dgm:param type="secLinDir" val="fromT"/>
+                      </dgm:alg>
+                    </dgm:else>
+                  </dgm:choose>
+                  <dgm:shape xmlns:r="http://schemas.openxmlformats.org/officeDocument/2006/relationships" r:blip="">
+                    <dgm:adjLst/>
+                  </dgm:shape>
+                  <dgm:presOf/>
+                  <dgm:constrLst/>
+                  <dgm:ruleLst/>
+                  <dgm:forEach name="Name147" ref="rep2b"/>
+                </dgm:layoutNode>
+              </dgm:layoutNode>
+            </dgm:forEach>
+          </dgm:layoutNode>
+        </dgm:layoutNode>
+      </dgm:forEach>
+    </dgm:forEach>
+  </dgm:layoutNode>
+</dgm:layoutDef>
+</file>
+
+<file path=ppt/diagrams/layout7.xml><?xml version="1.0" encoding="utf-8"?>
 <dgm:layoutDef xmlns:dgm="http://schemas.openxmlformats.org/drawingml/2006/diagram" xmlns:a="http://schemas.openxmlformats.org/drawingml/2006/main" uniqueId="urn:microsoft.com/office/officeart/2005/8/layout/hProcess9">
   <dgm:title val=""/>
   <dgm:desc val=""/>
@@ -24077,6 +27712,1040 @@
 </dgm:styleDef>
 </file>
 
+<file path=ppt/diagrams/quickStyle7.xml><?xml version="1.0" encoding="utf-8"?>
+<dgm:styleDef xmlns:dgm="http://schemas.openxmlformats.org/drawingml/2006/diagram" xmlns:a="http://schemas.openxmlformats.org/drawingml/2006/main" uniqueId="urn:microsoft.com/office/officeart/2005/8/quickstyle/simple1">
+  <dgm:title val=""/>
+  <dgm:desc val=""/>
+  <dgm:catLst>
+    <dgm:cat type="simple" pri="10100"/>
+  </dgm:catLst>
+  <dgm:scene3d>
+    <a:camera prst="orthographicFront"/>
+    <a:lightRig rig="threePt" dir="t"/>
+  </dgm:scene3d>
+  <dgm:styleLbl name="node0">
+    <dgm:scene3d>
+      <a:camera prst="orthographicFront"/>
+      <a:lightRig rig="threePt" dir="t"/>
+    </dgm:scene3d>
+    <dgm:sp3d/>
+    <dgm:txPr/>
+    <dgm:style>
+      <a:lnRef idx="2">
+        <a:scrgbClr r="0" g="0" b="0"/>
+      </a:lnRef>
+      <a:fillRef idx="1">
+        <a:scrgbClr r="0" g="0" b="0"/>
+      </a:fillRef>
+      <a:effectRef idx="0">
+        <a:scrgbClr r="0" g="0" b="0"/>
+      </a:effectRef>
+      <a:fontRef idx="minor">
+        <a:schemeClr val="lt1"/>
+      </a:fontRef>
+    </dgm:style>
+  </dgm:styleLbl>
+  <dgm:styleLbl name="lnNode1">
+    <dgm:scene3d>
+      <a:camera prst="orthographicFront"/>
+      <a:lightRig rig="threePt" dir="t"/>
+    </dgm:scene3d>
+    <dgm:sp3d/>
+    <dgm:txPr/>
+    <dgm:style>
+      <a:lnRef idx="2">
+        <a:scrgbClr r="0" g="0" b="0"/>
+      </a:lnRef>
+      <a:fillRef idx="1">
+        <a:scrgbClr r="0" g="0" b="0"/>
+      </a:fillRef>
+      <a:effectRef idx="0">
+        <a:scrgbClr r="0" g="0" b="0"/>
+      </a:effectRef>
+      <a:fontRef idx="minor">
+        <a:schemeClr val="lt1"/>
+      </a:fontRef>
+    </dgm:style>
+  </dgm:styleLbl>
+  <dgm:styleLbl name="vennNode1">
+    <dgm:scene3d>
+      <a:camera prst="orthographicFront"/>
+      <a:lightRig rig="threePt" dir="t"/>
+    </dgm:scene3d>
+    <dgm:sp3d/>
+    <dgm:txPr/>
+    <dgm:style>
+      <a:lnRef idx="2">
+        <a:scrgbClr r="0" g="0" b="0"/>
+      </a:lnRef>
+      <a:fillRef idx="1">
+        <a:scrgbClr r="0" g="0" b="0"/>
+      </a:fillRef>
+      <a:effectRef idx="0">
+        <a:scrgbClr r="0" g="0" b="0"/>
+      </a:effectRef>
+      <a:fontRef idx="minor">
+        <a:schemeClr val="tx1"/>
+      </a:fontRef>
+    </dgm:style>
+  </dgm:styleLbl>
+  <dgm:styleLbl name="alignNode1">
+    <dgm:scene3d>
+      <a:camera prst="orthographicFront"/>
+      <a:lightRig rig="threePt" dir="t"/>
+    </dgm:scene3d>
+    <dgm:sp3d/>
+    <dgm:txPr/>
+    <dgm:style>
+      <a:lnRef idx="2">
+        <a:scrgbClr r="0" g="0" b="0"/>
+      </a:lnRef>
+      <a:fillRef idx="1">
+        <a:scrgbClr r="0" g="0" b="0"/>
+      </a:fillRef>
+      <a:effectRef idx="0">
+        <a:scrgbClr r="0" g="0" b="0"/>
+      </a:effectRef>
+      <a:fontRef idx="minor">
+        <a:schemeClr val="lt1"/>
+      </a:fontRef>
+    </dgm:style>
+  </dgm:styleLbl>
+  <dgm:styleLbl name="node1">
+    <dgm:scene3d>
+      <a:camera prst="orthographicFront"/>
+      <a:lightRig rig="threePt" dir="t"/>
+    </dgm:scene3d>
+    <dgm:sp3d/>
+    <dgm:txPr/>
+    <dgm:style>
+      <a:lnRef idx="2">
+        <a:scrgbClr r="0" g="0" b="0"/>
+      </a:lnRef>
+      <a:fillRef idx="1">
+        <a:scrgbClr r="0" g="0" b="0"/>
+      </a:fillRef>
+      <a:effectRef idx="0">
+        <a:scrgbClr r="0" g="0" b="0"/>
+      </a:effectRef>
+      <a:fontRef idx="minor">
+        <a:schemeClr val="lt1"/>
+      </a:fontRef>
+    </dgm:style>
+  </dgm:styleLbl>
+  <dgm:styleLbl name="node2">
+    <dgm:scene3d>
+      <a:camera prst="orthographicFront"/>
+      <a:lightRig rig="threePt" dir="t"/>
+    </dgm:scene3d>
+    <dgm:sp3d/>
+    <dgm:txPr/>
+    <dgm:style>
+      <a:lnRef idx="2">
+        <a:scrgbClr r="0" g="0" b="0"/>
+      </a:lnRef>
+      <a:fillRef idx="1">
+        <a:scrgbClr r="0" g="0" b="0"/>
+      </a:fillRef>
+      <a:effectRef idx="0">
+        <a:scrgbClr r="0" g="0" b="0"/>
+      </a:effectRef>
+      <a:fontRef idx="minor">
+        <a:schemeClr val="lt1"/>
+      </a:fontRef>
+    </dgm:style>
+  </dgm:styleLbl>
+  <dgm:styleLbl name="node3">
+    <dgm:scene3d>
+      <a:camera prst="orthographicFront"/>
+      <a:lightRig rig="threePt" dir="t"/>
+    </dgm:scene3d>
+    <dgm:sp3d/>
+    <dgm:txPr/>
+    <dgm:style>
+      <a:lnRef idx="2">
+        <a:scrgbClr r="0" g="0" b="0"/>
+      </a:lnRef>
+      <a:fillRef idx="1">
+        <a:scrgbClr r="0" g="0" b="0"/>
+      </a:fillRef>
+      <a:effectRef idx="0">
+        <a:scrgbClr r="0" g="0" b="0"/>
+      </a:effectRef>
+      <a:fontRef idx="minor">
+        <a:schemeClr val="lt1"/>
+      </a:fontRef>
+    </dgm:style>
+  </dgm:styleLbl>
+  <dgm:styleLbl name="node4">
+    <dgm:scene3d>
+      <a:camera prst="orthographicFront"/>
+      <a:lightRig rig="threePt" dir="t"/>
+    </dgm:scene3d>
+    <dgm:sp3d/>
+    <dgm:txPr/>
+    <dgm:style>
+      <a:lnRef idx="2">
+        <a:scrgbClr r="0" g="0" b="0"/>
+      </a:lnRef>
+      <a:fillRef idx="1">
+        <a:scrgbClr r="0" g="0" b="0"/>
+      </a:fillRef>
+      <a:effectRef idx="0">
+        <a:scrgbClr r="0" g="0" b="0"/>
+      </a:effectRef>
+      <a:fontRef idx="minor">
+        <a:schemeClr val="lt1"/>
+      </a:fontRef>
+    </dgm:style>
+  </dgm:styleLbl>
+  <dgm:styleLbl name="fgImgPlace1">
+    <dgm:scene3d>
+      <a:camera prst="orthographicFront"/>
+      <a:lightRig rig="threePt" dir="t"/>
+    </dgm:scene3d>
+    <dgm:sp3d/>
+    <dgm:txPr/>
+    <dgm:style>
+      <a:lnRef idx="2">
+        <a:scrgbClr r="0" g="0" b="0"/>
+      </a:lnRef>
+      <a:fillRef idx="1">
+        <a:scrgbClr r="0" g="0" b="0"/>
+      </a:fillRef>
+      <a:effectRef idx="0">
+        <a:scrgbClr r="0" g="0" b="0"/>
+      </a:effectRef>
+      <a:fontRef idx="minor"/>
+    </dgm:style>
+  </dgm:styleLbl>
+  <dgm:styleLbl name="alignImgPlace1">
+    <dgm:scene3d>
+      <a:camera prst="orthographicFront"/>
+      <a:lightRig rig="threePt" dir="t"/>
+    </dgm:scene3d>
+    <dgm:sp3d/>
+    <dgm:txPr/>
+    <dgm:style>
+      <a:lnRef idx="2">
+        <a:scrgbClr r="0" g="0" b="0"/>
+      </a:lnRef>
+      <a:fillRef idx="1">
+        <a:scrgbClr r="0" g="0" b="0"/>
+      </a:fillRef>
+      <a:effectRef idx="0">
+        <a:scrgbClr r="0" g="0" b="0"/>
+      </a:effectRef>
+      <a:fontRef idx="minor"/>
+    </dgm:style>
+  </dgm:styleLbl>
+  <dgm:styleLbl name="bgImgPlace1">
+    <dgm:scene3d>
+      <a:camera prst="orthographicFront"/>
+      <a:lightRig rig="threePt" dir="t"/>
+    </dgm:scene3d>
+    <dgm:sp3d/>
+    <dgm:txPr/>
+    <dgm:style>
+      <a:lnRef idx="2">
+        <a:scrgbClr r="0" g="0" b="0"/>
+      </a:lnRef>
+      <a:fillRef idx="1">
+        <a:scrgbClr r="0" g="0" b="0"/>
+      </a:fillRef>
+      <a:effectRef idx="0">
+        <a:scrgbClr r="0" g="0" b="0"/>
+      </a:effectRef>
+      <a:fontRef idx="minor"/>
+    </dgm:style>
+  </dgm:styleLbl>
+  <dgm:styleLbl name="sibTrans2D1">
+    <dgm:scene3d>
+      <a:camera prst="orthographicFront"/>
+      <a:lightRig rig="threePt" dir="t"/>
+    </dgm:scene3d>
+    <dgm:sp3d/>
+    <dgm:txPr/>
+    <dgm:style>
+      <a:lnRef idx="0">
+        <a:scrgbClr r="0" g="0" b="0"/>
+      </a:lnRef>
+      <a:fillRef idx="1">
+        <a:scrgbClr r="0" g="0" b="0"/>
+      </a:fillRef>
+      <a:effectRef idx="0">
+        <a:scrgbClr r="0" g="0" b="0"/>
+      </a:effectRef>
+      <a:fontRef idx="minor">
+        <a:schemeClr val="lt1"/>
+      </a:fontRef>
+    </dgm:style>
+  </dgm:styleLbl>
+  <dgm:styleLbl name="fgSibTrans2D1">
+    <dgm:scene3d>
+      <a:camera prst="orthographicFront"/>
+      <a:lightRig rig="threePt" dir="t"/>
+    </dgm:scene3d>
+    <dgm:sp3d/>
+    <dgm:txPr/>
+    <dgm:style>
+      <a:lnRef idx="0">
+        <a:scrgbClr r="0" g="0" b="0"/>
+      </a:lnRef>
+      <a:fillRef idx="1">
+        <a:scrgbClr r="0" g="0" b="0"/>
+      </a:fillRef>
+      <a:effectRef idx="0">
+        <a:scrgbClr r="0" g="0" b="0"/>
+      </a:effectRef>
+      <a:fontRef idx="minor">
+        <a:schemeClr val="lt1"/>
+      </a:fontRef>
+    </dgm:style>
+  </dgm:styleLbl>
+  <dgm:styleLbl name="bgSibTrans2D1">
+    <dgm:scene3d>
+      <a:camera prst="orthographicFront"/>
+      <a:lightRig rig="threePt" dir="t"/>
+    </dgm:scene3d>
+    <dgm:sp3d/>
+    <dgm:txPr/>
+    <dgm:style>
+      <a:lnRef idx="0">
+        <a:scrgbClr r="0" g="0" b="0"/>
+      </a:lnRef>
+      <a:fillRef idx="1">
+        <a:scrgbClr r="0" g="0" b="0"/>
+      </a:fillRef>
+      <a:effectRef idx="0">
+        <a:scrgbClr r="0" g="0" b="0"/>
+      </a:effectRef>
+      <a:fontRef idx="minor">
+        <a:schemeClr val="lt1"/>
+      </a:fontRef>
+    </dgm:style>
+  </dgm:styleLbl>
+  <dgm:styleLbl name="sibTrans1D1">
+    <dgm:scene3d>
+      <a:camera prst="orthographicFront"/>
+      <a:lightRig rig="threePt" dir="t"/>
+    </dgm:scene3d>
+    <dgm:sp3d/>
+    <dgm:txPr/>
+    <dgm:style>
+      <a:lnRef idx="1">
+        <a:scrgbClr r="0" g="0" b="0"/>
+      </a:lnRef>
+      <a:fillRef idx="0">
+        <a:scrgbClr r="0" g="0" b="0"/>
+      </a:fillRef>
+      <a:effectRef idx="0">
+        <a:scrgbClr r="0" g="0" b="0"/>
+      </a:effectRef>
+      <a:fontRef idx="minor"/>
+    </dgm:style>
+  </dgm:styleLbl>
+  <dgm:styleLbl name="callout">
+    <dgm:scene3d>
+      <a:camera prst="orthographicFront"/>
+      <a:lightRig rig="threePt" dir="t"/>
+    </dgm:scene3d>
+    <dgm:sp3d/>
+    <dgm:txPr/>
+    <dgm:style>
+      <a:lnRef idx="2">
+        <a:scrgbClr r="0" g="0" b="0"/>
+      </a:lnRef>
+      <a:fillRef idx="1">
+        <a:scrgbClr r="0" g="0" b="0"/>
+      </a:fillRef>
+      <a:effectRef idx="0">
+        <a:scrgbClr r="0" g="0" b="0"/>
+      </a:effectRef>
+      <a:fontRef idx="minor"/>
+    </dgm:style>
+  </dgm:styleLbl>
+  <dgm:styleLbl name="asst0">
+    <dgm:scene3d>
+      <a:camera prst="orthographicFront"/>
+      <a:lightRig rig="threePt" dir="t"/>
+    </dgm:scene3d>
+    <dgm:sp3d/>
+    <dgm:txPr/>
+    <dgm:style>
+      <a:lnRef idx="2">
+        <a:scrgbClr r="0" g="0" b="0"/>
+      </a:lnRef>
+      <a:fillRef idx="1">
+        <a:scrgbClr r="0" g="0" b="0"/>
+      </a:fillRef>
+      <a:effectRef idx="0">
+        <a:scrgbClr r="0" g="0" b="0"/>
+      </a:effectRef>
+      <a:fontRef idx="minor">
+        <a:schemeClr val="lt1"/>
+      </a:fontRef>
+    </dgm:style>
+  </dgm:styleLbl>
+  <dgm:styleLbl name="asst1">
+    <dgm:scene3d>
+      <a:camera prst="orthographicFront"/>
+      <a:lightRig rig="threePt" dir="t"/>
+    </dgm:scene3d>
+    <dgm:sp3d/>
+    <dgm:txPr/>
+    <dgm:style>
+      <a:lnRef idx="2">
+        <a:scrgbClr r="0" g="0" b="0"/>
+      </a:lnRef>
+      <a:fillRef idx="1">
+        <a:scrgbClr r="0" g="0" b="0"/>
+      </a:fillRef>
+      <a:effectRef idx="0">
+        <a:scrgbClr r="0" g="0" b="0"/>
+      </a:effectRef>
+      <a:fontRef idx="minor">
+        <a:schemeClr val="lt1"/>
+      </a:fontRef>
+    </dgm:style>
+  </dgm:styleLbl>
+  <dgm:styleLbl name="asst2">
+    <dgm:scene3d>
+      <a:camera prst="orthographicFront"/>
+      <a:lightRig rig="threePt" dir="t"/>
+    </dgm:scene3d>
+    <dgm:sp3d/>
+    <dgm:txPr/>
+    <dgm:style>
+      <a:lnRef idx="2">
+        <a:scrgbClr r="0" g="0" b="0"/>
+      </a:lnRef>
+      <a:fillRef idx="1">
+        <a:scrgbClr r="0" g="0" b="0"/>
+      </a:fillRef>
+      <a:effectRef idx="0">
+        <a:scrgbClr r="0" g="0" b="0"/>
+      </a:effectRef>
+      <a:fontRef idx="minor">
+        <a:schemeClr val="lt1"/>
+      </a:fontRef>
+    </dgm:style>
+  </dgm:styleLbl>
+  <dgm:styleLbl name="asst3">
+    <dgm:scene3d>
+      <a:camera prst="orthographicFront"/>
+      <a:lightRig rig="threePt" dir="t"/>
+    </dgm:scene3d>
+    <dgm:sp3d/>
+    <dgm:txPr/>
+    <dgm:style>
+      <a:lnRef idx="2">
+        <a:scrgbClr r="0" g="0" b="0"/>
+      </a:lnRef>
+      <a:fillRef idx="1">
+        <a:scrgbClr r="0" g="0" b="0"/>
+      </a:fillRef>
+      <a:effectRef idx="0">
+        <a:scrgbClr r="0" g="0" b="0"/>
+      </a:effectRef>
+      <a:fontRef idx="minor">
+        <a:schemeClr val="lt1"/>
+      </a:fontRef>
+    </dgm:style>
+  </dgm:styleLbl>
+  <dgm:styleLbl name="asst4">
+    <dgm:scene3d>
+      <a:camera prst="orthographicFront"/>
+      <a:lightRig rig="threePt" dir="t"/>
+    </dgm:scene3d>
+    <dgm:sp3d/>
+    <dgm:txPr/>
+    <dgm:style>
+      <a:lnRef idx="2">
+        <a:scrgbClr r="0" g="0" b="0"/>
+      </a:lnRef>
+      <a:fillRef idx="1">
+        <a:scrgbClr r="0" g="0" b="0"/>
+      </a:fillRef>
+      <a:effectRef idx="0">
+        <a:scrgbClr r="0" g="0" b="0"/>
+      </a:effectRef>
+      <a:fontRef idx="minor">
+        <a:schemeClr val="lt1"/>
+      </a:fontRef>
+    </dgm:style>
+  </dgm:styleLbl>
+  <dgm:styleLbl name="parChTrans2D1">
+    <dgm:scene3d>
+      <a:camera prst="orthographicFront"/>
+      <a:lightRig rig="threePt" dir="t"/>
+    </dgm:scene3d>
+    <dgm:sp3d/>
+    <dgm:txPr/>
+    <dgm:style>
+      <a:lnRef idx="2">
+        <a:scrgbClr r="0" g="0" b="0"/>
+      </a:lnRef>
+      <a:fillRef idx="1">
+        <a:scrgbClr r="0" g="0" b="0"/>
+      </a:fillRef>
+      <a:effectRef idx="0">
+        <a:scrgbClr r="0" g="0" b="0"/>
+      </a:effectRef>
+      <a:fontRef idx="minor">
+        <a:schemeClr val="lt1"/>
+      </a:fontRef>
+    </dgm:style>
+  </dgm:styleLbl>
+  <dgm:styleLbl name="parChTrans2D2">
+    <dgm:scene3d>
+      <a:camera prst="orthographicFront"/>
+      <a:lightRig rig="threePt" dir="t"/>
+    </dgm:scene3d>
+    <dgm:sp3d/>
+    <dgm:txPr/>
+    <dgm:style>
+      <a:lnRef idx="2">
+        <a:scrgbClr r="0" g="0" b="0"/>
+      </a:lnRef>
+      <a:fillRef idx="1">
+        <a:scrgbClr r="0" g="0" b="0"/>
+      </a:fillRef>
+      <a:effectRef idx="0">
+        <a:scrgbClr r="0" g="0" b="0"/>
+      </a:effectRef>
+      <a:fontRef idx="minor">
+        <a:schemeClr val="lt1"/>
+      </a:fontRef>
+    </dgm:style>
+  </dgm:styleLbl>
+  <dgm:styleLbl name="parChTrans2D3">
+    <dgm:scene3d>
+      <a:camera prst="orthographicFront"/>
+      <a:lightRig rig="threePt" dir="t"/>
+    </dgm:scene3d>
+    <dgm:sp3d/>
+    <dgm:txPr/>
+    <dgm:style>
+      <a:lnRef idx="2">
+        <a:scrgbClr r="0" g="0" b="0"/>
+      </a:lnRef>
+      <a:fillRef idx="1">
+        <a:scrgbClr r="0" g="0" b="0"/>
+      </a:fillRef>
+      <a:effectRef idx="0">
+        <a:scrgbClr r="0" g="0" b="0"/>
+      </a:effectRef>
+      <a:fontRef idx="minor">
+        <a:schemeClr val="lt1"/>
+      </a:fontRef>
+    </dgm:style>
+  </dgm:styleLbl>
+  <dgm:styleLbl name="parChTrans2D4">
+    <dgm:scene3d>
+      <a:camera prst="orthographicFront"/>
+      <a:lightRig rig="threePt" dir="t"/>
+    </dgm:scene3d>
+    <dgm:sp3d/>
+    <dgm:txPr/>
+    <dgm:style>
+      <a:lnRef idx="2">
+        <a:scrgbClr r="0" g="0" b="0"/>
+      </a:lnRef>
+      <a:fillRef idx="1">
+        <a:scrgbClr r="0" g="0" b="0"/>
+      </a:fillRef>
+      <a:effectRef idx="0">
+        <a:scrgbClr r="0" g="0" b="0"/>
+      </a:effectRef>
+      <a:fontRef idx="minor">
+        <a:schemeClr val="lt1"/>
+      </a:fontRef>
+    </dgm:style>
+  </dgm:styleLbl>
+  <dgm:styleLbl name="parChTrans1D1">
+    <dgm:scene3d>
+      <a:camera prst="orthographicFront"/>
+      <a:lightRig rig="threePt" dir="t"/>
+    </dgm:scene3d>
+    <dgm:sp3d/>
+    <dgm:txPr/>
+    <dgm:style>
+      <a:lnRef idx="2">
+        <a:scrgbClr r="0" g="0" b="0"/>
+      </a:lnRef>
+      <a:fillRef idx="0">
+        <a:scrgbClr r="0" g="0" b="0"/>
+      </a:fillRef>
+      <a:effectRef idx="0">
+        <a:scrgbClr r="0" g="0" b="0"/>
+      </a:effectRef>
+      <a:fontRef idx="minor"/>
+    </dgm:style>
+  </dgm:styleLbl>
+  <dgm:styleLbl name="parChTrans1D2">
+    <dgm:scene3d>
+      <a:camera prst="orthographicFront"/>
+      <a:lightRig rig="threePt" dir="t"/>
+    </dgm:scene3d>
+    <dgm:sp3d/>
+    <dgm:txPr/>
+    <dgm:style>
+      <a:lnRef idx="2">
+        <a:scrgbClr r="0" g="0" b="0"/>
+      </a:lnRef>
+      <a:fillRef idx="0">
+        <a:scrgbClr r="0" g="0" b="0"/>
+      </a:fillRef>
+      <a:effectRef idx="0">
+        <a:scrgbClr r="0" g="0" b="0"/>
+      </a:effectRef>
+      <a:fontRef idx="minor"/>
+    </dgm:style>
+  </dgm:styleLbl>
+  <dgm:styleLbl name="parChTrans1D3">
+    <dgm:scene3d>
+      <a:camera prst="orthographicFront"/>
+      <a:lightRig rig="threePt" dir="t"/>
+    </dgm:scene3d>
+    <dgm:sp3d/>
+    <dgm:txPr/>
+    <dgm:style>
+      <a:lnRef idx="2">
+        <a:scrgbClr r="0" g="0" b="0"/>
+      </a:lnRef>
+      <a:fillRef idx="0">
+        <a:scrgbClr r="0" g="0" b="0"/>
+      </a:fillRef>
+      <a:effectRef idx="0">
+        <a:scrgbClr r="0" g="0" b="0"/>
+      </a:effectRef>
+      <a:fontRef idx="minor"/>
+    </dgm:style>
+  </dgm:styleLbl>
+  <dgm:styleLbl name="parChTrans1D4">
+    <dgm:scene3d>
+      <a:camera prst="orthographicFront"/>
+      <a:lightRig rig="threePt" dir="t"/>
+    </dgm:scene3d>
+    <dgm:sp3d/>
+    <dgm:txPr/>
+    <dgm:style>
+      <a:lnRef idx="2">
+        <a:scrgbClr r="0" g="0" b="0"/>
+      </a:lnRef>
+      <a:fillRef idx="0">
+        <a:scrgbClr r="0" g="0" b="0"/>
+      </a:fillRef>
+      <a:effectRef idx="0">
+        <a:scrgbClr r="0" g="0" b="0"/>
+      </a:effectRef>
+      <a:fontRef idx="minor"/>
+    </dgm:style>
+  </dgm:styleLbl>
+  <dgm:styleLbl name="fgAcc1">
+    <dgm:scene3d>
+      <a:camera prst="orthographicFront"/>
+      <a:lightRig rig="threePt" dir="t"/>
+    </dgm:scene3d>
+    <dgm:sp3d/>
+    <dgm:txPr/>
+    <dgm:style>
+      <a:lnRef idx="2">
+        <a:scrgbClr r="0" g="0" b="0"/>
+      </a:lnRef>
+      <a:fillRef idx="1">
+        <a:scrgbClr r="0" g="0" b="0"/>
+      </a:fillRef>
+      <a:effectRef idx="0">
+        <a:scrgbClr r="0" g="0" b="0"/>
+      </a:effectRef>
+      <a:fontRef idx="minor"/>
+    </dgm:style>
+  </dgm:styleLbl>
+  <dgm:styleLbl name="conFgAcc1">
+    <dgm:scene3d>
+      <a:camera prst="orthographicFront"/>
+      <a:lightRig rig="threePt" dir="t"/>
+    </dgm:scene3d>
+    <dgm:sp3d/>
+    <dgm:txPr/>
+    <dgm:style>
+      <a:lnRef idx="2">
+        <a:scrgbClr r="0" g="0" b="0"/>
+      </a:lnRef>
+      <a:fillRef idx="1">
+        <a:scrgbClr r="0" g="0" b="0"/>
+      </a:fillRef>
+      <a:effectRef idx="0">
+        <a:scrgbClr r="0" g="0" b="0"/>
+      </a:effectRef>
+      <a:fontRef idx="minor"/>
+    </dgm:style>
+  </dgm:styleLbl>
+  <dgm:styleLbl name="alignAcc1">
+    <dgm:scene3d>
+      <a:camera prst="orthographicFront"/>
+      <a:lightRig rig="threePt" dir="t"/>
+    </dgm:scene3d>
+    <dgm:sp3d/>
+    <dgm:txPr/>
+    <dgm:style>
+      <a:lnRef idx="2">
+        <a:scrgbClr r="0" g="0" b="0"/>
+      </a:lnRef>
+      <a:fillRef idx="1">
+        <a:scrgbClr r="0" g="0" b="0"/>
+      </a:fillRef>
+      <a:effectRef idx="0">
+        <a:scrgbClr r="0" g="0" b="0"/>
+      </a:effectRef>
+      <a:fontRef idx="minor"/>
+    </dgm:style>
+  </dgm:styleLbl>
+  <dgm:styleLbl name="trAlignAcc1">
+    <dgm:scene3d>
+      <a:camera prst="orthographicFront"/>
+      <a:lightRig rig="threePt" dir="t"/>
+    </dgm:scene3d>
+    <dgm:sp3d/>
+    <dgm:txPr/>
+    <dgm:style>
+      <a:lnRef idx="1">
+        <a:scrgbClr r="0" g="0" b="0"/>
+      </a:lnRef>
+      <a:fillRef idx="1">
+        <a:scrgbClr r="0" g="0" b="0"/>
+      </a:fillRef>
+      <a:effectRef idx="0">
+        <a:scrgbClr r="0" g="0" b="0"/>
+      </a:effectRef>
+      <a:fontRef idx="minor"/>
+    </dgm:style>
+  </dgm:styleLbl>
+  <dgm:styleLbl name="bgAcc1">
+    <dgm:scene3d>
+      <a:camera prst="orthographicFront"/>
+      <a:lightRig rig="threePt" dir="t"/>
+    </dgm:scene3d>
+    <dgm:sp3d/>
+    <dgm:txPr/>
+    <dgm:style>
+      <a:lnRef idx="2">
+        <a:scrgbClr r="0" g="0" b="0"/>
+      </a:lnRef>
+      <a:fillRef idx="1">
+        <a:scrgbClr r="0" g="0" b="0"/>
+      </a:fillRef>
+      <a:effectRef idx="0">
+        <a:scrgbClr r="0" g="0" b="0"/>
+      </a:effectRef>
+      <a:fontRef idx="minor"/>
+    </dgm:style>
+  </dgm:styleLbl>
+  <dgm:styleLbl name="solidFgAcc1">
+    <dgm:scene3d>
+      <a:camera prst="orthographicFront"/>
+      <a:lightRig rig="threePt" dir="t"/>
+    </dgm:scene3d>
+    <dgm:sp3d/>
+    <dgm:txPr/>
+    <dgm:style>
+      <a:lnRef idx="2">
+        <a:scrgbClr r="0" g="0" b="0"/>
+      </a:lnRef>
+      <a:fillRef idx="1">
+        <a:scrgbClr r="0" g="0" b="0"/>
+      </a:fillRef>
+      <a:effectRef idx="0">
+        <a:scrgbClr r="0" g="0" b="0"/>
+      </a:effectRef>
+      <a:fontRef idx="minor"/>
+    </dgm:style>
+  </dgm:styleLbl>
+  <dgm:styleLbl name="solidAlignAcc1">
+    <dgm:scene3d>
+      <a:camera prst="orthographicFront"/>
+      <a:lightRig rig="threePt" dir="t"/>
+    </dgm:scene3d>
+    <dgm:sp3d/>
+    <dgm:txPr/>
+    <dgm:style>
+      <a:lnRef idx="2">
+        <a:scrgbClr r="0" g="0" b="0"/>
+      </a:lnRef>
+      <a:fillRef idx="1">
+        <a:scrgbClr r="0" g="0" b="0"/>
+      </a:fillRef>
+      <a:effectRef idx="0">
+        <a:scrgbClr r="0" g="0" b="0"/>
+      </a:effectRef>
+      <a:fontRef idx="minor"/>
+    </dgm:style>
+  </dgm:styleLbl>
+  <dgm:styleLbl name="solidBgAcc1">
+    <dgm:scene3d>
+      <a:camera prst="orthographicFront"/>
+      <a:lightRig rig="threePt" dir="t"/>
+    </dgm:scene3d>
+    <dgm:sp3d/>
+    <dgm:txPr/>
+    <dgm:style>
+      <a:lnRef idx="2">
+        <a:scrgbClr r="0" g="0" b="0"/>
+      </a:lnRef>
+      <a:fillRef idx="1">
+        <a:scrgbClr r="0" g="0" b="0"/>
+      </a:fillRef>
+      <a:effectRef idx="0">
+        <a:scrgbClr r="0" g="0" b="0"/>
+      </a:effectRef>
+      <a:fontRef idx="minor"/>
+    </dgm:style>
+  </dgm:styleLbl>
+  <dgm:styleLbl name="fgAccFollowNode1">
+    <dgm:scene3d>
+      <a:camera prst="orthographicFront"/>
+      <a:lightRig rig="threePt" dir="t"/>
+    </dgm:scene3d>
+    <dgm:sp3d/>
+    <dgm:txPr/>
+    <dgm:style>
+      <a:lnRef idx="2">
+        <a:scrgbClr r="0" g="0" b="0"/>
+      </a:lnRef>
+      <a:fillRef idx="1">
+        <a:scrgbClr r="0" g="0" b="0"/>
+      </a:fillRef>
+      <a:effectRef idx="0">
+        <a:scrgbClr r="0" g="0" b="0"/>
+      </a:effectRef>
+      <a:fontRef idx="minor"/>
+    </dgm:style>
+  </dgm:styleLbl>
+  <dgm:styleLbl name="alignAccFollowNode1">
+    <dgm:scene3d>
+      <a:camera prst="orthographicFront"/>
+      <a:lightRig rig="threePt" dir="t"/>
+    </dgm:scene3d>
+    <dgm:sp3d/>
+    <dgm:txPr/>
+    <dgm:style>
+      <a:lnRef idx="2">
+        <a:scrgbClr r="0" g="0" b="0"/>
+      </a:lnRef>
+      <a:fillRef idx="1">
+        <a:scrgbClr r="0" g="0" b="0"/>
+      </a:fillRef>
+      <a:effectRef idx="0">
+        <a:scrgbClr r="0" g="0" b="0"/>
+      </a:effectRef>
+      <a:fontRef idx="minor"/>
+    </dgm:style>
+  </dgm:styleLbl>
+  <dgm:styleLbl name="bgAccFollowNode1">
+    <dgm:scene3d>
+      <a:camera prst="orthographicFront"/>
+      <a:lightRig rig="threePt" dir="t"/>
+    </dgm:scene3d>
+    <dgm:sp3d/>
+    <dgm:txPr/>
+    <dgm:style>
+      <a:lnRef idx="2">
+        <a:scrgbClr r="0" g="0" b="0"/>
+      </a:lnRef>
+      <a:fillRef idx="1">
+        <a:scrgbClr r="0" g="0" b="0"/>
+      </a:fillRef>
+      <a:effectRef idx="0">
+        <a:scrgbClr r="0" g="0" b="0"/>
+      </a:effectRef>
+      <a:fontRef idx="minor"/>
+    </dgm:style>
+  </dgm:styleLbl>
+  <dgm:styleLbl name="fgAcc0">
+    <dgm:scene3d>
+      <a:camera prst="orthographicFront"/>
+      <a:lightRig rig="threePt" dir="t"/>
+    </dgm:scene3d>
+    <dgm:sp3d/>
+    <dgm:txPr/>
+    <dgm:style>
+      <a:lnRef idx="2">
+        <a:scrgbClr r="0" g="0" b="0"/>
+      </a:lnRef>
+      <a:fillRef idx="1">
+        <a:scrgbClr r="0" g="0" b="0"/>
+      </a:fillRef>
+      <a:effectRef idx="0">
+        <a:scrgbClr r="0" g="0" b="0"/>
+      </a:effectRef>
+      <a:fontRef idx="minor"/>
+    </dgm:style>
+  </dgm:styleLbl>
+  <dgm:styleLbl name="fgAcc2">
+    <dgm:scene3d>
+      <a:camera prst="orthographicFront"/>
+      <a:lightRig rig="threePt" dir="t"/>
+    </dgm:scene3d>
+    <dgm:sp3d/>
+    <dgm:txPr/>
+    <dgm:style>
+      <a:lnRef idx="2">
+        <a:scrgbClr r="0" g="0" b="0"/>
+      </a:lnRef>
+      <a:fillRef idx="1">
+        <a:scrgbClr r="0" g="0" b="0"/>
+      </a:fillRef>
+      <a:effectRef idx="0">
+        <a:scrgbClr r="0" g="0" b="0"/>
+      </a:effectRef>
+      <a:fontRef idx="minor"/>
+    </dgm:style>
+  </dgm:styleLbl>
+  <dgm:styleLbl name="fgAcc3">
+    <dgm:scene3d>
+      <a:camera prst="orthographicFront"/>
+      <a:lightRig rig="threePt" dir="t"/>
+    </dgm:scene3d>
+    <dgm:sp3d/>
+    <dgm:txPr/>
+    <dgm:style>
+      <a:lnRef idx="2">
+        <a:scrgbClr r="0" g="0" b="0"/>
+      </a:lnRef>
+      <a:fillRef idx="1">
+        <a:scrgbClr r="0" g="0" b="0"/>
+      </a:fillRef>
+      <a:effectRef idx="0">
+        <a:scrgbClr r="0" g="0" b="0"/>
+      </a:effectRef>
+      <a:fontRef idx="minor"/>
+    </dgm:style>
+  </dgm:styleLbl>
+  <dgm:styleLbl name="fgAcc4">
+    <dgm:scene3d>
+      <a:camera prst="orthographicFront"/>
+      <a:lightRig rig="threePt" dir="t"/>
+    </dgm:scene3d>
+    <dgm:sp3d/>
+    <dgm:txPr/>
+    <dgm:style>
+      <a:lnRef idx="2">
+        <a:scrgbClr r="0" g="0" b="0"/>
+      </a:lnRef>
+      <a:fillRef idx="1">
+        <a:scrgbClr r="0" g="0" b="0"/>
+      </a:fillRef>
+      <a:effectRef idx="0">
+        <a:scrgbClr r="0" g="0" b="0"/>
+      </a:effectRef>
+      <a:fontRef idx="minor"/>
+    </dgm:style>
+  </dgm:styleLbl>
+  <dgm:styleLbl name="bgShp">
+    <dgm:scene3d>
+      <a:camera prst="orthographicFront"/>
+      <a:lightRig rig="threePt" dir="t"/>
+    </dgm:scene3d>
+    <dgm:sp3d/>
+    <dgm:txPr/>
+    <dgm:style>
+      <a:lnRef idx="0">
+        <a:scrgbClr r="0" g="0" b="0"/>
+      </a:lnRef>
+      <a:fillRef idx="1">
+        <a:scrgbClr r="0" g="0" b="0"/>
+      </a:fillRef>
+      <a:effectRef idx="0">
+        <a:scrgbClr r="0" g="0" b="0"/>
+      </a:effectRef>
+      <a:fontRef idx="minor"/>
+    </dgm:style>
+  </dgm:styleLbl>
+  <dgm:styleLbl name="dkBgShp">
+    <dgm:scene3d>
+      <a:camera prst="orthographicFront"/>
+      <a:lightRig rig="threePt" dir="t"/>
+    </dgm:scene3d>
+    <dgm:sp3d/>
+    <dgm:txPr/>
+    <dgm:style>
+      <a:lnRef idx="0">
+        <a:scrgbClr r="0" g="0" b="0"/>
+      </a:lnRef>
+      <a:fillRef idx="1">
+        <a:scrgbClr r="0" g="0" b="0"/>
+      </a:fillRef>
+      <a:effectRef idx="0">
+        <a:scrgbClr r="0" g="0" b="0"/>
+      </a:effectRef>
+      <a:fontRef idx="minor"/>
+    </dgm:style>
+  </dgm:styleLbl>
+  <dgm:styleLbl name="trBgShp">
+    <dgm:scene3d>
+      <a:camera prst="orthographicFront"/>
+      <a:lightRig rig="threePt" dir="t"/>
+    </dgm:scene3d>
+    <dgm:sp3d/>
+    <dgm:txPr/>
+    <dgm:style>
+      <a:lnRef idx="0">
+        <a:scrgbClr r="0" g="0" b="0"/>
+      </a:lnRef>
+      <a:fillRef idx="1">
+        <a:scrgbClr r="0" g="0" b="0"/>
+      </a:fillRef>
+      <a:effectRef idx="0">
+        <a:scrgbClr r="0" g="0" b="0"/>
+      </a:effectRef>
+      <a:fontRef idx="minor"/>
+    </dgm:style>
+  </dgm:styleLbl>
+  <dgm:styleLbl name="fgShp">
+    <dgm:scene3d>
+      <a:camera prst="orthographicFront"/>
+      <a:lightRig rig="threePt" dir="t"/>
+    </dgm:scene3d>
+    <dgm:sp3d/>
+    <dgm:txPr/>
+    <dgm:style>
+      <a:lnRef idx="2">
+        <a:scrgbClr r="0" g="0" b="0"/>
+      </a:lnRef>
+      <a:fillRef idx="1">
+        <a:scrgbClr r="0" g="0" b="0"/>
+      </a:fillRef>
+      <a:effectRef idx="0">
+        <a:scrgbClr r="0" g="0" b="0"/>
+      </a:effectRef>
+      <a:fontRef idx="minor"/>
+    </dgm:style>
+  </dgm:styleLbl>
+  <dgm:styleLbl name="revTx">
+    <dgm:scene3d>
+      <a:camera prst="orthographicFront"/>
+      <a:lightRig rig="threePt" dir="t"/>
+    </dgm:scene3d>
+    <dgm:sp3d/>
+    <dgm:txPr/>
+    <dgm:style>
+      <a:lnRef idx="0">
+        <a:scrgbClr r="0" g="0" b="0"/>
+      </a:lnRef>
+      <a:fillRef idx="0">
+        <a:scrgbClr r="0" g="0" b="0"/>
+      </a:fillRef>
+      <a:effectRef idx="0">
+        <a:scrgbClr r="0" g="0" b="0"/>
+      </a:effectRef>
+      <a:fontRef idx="minor"/>
+    </dgm:style>
+  </dgm:styleLbl>
+</dgm:styleDef>
+</file>
+
 <file path=ppt/handoutMasters/handoutMaster1.xml><?xml version="1.0" encoding="utf-8"?>
 <p:handoutMaster xmlns:a="http://schemas.openxmlformats.org/drawingml/2006/main" xmlns:r="http://schemas.openxmlformats.org/officeDocument/2006/relationships" xmlns:p="http://schemas.openxmlformats.org/presentationml/2006/main">
   <p:cSld>
@@ -24127,14 +28796,14 @@
           <a:effectLst/>
           <a:extLst>
             <a:ext uri="{909E8E84-426E-40dd-AFC4-6F175D3DCCD1}">
-              <a14:hiddenFill xmlns="" xmlns:a14="http://schemas.microsoft.com/office/drawing/2010/main">
+              <a14:hiddenFill xmlns:a14="http://schemas.microsoft.com/office/drawing/2010/main" xmlns="">
                 <a:solidFill>
                   <a:schemeClr val="accent1"/>
                 </a:solidFill>
               </a14:hiddenFill>
             </a:ext>
             <a:ext uri="{91240B29-F687-4f45-9708-019B960494DF}">
-              <a14:hiddenLine xmlns="" xmlns:a14="http://schemas.microsoft.com/office/drawing/2010/main" w="9525">
+              <a14:hiddenLine xmlns:a14="http://schemas.microsoft.com/office/drawing/2010/main" xmlns="" w="9525">
                 <a:solidFill>
                   <a:schemeClr val="tx1"/>
                 </a:solidFill>
@@ -24144,7 +28813,7 @@
               </a14:hiddenLine>
             </a:ext>
             <a:ext uri="{AF507438-7753-43e0-B8FC-AC1667EBCBE1}">
-              <a14:hiddenEffects xmlns="" xmlns:a14="http://schemas.microsoft.com/office/drawing/2010/main">
+              <a14:hiddenEffects xmlns:a14="http://schemas.microsoft.com/office/drawing/2010/main" xmlns="">
                 <a:effectLst>
                   <a:outerShdw blurRad="63500" dist="38099" dir="2700000" algn="ctr" rotWithShape="0">
                     <a:schemeClr val="bg2">
@@ -24155,7 +28824,7 @@
               </a14:hiddenEffects>
             </a:ext>
             <a:ext uri="{FAA26D3D-D897-4be2-8F04-BA451C77F1D7}">
-              <ma14:placeholderFlag xmlns="" xmlns:ma14="http://schemas.microsoft.com/office/mac/drawingml/2011/main" val="1"/>
+              <ma14:placeholderFlag xmlns:ma14="http://schemas.microsoft.com/office/mac/drawingml/2011/main" xmlns="" val="1"/>
             </a:ext>
           </a:extLst>
         </p:spPr>
@@ -24205,14 +28874,14 @@
           <a:effectLst/>
           <a:extLst>
             <a:ext uri="{909E8E84-426E-40dd-AFC4-6F175D3DCCD1}">
-              <a14:hiddenFill xmlns="" xmlns:a14="http://schemas.microsoft.com/office/drawing/2010/main">
+              <a14:hiddenFill xmlns:a14="http://schemas.microsoft.com/office/drawing/2010/main" xmlns="">
                 <a:solidFill>
                   <a:schemeClr val="accent1"/>
                 </a:solidFill>
               </a14:hiddenFill>
             </a:ext>
             <a:ext uri="{91240B29-F687-4f45-9708-019B960494DF}">
-              <a14:hiddenLine xmlns="" xmlns:a14="http://schemas.microsoft.com/office/drawing/2010/main" w="9525">
+              <a14:hiddenLine xmlns:a14="http://schemas.microsoft.com/office/drawing/2010/main" xmlns="" w="9525">
                 <a:solidFill>
                   <a:schemeClr val="tx1"/>
                 </a:solidFill>
@@ -24222,7 +28891,7 @@
               </a14:hiddenLine>
             </a:ext>
             <a:ext uri="{AF507438-7753-43e0-B8FC-AC1667EBCBE1}">
-              <a14:hiddenEffects xmlns="" xmlns:a14="http://schemas.microsoft.com/office/drawing/2010/main">
+              <a14:hiddenEffects xmlns:a14="http://schemas.microsoft.com/office/drawing/2010/main" xmlns="">
                 <a:effectLst>
                   <a:outerShdw blurRad="63500" dist="38099" dir="2700000" algn="ctr" rotWithShape="0">
                     <a:schemeClr val="bg2">
@@ -24233,7 +28902,7 @@
               </a14:hiddenEffects>
             </a:ext>
             <a:ext uri="{FAA26D3D-D897-4be2-8F04-BA451C77F1D7}">
-              <ma14:placeholderFlag xmlns="" xmlns:ma14="http://schemas.microsoft.com/office/mac/drawingml/2011/main" val="1"/>
+              <ma14:placeholderFlag xmlns:ma14="http://schemas.microsoft.com/office/mac/drawingml/2011/main" xmlns="" val="1"/>
             </a:ext>
           </a:extLst>
         </p:spPr>
@@ -24283,14 +28952,14 @@
           <a:effectLst/>
           <a:extLst>
             <a:ext uri="{909E8E84-426E-40dd-AFC4-6F175D3DCCD1}">
-              <a14:hiddenFill xmlns="" xmlns:a14="http://schemas.microsoft.com/office/drawing/2010/main">
+              <a14:hiddenFill xmlns:a14="http://schemas.microsoft.com/office/drawing/2010/main" xmlns="">
                 <a:solidFill>
                   <a:schemeClr val="accent1"/>
                 </a:solidFill>
               </a14:hiddenFill>
             </a:ext>
             <a:ext uri="{91240B29-F687-4f45-9708-019B960494DF}">
-              <a14:hiddenLine xmlns="" xmlns:a14="http://schemas.microsoft.com/office/drawing/2010/main" w="9525">
+              <a14:hiddenLine xmlns:a14="http://schemas.microsoft.com/office/drawing/2010/main" xmlns="" w="9525">
                 <a:solidFill>
                   <a:schemeClr val="tx1"/>
                 </a:solidFill>
@@ -24300,7 +28969,7 @@
               </a14:hiddenLine>
             </a:ext>
             <a:ext uri="{AF507438-7753-43e0-B8FC-AC1667EBCBE1}">
-              <a14:hiddenEffects xmlns="" xmlns:a14="http://schemas.microsoft.com/office/drawing/2010/main">
+              <a14:hiddenEffects xmlns:a14="http://schemas.microsoft.com/office/drawing/2010/main" xmlns="">
                 <a:effectLst>
                   <a:outerShdw blurRad="63500" dist="38099" dir="2700000" algn="ctr" rotWithShape="0">
                     <a:schemeClr val="bg2">
@@ -24311,7 +28980,7 @@
               </a14:hiddenEffects>
             </a:ext>
             <a:ext uri="{FAA26D3D-D897-4be2-8F04-BA451C77F1D7}">
-              <ma14:placeholderFlag xmlns="" xmlns:ma14="http://schemas.microsoft.com/office/mac/drawingml/2011/main" val="1"/>
+              <ma14:placeholderFlag xmlns:ma14="http://schemas.microsoft.com/office/mac/drawingml/2011/main" xmlns="" val="1"/>
             </a:ext>
           </a:extLst>
         </p:spPr>
@@ -24361,14 +29030,14 @@
           <a:effectLst/>
           <a:extLst>
             <a:ext uri="{909E8E84-426E-40dd-AFC4-6F175D3DCCD1}">
-              <a14:hiddenFill xmlns="" xmlns:a14="http://schemas.microsoft.com/office/drawing/2010/main">
+              <a14:hiddenFill xmlns:a14="http://schemas.microsoft.com/office/drawing/2010/main" xmlns="">
                 <a:solidFill>
                   <a:schemeClr val="accent1"/>
                 </a:solidFill>
               </a14:hiddenFill>
             </a:ext>
             <a:ext uri="{91240B29-F687-4f45-9708-019B960494DF}">
-              <a14:hiddenLine xmlns="" xmlns:a14="http://schemas.microsoft.com/office/drawing/2010/main" w="9525">
+              <a14:hiddenLine xmlns:a14="http://schemas.microsoft.com/office/drawing/2010/main" xmlns="" w="9525">
                 <a:solidFill>
                   <a:schemeClr val="tx1"/>
                 </a:solidFill>
@@ -24378,7 +29047,7 @@
               </a14:hiddenLine>
             </a:ext>
             <a:ext uri="{AF507438-7753-43e0-B8FC-AC1667EBCBE1}">
-              <a14:hiddenEffects xmlns="" xmlns:a14="http://schemas.microsoft.com/office/drawing/2010/main">
+              <a14:hiddenEffects xmlns:a14="http://schemas.microsoft.com/office/drawing/2010/main" xmlns="">
                 <a:effectLst>
                   <a:outerShdw blurRad="63500" dist="38099" dir="2700000" algn="ctr" rotWithShape="0">
                     <a:schemeClr val="bg2">
@@ -24389,7 +29058,7 @@
               </a14:hiddenEffects>
             </a:ext>
             <a:ext uri="{FAA26D3D-D897-4be2-8F04-BA451C77F1D7}">
-              <ma14:placeholderFlag xmlns="" xmlns:ma14="http://schemas.microsoft.com/office/mac/drawingml/2011/main" val="1"/>
+              <ma14:placeholderFlag xmlns:ma14="http://schemas.microsoft.com/office/mac/drawingml/2011/main" xmlns="" val="1"/>
             </a:ext>
           </a:extLst>
         </p:spPr>
@@ -24485,7 +29154,7 @@
           <a:effectLst/>
           <a:extLst>
             <a:ext uri="{AF507438-7753-43e0-B8FC-AC1667EBCBE1}">
-              <a14:hiddenEffects xmlns="" xmlns:a14="http://schemas.microsoft.com/office/drawing/2010/main">
+              <a14:hiddenEffects xmlns:a14="http://schemas.microsoft.com/office/drawing/2010/main" xmlns="">
                 <a:effectLst>
                   <a:outerShdw blurRad="63500" dist="38099" dir="2700000" algn="ctr" rotWithShape="0">
                     <a:srgbClr val="000000">
@@ -24496,7 +29165,7 @@
               </a14:hiddenEffects>
             </a:ext>
             <a:ext uri="{53640926-AAD7-44d8-BBD7-CCE9431645EC}">
-              <a14:shadowObscured xmlns="" xmlns:a14="http://schemas.microsoft.com/office/drawing/2010/main" val="1"/>
+              <a14:shadowObscured xmlns:a14="http://schemas.microsoft.com/office/drawing/2010/main" xmlns="" val="1"/>
             </a:ext>
           </a:extLst>
         </p:spPr>
@@ -24526,14 +29195,14 @@
           <a:effectLst/>
           <a:extLst>
             <a:ext uri="{909E8E84-426E-40dd-AFC4-6F175D3DCCD1}">
-              <a14:hiddenFill xmlns="" xmlns:a14="http://schemas.microsoft.com/office/drawing/2010/main">
+              <a14:hiddenFill xmlns:a14="http://schemas.microsoft.com/office/drawing/2010/main" xmlns="">
                 <a:solidFill>
                   <a:schemeClr val="accent1"/>
                 </a:solidFill>
               </a14:hiddenFill>
             </a:ext>
             <a:ext uri="{91240B29-F687-4f45-9708-019B960494DF}">
-              <a14:hiddenLine xmlns="" xmlns:a14="http://schemas.microsoft.com/office/drawing/2010/main" w="9525">
+              <a14:hiddenLine xmlns:a14="http://schemas.microsoft.com/office/drawing/2010/main" xmlns="" w="9525">
                 <a:solidFill>
                   <a:schemeClr val="tx1"/>
                 </a:solidFill>
@@ -24543,7 +29212,7 @@
               </a14:hiddenLine>
             </a:ext>
             <a:ext uri="{AF507438-7753-43e0-B8FC-AC1667EBCBE1}">
-              <a14:hiddenEffects xmlns="" xmlns:a14="http://schemas.microsoft.com/office/drawing/2010/main">
+              <a14:hiddenEffects xmlns:a14="http://schemas.microsoft.com/office/drawing/2010/main" xmlns="">
                 <a:effectLst>
                   <a:outerShdw blurRad="63500" dist="38099" dir="2700000" algn="ctr" rotWithShape="0">
                     <a:schemeClr val="bg2">
@@ -24554,7 +29223,7 @@
               </a14:hiddenEffects>
             </a:ext>
             <a:ext uri="{FAA26D3D-D897-4be2-8F04-BA451C77F1D7}">
-              <ma14:placeholderFlag xmlns="" xmlns:ma14="http://schemas.microsoft.com/office/mac/drawingml/2011/main" val="1"/>
+              <ma14:placeholderFlag xmlns:ma14="http://schemas.microsoft.com/office/mac/drawingml/2011/main" xmlns="" val="1"/>
             </a:ext>
           </a:extLst>
         </p:spPr>
@@ -26723,14 +31392,14 @@
           <a:effectLst/>
           <a:extLst>
             <a:ext uri="{909E8E84-426E-40dd-AFC4-6F175D3DCCD1}">
-              <a14:hiddenFill xmlns="" xmlns:a14="http://schemas.microsoft.com/office/drawing/2010/main">
+              <a14:hiddenFill xmlns:a14="http://schemas.microsoft.com/office/drawing/2010/main" xmlns="">
                 <a:solidFill>
                   <a:schemeClr val="accent2"/>
                 </a:solidFill>
               </a14:hiddenFill>
             </a:ext>
             <a:ext uri="{AF507438-7753-43e0-B8FC-AC1667EBCBE1}">
-              <a14:hiddenEffects xmlns="" xmlns:a14="http://schemas.microsoft.com/office/drawing/2010/main">
+              <a14:hiddenEffects xmlns:a14="http://schemas.microsoft.com/office/drawing/2010/main" xmlns="">
                 <a:effectLst>
                   <a:outerShdw blurRad="63500" dist="35921" dir="2700000" algn="ctr" rotWithShape="0">
                     <a:schemeClr val="bg2"/>
@@ -27257,14 +31926,14 @@
           <a:effectLst/>
           <a:extLst>
             <a:ext uri="{909E8E84-426E-40dd-AFC4-6F175D3DCCD1}">
-              <a14:hiddenFill xmlns="" xmlns:a14="http://schemas.microsoft.com/office/drawing/2010/main">
+              <a14:hiddenFill xmlns:a14="http://schemas.microsoft.com/office/drawing/2010/main" xmlns="">
                 <a:solidFill>
                   <a:schemeClr val="accent2"/>
                 </a:solidFill>
               </a14:hiddenFill>
             </a:ext>
             <a:ext uri="{AF507438-7753-43e0-B8FC-AC1667EBCBE1}">
-              <a14:hiddenEffects xmlns="" xmlns:a14="http://schemas.microsoft.com/office/drawing/2010/main">
+              <a14:hiddenEffects xmlns:a14="http://schemas.microsoft.com/office/drawing/2010/main" xmlns="">
                 <a:effectLst>
                   <a:outerShdw blurRad="63500" dist="35921" dir="2700000" algn="ctr" rotWithShape="0">
                     <a:schemeClr val="bg2"/>
@@ -27467,14 +32136,14 @@
           </a:prstGeom>
           <a:extLst>
             <a:ext uri="{909E8E84-426E-40dd-AFC4-6F175D3DCCD1}">
-              <a14:hiddenFill xmlns="" xmlns:a14="http://schemas.microsoft.com/office/drawing/2010/main">
+              <a14:hiddenFill xmlns:a14="http://schemas.microsoft.com/office/drawing/2010/main" xmlns="">
                 <a:solidFill>
                   <a:schemeClr val="accent2"/>
                 </a:solidFill>
               </a14:hiddenFill>
             </a:ext>
             <a:ext uri="{91240B29-F687-4f45-9708-019B960494DF}">
-              <a14:hiddenLine xmlns="" xmlns:a14="http://schemas.microsoft.com/office/drawing/2010/main" w="9525">
+              <a14:hiddenLine xmlns:a14="http://schemas.microsoft.com/office/drawing/2010/main" xmlns="" w="9525">
                 <a:solidFill>
                   <a:schemeClr val="accent2"/>
                 </a:solidFill>
@@ -27873,7 +32542,7 @@
           <a:noFill/>
           <a:extLst>
             <a:ext uri="{909E8E84-426E-40dd-AFC4-6F175D3DCCD1}">
-              <a14:hiddenFill xmlns="" xmlns:a14="http://schemas.microsoft.com/office/drawing/2010/main">
+              <a14:hiddenFill xmlns:a14="http://schemas.microsoft.com/office/drawing/2010/main" xmlns="">
                 <a:solidFill>
                   <a:srgbClr val="FFFFFF"/>
                 </a:solidFill>
@@ -27961,7 +32630,7 @@
           <a:noFill/>
           <a:extLst>
             <a:ext uri="{909E8E84-426E-40dd-AFC4-6F175D3DCCD1}">
-              <a14:hiddenFill xmlns="" xmlns:a14="http://schemas.microsoft.com/office/drawing/2010/main">
+              <a14:hiddenFill xmlns:a14="http://schemas.microsoft.com/office/drawing/2010/main" xmlns="">
                 <a:solidFill>
                   <a:srgbClr val="FFFFFF"/>
                 </a:solidFill>
@@ -28128,14 +32797,14 @@
           <a:effectLst/>
           <a:extLst>
             <a:ext uri="{909E8E84-426E-40dd-AFC4-6F175D3DCCD1}">
-              <a14:hiddenFill xmlns="" xmlns:a14="http://schemas.microsoft.com/office/drawing/2010/main">
+              <a14:hiddenFill xmlns:a14="http://schemas.microsoft.com/office/drawing/2010/main" xmlns="">
                 <a:solidFill>
                   <a:schemeClr val="accent2"/>
                 </a:solidFill>
               </a14:hiddenFill>
             </a:ext>
             <a:ext uri="{AF507438-7753-43e0-B8FC-AC1667EBCBE1}">
-              <a14:hiddenEffects xmlns="" xmlns:a14="http://schemas.microsoft.com/office/drawing/2010/main">
+              <a14:hiddenEffects xmlns:a14="http://schemas.microsoft.com/office/drawing/2010/main" xmlns="">
                 <a:effectLst>
                   <a:outerShdw blurRad="63500" dist="35921" dir="2700000" algn="ctr" rotWithShape="0">
                     <a:schemeClr val="bg2"/>
@@ -28217,7 +32886,7 @@
           <a:noFill/>
           <a:extLst>
             <a:ext uri="{909E8E84-426E-40dd-AFC4-6F175D3DCCD1}">
-              <a14:hiddenFill xmlns="" xmlns:a14="http://schemas.microsoft.com/office/drawing/2010/main">
+              <a14:hiddenFill xmlns:a14="http://schemas.microsoft.com/office/drawing/2010/main" xmlns="">
                 <a:solidFill>
                   <a:srgbClr val="FFFFFF"/>
                 </a:solidFill>
@@ -28249,14 +32918,14 @@
           <a:effectLst/>
           <a:extLst>
             <a:ext uri="{909E8E84-426E-40dd-AFC4-6F175D3DCCD1}">
-              <a14:hiddenFill xmlns="" xmlns:a14="http://schemas.microsoft.com/office/drawing/2010/main">
+              <a14:hiddenFill xmlns:a14="http://schemas.microsoft.com/office/drawing/2010/main" xmlns="">
                 <a:solidFill>
                   <a:schemeClr val="accent1"/>
                 </a:solidFill>
               </a14:hiddenFill>
             </a:ext>
             <a:ext uri="{91240B29-F687-4f45-9708-019B960494DF}">
-              <a14:hiddenLine xmlns="" xmlns:a14="http://schemas.microsoft.com/office/drawing/2010/main" w="9525">
+              <a14:hiddenLine xmlns:a14="http://schemas.microsoft.com/office/drawing/2010/main" xmlns="" w="9525">
                 <a:solidFill>
                   <a:schemeClr val="tx1"/>
                 </a:solidFill>
@@ -28266,7 +32935,7 @@
               </a14:hiddenLine>
             </a:ext>
             <a:ext uri="{AF507438-7753-43e0-B8FC-AC1667EBCBE1}">
-              <a14:hiddenEffects xmlns="" xmlns:a14="http://schemas.microsoft.com/office/drawing/2010/main">
+              <a14:hiddenEffects xmlns:a14="http://schemas.microsoft.com/office/drawing/2010/main" xmlns="">
                 <a:effectLst>
                   <a:outerShdw blurRad="63500" dist="38099" dir="2700000" algn="ctr" rotWithShape="0">
                     <a:schemeClr val="bg2">
@@ -28368,7 +33037,7 @@
           <a:noFill/>
           <a:extLst>
             <a:ext uri="{909E8E84-426E-40dd-AFC4-6F175D3DCCD1}">
-              <a14:hiddenFill xmlns="" xmlns:a14="http://schemas.microsoft.com/office/drawing/2010/main">
+              <a14:hiddenFill xmlns:a14="http://schemas.microsoft.com/office/drawing/2010/main" xmlns="">
                 <a:solidFill>
                   <a:srgbClr val="FFFFFF"/>
                 </a:solidFill>
@@ -28409,7 +33078,7 @@
           <a:noFill/>
           <a:extLst>
             <a:ext uri="{909E8E84-426E-40dd-AFC4-6F175D3DCCD1}">
-              <a14:hiddenFill xmlns="" xmlns:a14="http://schemas.microsoft.com/office/drawing/2010/main">
+              <a14:hiddenFill xmlns:a14="http://schemas.microsoft.com/office/drawing/2010/main" xmlns="">
                 <a:solidFill>
                   <a:srgbClr val="FFFFFF"/>
                 </a:solidFill>
@@ -28996,6 +33665,338 @@
 </file>
 
 <file path=ppt/slides/slide10.xml><?xml version="1.0" encoding="utf-8"?>
+<p:sld xmlns:a="http://schemas.openxmlformats.org/drawingml/2006/main" xmlns:r="http://schemas.openxmlformats.org/officeDocument/2006/relationships" xmlns:p="http://schemas.openxmlformats.org/presentationml/2006/main">
+  <p:cSld>
+    <p:spTree>
+      <p:nvGrpSpPr>
+        <p:cNvPr id="1" name=""/>
+        <p:cNvGrpSpPr/>
+        <p:nvPr/>
+      </p:nvGrpSpPr>
+      <p:grpSpPr>
+        <a:xfrm>
+          <a:off x="0" y="0"/>
+          <a:ext cx="0" cy="0"/>
+          <a:chOff x="0" y="0"/>
+          <a:chExt cx="0" cy="0"/>
+        </a:xfrm>
+      </p:grpSpPr>
+      <p:sp>
+        <p:nvSpPr>
+          <p:cNvPr id="2" name="Titel 1">
+            <a:extLst>
+              <a:ext uri="{FF2B5EF4-FFF2-40B4-BE49-F238E27FC236}">
+                <a16:creationId xmlns:a16="http://schemas.microsoft.com/office/drawing/2014/main" id="{0028F07C-0650-075C-382A-A1EEE94561FC}"/>
+              </a:ext>
+            </a:extLst>
+          </p:cNvPr>
+          <p:cNvSpPr>
+            <a:spLocks noGrp="1"/>
+          </p:cNvSpPr>
+          <p:nvPr>
+            <p:ph type="title"/>
+          </p:nvPr>
+        </p:nvSpPr>
+        <p:spPr/>
+        <p:txBody>
+          <a:bodyPr/>
+          <a:lstStyle/>
+          <a:p>
+            <a:r>
+              <a:rPr lang="de-DE" dirty="0"/>
+              <a:t>Modellsignifikanz</a:t>
+            </a:r>
+          </a:p>
+        </p:txBody>
+      </p:sp>
+      <mc:AlternateContent xmlns:mc="http://schemas.openxmlformats.org/markup-compatibility/2006" xmlns:a14="http://schemas.microsoft.com/office/drawing/2010/main">
+        <mc:Choice Requires="a14">
+          <p:sp>
+            <p:nvSpPr>
+              <p:cNvPr id="3" name="Inhaltsplatzhalter 2">
+                <a:extLst>
+                  <a:ext uri="{FF2B5EF4-FFF2-40B4-BE49-F238E27FC236}">
+                    <a16:creationId xmlns:a16="http://schemas.microsoft.com/office/drawing/2014/main" id="{3F0341A5-A330-0F87-293B-DE10A62776EE}"/>
+                  </a:ext>
+                </a:extLst>
+              </p:cNvPr>
+              <p:cNvSpPr>
+                <a:spLocks noGrp="1"/>
+              </p:cNvSpPr>
+              <p:nvPr>
+                <p:ph idx="1"/>
+              </p:nvPr>
+            </p:nvSpPr>
+            <p:spPr/>
+            <p:txBody>
+              <a:bodyPr/>
+              <a:lstStyle/>
+              <a:p>
+                <a:r>
+                  <a:rPr lang="de-DE" dirty="0"/>
+                  <a:t>Ist das Ergebnis aus unserem Modell signifikant besser als zufälliges Raten für die Vorhersage von Spielergebnissen (Heimsieg, Heimniederlage, Unentschieden)</a:t>
+                </a:r>
+              </a:p>
+              <a:p>
+                <a:r>
+                  <a:rPr lang="de-DE" dirty="0"/>
+                  <a:t>Was bedeutet „raten“? Wie hoch ist die Apriori Wahrscheinlichkeit?</a:t>
+                </a:r>
+              </a:p>
+              <a:p>
+                <a:pPr lvl="1"/>
+                <a:r>
+                  <a:rPr lang="de-DE" dirty="0"/>
+                  <a:t>Erste Annahme: Gleichverteilung bei reinem Zufalls: 1/3 für jeden Spielausgang</a:t>
+                </a:r>
+              </a:p>
+              <a:p>
+                <a:r>
+                  <a:rPr lang="de-DE" dirty="0"/>
+                  <a:t>Mit Hilfe statistischer Tests messen wir, ob unsere Prognoseergebnisse signifikant vom Zufälligen Raten abweicht</a:t>
+                </a:r>
+              </a:p>
+              <a:p>
+                <a:r>
+                  <a:rPr lang="de-DE" b="1" dirty="0" err="1"/>
+                  <a:t>McNemar</a:t>
+                </a:r>
+                <a:r>
+                  <a:rPr lang="de-DE" b="1" dirty="0"/>
+                  <a:t> Test:</a:t>
+                </a:r>
+              </a:p>
+              <a:p>
+                <a:pPr lvl="1"/>
+                <a:r>
+                  <a:rPr lang="de-DE" dirty="0"/>
+                  <a:t>Verfahren um Unterschiede zwischen zwei verbundenen Stichproben zu untersuchen. Test ist für binären Output geeignet (richtige Vorhersage vs. falsche Vorhersage)</a:t>
+                </a:r>
+              </a:p>
+              <a:p>
+                <a:pPr lvl="2"/>
+                <a:r>
+                  <a:rPr lang="de-DE" dirty="0"/>
+                  <a:t>Für unabhängige Stichproben: </a:t>
+                </a:r>
+                <a14:m>
+                  <m:oMath xmlns:m="http://schemas.openxmlformats.org/officeDocument/2006/math">
+                    <m:r>
+                      <a:rPr lang="de-DE" b="0" i="1" smtClean="0">
+                        <a:latin typeface="Cambria Math" panose="02040503050406030204" pitchFamily="18" charset="0"/>
+                      </a:rPr>
+                      <m:t> </m:t>
+                    </m:r>
+                    <m:sSup>
+                      <m:sSupPr>
+                        <m:ctrlPr>
+                          <a:rPr lang="de-DE" b="0" i="1" smtClean="0">
+                            <a:latin typeface="Cambria Math" panose="02040503050406030204" pitchFamily="18" charset="0"/>
+                          </a:rPr>
+                        </m:ctrlPr>
+                      </m:sSupPr>
+                      <m:e>
+                        <m:r>
+                          <a:rPr lang="de-DE" b="0" i="1" smtClean="0">
+                            <a:latin typeface="Cambria Math" panose="02040503050406030204" pitchFamily="18" charset="0"/>
+                          </a:rPr>
+                          <m:t>𝜒</m:t>
+                        </m:r>
+                      </m:e>
+                      <m:sup>
+                        <m:r>
+                          <a:rPr lang="de-DE" b="0" i="1" smtClean="0">
+                            <a:latin typeface="Cambria Math" panose="02040503050406030204" pitchFamily="18" charset="0"/>
+                          </a:rPr>
+                          <m:t>2</m:t>
+                        </m:r>
+                      </m:sup>
+                    </m:sSup>
+                  </m:oMath>
+                </a14:m>
+                <a:r>
+                  <a:rPr lang="de-DE" dirty="0"/>
+                  <a:t>-Test</a:t>
+                </a:r>
+              </a:p>
+              <a:p>
+                <a:pPr lvl="1"/>
+                <a:r>
+                  <a:rPr lang="de-DE" dirty="0"/>
+                  <a:t>Nullhypothese: </a:t>
+                </a:r>
+                <a14:m>
+                  <m:oMath xmlns:m="http://schemas.openxmlformats.org/officeDocument/2006/math">
+                    <m:sSub>
+                      <m:sSubPr>
+                        <m:ctrlPr>
+                          <a:rPr lang="de-DE" b="0" i="1" smtClean="0">
+                            <a:latin typeface="Cambria Math" panose="02040503050406030204" pitchFamily="18" charset="0"/>
+                          </a:rPr>
+                        </m:ctrlPr>
+                      </m:sSubPr>
+                      <m:e>
+                        <m:r>
+                          <a:rPr lang="de-DE" b="0" i="1" smtClean="0">
+                            <a:latin typeface="Cambria Math" panose="02040503050406030204" pitchFamily="18" charset="0"/>
+                          </a:rPr>
+                          <m:t>𝐻</m:t>
+                        </m:r>
+                      </m:e>
+                      <m:sub>
+                        <m:r>
+                          <a:rPr lang="de-DE" b="0" i="1" smtClean="0">
+                            <a:latin typeface="Cambria Math" panose="02040503050406030204" pitchFamily="18" charset="0"/>
+                          </a:rPr>
+                          <m:t>0</m:t>
+                        </m:r>
+                      </m:sub>
+                    </m:sSub>
+                  </m:oMath>
+                </a14:m>
+                <a:r>
+                  <a:rPr lang="de-DE" dirty="0"/>
+                  <a:t>: Kein Unterschied zwischen Stichprobe1 und Stichprobe2</a:t>
+                </a:r>
+              </a:p>
+              <a:p>
+                <a:pPr lvl="1"/>
+                <a:r>
+                  <a:rPr lang="de-DE" dirty="0"/>
+                  <a:t>Signifikanzniveau: </a:t>
+                </a:r>
+                <a14:m>
+                  <m:oMath xmlns:m="http://schemas.openxmlformats.org/officeDocument/2006/math">
+                    <m:r>
+                      <a:rPr lang="de-DE" b="0" i="1" smtClean="0">
+                        <a:latin typeface="Cambria Math" panose="02040503050406030204" pitchFamily="18" charset="0"/>
+                      </a:rPr>
+                      <m:t>𝛼</m:t>
+                    </m:r>
+                    <m:r>
+                      <a:rPr lang="de-DE" b="0" i="1" smtClean="0">
+                        <a:latin typeface="Cambria Math" panose="02040503050406030204" pitchFamily="18" charset="0"/>
+                      </a:rPr>
+                      <m:t>=0.05</m:t>
+                    </m:r>
+                  </m:oMath>
+                </a14:m>
+                <a:endParaRPr lang="de-DE" dirty="0"/>
+              </a:p>
+              <a:p>
+                <a:pPr lvl="1"/>
+                <a:endParaRPr lang="de-DE" dirty="0"/>
+              </a:p>
+            </p:txBody>
+          </p:sp>
+        </mc:Choice>
+        <mc:Fallback xmlns="">
+          <p:sp>
+            <p:nvSpPr>
+              <p:cNvPr id="3" name="Inhaltsplatzhalter 2">
+                <a:extLst>
+                  <a:ext uri="{FF2B5EF4-FFF2-40B4-BE49-F238E27FC236}">
+                    <a16:creationId xmlns:a16="http://schemas.microsoft.com/office/drawing/2014/main" id="{3F0341A5-A330-0F87-293B-DE10A62776EE}"/>
+                  </a:ext>
+                </a:extLst>
+              </p:cNvPr>
+              <p:cNvSpPr>
+                <a:spLocks noGrp="1" noRot="1" noChangeAspect="1" noMove="1" noResize="1" noEditPoints="1" noAdjustHandles="1" noChangeArrowheads="1" noChangeShapeType="1" noTextEdit="1"/>
+              </p:cNvSpPr>
+              <p:nvPr>
+                <p:ph idx="1"/>
+              </p:nvPr>
+            </p:nvSpPr>
+            <p:spPr>
+              <a:blipFill>
+                <a:blip r:embed="rId2"/>
+                <a:stretch>
+                  <a:fillRect l="-302" t="-422"/>
+                </a:stretch>
+              </a:blipFill>
+            </p:spPr>
+            <p:txBody>
+              <a:bodyPr/>
+              <a:lstStyle/>
+              <a:p>
+                <a:r>
+                  <a:rPr lang="de-DE">
+                    <a:noFill/>
+                  </a:rPr>
+                  <a:t> </a:t>
+                </a:r>
+              </a:p>
+            </p:txBody>
+          </p:sp>
+        </mc:Fallback>
+      </mc:AlternateContent>
+      <p:sp>
+        <p:nvSpPr>
+          <p:cNvPr id="4" name="Inhaltsplatzhalter 3">
+            <a:extLst>
+              <a:ext uri="{FF2B5EF4-FFF2-40B4-BE49-F238E27FC236}">
+                <a16:creationId xmlns:a16="http://schemas.microsoft.com/office/drawing/2014/main" id="{5BD51801-2E25-7842-3879-3F3D1DB0AA7D}"/>
+              </a:ext>
+            </a:extLst>
+          </p:cNvPr>
+          <p:cNvSpPr>
+            <a:spLocks noGrp="1"/>
+          </p:cNvSpPr>
+          <p:nvPr>
+            <p:ph sz="quarter" idx="10"/>
+          </p:nvPr>
+        </p:nvSpPr>
+        <p:spPr/>
+        <p:txBody>
+          <a:bodyPr/>
+          <a:lstStyle/>
+          <a:p>
+            <a:endParaRPr lang="de-DE" dirty="0"/>
+          </a:p>
+        </p:txBody>
+      </p:sp>
+      <p:sp>
+        <p:nvSpPr>
+          <p:cNvPr id="5" name="Textplatzhalter 4">
+            <a:extLst>
+              <a:ext uri="{FF2B5EF4-FFF2-40B4-BE49-F238E27FC236}">
+                <a16:creationId xmlns:a16="http://schemas.microsoft.com/office/drawing/2014/main" id="{3D8EF560-B43C-E3DA-96BF-89ECADFCACAD}"/>
+              </a:ext>
+            </a:extLst>
+          </p:cNvPr>
+          <p:cNvSpPr>
+            <a:spLocks noGrp="1"/>
+          </p:cNvSpPr>
+          <p:nvPr>
+            <p:ph type="body" sz="quarter" idx="12"/>
+          </p:nvPr>
+        </p:nvSpPr>
+        <p:spPr/>
+        <p:txBody>
+          <a:bodyPr/>
+          <a:lstStyle/>
+          <a:p>
+            <a:endParaRPr lang="de-DE"/>
+          </a:p>
+        </p:txBody>
+      </p:sp>
+    </p:spTree>
+    <p:extLst>
+      <p:ext uri="{BB962C8B-B14F-4D97-AF65-F5344CB8AC3E}">
+        <p14:creationId xmlns:p14="http://schemas.microsoft.com/office/powerpoint/2010/main" val="2430394750"/>
+      </p:ext>
+    </p:extLst>
+  </p:cSld>
+  <p:clrMapOvr>
+    <a:masterClrMapping/>
+  </p:clrMapOvr>
+  <p:transition>
+    <p:dissolve/>
+  </p:transition>
+</p:sld>
+</file>
+
+<file path=ppt/slides/slide11.xml><?xml version="1.0" encoding="utf-8"?>
 <p:sld xmlns:a="http://schemas.openxmlformats.org/drawingml/2006/main" xmlns:r="http://schemas.openxmlformats.org/officeDocument/2006/relationships" xmlns:p="http://schemas.openxmlformats.org/presentationml/2006/main">
   <p:cSld>
     <p:spTree>
@@ -36785,7 +41786,7 @@
 </p:sld>
 </file>
 
-<file path=ppt/slides/slide11.xml><?xml version="1.0" encoding="utf-8"?>
+<file path=ppt/slides/slide12.xml><?xml version="1.0" encoding="utf-8"?>
 <p:sld xmlns:a="http://schemas.openxmlformats.org/drawingml/2006/main" xmlns:r="http://schemas.openxmlformats.org/officeDocument/2006/relationships" xmlns:p="http://schemas.openxmlformats.org/presentationml/2006/main">
   <p:cSld>
     <p:spTree>
@@ -36879,7 +41880,7 @@
             <p:ph idx="1"/>
             <p:extLst>
               <p:ext uri="{D42A27DB-BD31-4B8C-83A1-F6EECF244321}">
-                <p14:modId xmlns:p14="http://schemas.microsoft.com/office/powerpoint/2010/main" val="2181706255"/>
+                <p14:modId xmlns:p14="http://schemas.microsoft.com/office/powerpoint/2010/main" val="2314218804"/>
               </p:ext>
             </p:extLst>
           </p:nvPr>
@@ -36915,7 +41916,7 @@
 </p:sld>
 </file>
 
-<file path=ppt/slides/slide12.xml><?xml version="1.0" encoding="utf-8"?>
+<file path=ppt/slides/slide13.xml><?xml version="1.0" encoding="utf-8"?>
 <p:sld xmlns:a="http://schemas.openxmlformats.org/drawingml/2006/main" xmlns:r="http://schemas.openxmlformats.org/officeDocument/2006/relationships" xmlns:p="http://schemas.openxmlformats.org/presentationml/2006/main">
   <p:cSld>
     <p:spTree>
@@ -38358,6 +43359,404 @@
           </a:p>
         </p:txBody>
       </p:sp>
+      <p:graphicFrame>
+        <p:nvGraphicFramePr>
+          <p:cNvPr id="6" name="Inhaltsplatzhalter 5">
+            <a:extLst>
+              <a:ext uri="{FF2B5EF4-FFF2-40B4-BE49-F238E27FC236}">
+                <a16:creationId xmlns:a16="http://schemas.microsoft.com/office/drawing/2014/main" id="{CFF37613-30A3-A1F1-3C0B-DFD128871914}"/>
+              </a:ext>
+            </a:extLst>
+          </p:cNvPr>
+          <p:cNvGraphicFramePr>
+            <a:graphicFrameLocks noGrp="1"/>
+          </p:cNvGraphicFramePr>
+          <p:nvPr>
+            <p:ph idx="1"/>
+            <p:extLst>
+              <p:ext uri="{D42A27DB-BD31-4B8C-83A1-F6EECF244321}">
+                <p14:modId xmlns:p14="http://schemas.microsoft.com/office/powerpoint/2010/main" val="3262534166"/>
+              </p:ext>
+            </p:extLst>
+          </p:nvPr>
+        </p:nvGraphicFramePr>
+        <p:xfrm>
+          <a:off x="573088" y="1536700"/>
+          <a:ext cx="8063999" cy="3340100"/>
+        </p:xfrm>
+        <a:graphic>
+          <a:graphicData uri="http://schemas.openxmlformats.org/drawingml/2006/diagram">
+            <dgm:relIds xmlns:dgm="http://schemas.openxmlformats.org/drawingml/2006/diagram" xmlns:r="http://schemas.openxmlformats.org/officeDocument/2006/relationships" r:dm="rId2" r:lo="rId3" r:qs="rId4" r:cs="rId5"/>
+          </a:graphicData>
+        </a:graphic>
+      </p:graphicFrame>
+      <p:sp>
+        <p:nvSpPr>
+          <p:cNvPr id="4" name="Textplatzhalter 3"/>
+          <p:cNvSpPr>
+            <a:spLocks noGrp="1"/>
+          </p:cNvSpPr>
+          <p:nvPr>
+            <p:ph type="body" sz="quarter" idx="12"/>
+          </p:nvPr>
+        </p:nvSpPr>
+        <p:spPr/>
+        <p:txBody>
+          <a:bodyPr/>
+          <a:lstStyle/>
+          <a:p>
+            <a:r>
+              <a:rPr lang="de-DE" dirty="0"/>
+              <a:t>Web-</a:t>
+            </a:r>
+            <a:r>
+              <a:rPr lang="de-DE" dirty="0" err="1"/>
+              <a:t>Scraping</a:t>
+            </a:r>
+            <a:endParaRPr lang="de-DE" dirty="0"/>
+          </a:p>
+        </p:txBody>
+      </p:sp>
+      <p:sp>
+        <p:nvSpPr>
+          <p:cNvPr id="5" name="Textfeld 4">
+            <a:extLst>
+              <a:ext uri="{FF2B5EF4-FFF2-40B4-BE49-F238E27FC236}">
+                <a16:creationId xmlns:a16="http://schemas.microsoft.com/office/drawing/2014/main" id="{77051B69-01C7-D1DF-216B-5B76C763DA89}"/>
+              </a:ext>
+            </a:extLst>
+          </p:cNvPr>
+          <p:cNvSpPr txBox="1"/>
+          <p:nvPr/>
+        </p:nvSpPr>
+        <p:spPr>
+          <a:xfrm>
+            <a:off x="483500" y="6028579"/>
+            <a:ext cx="6603100" cy="246221"/>
+          </a:xfrm>
+          <a:prstGeom prst="rect">
+            <a:avLst/>
+          </a:prstGeom>
+          <a:noFill/>
+        </p:spPr>
+        <p:txBody>
+          <a:bodyPr wrap="square" rtlCol="0">
+            <a:spAutoFit/>
+          </a:bodyPr>
+          <a:lstStyle/>
+          <a:p>
+            <a:pPr algn="l"/>
+            <a:r>
+              <a:rPr lang="de-DE" sz="1000" baseline="30000" dirty="0">
+                <a:solidFill>
+                  <a:schemeClr val="tx1"/>
+                </a:solidFill>
+              </a:rPr>
+              <a:t>1</a:t>
+            </a:r>
+            <a:r>
+              <a:rPr lang="de-DE" sz="1000" dirty="0">
+                <a:solidFill>
+                  <a:schemeClr val="tx1"/>
+                </a:solidFill>
+              </a:rPr>
+              <a:t> </a:t>
+            </a:r>
+            <a:r>
+              <a:rPr lang="de-DE" sz="800" dirty="0">
+                <a:solidFill>
+                  <a:schemeClr val="tx1"/>
+                </a:solidFill>
+                <a:hlinkClick r:id="rId7">
+                  <a:extLst>
+                    <a:ext uri="{A12FA001-AC4F-418D-AE19-62706E023703}">
+                      <ahyp:hlinkClr xmlns:ahyp="http://schemas.microsoft.com/office/drawing/2018/hyperlinkcolor" val="tx"/>
+                    </a:ext>
+                  </a:extLst>
+                </a:hlinkClick>
+              </a:rPr>
+              <a:t>https://www.wetterkontor.de/de/wetter/deutschland/extremwerte.asp?id=20110101</a:t>
+            </a:r>
+            <a:r>
+              <a:rPr lang="de-DE" sz="800" dirty="0">
+                <a:solidFill>
+                  <a:schemeClr val="tx1"/>
+                </a:solidFill>
+              </a:rPr>
+              <a:t> (z. B.)</a:t>
+            </a:r>
+          </a:p>
+        </p:txBody>
+      </p:sp>
+      <p:sp>
+        <p:nvSpPr>
+          <p:cNvPr id="7" name="Textfeld 6">
+            <a:extLst>
+              <a:ext uri="{FF2B5EF4-FFF2-40B4-BE49-F238E27FC236}">
+                <a16:creationId xmlns:a16="http://schemas.microsoft.com/office/drawing/2014/main" id="{90455E42-75B9-0940-1B99-FD1A4D89C18D}"/>
+              </a:ext>
+            </a:extLst>
+          </p:cNvPr>
+          <p:cNvSpPr txBox="1"/>
+          <p:nvPr/>
+        </p:nvSpPr>
+        <p:spPr>
+          <a:xfrm>
+            <a:off x="572400" y="1473200"/>
+            <a:ext cx="8063999" cy="938719"/>
+          </a:xfrm>
+          <a:prstGeom prst="rect">
+            <a:avLst/>
+          </a:prstGeom>
+          <a:noFill/>
+        </p:spPr>
+        <p:txBody>
+          <a:bodyPr wrap="square" rtlCol="0">
+            <a:spAutoFit/>
+          </a:bodyPr>
+          <a:lstStyle/>
+          <a:p>
+            <a:pPr algn="l"/>
+            <a:r>
+              <a:rPr lang="de-DE" sz="1600" dirty="0" err="1">
+                <a:solidFill>
+                  <a:schemeClr val="tx1"/>
+                </a:solidFill>
+              </a:rPr>
+              <a:t>Scrapen</a:t>
+            </a:r>
+            <a:r>
+              <a:rPr lang="de-DE" sz="1600" dirty="0">
+                <a:solidFill>
+                  <a:schemeClr val="tx1"/>
+                </a:solidFill>
+              </a:rPr>
+              <a:t> von täglichen </a:t>
+            </a:r>
+            <a:r>
+              <a:rPr lang="de-DE" sz="1600" b="1" dirty="0">
+                <a:solidFill>
+                  <a:schemeClr val="tx1"/>
+                </a:solidFill>
+              </a:rPr>
+              <a:t>Wetterdaten</a:t>
+            </a:r>
+            <a:r>
+              <a:rPr lang="de-DE" sz="1600" baseline="30000" dirty="0">
+                <a:solidFill>
+                  <a:schemeClr val="tx1"/>
+                </a:solidFill>
+              </a:rPr>
+              <a:t>1</a:t>
+            </a:r>
+            <a:r>
+              <a:rPr lang="de-DE" sz="1600" dirty="0">
+                <a:solidFill>
+                  <a:schemeClr val="tx1"/>
+                </a:solidFill>
+              </a:rPr>
+              <a:t> unter Verwendung von </a:t>
+            </a:r>
+            <a:r>
+              <a:rPr lang="de-DE" sz="1600" i="1" dirty="0" err="1">
+                <a:solidFill>
+                  <a:schemeClr val="tx1"/>
+                </a:solidFill>
+              </a:rPr>
+              <a:t>BeautifulSoup</a:t>
+            </a:r>
+            <a:r>
+              <a:rPr lang="de-DE" sz="1600" dirty="0">
+                <a:solidFill>
+                  <a:schemeClr val="tx1"/>
+                </a:solidFill>
+              </a:rPr>
+              <a:t> in Python</a:t>
+            </a:r>
+          </a:p>
+          <a:p>
+            <a:pPr marL="742950" lvl="1" indent="-285750" algn="l">
+              <a:buFont typeface="Arial" panose="020B0604020202020204" pitchFamily="34" charset="0"/>
+              <a:buChar char="•"/>
+            </a:pPr>
+            <a:r>
+              <a:rPr lang="de-DE" sz="1300" dirty="0">
+                <a:solidFill>
+                  <a:schemeClr val="tx1"/>
+                </a:solidFill>
+              </a:rPr>
+              <a:t>Wetterdaten erst ab 2011-01-01 (Imputation für Vergangenheitsdaten)</a:t>
+            </a:r>
+          </a:p>
+          <a:p>
+            <a:pPr marL="742950" lvl="1" indent="-285750" algn="l">
+              <a:buFont typeface="Arial" panose="020B0604020202020204" pitchFamily="34" charset="0"/>
+              <a:buChar char="•"/>
+            </a:pPr>
+            <a:r>
+              <a:rPr lang="de-DE" sz="1300" dirty="0">
+                <a:solidFill>
+                  <a:schemeClr val="tx1"/>
+                </a:solidFill>
+              </a:rPr>
+              <a:t>Stadt </a:t>
+            </a:r>
+            <a:r>
+              <a:rPr lang="de-DE" sz="1300" dirty="0">
+                <a:solidFill>
+                  <a:schemeClr val="tx1"/>
+                </a:solidFill>
+                <a:sym typeface="Wingdings" panose="05000000000000000000" pitchFamily="2" charset="2"/>
+              </a:rPr>
+              <a:t></a:t>
+            </a:r>
+            <a:r>
+              <a:rPr lang="de-DE" sz="1300" dirty="0">
+                <a:solidFill>
+                  <a:schemeClr val="tx1"/>
+                </a:solidFill>
+              </a:rPr>
+              <a:t> Wetterstationen (manuelles </a:t>
+            </a:r>
+            <a:r>
+              <a:rPr lang="de-DE" sz="1300" dirty="0" err="1">
+                <a:solidFill>
+                  <a:schemeClr val="tx1"/>
+                </a:solidFill>
+              </a:rPr>
+              <a:t>Matching</a:t>
+            </a:r>
+            <a:r>
+              <a:rPr lang="de-DE" sz="1300" dirty="0">
+                <a:solidFill>
+                  <a:schemeClr val="tx1"/>
+                </a:solidFill>
+              </a:rPr>
+              <a:t> notwendig)</a:t>
+            </a:r>
+          </a:p>
+          <a:p>
+            <a:pPr marL="742950" lvl="1" indent="-285750" algn="l">
+              <a:buFont typeface="Arial" panose="020B0604020202020204" pitchFamily="34" charset="0"/>
+              <a:buChar char="•"/>
+            </a:pPr>
+            <a:r>
+              <a:rPr lang="de-DE" sz="1300" dirty="0">
+                <a:solidFill>
+                  <a:schemeClr val="tx1"/>
+                </a:solidFill>
+              </a:rPr>
+              <a:t>Wetterprognosen für die Zukunft </a:t>
+            </a:r>
+            <a:r>
+              <a:rPr lang="de-DE" sz="1300" dirty="0" err="1">
+                <a:solidFill>
+                  <a:schemeClr val="tx1"/>
+                </a:solidFill>
+              </a:rPr>
+              <a:t>scrapen</a:t>
+            </a:r>
+            <a:r>
+              <a:rPr lang="de-DE" sz="1300" dirty="0">
+                <a:solidFill>
+                  <a:schemeClr val="tx1"/>
+                </a:solidFill>
+              </a:rPr>
+              <a:t>?</a:t>
+            </a:r>
+          </a:p>
+        </p:txBody>
+      </p:sp>
+      <p:pic>
+        <p:nvPicPr>
+          <p:cNvPr id="10" name="Grafik 9">
+            <a:extLst>
+              <a:ext uri="{FF2B5EF4-FFF2-40B4-BE49-F238E27FC236}">
+                <a16:creationId xmlns:a16="http://schemas.microsoft.com/office/drawing/2014/main" id="{B05A71C2-3413-1CBC-1C06-0BCEAA4B35AE}"/>
+              </a:ext>
+            </a:extLst>
+          </p:cNvPr>
+          <p:cNvPicPr>
+            <a:picLocks noChangeAspect="1"/>
+          </p:cNvPicPr>
+          <p:nvPr/>
+        </p:nvPicPr>
+        <p:blipFill>
+          <a:blip r:embed="rId8"/>
+          <a:stretch>
+            <a:fillRect/>
+          </a:stretch>
+        </p:blipFill>
+        <p:spPr>
+          <a:xfrm>
+            <a:off x="2274395" y="4032199"/>
+            <a:ext cx="4660008" cy="1842803"/>
+          </a:xfrm>
+          <a:prstGeom prst="rect">
+            <a:avLst/>
+          </a:prstGeom>
+        </p:spPr>
+      </p:pic>
+    </p:spTree>
+    <p:extLst>
+      <p:ext uri="{BB962C8B-B14F-4D97-AF65-F5344CB8AC3E}">
+        <p14:creationId xmlns:p14="http://schemas.microsoft.com/office/powerpoint/2010/main" val="2626745855"/>
+      </p:ext>
+    </p:extLst>
+  </p:cSld>
+  <p:clrMapOvr>
+    <a:masterClrMapping/>
+  </p:clrMapOvr>
+  <mc:AlternateContent xmlns:mc="http://schemas.openxmlformats.org/markup-compatibility/2006">
+    <mc:Choice xmlns:p14="http://schemas.microsoft.com/office/powerpoint/2010/main" Requires="p14">
+      <p:transition p14:dur="0"/>
+    </mc:Choice>
+    <mc:Fallback>
+      <p:transition/>
+    </mc:Fallback>
+  </mc:AlternateContent>
+</p:sld>
+</file>
+
+<file path=ppt/slides/slide9.xml><?xml version="1.0" encoding="utf-8"?>
+<p:sld xmlns:a="http://schemas.openxmlformats.org/drawingml/2006/main" xmlns:r="http://schemas.openxmlformats.org/officeDocument/2006/relationships" xmlns:p="http://schemas.openxmlformats.org/presentationml/2006/main">
+  <p:cSld>
+    <p:spTree>
+      <p:nvGrpSpPr>
+        <p:cNvPr id="1" name=""/>
+        <p:cNvGrpSpPr/>
+        <p:nvPr/>
+      </p:nvGrpSpPr>
+      <p:grpSpPr>
+        <a:xfrm>
+          <a:off x="0" y="0"/>
+          <a:ext cx="0" cy="0"/>
+          <a:chOff x="0" y="0"/>
+          <a:chExt cx="0" cy="0"/>
+        </a:xfrm>
+      </p:grpSpPr>
+      <p:sp>
+        <p:nvSpPr>
+          <p:cNvPr id="2" name="Titel 1"/>
+          <p:cNvSpPr>
+            <a:spLocks noGrp="1"/>
+          </p:cNvSpPr>
+          <p:nvPr>
+            <p:ph type="title"/>
+          </p:nvPr>
+        </p:nvSpPr>
+        <p:spPr/>
+        <p:txBody>
+          <a:bodyPr/>
+          <a:lstStyle/>
+          <a:p>
+            <a:r>
+              <a:rPr lang="de-DE" dirty="0"/>
+              <a:t>Web Mining</a:t>
+            </a:r>
+          </a:p>
+        </p:txBody>
+      </p:sp>
       <mc:AlternateContent xmlns:mc="http://schemas.openxmlformats.org/markup-compatibility/2006" xmlns:a14="http://schemas.microsoft.com/office/drawing/2010/main">
         <mc:Choice Requires="a14">
           <p:sp>
@@ -38671,338 +44070,6 @@
 </p:sld>
 </file>
 
-<file path=ppt/slides/slide9.xml><?xml version="1.0" encoding="utf-8"?>
-<p:sld xmlns:a="http://schemas.openxmlformats.org/drawingml/2006/main" xmlns:r="http://schemas.openxmlformats.org/officeDocument/2006/relationships" xmlns:p="http://schemas.openxmlformats.org/presentationml/2006/main">
-  <p:cSld>
-    <p:spTree>
-      <p:nvGrpSpPr>
-        <p:cNvPr id="1" name=""/>
-        <p:cNvGrpSpPr/>
-        <p:nvPr/>
-      </p:nvGrpSpPr>
-      <p:grpSpPr>
-        <a:xfrm>
-          <a:off x="0" y="0"/>
-          <a:ext cx="0" cy="0"/>
-          <a:chOff x="0" y="0"/>
-          <a:chExt cx="0" cy="0"/>
-        </a:xfrm>
-      </p:grpSpPr>
-      <p:sp>
-        <p:nvSpPr>
-          <p:cNvPr id="2" name="Titel 1">
-            <a:extLst>
-              <a:ext uri="{FF2B5EF4-FFF2-40B4-BE49-F238E27FC236}">
-                <a16:creationId xmlns:a16="http://schemas.microsoft.com/office/drawing/2014/main" id="{0028F07C-0650-075C-382A-A1EEE94561FC}"/>
-              </a:ext>
-            </a:extLst>
-          </p:cNvPr>
-          <p:cNvSpPr>
-            <a:spLocks noGrp="1"/>
-          </p:cNvSpPr>
-          <p:nvPr>
-            <p:ph type="title"/>
-          </p:nvPr>
-        </p:nvSpPr>
-        <p:spPr/>
-        <p:txBody>
-          <a:bodyPr/>
-          <a:lstStyle/>
-          <a:p>
-            <a:r>
-              <a:rPr lang="de-DE" dirty="0"/>
-              <a:t>Modellsignifikanz</a:t>
-            </a:r>
-          </a:p>
-        </p:txBody>
-      </p:sp>
-      <mc:AlternateContent xmlns:mc="http://schemas.openxmlformats.org/markup-compatibility/2006" xmlns:a14="http://schemas.microsoft.com/office/drawing/2010/main">
-        <mc:Choice Requires="a14">
-          <p:sp>
-            <p:nvSpPr>
-              <p:cNvPr id="3" name="Inhaltsplatzhalter 2">
-                <a:extLst>
-                  <a:ext uri="{FF2B5EF4-FFF2-40B4-BE49-F238E27FC236}">
-                    <a16:creationId xmlns:a16="http://schemas.microsoft.com/office/drawing/2014/main" id="{3F0341A5-A330-0F87-293B-DE10A62776EE}"/>
-                  </a:ext>
-                </a:extLst>
-              </p:cNvPr>
-              <p:cNvSpPr>
-                <a:spLocks noGrp="1"/>
-              </p:cNvSpPr>
-              <p:nvPr>
-                <p:ph idx="1"/>
-              </p:nvPr>
-            </p:nvSpPr>
-            <p:spPr/>
-            <p:txBody>
-              <a:bodyPr/>
-              <a:lstStyle/>
-              <a:p>
-                <a:r>
-                  <a:rPr lang="de-DE" dirty="0"/>
-                  <a:t>Ist das Ergebnis aus unserem Modell signifikant besser als zufälliges Raten für die Vorhersage von Spielergebnissen (Heimsieg, Heimniederlage, Unentschieden)</a:t>
-                </a:r>
-              </a:p>
-              <a:p>
-                <a:r>
-                  <a:rPr lang="de-DE" dirty="0"/>
-                  <a:t>Was bedeutet „raten“? Wie hoch ist die Apriori Wahrscheinlichkeit?</a:t>
-                </a:r>
-              </a:p>
-              <a:p>
-                <a:pPr lvl="1"/>
-                <a:r>
-                  <a:rPr lang="de-DE" dirty="0"/>
-                  <a:t>Erste Annahme: Gleichverteilung bei reinem Zufalls: 1/3 für jeden Spielausgang</a:t>
-                </a:r>
-              </a:p>
-              <a:p>
-                <a:r>
-                  <a:rPr lang="de-DE" dirty="0"/>
-                  <a:t>Mit Hilfe statistischer Tests messen wir, ob unsere Prognoseergebnisse signifikant vom Zufälligen Raten abweicht</a:t>
-                </a:r>
-              </a:p>
-              <a:p>
-                <a:r>
-                  <a:rPr lang="de-DE" b="1" dirty="0" err="1"/>
-                  <a:t>McNemar</a:t>
-                </a:r>
-                <a:r>
-                  <a:rPr lang="de-DE" b="1" dirty="0"/>
-                  <a:t> Test:</a:t>
-                </a:r>
-              </a:p>
-              <a:p>
-                <a:pPr lvl="1"/>
-                <a:r>
-                  <a:rPr lang="de-DE" dirty="0"/>
-                  <a:t>Verfahren um Unterschiede zwischen zwei verbundenen Stichproben zu untersuchen. Test ist für binären Output geeignet (richtige Vorhersage vs. falsche Vorhersage)</a:t>
-                </a:r>
-              </a:p>
-              <a:p>
-                <a:pPr lvl="2"/>
-                <a:r>
-                  <a:rPr lang="de-DE" dirty="0"/>
-                  <a:t>Für unabhängige Stichproben: </a:t>
-                </a:r>
-                <a14:m>
-                  <m:oMath xmlns:m="http://schemas.openxmlformats.org/officeDocument/2006/math">
-                    <m:r>
-                      <a:rPr lang="de-DE" b="0" i="1" smtClean="0">
-                        <a:latin typeface="Cambria Math" panose="02040503050406030204" pitchFamily="18" charset="0"/>
-                      </a:rPr>
-                      <m:t> </m:t>
-                    </m:r>
-                    <m:sSup>
-                      <m:sSupPr>
-                        <m:ctrlPr>
-                          <a:rPr lang="de-DE" b="0" i="1" smtClean="0">
-                            <a:latin typeface="Cambria Math" panose="02040503050406030204" pitchFamily="18" charset="0"/>
-                          </a:rPr>
-                        </m:ctrlPr>
-                      </m:sSupPr>
-                      <m:e>
-                        <m:r>
-                          <a:rPr lang="de-DE" b="0" i="1" smtClean="0">
-                            <a:latin typeface="Cambria Math" panose="02040503050406030204" pitchFamily="18" charset="0"/>
-                          </a:rPr>
-                          <m:t>𝜒</m:t>
-                        </m:r>
-                      </m:e>
-                      <m:sup>
-                        <m:r>
-                          <a:rPr lang="de-DE" b="0" i="1" smtClean="0">
-                            <a:latin typeface="Cambria Math" panose="02040503050406030204" pitchFamily="18" charset="0"/>
-                          </a:rPr>
-                          <m:t>2</m:t>
-                        </m:r>
-                      </m:sup>
-                    </m:sSup>
-                  </m:oMath>
-                </a14:m>
-                <a:r>
-                  <a:rPr lang="de-DE" dirty="0"/>
-                  <a:t>-Test</a:t>
-                </a:r>
-              </a:p>
-              <a:p>
-                <a:pPr lvl="1"/>
-                <a:r>
-                  <a:rPr lang="de-DE" dirty="0"/>
-                  <a:t>Nullhypothese: </a:t>
-                </a:r>
-                <a14:m>
-                  <m:oMath xmlns:m="http://schemas.openxmlformats.org/officeDocument/2006/math">
-                    <m:sSub>
-                      <m:sSubPr>
-                        <m:ctrlPr>
-                          <a:rPr lang="de-DE" b="0" i="1" smtClean="0">
-                            <a:latin typeface="Cambria Math" panose="02040503050406030204" pitchFamily="18" charset="0"/>
-                          </a:rPr>
-                        </m:ctrlPr>
-                      </m:sSubPr>
-                      <m:e>
-                        <m:r>
-                          <a:rPr lang="de-DE" b="0" i="1" smtClean="0">
-                            <a:latin typeface="Cambria Math" panose="02040503050406030204" pitchFamily="18" charset="0"/>
-                          </a:rPr>
-                          <m:t>𝐻</m:t>
-                        </m:r>
-                      </m:e>
-                      <m:sub>
-                        <m:r>
-                          <a:rPr lang="de-DE" b="0" i="1" smtClean="0">
-                            <a:latin typeface="Cambria Math" panose="02040503050406030204" pitchFamily="18" charset="0"/>
-                          </a:rPr>
-                          <m:t>0</m:t>
-                        </m:r>
-                      </m:sub>
-                    </m:sSub>
-                  </m:oMath>
-                </a14:m>
-                <a:r>
-                  <a:rPr lang="de-DE" dirty="0"/>
-                  <a:t>: Kein Unterschied zwischen Stichprobe1 und Stichprobe2</a:t>
-                </a:r>
-              </a:p>
-              <a:p>
-                <a:pPr lvl="1"/>
-                <a:r>
-                  <a:rPr lang="de-DE" dirty="0"/>
-                  <a:t>Signifikanzniveau: </a:t>
-                </a:r>
-                <a14:m>
-                  <m:oMath xmlns:m="http://schemas.openxmlformats.org/officeDocument/2006/math">
-                    <m:r>
-                      <a:rPr lang="de-DE" b="0" i="1" smtClean="0">
-                        <a:latin typeface="Cambria Math" panose="02040503050406030204" pitchFamily="18" charset="0"/>
-                      </a:rPr>
-                      <m:t>𝛼</m:t>
-                    </m:r>
-                    <m:r>
-                      <a:rPr lang="de-DE" b="0" i="1" smtClean="0">
-                        <a:latin typeface="Cambria Math" panose="02040503050406030204" pitchFamily="18" charset="0"/>
-                      </a:rPr>
-                      <m:t>=0.05</m:t>
-                    </m:r>
-                  </m:oMath>
-                </a14:m>
-                <a:endParaRPr lang="de-DE" dirty="0"/>
-              </a:p>
-              <a:p>
-                <a:pPr lvl="1"/>
-                <a:endParaRPr lang="de-DE" dirty="0"/>
-              </a:p>
-            </p:txBody>
-          </p:sp>
-        </mc:Choice>
-        <mc:Fallback xmlns="">
-          <p:sp>
-            <p:nvSpPr>
-              <p:cNvPr id="3" name="Inhaltsplatzhalter 2">
-                <a:extLst>
-                  <a:ext uri="{FF2B5EF4-FFF2-40B4-BE49-F238E27FC236}">
-                    <a16:creationId xmlns:a16="http://schemas.microsoft.com/office/drawing/2014/main" id="{3F0341A5-A330-0F87-293B-DE10A62776EE}"/>
-                  </a:ext>
-                </a:extLst>
-              </p:cNvPr>
-              <p:cNvSpPr>
-                <a:spLocks noGrp="1" noRot="1" noChangeAspect="1" noMove="1" noResize="1" noEditPoints="1" noAdjustHandles="1" noChangeArrowheads="1" noChangeShapeType="1" noTextEdit="1"/>
-              </p:cNvSpPr>
-              <p:nvPr>
-                <p:ph idx="1"/>
-              </p:nvPr>
-            </p:nvSpPr>
-            <p:spPr>
-              <a:blipFill>
-                <a:blip r:embed="rId2"/>
-                <a:stretch>
-                  <a:fillRect l="-302" t="-422"/>
-                </a:stretch>
-              </a:blipFill>
-            </p:spPr>
-            <p:txBody>
-              <a:bodyPr/>
-              <a:lstStyle/>
-              <a:p>
-                <a:r>
-                  <a:rPr lang="de-DE">
-                    <a:noFill/>
-                  </a:rPr>
-                  <a:t> </a:t>
-                </a:r>
-              </a:p>
-            </p:txBody>
-          </p:sp>
-        </mc:Fallback>
-      </mc:AlternateContent>
-      <p:sp>
-        <p:nvSpPr>
-          <p:cNvPr id="4" name="Inhaltsplatzhalter 3">
-            <a:extLst>
-              <a:ext uri="{FF2B5EF4-FFF2-40B4-BE49-F238E27FC236}">
-                <a16:creationId xmlns:a16="http://schemas.microsoft.com/office/drawing/2014/main" id="{5BD51801-2E25-7842-3879-3F3D1DB0AA7D}"/>
-              </a:ext>
-            </a:extLst>
-          </p:cNvPr>
-          <p:cNvSpPr>
-            <a:spLocks noGrp="1"/>
-          </p:cNvSpPr>
-          <p:nvPr>
-            <p:ph sz="quarter" idx="10"/>
-          </p:nvPr>
-        </p:nvSpPr>
-        <p:spPr/>
-        <p:txBody>
-          <a:bodyPr/>
-          <a:lstStyle/>
-          <a:p>
-            <a:endParaRPr lang="de-DE" dirty="0"/>
-          </a:p>
-        </p:txBody>
-      </p:sp>
-      <p:sp>
-        <p:nvSpPr>
-          <p:cNvPr id="5" name="Textplatzhalter 4">
-            <a:extLst>
-              <a:ext uri="{FF2B5EF4-FFF2-40B4-BE49-F238E27FC236}">
-                <a16:creationId xmlns:a16="http://schemas.microsoft.com/office/drawing/2014/main" id="{3D8EF560-B43C-E3DA-96BF-89ECADFCACAD}"/>
-              </a:ext>
-            </a:extLst>
-          </p:cNvPr>
-          <p:cNvSpPr>
-            <a:spLocks noGrp="1"/>
-          </p:cNvSpPr>
-          <p:nvPr>
-            <p:ph type="body" sz="quarter" idx="12"/>
-          </p:nvPr>
-        </p:nvSpPr>
-        <p:spPr/>
-        <p:txBody>
-          <a:bodyPr/>
-          <a:lstStyle/>
-          <a:p>
-            <a:endParaRPr lang="de-DE"/>
-          </a:p>
-        </p:txBody>
-      </p:sp>
-    </p:spTree>
-    <p:extLst>
-      <p:ext uri="{BB962C8B-B14F-4D97-AF65-F5344CB8AC3E}">
-        <p14:creationId xmlns:p14="http://schemas.microsoft.com/office/powerpoint/2010/main" val="2430394750"/>
-      </p:ext>
-    </p:extLst>
-  </p:cSld>
-  <p:clrMapOvr>
-    <a:masterClrMapping/>
-  </p:clrMapOvr>
-  <p:transition>
-    <p:dissolve/>
-  </p:transition>
-</p:sld>
-</file>
-
 <file path=ppt/tags/tag1.xml><?xml version="1.0" encoding="utf-8"?>
 <p:tagLst xmlns:a="http://schemas.openxmlformats.org/drawingml/2006/main" xmlns:r="http://schemas.openxmlformats.org/officeDocument/2006/relationships" xmlns:p="http://schemas.openxmlformats.org/presentationml/2006/main">
   <p:tag name="THINKCELLUNDODONOTDELETE" val="0"/>
@@ -39277,14 +44344,14 @@
         <a:effectLst/>
         <a:extLst>
           <a:ext uri="{909E8E84-426E-40dd-AFC4-6F175D3DCCD1}">
-            <a14:hiddenFill xmlns="" xmlns:a14="http://schemas.microsoft.com/office/drawing/2010/main">
+            <a14:hiddenFill xmlns:a14="http://schemas.microsoft.com/office/drawing/2010/main" xmlns="">
               <a:solidFill>
                 <a:schemeClr val="accent2"/>
               </a:solidFill>
             </a14:hiddenFill>
           </a:ext>
           <a:ext uri="{AF507438-7753-43e0-B8FC-AC1667EBCBE1}">
-            <a14:hiddenEffects xmlns="" xmlns:a14="http://schemas.microsoft.com/office/drawing/2010/main">
+            <a14:hiddenEffects xmlns:a14="http://schemas.microsoft.com/office/drawing/2010/main" xmlns="">
               <a:effectLst>
                 <a:outerShdw blurRad="63500" dist="35921" dir="2700000" algn="ctr" rotWithShape="0">
                   <a:schemeClr val="bg2"/>
@@ -39357,14 +44424,14 @@
         <a:effectLst/>
         <a:extLst>
           <a:ext uri="{909E8E84-426E-40dd-AFC4-6F175D3DCCD1}">
-            <a14:hiddenFill xmlns="" xmlns:a14="http://schemas.microsoft.com/office/drawing/2010/main">
+            <a14:hiddenFill xmlns:a14="http://schemas.microsoft.com/office/drawing/2010/main" xmlns="">
               <a:solidFill>
                 <a:schemeClr val="accent2"/>
               </a:solidFill>
             </a14:hiddenFill>
           </a:ext>
           <a:ext uri="{AF507438-7753-43e0-B8FC-AC1667EBCBE1}">
-            <a14:hiddenEffects xmlns="" xmlns:a14="http://schemas.microsoft.com/office/drawing/2010/main">
+            <a14:hiddenEffects xmlns:a14="http://schemas.microsoft.com/office/drawing/2010/main" xmlns="">
               <a:effectLst>
                 <a:outerShdw blurRad="63500" dist="35921" dir="2700000" algn="ctr" rotWithShape="0">
                   <a:schemeClr val="bg2"/>
